--- a/dl4j_in_action.pptx
+++ b/dl4j_in_action.pptx
@@ -5,10 +5,10 @@
     <p:sldMasterId id="2147483663" r:id="rId5"/>
   </p:sldMasterIdLst>
   <p:notesMasterIdLst>
-    <p:notesMasterId r:id="rId23"/>
+    <p:notesMasterId r:id="rId31"/>
   </p:notesMasterIdLst>
   <p:handoutMasterIdLst>
-    <p:handoutMasterId r:id="rId24"/>
+    <p:handoutMasterId r:id="rId32"/>
   </p:handoutMasterIdLst>
   <p:sldIdLst>
     <p:sldId id="276" r:id="rId6"/>
@@ -25,9 +25,17 @@
     <p:sldId id="293" r:id="rId17"/>
     <p:sldId id="294" r:id="rId18"/>
     <p:sldId id="295" r:id="rId19"/>
-    <p:sldId id="266" r:id="rId20"/>
-    <p:sldId id="282" r:id="rId21"/>
-    <p:sldId id="277" r:id="rId22"/>
+    <p:sldId id="304" r:id="rId20"/>
+    <p:sldId id="296" r:id="rId21"/>
+    <p:sldId id="297" r:id="rId22"/>
+    <p:sldId id="300" r:id="rId23"/>
+    <p:sldId id="301" r:id="rId24"/>
+    <p:sldId id="302" r:id="rId25"/>
+    <p:sldId id="303" r:id="rId26"/>
+    <p:sldId id="305" r:id="rId27"/>
+    <p:sldId id="306" r:id="rId28"/>
+    <p:sldId id="282" r:id="rId29"/>
+    <p:sldId id="277" r:id="rId30"/>
   </p:sldIdLst>
   <p:sldSz cx="9144000" cy="5143500" type="screen16x9"/>
   <p:notesSz cx="6834188" cy="9979025"/>
@@ -128,7 +136,7 @@
   </p:defaultTextStyle>
   <p:extLst>
     <p:ext uri="{EFAFB233-063F-42B5-8137-9DF3F51BA10A}">
-      <p15:sldGuideLst xmlns="" xmlns:p15="http://schemas.microsoft.com/office/powerpoint/2012/main">
+      <p15:sldGuideLst xmlns:p15="http://schemas.microsoft.com/office/powerpoint/2012/main" xmlns="">
         <p15:guide id="1" orient="horz" pos="2723">
           <p15:clr>
             <a:srgbClr val="A4A3A4"/>
@@ -212,7 +220,7 @@
       </p15:sldGuideLst>
     </p:ext>
     <p:ext uri="{2D200454-40CA-4A62-9FC3-DE9A4176ACB9}">
-      <p15:notesGuideLst xmlns="" xmlns:p15="http://schemas.microsoft.com/office/powerpoint/2012/main">
+      <p15:notesGuideLst xmlns:p15="http://schemas.microsoft.com/office/powerpoint/2012/main" xmlns="">
         <p15:guide id="1" orient="horz" pos="3143">
           <p15:clr>
             <a:srgbClr val="A4A3A4"/>
@@ -977,6 +985,1500 @@
 </file>
 
 <file path=ppt/diagrams/colors2.xml><?xml version="1.0" encoding="utf-8"?>
+<dgm:colorsDef xmlns:dgm="http://schemas.openxmlformats.org/drawingml/2006/diagram" xmlns:a="http://schemas.openxmlformats.org/drawingml/2006/main" uniqueId="urn:microsoft.com/office/officeart/2005/8/colors/accent1_2">
+  <dgm:title val=""/>
+  <dgm:desc val=""/>
+  <dgm:catLst>
+    <dgm:cat type="accent1" pri="11200"/>
+  </dgm:catLst>
+  <dgm:styleLbl name="node0">
+    <dgm:fillClrLst meth="repeat">
+      <a:schemeClr val="accent1"/>
+    </dgm:fillClrLst>
+    <dgm:linClrLst meth="repeat">
+      <a:schemeClr val="lt1"/>
+    </dgm:linClrLst>
+    <dgm:effectClrLst/>
+    <dgm:txLinClrLst/>
+    <dgm:txFillClrLst/>
+    <dgm:txEffectClrLst/>
+  </dgm:styleLbl>
+  <dgm:styleLbl name="alignNode1">
+    <dgm:fillClrLst meth="repeat">
+      <a:schemeClr val="accent1"/>
+    </dgm:fillClrLst>
+    <dgm:linClrLst meth="repeat">
+      <a:schemeClr val="accent1"/>
+    </dgm:linClrLst>
+    <dgm:effectClrLst/>
+    <dgm:txLinClrLst/>
+    <dgm:txFillClrLst/>
+    <dgm:txEffectClrLst/>
+  </dgm:styleLbl>
+  <dgm:styleLbl name="node1">
+    <dgm:fillClrLst meth="repeat">
+      <a:schemeClr val="accent1"/>
+    </dgm:fillClrLst>
+    <dgm:linClrLst meth="repeat">
+      <a:schemeClr val="lt1"/>
+    </dgm:linClrLst>
+    <dgm:effectClrLst/>
+    <dgm:txLinClrLst/>
+    <dgm:txFillClrLst/>
+    <dgm:txEffectClrLst/>
+  </dgm:styleLbl>
+  <dgm:styleLbl name="lnNode1">
+    <dgm:fillClrLst meth="repeat">
+      <a:schemeClr val="accent1"/>
+    </dgm:fillClrLst>
+    <dgm:linClrLst meth="repeat">
+      <a:schemeClr val="lt1"/>
+    </dgm:linClrLst>
+    <dgm:effectClrLst/>
+    <dgm:txLinClrLst/>
+    <dgm:txFillClrLst/>
+    <dgm:txEffectClrLst/>
+  </dgm:styleLbl>
+  <dgm:styleLbl name="vennNode1">
+    <dgm:fillClrLst meth="repeat">
+      <a:schemeClr val="accent1">
+        <a:alpha val="50000"/>
+      </a:schemeClr>
+    </dgm:fillClrLst>
+    <dgm:linClrLst meth="repeat">
+      <a:schemeClr val="lt1"/>
+    </dgm:linClrLst>
+    <dgm:effectClrLst/>
+    <dgm:txLinClrLst/>
+    <dgm:txFillClrLst/>
+    <dgm:txEffectClrLst/>
+  </dgm:styleLbl>
+  <dgm:styleLbl name="node2">
+    <dgm:fillClrLst meth="repeat">
+      <a:schemeClr val="accent1"/>
+    </dgm:fillClrLst>
+    <dgm:linClrLst meth="repeat">
+      <a:schemeClr val="lt1"/>
+    </dgm:linClrLst>
+    <dgm:effectClrLst/>
+    <dgm:txLinClrLst/>
+    <dgm:txFillClrLst/>
+    <dgm:txEffectClrLst/>
+  </dgm:styleLbl>
+  <dgm:styleLbl name="node3">
+    <dgm:fillClrLst meth="repeat">
+      <a:schemeClr val="accent1"/>
+    </dgm:fillClrLst>
+    <dgm:linClrLst meth="repeat">
+      <a:schemeClr val="lt1"/>
+    </dgm:linClrLst>
+    <dgm:effectClrLst/>
+    <dgm:txLinClrLst/>
+    <dgm:txFillClrLst/>
+    <dgm:txEffectClrLst/>
+  </dgm:styleLbl>
+  <dgm:styleLbl name="node4">
+    <dgm:fillClrLst meth="repeat">
+      <a:schemeClr val="accent1"/>
+    </dgm:fillClrLst>
+    <dgm:linClrLst meth="repeat">
+      <a:schemeClr val="lt1"/>
+    </dgm:linClrLst>
+    <dgm:effectClrLst/>
+    <dgm:txLinClrLst/>
+    <dgm:txFillClrLst/>
+    <dgm:txEffectClrLst/>
+  </dgm:styleLbl>
+  <dgm:styleLbl name="fgImgPlace1">
+    <dgm:fillClrLst meth="repeat">
+      <a:schemeClr val="accent1">
+        <a:tint val="50000"/>
+      </a:schemeClr>
+    </dgm:fillClrLst>
+    <dgm:linClrLst meth="repeat">
+      <a:schemeClr val="lt1"/>
+    </dgm:linClrLst>
+    <dgm:effectClrLst/>
+    <dgm:txLinClrLst/>
+    <dgm:txFillClrLst meth="repeat">
+      <a:schemeClr val="lt1"/>
+    </dgm:txFillClrLst>
+    <dgm:txEffectClrLst/>
+  </dgm:styleLbl>
+  <dgm:styleLbl name="alignImgPlace1">
+    <dgm:fillClrLst meth="repeat">
+      <a:schemeClr val="accent1">
+        <a:tint val="50000"/>
+      </a:schemeClr>
+    </dgm:fillClrLst>
+    <dgm:linClrLst meth="repeat">
+      <a:schemeClr val="lt1"/>
+    </dgm:linClrLst>
+    <dgm:effectClrLst/>
+    <dgm:txLinClrLst/>
+    <dgm:txFillClrLst meth="repeat">
+      <a:schemeClr val="lt1"/>
+    </dgm:txFillClrLst>
+    <dgm:txEffectClrLst/>
+  </dgm:styleLbl>
+  <dgm:styleLbl name="bgImgPlace1">
+    <dgm:fillClrLst meth="repeat">
+      <a:schemeClr val="accent1">
+        <a:tint val="50000"/>
+      </a:schemeClr>
+    </dgm:fillClrLst>
+    <dgm:linClrLst meth="repeat">
+      <a:schemeClr val="lt1"/>
+    </dgm:linClrLst>
+    <dgm:effectClrLst/>
+    <dgm:txLinClrLst/>
+    <dgm:txFillClrLst meth="repeat">
+      <a:schemeClr val="lt1"/>
+    </dgm:txFillClrLst>
+    <dgm:txEffectClrLst/>
+  </dgm:styleLbl>
+  <dgm:styleLbl name="sibTrans2D1">
+    <dgm:fillClrLst meth="repeat">
+      <a:schemeClr val="accent1">
+        <a:tint val="60000"/>
+      </a:schemeClr>
+    </dgm:fillClrLst>
+    <dgm:linClrLst meth="repeat">
+      <a:schemeClr val="accent1">
+        <a:tint val="60000"/>
+      </a:schemeClr>
+    </dgm:linClrLst>
+    <dgm:effectClrLst/>
+    <dgm:txLinClrLst/>
+    <dgm:txFillClrLst/>
+    <dgm:txEffectClrLst/>
+  </dgm:styleLbl>
+  <dgm:styleLbl name="fgSibTrans2D1">
+    <dgm:fillClrLst meth="repeat">
+      <a:schemeClr val="accent1">
+        <a:tint val="60000"/>
+      </a:schemeClr>
+    </dgm:fillClrLst>
+    <dgm:linClrLst meth="repeat">
+      <a:schemeClr val="accent1">
+        <a:tint val="60000"/>
+      </a:schemeClr>
+    </dgm:linClrLst>
+    <dgm:effectClrLst/>
+    <dgm:txLinClrLst/>
+    <dgm:txFillClrLst/>
+    <dgm:txEffectClrLst/>
+  </dgm:styleLbl>
+  <dgm:styleLbl name="bgSibTrans2D1">
+    <dgm:fillClrLst meth="repeat">
+      <a:schemeClr val="accent1">
+        <a:tint val="60000"/>
+      </a:schemeClr>
+    </dgm:fillClrLst>
+    <dgm:linClrLst meth="repeat">
+      <a:schemeClr val="accent1">
+        <a:tint val="60000"/>
+      </a:schemeClr>
+    </dgm:linClrLst>
+    <dgm:effectClrLst/>
+    <dgm:txLinClrLst/>
+    <dgm:txFillClrLst/>
+    <dgm:txEffectClrLst/>
+  </dgm:styleLbl>
+  <dgm:styleLbl name="sibTrans1D1">
+    <dgm:fillClrLst meth="repeat">
+      <a:schemeClr val="accent1"/>
+    </dgm:fillClrLst>
+    <dgm:linClrLst meth="repeat">
+      <a:schemeClr val="accent1"/>
+    </dgm:linClrLst>
+    <dgm:effectClrLst/>
+    <dgm:txLinClrLst/>
+    <dgm:txFillClrLst meth="repeat">
+      <a:schemeClr val="tx1"/>
+    </dgm:txFillClrLst>
+    <dgm:txEffectClrLst/>
+  </dgm:styleLbl>
+  <dgm:styleLbl name="callout">
+    <dgm:fillClrLst meth="repeat">
+      <a:schemeClr val="accent1"/>
+    </dgm:fillClrLst>
+    <dgm:linClrLst meth="repeat">
+      <a:schemeClr val="accent1">
+        <a:tint val="50000"/>
+      </a:schemeClr>
+    </dgm:linClrLst>
+    <dgm:effectClrLst/>
+    <dgm:txLinClrLst/>
+    <dgm:txFillClrLst meth="repeat">
+      <a:schemeClr val="tx1"/>
+    </dgm:txFillClrLst>
+    <dgm:txEffectClrLst/>
+  </dgm:styleLbl>
+  <dgm:styleLbl name="asst0">
+    <dgm:fillClrLst meth="repeat">
+      <a:schemeClr val="accent1"/>
+    </dgm:fillClrLst>
+    <dgm:linClrLst meth="repeat">
+      <a:schemeClr val="lt1"/>
+    </dgm:linClrLst>
+    <dgm:effectClrLst/>
+    <dgm:txLinClrLst/>
+    <dgm:txFillClrLst/>
+    <dgm:txEffectClrLst/>
+  </dgm:styleLbl>
+  <dgm:styleLbl name="asst1">
+    <dgm:fillClrLst meth="repeat">
+      <a:schemeClr val="accent1"/>
+    </dgm:fillClrLst>
+    <dgm:linClrLst meth="repeat">
+      <a:schemeClr val="lt1"/>
+    </dgm:linClrLst>
+    <dgm:effectClrLst/>
+    <dgm:txLinClrLst/>
+    <dgm:txFillClrLst/>
+    <dgm:txEffectClrLst/>
+  </dgm:styleLbl>
+  <dgm:styleLbl name="asst2">
+    <dgm:fillClrLst meth="repeat">
+      <a:schemeClr val="accent1"/>
+    </dgm:fillClrLst>
+    <dgm:linClrLst meth="repeat">
+      <a:schemeClr val="lt1"/>
+    </dgm:linClrLst>
+    <dgm:effectClrLst/>
+    <dgm:txLinClrLst/>
+    <dgm:txFillClrLst/>
+    <dgm:txEffectClrLst/>
+  </dgm:styleLbl>
+  <dgm:styleLbl name="asst3">
+    <dgm:fillClrLst meth="repeat">
+      <a:schemeClr val="accent1"/>
+    </dgm:fillClrLst>
+    <dgm:linClrLst meth="repeat">
+      <a:schemeClr val="lt1"/>
+    </dgm:linClrLst>
+    <dgm:effectClrLst/>
+    <dgm:txLinClrLst/>
+    <dgm:txFillClrLst/>
+    <dgm:txEffectClrLst/>
+  </dgm:styleLbl>
+  <dgm:styleLbl name="asst4">
+    <dgm:fillClrLst meth="repeat">
+      <a:schemeClr val="accent1"/>
+    </dgm:fillClrLst>
+    <dgm:linClrLst meth="repeat">
+      <a:schemeClr val="lt1"/>
+    </dgm:linClrLst>
+    <dgm:effectClrLst/>
+    <dgm:txLinClrLst/>
+    <dgm:txFillClrLst/>
+    <dgm:txEffectClrLst/>
+  </dgm:styleLbl>
+  <dgm:styleLbl name="parChTrans2D1">
+    <dgm:fillClrLst meth="repeat">
+      <a:schemeClr val="accent1">
+        <a:tint val="60000"/>
+      </a:schemeClr>
+    </dgm:fillClrLst>
+    <dgm:linClrLst meth="repeat">
+      <a:schemeClr val="accent1">
+        <a:tint val="60000"/>
+      </a:schemeClr>
+    </dgm:linClrLst>
+    <dgm:effectClrLst/>
+    <dgm:txLinClrLst/>
+    <dgm:txFillClrLst meth="repeat">
+      <a:schemeClr val="lt1"/>
+    </dgm:txFillClrLst>
+    <dgm:txEffectClrLst/>
+  </dgm:styleLbl>
+  <dgm:styleLbl name="parChTrans2D2">
+    <dgm:fillClrLst meth="repeat">
+      <a:schemeClr val="accent1"/>
+    </dgm:fillClrLst>
+    <dgm:linClrLst meth="repeat">
+      <a:schemeClr val="accent1"/>
+    </dgm:linClrLst>
+    <dgm:effectClrLst/>
+    <dgm:txLinClrLst/>
+    <dgm:txFillClrLst meth="repeat">
+      <a:schemeClr val="lt1"/>
+    </dgm:txFillClrLst>
+    <dgm:txEffectClrLst/>
+  </dgm:styleLbl>
+  <dgm:styleLbl name="parChTrans2D3">
+    <dgm:fillClrLst meth="repeat">
+      <a:schemeClr val="accent1"/>
+    </dgm:fillClrLst>
+    <dgm:linClrLst meth="repeat">
+      <a:schemeClr val="accent1"/>
+    </dgm:linClrLst>
+    <dgm:effectClrLst/>
+    <dgm:txLinClrLst/>
+    <dgm:txFillClrLst meth="repeat">
+      <a:schemeClr val="lt1"/>
+    </dgm:txFillClrLst>
+    <dgm:txEffectClrLst/>
+  </dgm:styleLbl>
+  <dgm:styleLbl name="parChTrans2D4">
+    <dgm:fillClrLst meth="repeat">
+      <a:schemeClr val="accent1"/>
+    </dgm:fillClrLst>
+    <dgm:linClrLst meth="repeat">
+      <a:schemeClr val="accent1"/>
+    </dgm:linClrLst>
+    <dgm:effectClrLst/>
+    <dgm:txLinClrLst/>
+    <dgm:txFillClrLst meth="repeat">
+      <a:schemeClr val="lt1"/>
+    </dgm:txFillClrLst>
+    <dgm:txEffectClrLst/>
+  </dgm:styleLbl>
+  <dgm:styleLbl name="parChTrans1D1">
+    <dgm:fillClrLst meth="repeat">
+      <a:schemeClr val="accent1"/>
+    </dgm:fillClrLst>
+    <dgm:linClrLst meth="repeat">
+      <a:schemeClr val="accent1">
+        <a:shade val="60000"/>
+      </a:schemeClr>
+    </dgm:linClrLst>
+    <dgm:effectClrLst/>
+    <dgm:txLinClrLst/>
+    <dgm:txFillClrLst meth="repeat">
+      <a:schemeClr val="tx1"/>
+    </dgm:txFillClrLst>
+    <dgm:txEffectClrLst/>
+  </dgm:styleLbl>
+  <dgm:styleLbl name="parChTrans1D2">
+    <dgm:fillClrLst meth="repeat">
+      <a:schemeClr val="accent1"/>
+    </dgm:fillClrLst>
+    <dgm:linClrLst meth="repeat">
+      <a:schemeClr val="accent1">
+        <a:shade val="60000"/>
+      </a:schemeClr>
+    </dgm:linClrLst>
+    <dgm:effectClrLst/>
+    <dgm:txLinClrLst/>
+    <dgm:txFillClrLst meth="repeat">
+      <a:schemeClr val="tx1"/>
+    </dgm:txFillClrLst>
+    <dgm:txEffectClrLst/>
+  </dgm:styleLbl>
+  <dgm:styleLbl name="parChTrans1D3">
+    <dgm:fillClrLst meth="repeat">
+      <a:schemeClr val="accent1"/>
+    </dgm:fillClrLst>
+    <dgm:linClrLst meth="repeat">
+      <a:schemeClr val="accent1">
+        <a:shade val="80000"/>
+      </a:schemeClr>
+    </dgm:linClrLst>
+    <dgm:effectClrLst/>
+    <dgm:txLinClrLst/>
+    <dgm:txFillClrLst meth="repeat">
+      <a:schemeClr val="tx1"/>
+    </dgm:txFillClrLst>
+    <dgm:txEffectClrLst/>
+  </dgm:styleLbl>
+  <dgm:styleLbl name="parChTrans1D4">
+    <dgm:fillClrLst meth="repeat">
+      <a:schemeClr val="accent1"/>
+    </dgm:fillClrLst>
+    <dgm:linClrLst meth="repeat">
+      <a:schemeClr val="accent1">
+        <a:shade val="80000"/>
+      </a:schemeClr>
+    </dgm:linClrLst>
+    <dgm:effectClrLst/>
+    <dgm:txLinClrLst/>
+    <dgm:txFillClrLst meth="repeat">
+      <a:schemeClr val="tx1"/>
+    </dgm:txFillClrLst>
+    <dgm:txEffectClrLst/>
+  </dgm:styleLbl>
+  <dgm:styleLbl name="fgAcc1">
+    <dgm:fillClrLst meth="repeat">
+      <a:schemeClr val="lt1">
+        <a:alpha val="90000"/>
+      </a:schemeClr>
+    </dgm:fillClrLst>
+    <dgm:linClrLst meth="repeat">
+      <a:schemeClr val="accent1"/>
+    </dgm:linClrLst>
+    <dgm:effectClrLst/>
+    <dgm:txLinClrLst/>
+    <dgm:txFillClrLst meth="repeat">
+      <a:schemeClr val="dk1"/>
+    </dgm:txFillClrLst>
+    <dgm:txEffectClrLst/>
+  </dgm:styleLbl>
+  <dgm:styleLbl name="conFgAcc1">
+    <dgm:fillClrLst meth="repeat">
+      <a:schemeClr val="lt1">
+        <a:alpha val="90000"/>
+      </a:schemeClr>
+    </dgm:fillClrLst>
+    <dgm:linClrLst meth="repeat">
+      <a:schemeClr val="accent1"/>
+    </dgm:linClrLst>
+    <dgm:effectClrLst/>
+    <dgm:txLinClrLst/>
+    <dgm:txFillClrLst meth="repeat">
+      <a:schemeClr val="dk1"/>
+    </dgm:txFillClrLst>
+    <dgm:txEffectClrLst/>
+  </dgm:styleLbl>
+  <dgm:styleLbl name="alignAcc1">
+    <dgm:fillClrLst meth="repeat">
+      <a:schemeClr val="lt1">
+        <a:alpha val="90000"/>
+      </a:schemeClr>
+    </dgm:fillClrLst>
+    <dgm:linClrLst meth="repeat">
+      <a:schemeClr val="accent1"/>
+    </dgm:linClrLst>
+    <dgm:effectClrLst/>
+    <dgm:txLinClrLst/>
+    <dgm:txFillClrLst meth="repeat">
+      <a:schemeClr val="dk1"/>
+    </dgm:txFillClrLst>
+    <dgm:txEffectClrLst/>
+  </dgm:styleLbl>
+  <dgm:styleLbl name="trAlignAcc1">
+    <dgm:fillClrLst meth="repeat">
+      <a:schemeClr val="lt1">
+        <a:alpha val="40000"/>
+      </a:schemeClr>
+    </dgm:fillClrLst>
+    <dgm:linClrLst meth="repeat">
+      <a:schemeClr val="accent1"/>
+    </dgm:linClrLst>
+    <dgm:effectClrLst/>
+    <dgm:txLinClrLst/>
+    <dgm:txFillClrLst meth="repeat">
+      <a:schemeClr val="dk1"/>
+    </dgm:txFillClrLst>
+    <dgm:txEffectClrLst/>
+  </dgm:styleLbl>
+  <dgm:styleLbl name="bgAcc1">
+    <dgm:fillClrLst meth="repeat">
+      <a:schemeClr val="lt1">
+        <a:alpha val="90000"/>
+      </a:schemeClr>
+    </dgm:fillClrLst>
+    <dgm:linClrLst meth="repeat">
+      <a:schemeClr val="accent1"/>
+    </dgm:linClrLst>
+    <dgm:effectClrLst/>
+    <dgm:txLinClrLst/>
+    <dgm:txFillClrLst meth="repeat">
+      <a:schemeClr val="dk1"/>
+    </dgm:txFillClrLst>
+    <dgm:txEffectClrLst/>
+  </dgm:styleLbl>
+  <dgm:styleLbl name="solidFgAcc1">
+    <dgm:fillClrLst meth="repeat">
+      <a:schemeClr val="lt1"/>
+    </dgm:fillClrLst>
+    <dgm:linClrLst meth="repeat">
+      <a:schemeClr val="accent1"/>
+    </dgm:linClrLst>
+    <dgm:effectClrLst/>
+    <dgm:txLinClrLst/>
+    <dgm:txFillClrLst meth="repeat">
+      <a:schemeClr val="dk1"/>
+    </dgm:txFillClrLst>
+    <dgm:txEffectClrLst/>
+  </dgm:styleLbl>
+  <dgm:styleLbl name="solidAlignAcc1">
+    <dgm:fillClrLst meth="repeat">
+      <a:schemeClr val="lt1"/>
+    </dgm:fillClrLst>
+    <dgm:linClrLst meth="repeat">
+      <a:schemeClr val="accent1"/>
+    </dgm:linClrLst>
+    <dgm:effectClrLst/>
+    <dgm:txLinClrLst/>
+    <dgm:txFillClrLst meth="repeat">
+      <a:schemeClr val="dk1"/>
+    </dgm:txFillClrLst>
+    <dgm:txEffectClrLst/>
+  </dgm:styleLbl>
+  <dgm:styleLbl name="solidBgAcc1">
+    <dgm:fillClrLst meth="repeat">
+      <a:schemeClr val="lt1"/>
+    </dgm:fillClrLst>
+    <dgm:linClrLst meth="repeat">
+      <a:schemeClr val="accent1"/>
+    </dgm:linClrLst>
+    <dgm:effectClrLst/>
+    <dgm:txLinClrLst/>
+    <dgm:txFillClrLst meth="repeat">
+      <a:schemeClr val="dk1"/>
+    </dgm:txFillClrLst>
+    <dgm:txEffectClrLst/>
+  </dgm:styleLbl>
+  <dgm:styleLbl name="fgAccFollowNode1">
+    <dgm:fillClrLst meth="repeat">
+      <a:schemeClr val="accent1">
+        <a:alpha val="90000"/>
+        <a:tint val="40000"/>
+      </a:schemeClr>
+    </dgm:fillClrLst>
+    <dgm:linClrLst meth="repeat">
+      <a:schemeClr val="accent1">
+        <a:alpha val="90000"/>
+        <a:tint val="40000"/>
+      </a:schemeClr>
+    </dgm:linClrLst>
+    <dgm:effectClrLst/>
+    <dgm:txLinClrLst/>
+    <dgm:txFillClrLst meth="repeat">
+      <a:schemeClr val="dk1"/>
+    </dgm:txFillClrLst>
+    <dgm:txEffectClrLst/>
+  </dgm:styleLbl>
+  <dgm:styleLbl name="alignAccFollowNode1">
+    <dgm:fillClrLst meth="repeat">
+      <a:schemeClr val="accent1">
+        <a:alpha val="90000"/>
+        <a:tint val="40000"/>
+      </a:schemeClr>
+    </dgm:fillClrLst>
+    <dgm:linClrLst meth="repeat">
+      <a:schemeClr val="accent1">
+        <a:alpha val="90000"/>
+        <a:tint val="40000"/>
+      </a:schemeClr>
+    </dgm:linClrLst>
+    <dgm:effectClrLst/>
+    <dgm:txLinClrLst/>
+    <dgm:txFillClrLst meth="repeat">
+      <a:schemeClr val="dk1"/>
+    </dgm:txFillClrLst>
+    <dgm:txEffectClrLst/>
+  </dgm:styleLbl>
+  <dgm:styleLbl name="bgAccFollowNode1">
+    <dgm:fillClrLst meth="repeat">
+      <a:schemeClr val="accent1">
+        <a:alpha val="90000"/>
+        <a:tint val="40000"/>
+      </a:schemeClr>
+    </dgm:fillClrLst>
+    <dgm:linClrLst meth="repeat">
+      <a:schemeClr val="accent1">
+        <a:alpha val="90000"/>
+        <a:tint val="40000"/>
+      </a:schemeClr>
+    </dgm:linClrLst>
+    <dgm:effectClrLst/>
+    <dgm:txLinClrLst/>
+    <dgm:txFillClrLst meth="repeat">
+      <a:schemeClr val="dk1"/>
+    </dgm:txFillClrLst>
+    <dgm:txEffectClrLst/>
+  </dgm:styleLbl>
+  <dgm:styleLbl name="fgAcc0">
+    <dgm:fillClrLst meth="repeat">
+      <a:schemeClr val="lt1">
+        <a:alpha val="90000"/>
+      </a:schemeClr>
+    </dgm:fillClrLst>
+    <dgm:linClrLst meth="repeat">
+      <a:schemeClr val="accent1"/>
+    </dgm:linClrLst>
+    <dgm:effectClrLst/>
+    <dgm:txLinClrLst/>
+    <dgm:txFillClrLst meth="repeat">
+      <a:schemeClr val="dk1"/>
+    </dgm:txFillClrLst>
+    <dgm:txEffectClrLst/>
+  </dgm:styleLbl>
+  <dgm:styleLbl name="fgAcc2">
+    <dgm:fillClrLst meth="repeat">
+      <a:schemeClr val="lt1">
+        <a:alpha val="90000"/>
+      </a:schemeClr>
+    </dgm:fillClrLst>
+    <dgm:linClrLst meth="repeat">
+      <a:schemeClr val="accent1"/>
+    </dgm:linClrLst>
+    <dgm:effectClrLst/>
+    <dgm:txLinClrLst/>
+    <dgm:txFillClrLst meth="repeat">
+      <a:schemeClr val="dk1"/>
+    </dgm:txFillClrLst>
+    <dgm:txEffectClrLst/>
+  </dgm:styleLbl>
+  <dgm:styleLbl name="fgAcc3">
+    <dgm:fillClrLst meth="repeat">
+      <a:schemeClr val="lt1">
+        <a:alpha val="90000"/>
+      </a:schemeClr>
+    </dgm:fillClrLst>
+    <dgm:linClrLst meth="repeat">
+      <a:schemeClr val="accent1"/>
+    </dgm:linClrLst>
+    <dgm:effectClrLst/>
+    <dgm:txLinClrLst/>
+    <dgm:txFillClrLst meth="repeat">
+      <a:schemeClr val="dk1"/>
+    </dgm:txFillClrLst>
+    <dgm:txEffectClrLst/>
+  </dgm:styleLbl>
+  <dgm:styleLbl name="fgAcc4">
+    <dgm:fillClrLst meth="repeat">
+      <a:schemeClr val="lt1">
+        <a:alpha val="90000"/>
+      </a:schemeClr>
+    </dgm:fillClrLst>
+    <dgm:linClrLst meth="repeat">
+      <a:schemeClr val="accent1"/>
+    </dgm:linClrLst>
+    <dgm:effectClrLst/>
+    <dgm:txLinClrLst/>
+    <dgm:txFillClrLst meth="repeat">
+      <a:schemeClr val="dk1"/>
+    </dgm:txFillClrLst>
+    <dgm:txEffectClrLst/>
+  </dgm:styleLbl>
+  <dgm:styleLbl name="bgShp">
+    <dgm:fillClrLst meth="repeat">
+      <a:schemeClr val="accent1">
+        <a:tint val="40000"/>
+      </a:schemeClr>
+    </dgm:fillClrLst>
+    <dgm:linClrLst meth="repeat">
+      <a:schemeClr val="accent1"/>
+    </dgm:linClrLst>
+    <dgm:effectClrLst/>
+    <dgm:txLinClrLst/>
+    <dgm:txFillClrLst meth="repeat">
+      <a:schemeClr val="dk1"/>
+    </dgm:txFillClrLst>
+    <dgm:txEffectClrLst/>
+  </dgm:styleLbl>
+  <dgm:styleLbl name="dkBgShp">
+    <dgm:fillClrLst meth="repeat">
+      <a:schemeClr val="accent1">
+        <a:shade val="80000"/>
+      </a:schemeClr>
+    </dgm:fillClrLst>
+    <dgm:linClrLst meth="repeat">
+      <a:schemeClr val="accent1"/>
+    </dgm:linClrLst>
+    <dgm:effectClrLst/>
+    <dgm:txLinClrLst/>
+    <dgm:txFillClrLst meth="repeat">
+      <a:schemeClr val="lt1"/>
+    </dgm:txFillClrLst>
+    <dgm:txEffectClrLst/>
+  </dgm:styleLbl>
+  <dgm:styleLbl name="trBgShp">
+    <dgm:fillClrLst meth="repeat">
+      <a:schemeClr val="accent1">
+        <a:tint val="50000"/>
+        <a:alpha val="40000"/>
+      </a:schemeClr>
+    </dgm:fillClrLst>
+    <dgm:linClrLst meth="repeat">
+      <a:schemeClr val="accent1"/>
+    </dgm:linClrLst>
+    <dgm:effectClrLst/>
+    <dgm:txLinClrLst/>
+    <dgm:txFillClrLst meth="repeat">
+      <a:schemeClr val="lt1"/>
+    </dgm:txFillClrLst>
+    <dgm:txEffectClrLst/>
+  </dgm:styleLbl>
+  <dgm:styleLbl name="fgShp">
+    <dgm:fillClrLst meth="repeat">
+      <a:schemeClr val="accent1">
+        <a:tint val="60000"/>
+      </a:schemeClr>
+    </dgm:fillClrLst>
+    <dgm:linClrLst meth="repeat">
+      <a:schemeClr val="lt1"/>
+    </dgm:linClrLst>
+    <dgm:effectClrLst/>
+    <dgm:txLinClrLst/>
+    <dgm:txFillClrLst meth="repeat">
+      <a:schemeClr val="dk1"/>
+    </dgm:txFillClrLst>
+    <dgm:txEffectClrLst/>
+  </dgm:styleLbl>
+  <dgm:styleLbl name="revTx">
+    <dgm:fillClrLst meth="repeat">
+      <a:schemeClr val="lt1">
+        <a:alpha val="0"/>
+      </a:schemeClr>
+    </dgm:fillClrLst>
+    <dgm:linClrLst meth="repeat">
+      <a:schemeClr val="dk1">
+        <a:alpha val="0"/>
+      </a:schemeClr>
+    </dgm:linClrLst>
+    <dgm:effectClrLst/>
+    <dgm:txLinClrLst/>
+    <dgm:txFillClrLst meth="repeat">
+      <a:schemeClr val="tx1"/>
+    </dgm:txFillClrLst>
+    <dgm:txEffectClrLst/>
+  </dgm:styleLbl>
+</dgm:colorsDef>
+</file>
+
+<file path=ppt/diagrams/colors3.xml><?xml version="1.0" encoding="utf-8"?>
+<dgm:colorsDef xmlns:dgm="http://schemas.openxmlformats.org/drawingml/2006/diagram" xmlns:a="http://schemas.openxmlformats.org/drawingml/2006/main" uniqueId="urn:microsoft.com/office/officeart/2005/8/colors/accent1_2">
+  <dgm:title val=""/>
+  <dgm:desc val=""/>
+  <dgm:catLst>
+    <dgm:cat type="accent1" pri="11200"/>
+  </dgm:catLst>
+  <dgm:styleLbl name="node0">
+    <dgm:fillClrLst meth="repeat">
+      <a:schemeClr val="accent1"/>
+    </dgm:fillClrLst>
+    <dgm:linClrLst meth="repeat">
+      <a:schemeClr val="lt1"/>
+    </dgm:linClrLst>
+    <dgm:effectClrLst/>
+    <dgm:txLinClrLst/>
+    <dgm:txFillClrLst/>
+    <dgm:txEffectClrLst/>
+  </dgm:styleLbl>
+  <dgm:styleLbl name="alignNode1">
+    <dgm:fillClrLst meth="repeat">
+      <a:schemeClr val="accent1"/>
+    </dgm:fillClrLst>
+    <dgm:linClrLst meth="repeat">
+      <a:schemeClr val="accent1"/>
+    </dgm:linClrLst>
+    <dgm:effectClrLst/>
+    <dgm:txLinClrLst/>
+    <dgm:txFillClrLst/>
+    <dgm:txEffectClrLst/>
+  </dgm:styleLbl>
+  <dgm:styleLbl name="node1">
+    <dgm:fillClrLst meth="repeat">
+      <a:schemeClr val="accent1"/>
+    </dgm:fillClrLst>
+    <dgm:linClrLst meth="repeat">
+      <a:schemeClr val="lt1"/>
+    </dgm:linClrLst>
+    <dgm:effectClrLst/>
+    <dgm:txLinClrLst/>
+    <dgm:txFillClrLst/>
+    <dgm:txEffectClrLst/>
+  </dgm:styleLbl>
+  <dgm:styleLbl name="lnNode1">
+    <dgm:fillClrLst meth="repeat">
+      <a:schemeClr val="accent1"/>
+    </dgm:fillClrLst>
+    <dgm:linClrLst meth="repeat">
+      <a:schemeClr val="lt1"/>
+    </dgm:linClrLst>
+    <dgm:effectClrLst/>
+    <dgm:txLinClrLst/>
+    <dgm:txFillClrLst/>
+    <dgm:txEffectClrLst/>
+  </dgm:styleLbl>
+  <dgm:styleLbl name="vennNode1">
+    <dgm:fillClrLst meth="repeat">
+      <a:schemeClr val="accent1">
+        <a:alpha val="50000"/>
+      </a:schemeClr>
+    </dgm:fillClrLst>
+    <dgm:linClrLst meth="repeat">
+      <a:schemeClr val="lt1"/>
+    </dgm:linClrLst>
+    <dgm:effectClrLst/>
+    <dgm:txLinClrLst/>
+    <dgm:txFillClrLst/>
+    <dgm:txEffectClrLst/>
+  </dgm:styleLbl>
+  <dgm:styleLbl name="node2">
+    <dgm:fillClrLst meth="repeat">
+      <a:schemeClr val="accent1"/>
+    </dgm:fillClrLst>
+    <dgm:linClrLst meth="repeat">
+      <a:schemeClr val="lt1"/>
+    </dgm:linClrLst>
+    <dgm:effectClrLst/>
+    <dgm:txLinClrLst/>
+    <dgm:txFillClrLst/>
+    <dgm:txEffectClrLst/>
+  </dgm:styleLbl>
+  <dgm:styleLbl name="node3">
+    <dgm:fillClrLst meth="repeat">
+      <a:schemeClr val="accent1"/>
+    </dgm:fillClrLst>
+    <dgm:linClrLst meth="repeat">
+      <a:schemeClr val="lt1"/>
+    </dgm:linClrLst>
+    <dgm:effectClrLst/>
+    <dgm:txLinClrLst/>
+    <dgm:txFillClrLst/>
+    <dgm:txEffectClrLst/>
+  </dgm:styleLbl>
+  <dgm:styleLbl name="node4">
+    <dgm:fillClrLst meth="repeat">
+      <a:schemeClr val="accent1"/>
+    </dgm:fillClrLst>
+    <dgm:linClrLst meth="repeat">
+      <a:schemeClr val="lt1"/>
+    </dgm:linClrLst>
+    <dgm:effectClrLst/>
+    <dgm:txLinClrLst/>
+    <dgm:txFillClrLst/>
+    <dgm:txEffectClrLst/>
+  </dgm:styleLbl>
+  <dgm:styleLbl name="fgImgPlace1">
+    <dgm:fillClrLst meth="repeat">
+      <a:schemeClr val="accent1">
+        <a:tint val="50000"/>
+      </a:schemeClr>
+    </dgm:fillClrLst>
+    <dgm:linClrLst meth="repeat">
+      <a:schemeClr val="lt1"/>
+    </dgm:linClrLst>
+    <dgm:effectClrLst/>
+    <dgm:txLinClrLst/>
+    <dgm:txFillClrLst meth="repeat">
+      <a:schemeClr val="lt1"/>
+    </dgm:txFillClrLst>
+    <dgm:txEffectClrLst/>
+  </dgm:styleLbl>
+  <dgm:styleLbl name="alignImgPlace1">
+    <dgm:fillClrLst meth="repeat">
+      <a:schemeClr val="accent1">
+        <a:tint val="50000"/>
+      </a:schemeClr>
+    </dgm:fillClrLst>
+    <dgm:linClrLst meth="repeat">
+      <a:schemeClr val="lt1"/>
+    </dgm:linClrLst>
+    <dgm:effectClrLst/>
+    <dgm:txLinClrLst/>
+    <dgm:txFillClrLst meth="repeat">
+      <a:schemeClr val="lt1"/>
+    </dgm:txFillClrLst>
+    <dgm:txEffectClrLst/>
+  </dgm:styleLbl>
+  <dgm:styleLbl name="bgImgPlace1">
+    <dgm:fillClrLst meth="repeat">
+      <a:schemeClr val="accent1">
+        <a:tint val="50000"/>
+      </a:schemeClr>
+    </dgm:fillClrLst>
+    <dgm:linClrLst meth="repeat">
+      <a:schemeClr val="lt1"/>
+    </dgm:linClrLst>
+    <dgm:effectClrLst/>
+    <dgm:txLinClrLst/>
+    <dgm:txFillClrLst meth="repeat">
+      <a:schemeClr val="lt1"/>
+    </dgm:txFillClrLst>
+    <dgm:txEffectClrLst/>
+  </dgm:styleLbl>
+  <dgm:styleLbl name="sibTrans2D1">
+    <dgm:fillClrLst meth="repeat">
+      <a:schemeClr val="accent1">
+        <a:tint val="60000"/>
+      </a:schemeClr>
+    </dgm:fillClrLst>
+    <dgm:linClrLst meth="repeat">
+      <a:schemeClr val="accent1">
+        <a:tint val="60000"/>
+      </a:schemeClr>
+    </dgm:linClrLst>
+    <dgm:effectClrLst/>
+    <dgm:txLinClrLst/>
+    <dgm:txFillClrLst/>
+    <dgm:txEffectClrLst/>
+  </dgm:styleLbl>
+  <dgm:styleLbl name="fgSibTrans2D1">
+    <dgm:fillClrLst meth="repeat">
+      <a:schemeClr val="accent1">
+        <a:tint val="60000"/>
+      </a:schemeClr>
+    </dgm:fillClrLst>
+    <dgm:linClrLst meth="repeat">
+      <a:schemeClr val="accent1">
+        <a:tint val="60000"/>
+      </a:schemeClr>
+    </dgm:linClrLst>
+    <dgm:effectClrLst/>
+    <dgm:txLinClrLst/>
+    <dgm:txFillClrLst/>
+    <dgm:txEffectClrLst/>
+  </dgm:styleLbl>
+  <dgm:styleLbl name="bgSibTrans2D1">
+    <dgm:fillClrLst meth="repeat">
+      <a:schemeClr val="accent1">
+        <a:tint val="60000"/>
+      </a:schemeClr>
+    </dgm:fillClrLst>
+    <dgm:linClrLst meth="repeat">
+      <a:schemeClr val="accent1">
+        <a:tint val="60000"/>
+      </a:schemeClr>
+    </dgm:linClrLst>
+    <dgm:effectClrLst/>
+    <dgm:txLinClrLst/>
+    <dgm:txFillClrLst/>
+    <dgm:txEffectClrLst/>
+  </dgm:styleLbl>
+  <dgm:styleLbl name="sibTrans1D1">
+    <dgm:fillClrLst meth="repeat">
+      <a:schemeClr val="accent1"/>
+    </dgm:fillClrLst>
+    <dgm:linClrLst meth="repeat">
+      <a:schemeClr val="accent1"/>
+    </dgm:linClrLst>
+    <dgm:effectClrLst/>
+    <dgm:txLinClrLst/>
+    <dgm:txFillClrLst meth="repeat">
+      <a:schemeClr val="tx1"/>
+    </dgm:txFillClrLst>
+    <dgm:txEffectClrLst/>
+  </dgm:styleLbl>
+  <dgm:styleLbl name="callout">
+    <dgm:fillClrLst meth="repeat">
+      <a:schemeClr val="accent1"/>
+    </dgm:fillClrLst>
+    <dgm:linClrLst meth="repeat">
+      <a:schemeClr val="accent1">
+        <a:tint val="50000"/>
+      </a:schemeClr>
+    </dgm:linClrLst>
+    <dgm:effectClrLst/>
+    <dgm:txLinClrLst/>
+    <dgm:txFillClrLst meth="repeat">
+      <a:schemeClr val="tx1"/>
+    </dgm:txFillClrLst>
+    <dgm:txEffectClrLst/>
+  </dgm:styleLbl>
+  <dgm:styleLbl name="asst0">
+    <dgm:fillClrLst meth="repeat">
+      <a:schemeClr val="accent1"/>
+    </dgm:fillClrLst>
+    <dgm:linClrLst meth="repeat">
+      <a:schemeClr val="lt1"/>
+    </dgm:linClrLst>
+    <dgm:effectClrLst/>
+    <dgm:txLinClrLst/>
+    <dgm:txFillClrLst/>
+    <dgm:txEffectClrLst/>
+  </dgm:styleLbl>
+  <dgm:styleLbl name="asst1">
+    <dgm:fillClrLst meth="repeat">
+      <a:schemeClr val="accent1"/>
+    </dgm:fillClrLst>
+    <dgm:linClrLst meth="repeat">
+      <a:schemeClr val="lt1"/>
+    </dgm:linClrLst>
+    <dgm:effectClrLst/>
+    <dgm:txLinClrLst/>
+    <dgm:txFillClrLst/>
+    <dgm:txEffectClrLst/>
+  </dgm:styleLbl>
+  <dgm:styleLbl name="asst2">
+    <dgm:fillClrLst meth="repeat">
+      <a:schemeClr val="accent1"/>
+    </dgm:fillClrLst>
+    <dgm:linClrLst meth="repeat">
+      <a:schemeClr val="lt1"/>
+    </dgm:linClrLst>
+    <dgm:effectClrLst/>
+    <dgm:txLinClrLst/>
+    <dgm:txFillClrLst/>
+    <dgm:txEffectClrLst/>
+  </dgm:styleLbl>
+  <dgm:styleLbl name="asst3">
+    <dgm:fillClrLst meth="repeat">
+      <a:schemeClr val="accent1"/>
+    </dgm:fillClrLst>
+    <dgm:linClrLst meth="repeat">
+      <a:schemeClr val="lt1"/>
+    </dgm:linClrLst>
+    <dgm:effectClrLst/>
+    <dgm:txLinClrLst/>
+    <dgm:txFillClrLst/>
+    <dgm:txEffectClrLst/>
+  </dgm:styleLbl>
+  <dgm:styleLbl name="asst4">
+    <dgm:fillClrLst meth="repeat">
+      <a:schemeClr val="accent1"/>
+    </dgm:fillClrLst>
+    <dgm:linClrLst meth="repeat">
+      <a:schemeClr val="lt1"/>
+    </dgm:linClrLst>
+    <dgm:effectClrLst/>
+    <dgm:txLinClrLst/>
+    <dgm:txFillClrLst/>
+    <dgm:txEffectClrLst/>
+  </dgm:styleLbl>
+  <dgm:styleLbl name="parChTrans2D1">
+    <dgm:fillClrLst meth="repeat">
+      <a:schemeClr val="accent1">
+        <a:tint val="60000"/>
+      </a:schemeClr>
+    </dgm:fillClrLst>
+    <dgm:linClrLst meth="repeat">
+      <a:schemeClr val="accent1">
+        <a:tint val="60000"/>
+      </a:schemeClr>
+    </dgm:linClrLst>
+    <dgm:effectClrLst/>
+    <dgm:txLinClrLst/>
+    <dgm:txFillClrLst meth="repeat">
+      <a:schemeClr val="lt1"/>
+    </dgm:txFillClrLst>
+    <dgm:txEffectClrLst/>
+  </dgm:styleLbl>
+  <dgm:styleLbl name="parChTrans2D2">
+    <dgm:fillClrLst meth="repeat">
+      <a:schemeClr val="accent1"/>
+    </dgm:fillClrLst>
+    <dgm:linClrLst meth="repeat">
+      <a:schemeClr val="accent1"/>
+    </dgm:linClrLst>
+    <dgm:effectClrLst/>
+    <dgm:txLinClrLst/>
+    <dgm:txFillClrLst meth="repeat">
+      <a:schemeClr val="lt1"/>
+    </dgm:txFillClrLst>
+    <dgm:txEffectClrLst/>
+  </dgm:styleLbl>
+  <dgm:styleLbl name="parChTrans2D3">
+    <dgm:fillClrLst meth="repeat">
+      <a:schemeClr val="accent1"/>
+    </dgm:fillClrLst>
+    <dgm:linClrLst meth="repeat">
+      <a:schemeClr val="accent1"/>
+    </dgm:linClrLst>
+    <dgm:effectClrLst/>
+    <dgm:txLinClrLst/>
+    <dgm:txFillClrLst meth="repeat">
+      <a:schemeClr val="lt1"/>
+    </dgm:txFillClrLst>
+    <dgm:txEffectClrLst/>
+  </dgm:styleLbl>
+  <dgm:styleLbl name="parChTrans2D4">
+    <dgm:fillClrLst meth="repeat">
+      <a:schemeClr val="accent1"/>
+    </dgm:fillClrLst>
+    <dgm:linClrLst meth="repeat">
+      <a:schemeClr val="accent1"/>
+    </dgm:linClrLst>
+    <dgm:effectClrLst/>
+    <dgm:txLinClrLst/>
+    <dgm:txFillClrLst meth="repeat">
+      <a:schemeClr val="lt1"/>
+    </dgm:txFillClrLst>
+    <dgm:txEffectClrLst/>
+  </dgm:styleLbl>
+  <dgm:styleLbl name="parChTrans1D1">
+    <dgm:fillClrLst meth="repeat">
+      <a:schemeClr val="accent1"/>
+    </dgm:fillClrLst>
+    <dgm:linClrLst meth="repeat">
+      <a:schemeClr val="accent1">
+        <a:shade val="60000"/>
+      </a:schemeClr>
+    </dgm:linClrLst>
+    <dgm:effectClrLst/>
+    <dgm:txLinClrLst/>
+    <dgm:txFillClrLst meth="repeat">
+      <a:schemeClr val="tx1"/>
+    </dgm:txFillClrLst>
+    <dgm:txEffectClrLst/>
+  </dgm:styleLbl>
+  <dgm:styleLbl name="parChTrans1D2">
+    <dgm:fillClrLst meth="repeat">
+      <a:schemeClr val="accent1"/>
+    </dgm:fillClrLst>
+    <dgm:linClrLst meth="repeat">
+      <a:schemeClr val="accent1">
+        <a:shade val="60000"/>
+      </a:schemeClr>
+    </dgm:linClrLst>
+    <dgm:effectClrLst/>
+    <dgm:txLinClrLst/>
+    <dgm:txFillClrLst meth="repeat">
+      <a:schemeClr val="tx1"/>
+    </dgm:txFillClrLst>
+    <dgm:txEffectClrLst/>
+  </dgm:styleLbl>
+  <dgm:styleLbl name="parChTrans1D3">
+    <dgm:fillClrLst meth="repeat">
+      <a:schemeClr val="accent1"/>
+    </dgm:fillClrLst>
+    <dgm:linClrLst meth="repeat">
+      <a:schemeClr val="accent1">
+        <a:shade val="80000"/>
+      </a:schemeClr>
+    </dgm:linClrLst>
+    <dgm:effectClrLst/>
+    <dgm:txLinClrLst/>
+    <dgm:txFillClrLst meth="repeat">
+      <a:schemeClr val="tx1"/>
+    </dgm:txFillClrLst>
+    <dgm:txEffectClrLst/>
+  </dgm:styleLbl>
+  <dgm:styleLbl name="parChTrans1D4">
+    <dgm:fillClrLst meth="repeat">
+      <a:schemeClr val="accent1"/>
+    </dgm:fillClrLst>
+    <dgm:linClrLst meth="repeat">
+      <a:schemeClr val="accent1">
+        <a:shade val="80000"/>
+      </a:schemeClr>
+    </dgm:linClrLst>
+    <dgm:effectClrLst/>
+    <dgm:txLinClrLst/>
+    <dgm:txFillClrLst meth="repeat">
+      <a:schemeClr val="tx1"/>
+    </dgm:txFillClrLst>
+    <dgm:txEffectClrLst/>
+  </dgm:styleLbl>
+  <dgm:styleLbl name="fgAcc1">
+    <dgm:fillClrLst meth="repeat">
+      <a:schemeClr val="lt1">
+        <a:alpha val="90000"/>
+      </a:schemeClr>
+    </dgm:fillClrLst>
+    <dgm:linClrLst meth="repeat">
+      <a:schemeClr val="accent1"/>
+    </dgm:linClrLst>
+    <dgm:effectClrLst/>
+    <dgm:txLinClrLst/>
+    <dgm:txFillClrLst meth="repeat">
+      <a:schemeClr val="dk1"/>
+    </dgm:txFillClrLst>
+    <dgm:txEffectClrLst/>
+  </dgm:styleLbl>
+  <dgm:styleLbl name="conFgAcc1">
+    <dgm:fillClrLst meth="repeat">
+      <a:schemeClr val="lt1">
+        <a:alpha val="90000"/>
+      </a:schemeClr>
+    </dgm:fillClrLst>
+    <dgm:linClrLst meth="repeat">
+      <a:schemeClr val="accent1"/>
+    </dgm:linClrLst>
+    <dgm:effectClrLst/>
+    <dgm:txLinClrLst/>
+    <dgm:txFillClrLst meth="repeat">
+      <a:schemeClr val="dk1"/>
+    </dgm:txFillClrLst>
+    <dgm:txEffectClrLst/>
+  </dgm:styleLbl>
+  <dgm:styleLbl name="alignAcc1">
+    <dgm:fillClrLst meth="repeat">
+      <a:schemeClr val="lt1">
+        <a:alpha val="90000"/>
+      </a:schemeClr>
+    </dgm:fillClrLst>
+    <dgm:linClrLst meth="repeat">
+      <a:schemeClr val="accent1"/>
+    </dgm:linClrLst>
+    <dgm:effectClrLst/>
+    <dgm:txLinClrLst/>
+    <dgm:txFillClrLst meth="repeat">
+      <a:schemeClr val="dk1"/>
+    </dgm:txFillClrLst>
+    <dgm:txEffectClrLst/>
+  </dgm:styleLbl>
+  <dgm:styleLbl name="trAlignAcc1">
+    <dgm:fillClrLst meth="repeat">
+      <a:schemeClr val="lt1">
+        <a:alpha val="40000"/>
+      </a:schemeClr>
+    </dgm:fillClrLst>
+    <dgm:linClrLst meth="repeat">
+      <a:schemeClr val="accent1"/>
+    </dgm:linClrLst>
+    <dgm:effectClrLst/>
+    <dgm:txLinClrLst/>
+    <dgm:txFillClrLst meth="repeat">
+      <a:schemeClr val="dk1"/>
+    </dgm:txFillClrLst>
+    <dgm:txEffectClrLst/>
+  </dgm:styleLbl>
+  <dgm:styleLbl name="bgAcc1">
+    <dgm:fillClrLst meth="repeat">
+      <a:schemeClr val="lt1">
+        <a:alpha val="90000"/>
+      </a:schemeClr>
+    </dgm:fillClrLst>
+    <dgm:linClrLst meth="repeat">
+      <a:schemeClr val="accent1"/>
+    </dgm:linClrLst>
+    <dgm:effectClrLst/>
+    <dgm:txLinClrLst/>
+    <dgm:txFillClrLst meth="repeat">
+      <a:schemeClr val="dk1"/>
+    </dgm:txFillClrLst>
+    <dgm:txEffectClrLst/>
+  </dgm:styleLbl>
+  <dgm:styleLbl name="solidFgAcc1">
+    <dgm:fillClrLst meth="repeat">
+      <a:schemeClr val="lt1"/>
+    </dgm:fillClrLst>
+    <dgm:linClrLst meth="repeat">
+      <a:schemeClr val="accent1"/>
+    </dgm:linClrLst>
+    <dgm:effectClrLst/>
+    <dgm:txLinClrLst/>
+    <dgm:txFillClrLst meth="repeat">
+      <a:schemeClr val="dk1"/>
+    </dgm:txFillClrLst>
+    <dgm:txEffectClrLst/>
+  </dgm:styleLbl>
+  <dgm:styleLbl name="solidAlignAcc1">
+    <dgm:fillClrLst meth="repeat">
+      <a:schemeClr val="lt1"/>
+    </dgm:fillClrLst>
+    <dgm:linClrLst meth="repeat">
+      <a:schemeClr val="accent1"/>
+    </dgm:linClrLst>
+    <dgm:effectClrLst/>
+    <dgm:txLinClrLst/>
+    <dgm:txFillClrLst meth="repeat">
+      <a:schemeClr val="dk1"/>
+    </dgm:txFillClrLst>
+    <dgm:txEffectClrLst/>
+  </dgm:styleLbl>
+  <dgm:styleLbl name="solidBgAcc1">
+    <dgm:fillClrLst meth="repeat">
+      <a:schemeClr val="lt1"/>
+    </dgm:fillClrLst>
+    <dgm:linClrLst meth="repeat">
+      <a:schemeClr val="accent1"/>
+    </dgm:linClrLst>
+    <dgm:effectClrLst/>
+    <dgm:txLinClrLst/>
+    <dgm:txFillClrLst meth="repeat">
+      <a:schemeClr val="dk1"/>
+    </dgm:txFillClrLst>
+    <dgm:txEffectClrLst/>
+  </dgm:styleLbl>
+  <dgm:styleLbl name="fgAccFollowNode1">
+    <dgm:fillClrLst meth="repeat">
+      <a:schemeClr val="accent1">
+        <a:alpha val="90000"/>
+        <a:tint val="40000"/>
+      </a:schemeClr>
+    </dgm:fillClrLst>
+    <dgm:linClrLst meth="repeat">
+      <a:schemeClr val="accent1">
+        <a:alpha val="90000"/>
+        <a:tint val="40000"/>
+      </a:schemeClr>
+    </dgm:linClrLst>
+    <dgm:effectClrLst/>
+    <dgm:txLinClrLst/>
+    <dgm:txFillClrLst meth="repeat">
+      <a:schemeClr val="dk1"/>
+    </dgm:txFillClrLst>
+    <dgm:txEffectClrLst/>
+  </dgm:styleLbl>
+  <dgm:styleLbl name="alignAccFollowNode1">
+    <dgm:fillClrLst meth="repeat">
+      <a:schemeClr val="accent1">
+        <a:alpha val="90000"/>
+        <a:tint val="40000"/>
+      </a:schemeClr>
+    </dgm:fillClrLst>
+    <dgm:linClrLst meth="repeat">
+      <a:schemeClr val="accent1">
+        <a:alpha val="90000"/>
+        <a:tint val="40000"/>
+      </a:schemeClr>
+    </dgm:linClrLst>
+    <dgm:effectClrLst/>
+    <dgm:txLinClrLst/>
+    <dgm:txFillClrLst meth="repeat">
+      <a:schemeClr val="dk1"/>
+    </dgm:txFillClrLst>
+    <dgm:txEffectClrLst/>
+  </dgm:styleLbl>
+  <dgm:styleLbl name="bgAccFollowNode1">
+    <dgm:fillClrLst meth="repeat">
+      <a:schemeClr val="accent1">
+        <a:alpha val="90000"/>
+        <a:tint val="40000"/>
+      </a:schemeClr>
+    </dgm:fillClrLst>
+    <dgm:linClrLst meth="repeat">
+      <a:schemeClr val="accent1">
+        <a:alpha val="90000"/>
+        <a:tint val="40000"/>
+      </a:schemeClr>
+    </dgm:linClrLst>
+    <dgm:effectClrLst/>
+    <dgm:txLinClrLst/>
+    <dgm:txFillClrLst meth="repeat">
+      <a:schemeClr val="dk1"/>
+    </dgm:txFillClrLst>
+    <dgm:txEffectClrLst/>
+  </dgm:styleLbl>
+  <dgm:styleLbl name="fgAcc0">
+    <dgm:fillClrLst meth="repeat">
+      <a:schemeClr val="lt1">
+        <a:alpha val="90000"/>
+      </a:schemeClr>
+    </dgm:fillClrLst>
+    <dgm:linClrLst meth="repeat">
+      <a:schemeClr val="accent1"/>
+    </dgm:linClrLst>
+    <dgm:effectClrLst/>
+    <dgm:txLinClrLst/>
+    <dgm:txFillClrLst meth="repeat">
+      <a:schemeClr val="dk1"/>
+    </dgm:txFillClrLst>
+    <dgm:txEffectClrLst/>
+  </dgm:styleLbl>
+  <dgm:styleLbl name="fgAcc2">
+    <dgm:fillClrLst meth="repeat">
+      <a:schemeClr val="lt1">
+        <a:alpha val="90000"/>
+      </a:schemeClr>
+    </dgm:fillClrLst>
+    <dgm:linClrLst meth="repeat">
+      <a:schemeClr val="accent1"/>
+    </dgm:linClrLst>
+    <dgm:effectClrLst/>
+    <dgm:txLinClrLst/>
+    <dgm:txFillClrLst meth="repeat">
+      <a:schemeClr val="dk1"/>
+    </dgm:txFillClrLst>
+    <dgm:txEffectClrLst/>
+  </dgm:styleLbl>
+  <dgm:styleLbl name="fgAcc3">
+    <dgm:fillClrLst meth="repeat">
+      <a:schemeClr val="lt1">
+        <a:alpha val="90000"/>
+      </a:schemeClr>
+    </dgm:fillClrLst>
+    <dgm:linClrLst meth="repeat">
+      <a:schemeClr val="accent1"/>
+    </dgm:linClrLst>
+    <dgm:effectClrLst/>
+    <dgm:txLinClrLst/>
+    <dgm:txFillClrLst meth="repeat">
+      <a:schemeClr val="dk1"/>
+    </dgm:txFillClrLst>
+    <dgm:txEffectClrLst/>
+  </dgm:styleLbl>
+  <dgm:styleLbl name="fgAcc4">
+    <dgm:fillClrLst meth="repeat">
+      <a:schemeClr val="lt1">
+        <a:alpha val="90000"/>
+      </a:schemeClr>
+    </dgm:fillClrLst>
+    <dgm:linClrLst meth="repeat">
+      <a:schemeClr val="accent1"/>
+    </dgm:linClrLst>
+    <dgm:effectClrLst/>
+    <dgm:txLinClrLst/>
+    <dgm:txFillClrLst meth="repeat">
+      <a:schemeClr val="dk1"/>
+    </dgm:txFillClrLst>
+    <dgm:txEffectClrLst/>
+  </dgm:styleLbl>
+  <dgm:styleLbl name="bgShp">
+    <dgm:fillClrLst meth="repeat">
+      <a:schemeClr val="accent1">
+        <a:tint val="40000"/>
+      </a:schemeClr>
+    </dgm:fillClrLst>
+    <dgm:linClrLst meth="repeat">
+      <a:schemeClr val="accent1"/>
+    </dgm:linClrLst>
+    <dgm:effectClrLst/>
+    <dgm:txLinClrLst/>
+    <dgm:txFillClrLst meth="repeat">
+      <a:schemeClr val="dk1"/>
+    </dgm:txFillClrLst>
+    <dgm:txEffectClrLst/>
+  </dgm:styleLbl>
+  <dgm:styleLbl name="dkBgShp">
+    <dgm:fillClrLst meth="repeat">
+      <a:schemeClr val="accent1">
+        <a:shade val="80000"/>
+      </a:schemeClr>
+    </dgm:fillClrLst>
+    <dgm:linClrLst meth="repeat">
+      <a:schemeClr val="accent1"/>
+    </dgm:linClrLst>
+    <dgm:effectClrLst/>
+    <dgm:txLinClrLst/>
+    <dgm:txFillClrLst meth="repeat">
+      <a:schemeClr val="lt1"/>
+    </dgm:txFillClrLst>
+    <dgm:txEffectClrLst/>
+  </dgm:styleLbl>
+  <dgm:styleLbl name="trBgShp">
+    <dgm:fillClrLst meth="repeat">
+      <a:schemeClr val="accent1">
+        <a:tint val="50000"/>
+        <a:alpha val="40000"/>
+      </a:schemeClr>
+    </dgm:fillClrLst>
+    <dgm:linClrLst meth="repeat">
+      <a:schemeClr val="accent1"/>
+    </dgm:linClrLst>
+    <dgm:effectClrLst/>
+    <dgm:txLinClrLst/>
+    <dgm:txFillClrLst meth="repeat">
+      <a:schemeClr val="lt1"/>
+    </dgm:txFillClrLst>
+    <dgm:txEffectClrLst/>
+  </dgm:styleLbl>
+  <dgm:styleLbl name="fgShp">
+    <dgm:fillClrLst meth="repeat">
+      <a:schemeClr val="accent1">
+        <a:tint val="60000"/>
+      </a:schemeClr>
+    </dgm:fillClrLst>
+    <dgm:linClrLst meth="repeat">
+      <a:schemeClr val="lt1"/>
+    </dgm:linClrLst>
+    <dgm:effectClrLst/>
+    <dgm:txLinClrLst/>
+    <dgm:txFillClrLst meth="repeat">
+      <a:schemeClr val="dk1"/>
+    </dgm:txFillClrLst>
+    <dgm:txEffectClrLst/>
+  </dgm:styleLbl>
+  <dgm:styleLbl name="revTx">
+    <dgm:fillClrLst meth="repeat">
+      <a:schemeClr val="lt1">
+        <a:alpha val="0"/>
+      </a:schemeClr>
+    </dgm:fillClrLst>
+    <dgm:linClrLst meth="repeat">
+      <a:schemeClr val="dk1">
+        <a:alpha val="0"/>
+      </a:schemeClr>
+    </dgm:linClrLst>
+    <dgm:effectClrLst/>
+    <dgm:txLinClrLst/>
+    <dgm:txFillClrLst meth="repeat">
+      <a:schemeClr val="tx1"/>
+    </dgm:txFillClrLst>
+    <dgm:txEffectClrLst/>
+  </dgm:styleLbl>
+</dgm:colorsDef>
+</file>
+
+<file path=ppt/diagrams/colors4.xml><?xml version="1.0" encoding="utf-8"?>
 <dgm:colorsDef xmlns:dgm="http://schemas.openxmlformats.org/drawingml/2006/diagram" xmlns:a="http://schemas.openxmlformats.org/drawingml/2006/main" uniqueId="urn:microsoft.com/office/officeart/2005/8/colors/accent1_2">
   <dgm:title val=""/>
   <dgm:desc val=""/>
@@ -3059,14 +4561,35 @@
     <dgm:pt modelId="{D8AD2237-4067-4D9D-AB9D-D137BA0C58DA}" type="pres">
       <dgm:prSet presAssocID="{8782954A-351B-46FD-9706-FF95719E0E30}" presName="connector1" presStyleLbl="sibTrans2D1" presStyleIdx="0" presStyleCnt="3"/>
       <dgm:spPr/>
+      <dgm:t>
+        <a:bodyPr/>
+        <a:lstStyle/>
+        <a:p>
+          <a:endParaRPr lang="en-US"/>
+        </a:p>
+      </dgm:t>
     </dgm:pt>
     <dgm:pt modelId="{5FF4E3A3-8C10-4EAA-A89D-238010A2E1F6}" type="pres">
       <dgm:prSet presAssocID="{A81F6370-78BD-4B7E-B145-EF301E2FC6EC}" presName="connector2" presStyleLbl="sibTrans2D1" presStyleIdx="1" presStyleCnt="3"/>
       <dgm:spPr/>
+      <dgm:t>
+        <a:bodyPr/>
+        <a:lstStyle/>
+        <a:p>
+          <a:endParaRPr lang="en-US"/>
+        </a:p>
+      </dgm:t>
     </dgm:pt>
     <dgm:pt modelId="{EE313FE0-9D88-44AE-B10E-0A660F866CDD}" type="pres">
       <dgm:prSet presAssocID="{261572F1-4B55-4B8E-B219-E9B02F4CACE4}" presName="connector3" presStyleLbl="sibTrans2D1" presStyleIdx="2" presStyleCnt="3"/>
       <dgm:spPr/>
+      <dgm:t>
+        <a:bodyPr/>
+        <a:lstStyle/>
+        <a:p>
+          <a:endParaRPr lang="en-US"/>
+        </a:p>
+      </dgm:t>
     </dgm:pt>
   </dgm:ptLst>
   <dgm:cxnLst>
@@ -3080,8 +4603,8 @@
     <dgm:cxn modelId="{389B9F90-5BC5-4EFC-83F9-44E356E03E2E}" srcId="{20E76A35-E02D-4050-8038-98CDE4E8ECFC}" destId="{65FD6405-4AC0-4C5E-940E-9FE036389254}" srcOrd="2" destOrd="0" parTransId="{CB109726-FE86-4627-9CB9-8B9142346B42}" sibTransId="{08AB4BB7-4C94-4617-B105-EDAF6B7AD24A}"/>
     <dgm:cxn modelId="{2F366060-1F58-4DD2-9EF5-43DCC2A24815}" srcId="{6EDE420C-1CA8-4C7E-BEF8-5C256133897C}" destId="{1B35E4F3-086E-4EC4-9B86-4C5556AD03E7}" srcOrd="1" destOrd="0" parTransId="{97A05740-9679-4C05-B279-9515320F2AB4}" sibTransId="{9FAADCB5-11F3-41CB-93D6-34B0FF414F1B}"/>
     <dgm:cxn modelId="{888E323F-6294-4854-B6B8-37BDC2DB64A8}" srcId="{6EDE420C-1CA8-4C7E-BEF8-5C256133897C}" destId="{6DFCC957-C840-47C9-9B5B-3B96AF811EFA}" srcOrd="8" destOrd="0" parTransId="{E9BF7533-6B9A-4550-9263-CB2418EAEED5}" sibTransId="{0726BEF0-4974-41DE-8CD6-230651BD7174}"/>
+    <dgm:cxn modelId="{4627A5B2-FF1A-496E-B19C-A0FB4981E0F8}" type="presOf" srcId="{C3E722B6-512F-4B92-AA26-14B032F11242}" destId="{6D31428B-94FE-4CB5-96CC-9A441D8077FE}" srcOrd="0" destOrd="6" presId="urn:microsoft.com/office/officeart/2005/8/layout/gear1"/>
     <dgm:cxn modelId="{24C6AE5A-5BE2-4162-8616-E5BDC66226C7}" type="presOf" srcId="{F261A8A3-DE43-457D-B5DA-57ABAF0141AA}" destId="{2BBB2A6C-B769-42FA-A380-E5D1E24B0C97}" srcOrd="0" destOrd="0" presId="urn:microsoft.com/office/officeart/2005/8/layout/gear1"/>
-    <dgm:cxn modelId="{4627A5B2-FF1A-496E-B19C-A0FB4981E0F8}" type="presOf" srcId="{C3E722B6-512F-4B92-AA26-14B032F11242}" destId="{6D31428B-94FE-4CB5-96CC-9A441D8077FE}" srcOrd="0" destOrd="6" presId="urn:microsoft.com/office/officeart/2005/8/layout/gear1"/>
     <dgm:cxn modelId="{86C928B6-A0B7-4826-AAEB-DFC304AD103B}" srcId="{20E76A35-E02D-4050-8038-98CDE4E8ECFC}" destId="{EC2D61CB-512E-4EC2-85E2-66539D3A2ADC}" srcOrd="4" destOrd="0" parTransId="{70912209-0DE1-46B1-AB5E-642188A939BD}" sibTransId="{79EC002E-6224-4D09-9BA2-82C122B29153}"/>
     <dgm:cxn modelId="{8ED67EFC-EBDB-4B1E-A0B9-EB27AA4EEE2E}" type="presOf" srcId="{09CF88BD-ECBA-420A-8E96-B5E8F6F37B50}" destId="{BA8B75CC-F132-45BD-B81B-D36B827E31E7}" srcOrd="0" destOrd="3" presId="urn:microsoft.com/office/officeart/2005/8/layout/gear1"/>
     <dgm:cxn modelId="{82C5A447-D9B8-4E74-A3BF-0487176461B9}" srcId="{F261A8A3-DE43-457D-B5DA-57ABAF0141AA}" destId="{A582AD83-9CAB-462E-83AC-65211CB3187C}" srcOrd="3" destOrd="0" parTransId="{AECB30F4-251E-4172-88EA-083D542655D8}" sibTransId="{67137819-3DEF-44EA-B25F-79F8CEA5C7A6}"/>
@@ -3125,8 +4648,8 @@
     <dgm:cxn modelId="{CE92C18D-B7B9-4219-A828-40054F049AF6}" srcId="{20E76A35-E02D-4050-8038-98CDE4E8ECFC}" destId="{56930566-9630-42CE-A032-BCC45F07FDD9}" srcOrd="8" destOrd="0" parTransId="{9118C62B-866D-4E85-958A-F12EB0A2980C}" sibTransId="{B18765F9-8F2C-471B-A725-CE66A9D0381F}"/>
     <dgm:cxn modelId="{AD3EC9AB-5401-4D94-BC90-C3BFAD1B56AC}" type="presOf" srcId="{56930566-9630-42CE-A032-BCC45F07FDD9}" destId="{881714B5-75E8-403A-BE11-5480D8369BE2}" srcOrd="0" destOrd="8" presId="urn:microsoft.com/office/officeart/2005/8/layout/gear1"/>
     <dgm:cxn modelId="{3AC37156-9CC3-4852-9428-D13786308689}" type="presOf" srcId="{72753BCA-28DF-4FC3-A034-2AF11D8ADE05}" destId="{BA8B75CC-F132-45BD-B81B-D36B827E31E7}" srcOrd="0" destOrd="2" presId="urn:microsoft.com/office/officeart/2005/8/layout/gear1"/>
+    <dgm:cxn modelId="{76E96F9E-0670-4C2D-8E4D-34F18F7673C0}" srcId="{6EDE420C-1CA8-4C7E-BEF8-5C256133897C}" destId="{98C12966-0B24-4F0F-B41A-FC2056F7B49F}" srcOrd="0" destOrd="0" parTransId="{B78235AD-B834-48D8-A95B-4ACD0ACE7D07}" sibTransId="{BB0D2F6E-E707-4FDD-BF42-7080C5CACFE9}"/>
     <dgm:cxn modelId="{2538F8D9-489A-4471-B902-DEBB212D26C0}" type="presOf" srcId="{275F8360-8437-4C82-A087-E38C05DC17FC}" destId="{881714B5-75E8-403A-BE11-5480D8369BE2}" srcOrd="0" destOrd="3" presId="urn:microsoft.com/office/officeart/2005/8/layout/gear1"/>
-    <dgm:cxn modelId="{76E96F9E-0670-4C2D-8E4D-34F18F7673C0}" srcId="{6EDE420C-1CA8-4C7E-BEF8-5C256133897C}" destId="{98C12966-0B24-4F0F-B41A-FC2056F7B49F}" srcOrd="0" destOrd="0" parTransId="{B78235AD-B834-48D8-A95B-4ACD0ACE7D07}" sibTransId="{BB0D2F6E-E707-4FDD-BF42-7080C5CACFE9}"/>
     <dgm:cxn modelId="{6AB79E1F-9905-469C-95F1-0B73A2FBB62A}" type="presOf" srcId="{E4F155DD-E0A1-49E4-8536-8B8A6FA3FB37}" destId="{BA8B75CC-F132-45BD-B81B-D36B827E31E7}" srcOrd="0" destOrd="0" presId="urn:microsoft.com/office/officeart/2005/8/layout/gear1"/>
     <dgm:cxn modelId="{E18D9C3E-162E-4676-968D-B060C722EBF0}" type="presOf" srcId="{9A5695F2-86F4-4E97-A75B-1B0F968D19E8}" destId="{881714B5-75E8-403A-BE11-5480D8369BE2}" srcOrd="0" destOrd="6" presId="urn:microsoft.com/office/officeart/2005/8/layout/gear1"/>
     <dgm:cxn modelId="{1AA408FA-598A-4CBF-941B-949822CF12E5}" type="presOf" srcId="{3357A016-10EB-4580-8019-B26B4C7B0720}" destId="{881714B5-75E8-403A-BE11-5480D8369BE2}" srcOrd="0" destOrd="7" presId="urn:microsoft.com/office/officeart/2005/8/layout/gear1"/>
@@ -3139,8 +4662,8 @@
     <dgm:cxn modelId="{36004114-8DC2-458F-AFF8-02973B1888BC}" type="presOf" srcId="{381F2165-177B-4A6F-9D1F-267ABFAC81CD}" destId="{730DFB9D-E765-4459-9AE2-125492F90C14}" srcOrd="0" destOrd="0" presId="urn:microsoft.com/office/officeart/2005/8/layout/gear1"/>
     <dgm:cxn modelId="{14F9AEFF-BA62-49E2-8921-4C85F862991E}" srcId="{381F2165-177B-4A6F-9D1F-267ABFAC81CD}" destId="{E4F155DD-E0A1-49E4-8536-8B8A6FA3FB37}" srcOrd="0" destOrd="0" parTransId="{F0EDF1AF-ABCD-4B8A-B325-C0B11F0A6A1A}" sibTransId="{03B7C7C4-125D-47EA-AA80-BF1606CC7DCD}"/>
     <dgm:cxn modelId="{22B84671-9503-4C8E-9A7E-8C9E339A8E4D}" type="presOf" srcId="{2C56868A-7A48-44A0-87FC-80D48F7A3BA5}" destId="{881714B5-75E8-403A-BE11-5480D8369BE2}" srcOrd="0" destOrd="0" presId="urn:microsoft.com/office/officeart/2005/8/layout/gear1"/>
+    <dgm:cxn modelId="{8FB838B9-18A5-4C4C-8E8A-23CD69A2F212}" type="presOf" srcId="{D0958AFD-668F-4D54-9865-AA8A4D729D33}" destId="{6D31428B-94FE-4CB5-96CC-9A441D8077FE}" srcOrd="0" destOrd="3" presId="urn:microsoft.com/office/officeart/2005/8/layout/gear1"/>
     <dgm:cxn modelId="{339E78DE-9ADF-491C-AA4C-A405E7D30FC7}" type="presOf" srcId="{5BD3AB99-E8CA-470A-8A56-BFE029B3DB6C}" destId="{6D31428B-94FE-4CB5-96CC-9A441D8077FE}" srcOrd="0" destOrd="7" presId="urn:microsoft.com/office/officeart/2005/8/layout/gear1"/>
-    <dgm:cxn modelId="{8FB838B9-18A5-4C4C-8E8A-23CD69A2F212}" type="presOf" srcId="{D0958AFD-668F-4D54-9865-AA8A4D729D33}" destId="{6D31428B-94FE-4CB5-96CC-9A441D8077FE}" srcOrd="0" destOrd="3" presId="urn:microsoft.com/office/officeart/2005/8/layout/gear1"/>
     <dgm:cxn modelId="{76BCDA39-C912-4B5A-BF82-1E5DB0B7DD75}" type="presOf" srcId="{6DFCC957-C840-47C9-9B5B-3B96AF811EFA}" destId="{6D31428B-94FE-4CB5-96CC-9A441D8077FE}" srcOrd="0" destOrd="8" presId="urn:microsoft.com/office/officeart/2005/8/layout/gear1"/>
     <dgm:cxn modelId="{BDD8C2B6-BEF7-4989-93E9-980B9E777F6C}" type="presParOf" srcId="{2BBB2A6C-B769-42FA-A380-E5D1E24B0C97}" destId="{18880182-689F-41CD-9623-B84C18DAEE1E}" srcOrd="0" destOrd="0" presId="urn:microsoft.com/office/officeart/2005/8/layout/gear1"/>
     <dgm:cxn modelId="{3DE68537-778B-4C05-A6FB-60A309C9B5DF}" type="presParOf" srcId="{2BBB2A6C-B769-42FA-A380-E5D1E24B0C97}" destId="{DFCCA574-4EAA-48D4-B9D0-4AC822B7E9EB}" srcOrd="1" destOrd="0" presId="urn:microsoft.com/office/officeart/2005/8/layout/gear1"/>
@@ -3415,18 +4938,46 @@
         </dgm:presLayoutVars>
       </dgm:prSet>
       <dgm:spPr/>
+      <dgm:t>
+        <a:bodyPr/>
+        <a:lstStyle/>
+        <a:p>
+          <a:endParaRPr lang="en-US"/>
+        </a:p>
+      </dgm:t>
     </dgm:pt>
     <dgm:pt modelId="{C053B712-0AC7-458B-904D-ECA167E4F65D}" type="pres">
       <dgm:prSet presAssocID="{84DCAC5E-E80A-4FCA-AA0A-5EFB80BAE1DA}" presName="centerShape" presStyleLbl="node0" presStyleIdx="0" presStyleCnt="1"/>
       <dgm:spPr/>
+      <dgm:t>
+        <a:bodyPr/>
+        <a:lstStyle/>
+        <a:p>
+          <a:endParaRPr lang="en-US"/>
+        </a:p>
+      </dgm:t>
     </dgm:pt>
     <dgm:pt modelId="{7768B2AC-E8F9-472D-AD53-A81588BC9FE0}" type="pres">
       <dgm:prSet presAssocID="{521950E1-752F-4808-85A3-91AFBA08716D}" presName="parTrans" presStyleLbl="sibTrans2D1" presStyleIdx="0" presStyleCnt="5"/>
       <dgm:spPr/>
+      <dgm:t>
+        <a:bodyPr/>
+        <a:lstStyle/>
+        <a:p>
+          <a:endParaRPr lang="en-US"/>
+        </a:p>
+      </dgm:t>
     </dgm:pt>
     <dgm:pt modelId="{86078692-2152-4882-9B9F-2EB9E3255E6D}" type="pres">
       <dgm:prSet presAssocID="{521950E1-752F-4808-85A3-91AFBA08716D}" presName="connectorText" presStyleLbl="sibTrans2D1" presStyleIdx="0" presStyleCnt="5"/>
       <dgm:spPr/>
+      <dgm:t>
+        <a:bodyPr/>
+        <a:lstStyle/>
+        <a:p>
+          <a:endParaRPr lang="en-US"/>
+        </a:p>
+      </dgm:t>
     </dgm:pt>
     <dgm:pt modelId="{ACCA5608-74C6-4925-99FC-9C7496F9BACF}" type="pres">
       <dgm:prSet presAssocID="{0BAB1648-258D-4B2C-9114-547D86571720}" presName="node" presStyleLbl="node1" presStyleIdx="0" presStyleCnt="5">
@@ -3435,14 +4986,35 @@
         </dgm:presLayoutVars>
       </dgm:prSet>
       <dgm:spPr/>
+      <dgm:t>
+        <a:bodyPr/>
+        <a:lstStyle/>
+        <a:p>
+          <a:endParaRPr lang="en-US"/>
+        </a:p>
+      </dgm:t>
     </dgm:pt>
     <dgm:pt modelId="{9F8956AD-1FCA-46B0-B058-BF950FF23E38}" type="pres">
       <dgm:prSet presAssocID="{032DD0F8-43A7-4374-B214-79BA1A934D47}" presName="parTrans" presStyleLbl="sibTrans2D1" presStyleIdx="1" presStyleCnt="5"/>
       <dgm:spPr/>
+      <dgm:t>
+        <a:bodyPr/>
+        <a:lstStyle/>
+        <a:p>
+          <a:endParaRPr lang="en-US"/>
+        </a:p>
+      </dgm:t>
     </dgm:pt>
     <dgm:pt modelId="{5B9E6916-6DDC-45BA-BFA5-CBFE795076AC}" type="pres">
       <dgm:prSet presAssocID="{032DD0F8-43A7-4374-B214-79BA1A934D47}" presName="connectorText" presStyleLbl="sibTrans2D1" presStyleIdx="1" presStyleCnt="5"/>
       <dgm:spPr/>
+      <dgm:t>
+        <a:bodyPr/>
+        <a:lstStyle/>
+        <a:p>
+          <a:endParaRPr lang="en-US"/>
+        </a:p>
+      </dgm:t>
     </dgm:pt>
     <dgm:pt modelId="{46C5F27F-90AD-4006-8D6D-C2A77D0D3268}" type="pres">
       <dgm:prSet presAssocID="{44EF55F0-45A3-43CC-A34B-C2CDA1F9FD2A}" presName="node" presStyleLbl="node1" presStyleIdx="1" presStyleCnt="5">
@@ -3451,14 +5023,35 @@
         </dgm:presLayoutVars>
       </dgm:prSet>
       <dgm:spPr/>
+      <dgm:t>
+        <a:bodyPr/>
+        <a:lstStyle/>
+        <a:p>
+          <a:endParaRPr lang="en-US"/>
+        </a:p>
+      </dgm:t>
     </dgm:pt>
     <dgm:pt modelId="{43DED766-BCAF-4FA0-9FC6-67FF5D623C0F}" type="pres">
       <dgm:prSet presAssocID="{64DCDE21-C3D6-4F0A-A3F4-6B80D61D0513}" presName="parTrans" presStyleLbl="sibTrans2D1" presStyleIdx="2" presStyleCnt="5"/>
       <dgm:spPr/>
+      <dgm:t>
+        <a:bodyPr/>
+        <a:lstStyle/>
+        <a:p>
+          <a:endParaRPr lang="en-US"/>
+        </a:p>
+      </dgm:t>
     </dgm:pt>
     <dgm:pt modelId="{B0C4F6AB-A310-49A3-9E41-59CE347ABB4D}" type="pres">
       <dgm:prSet presAssocID="{64DCDE21-C3D6-4F0A-A3F4-6B80D61D0513}" presName="connectorText" presStyleLbl="sibTrans2D1" presStyleIdx="2" presStyleCnt="5"/>
       <dgm:spPr/>
+      <dgm:t>
+        <a:bodyPr/>
+        <a:lstStyle/>
+        <a:p>
+          <a:endParaRPr lang="en-US"/>
+        </a:p>
+      </dgm:t>
     </dgm:pt>
     <dgm:pt modelId="{6BB09ABA-2F6E-4AB4-9279-DD0D2B591276}" type="pres">
       <dgm:prSet presAssocID="{F58E3085-09D2-4210-8A4E-7EBCB6135BC1}" presName="node" presStyleLbl="node1" presStyleIdx="2" presStyleCnt="5">
@@ -3467,14 +5060,35 @@
         </dgm:presLayoutVars>
       </dgm:prSet>
       <dgm:spPr/>
+      <dgm:t>
+        <a:bodyPr/>
+        <a:lstStyle/>
+        <a:p>
+          <a:endParaRPr lang="en-US"/>
+        </a:p>
+      </dgm:t>
     </dgm:pt>
     <dgm:pt modelId="{D5BE4797-70C5-478A-A19D-FBA1435CDA2B}" type="pres">
       <dgm:prSet presAssocID="{8384F2DB-DB90-440B-9FCA-56C41C6601A0}" presName="parTrans" presStyleLbl="sibTrans2D1" presStyleIdx="3" presStyleCnt="5"/>
       <dgm:spPr/>
+      <dgm:t>
+        <a:bodyPr/>
+        <a:lstStyle/>
+        <a:p>
+          <a:endParaRPr lang="en-US"/>
+        </a:p>
+      </dgm:t>
     </dgm:pt>
     <dgm:pt modelId="{1F55D921-A1F4-4AFF-AF51-D345C670D869}" type="pres">
       <dgm:prSet presAssocID="{8384F2DB-DB90-440B-9FCA-56C41C6601A0}" presName="connectorText" presStyleLbl="sibTrans2D1" presStyleIdx="3" presStyleCnt="5"/>
       <dgm:spPr/>
+      <dgm:t>
+        <a:bodyPr/>
+        <a:lstStyle/>
+        <a:p>
+          <a:endParaRPr lang="en-US"/>
+        </a:p>
+      </dgm:t>
     </dgm:pt>
     <dgm:pt modelId="{BDBEDE2C-AE7E-4B4B-B8E6-35A51DFF4904}" type="pres">
       <dgm:prSet presAssocID="{8E143DFE-1E3A-4C85-82B2-AF9D8FC2ED4E}" presName="node" presStyleLbl="node1" presStyleIdx="3" presStyleCnt="5">
@@ -3494,10 +5108,24 @@
     <dgm:pt modelId="{52C7AB3F-E4C2-4682-8035-233E0D3653A2}" type="pres">
       <dgm:prSet presAssocID="{4D777723-7005-4474-A8B4-5245CFB1A8E0}" presName="parTrans" presStyleLbl="sibTrans2D1" presStyleIdx="4" presStyleCnt="5"/>
       <dgm:spPr/>
+      <dgm:t>
+        <a:bodyPr/>
+        <a:lstStyle/>
+        <a:p>
+          <a:endParaRPr lang="en-US"/>
+        </a:p>
+      </dgm:t>
     </dgm:pt>
     <dgm:pt modelId="{5E6773C0-632F-45D4-8EE7-8C9C1D1A9907}" type="pres">
       <dgm:prSet presAssocID="{4D777723-7005-4474-A8B4-5245CFB1A8E0}" presName="connectorText" presStyleLbl="sibTrans2D1" presStyleIdx="4" presStyleCnt="5"/>
       <dgm:spPr/>
+      <dgm:t>
+        <a:bodyPr/>
+        <a:lstStyle/>
+        <a:p>
+          <a:endParaRPr lang="en-US"/>
+        </a:p>
+      </dgm:t>
     </dgm:pt>
     <dgm:pt modelId="{7B2C80FB-F804-4BEC-96AA-54F219B9A079}" type="pres">
       <dgm:prSet presAssocID="{C6E21577-3C3A-46EE-8463-4C09F75640BA}" presName="node" presStyleLbl="node1" presStyleIdx="4" presStyleCnt="5">
@@ -3506,32 +5134,39 @@
         </dgm:presLayoutVars>
       </dgm:prSet>
       <dgm:spPr/>
+      <dgm:t>
+        <a:bodyPr/>
+        <a:lstStyle/>
+        <a:p>
+          <a:endParaRPr lang="en-US"/>
+        </a:p>
+      </dgm:t>
     </dgm:pt>
   </dgm:ptLst>
   <dgm:cxnLst>
+    <dgm:cxn modelId="{65C9FBC6-EF3B-4F78-AA96-28D9F8E0DEBF}" type="presOf" srcId="{032DD0F8-43A7-4374-B214-79BA1A934D47}" destId="{9F8956AD-1FCA-46B0-B058-BF950FF23E38}" srcOrd="0" destOrd="0" presId="urn:microsoft.com/office/officeart/2005/8/layout/radial5"/>
+    <dgm:cxn modelId="{1E48CC7B-8FB8-4AD4-A527-0417DC78F033}" type="presOf" srcId="{8384F2DB-DB90-440B-9FCA-56C41C6601A0}" destId="{1F55D921-A1F4-4AFF-AF51-D345C670D869}" srcOrd="1" destOrd="0" presId="urn:microsoft.com/office/officeart/2005/8/layout/radial5"/>
+    <dgm:cxn modelId="{410D785A-A189-48E3-892C-F0AB35585934}" type="presOf" srcId="{032DD0F8-43A7-4374-B214-79BA1A934D47}" destId="{5B9E6916-6DDC-45BA-BFA5-CBFE795076AC}" srcOrd="1" destOrd="0" presId="urn:microsoft.com/office/officeart/2005/8/layout/radial5"/>
     <dgm:cxn modelId="{DC9B7B0A-649B-4453-AE63-1DE80D178D72}" type="presOf" srcId="{44EF55F0-45A3-43CC-A34B-C2CDA1F9FD2A}" destId="{46C5F27F-90AD-4006-8D6D-C2A77D0D3268}" srcOrd="0" destOrd="0" presId="urn:microsoft.com/office/officeart/2005/8/layout/radial5"/>
-    <dgm:cxn modelId="{BBB22B0A-C291-4C19-A00D-0DB6E75E79EA}" type="presOf" srcId="{4D777723-7005-4474-A8B4-5245CFB1A8E0}" destId="{52C7AB3F-E4C2-4682-8035-233E0D3653A2}" srcOrd="0" destOrd="0" presId="urn:microsoft.com/office/officeart/2005/8/layout/radial5"/>
-    <dgm:cxn modelId="{8626E3DA-D409-4CF1-AB30-26762016A3B2}" type="presOf" srcId="{521950E1-752F-4808-85A3-91AFBA08716D}" destId="{86078692-2152-4882-9B9F-2EB9E3255E6D}" srcOrd="1" destOrd="0" presId="urn:microsoft.com/office/officeart/2005/8/layout/radial5"/>
-    <dgm:cxn modelId="{FC4A794E-7A6C-4419-8CB5-3D533418FFAF}" type="presOf" srcId="{4D777723-7005-4474-A8B4-5245CFB1A8E0}" destId="{5E6773C0-632F-45D4-8EE7-8C9C1D1A9907}" srcOrd="1" destOrd="0" presId="urn:microsoft.com/office/officeart/2005/8/layout/radial5"/>
-    <dgm:cxn modelId="{4E5AB6D0-15E1-445E-BB8F-9D8FE8600758}" type="presOf" srcId="{5B44C7E0-02C4-4D5F-9E5B-71165D632BD6}" destId="{FE5EEE63-F4FD-4943-9D66-938AB1F9DDCE}" srcOrd="0" destOrd="0" presId="urn:microsoft.com/office/officeart/2005/8/layout/radial5"/>
-    <dgm:cxn modelId="{3C9DA76F-9F12-465D-995A-F07E10652C29}" srcId="{84DCAC5E-E80A-4FCA-AA0A-5EFB80BAE1DA}" destId="{8E143DFE-1E3A-4C85-82B2-AF9D8FC2ED4E}" srcOrd="3" destOrd="0" parTransId="{8384F2DB-DB90-440B-9FCA-56C41C6601A0}" sibTransId="{63BCEF46-9137-4807-9357-89E54E97ADE2}"/>
-    <dgm:cxn modelId="{58F38F75-8BC8-423B-ADE3-923480A55420}" type="presOf" srcId="{0BAB1648-258D-4B2C-9114-547D86571720}" destId="{ACCA5608-74C6-4925-99FC-9C7496F9BACF}" srcOrd="0" destOrd="0" presId="urn:microsoft.com/office/officeart/2005/8/layout/radial5"/>
-    <dgm:cxn modelId="{26F0E042-205C-47ED-8E0D-F624FCC805E9}" type="presOf" srcId="{64DCDE21-C3D6-4F0A-A3F4-6B80D61D0513}" destId="{43DED766-BCAF-4FA0-9FC6-67FF5D623C0F}" srcOrd="0" destOrd="0" presId="urn:microsoft.com/office/officeart/2005/8/layout/radial5"/>
-    <dgm:cxn modelId="{B1B689A3-B3AE-4D49-BC69-C570B455472D}" srcId="{5B44C7E0-02C4-4D5F-9E5B-71165D632BD6}" destId="{84DCAC5E-E80A-4FCA-AA0A-5EFB80BAE1DA}" srcOrd="0" destOrd="0" parTransId="{E5B12436-093C-470A-9CF9-D7AD5CA496A2}" sibTransId="{9F428983-AF90-48C3-8966-A0E43DD53AF8}"/>
-    <dgm:cxn modelId="{6729CDB9-BD83-49DF-A557-76CF5303E29F}" type="presOf" srcId="{C6E21577-3C3A-46EE-8463-4C09F75640BA}" destId="{7B2C80FB-F804-4BEC-96AA-54F219B9A079}" srcOrd="0" destOrd="0" presId="urn:microsoft.com/office/officeart/2005/8/layout/radial5"/>
-    <dgm:cxn modelId="{D5F94709-6855-4D32-A769-B732ACA551CC}" srcId="{84DCAC5E-E80A-4FCA-AA0A-5EFB80BAE1DA}" destId="{C6E21577-3C3A-46EE-8463-4C09F75640BA}" srcOrd="4" destOrd="0" parTransId="{4D777723-7005-4474-A8B4-5245CFB1A8E0}" sibTransId="{14334AAA-8C85-4151-A7CD-7D2FFB388943}"/>
-    <dgm:cxn modelId="{1E48CC7B-8FB8-4AD4-A527-0417DC78F033}" type="presOf" srcId="{8384F2DB-DB90-440B-9FCA-56C41C6601A0}" destId="{1F55D921-A1F4-4AFF-AF51-D345C670D869}" srcOrd="1" destOrd="0" presId="urn:microsoft.com/office/officeart/2005/8/layout/radial5"/>
-    <dgm:cxn modelId="{B7C1B832-7A50-4E70-95BC-CCD19991E903}" srcId="{84DCAC5E-E80A-4FCA-AA0A-5EFB80BAE1DA}" destId="{F58E3085-09D2-4210-8A4E-7EBCB6135BC1}" srcOrd="2" destOrd="0" parTransId="{64DCDE21-C3D6-4F0A-A3F4-6B80D61D0513}" sibTransId="{E0B34B7A-7B58-4CBE-8358-98DC1476F09F}"/>
-    <dgm:cxn modelId="{6E046007-451C-4932-B5B8-AE1B78F735D8}" type="presOf" srcId="{521950E1-752F-4808-85A3-91AFBA08716D}" destId="{7768B2AC-E8F9-472D-AD53-A81588BC9FE0}" srcOrd="0" destOrd="0" presId="urn:microsoft.com/office/officeart/2005/8/layout/radial5"/>
-    <dgm:cxn modelId="{3543E6A9-520B-4E71-A0E9-F561B1E794D3}" srcId="{84DCAC5E-E80A-4FCA-AA0A-5EFB80BAE1DA}" destId="{0BAB1648-258D-4B2C-9114-547D86571720}" srcOrd="0" destOrd="0" parTransId="{521950E1-752F-4808-85A3-91AFBA08716D}" sibTransId="{621992F5-AC97-4F2A-A94D-6B48F26CACB2}"/>
-    <dgm:cxn modelId="{410D785A-A189-48E3-892C-F0AB35585934}" type="presOf" srcId="{032DD0F8-43A7-4374-B214-79BA1A934D47}" destId="{5B9E6916-6DDC-45BA-BFA5-CBFE795076AC}" srcOrd="1" destOrd="0" presId="urn:microsoft.com/office/officeart/2005/8/layout/radial5"/>
     <dgm:cxn modelId="{1D6C7492-F679-47B4-9DC1-E0E84E62F6A9}" type="presOf" srcId="{84DCAC5E-E80A-4FCA-AA0A-5EFB80BAE1DA}" destId="{C053B712-0AC7-458B-904D-ECA167E4F65D}" srcOrd="0" destOrd="0" presId="urn:microsoft.com/office/officeart/2005/8/layout/radial5"/>
     <dgm:cxn modelId="{8C849DCB-B883-448C-9EAB-CAD4AE52B2B3}" type="presOf" srcId="{8E143DFE-1E3A-4C85-82B2-AF9D8FC2ED4E}" destId="{BDBEDE2C-AE7E-4B4B-B8E6-35A51DFF4904}" srcOrd="0" destOrd="0" presId="urn:microsoft.com/office/officeart/2005/8/layout/radial5"/>
     <dgm:cxn modelId="{61A76F3B-1447-46CE-AADF-5A3984534A77}" type="presOf" srcId="{64DCDE21-C3D6-4F0A-A3F4-6B80D61D0513}" destId="{B0C4F6AB-A310-49A3-9E41-59CE347ABB4D}" srcOrd="1" destOrd="0" presId="urn:microsoft.com/office/officeart/2005/8/layout/radial5"/>
+    <dgm:cxn modelId="{26F0E042-205C-47ED-8E0D-F624FCC805E9}" type="presOf" srcId="{64DCDE21-C3D6-4F0A-A3F4-6B80D61D0513}" destId="{43DED766-BCAF-4FA0-9FC6-67FF5D623C0F}" srcOrd="0" destOrd="0" presId="urn:microsoft.com/office/officeart/2005/8/layout/radial5"/>
+    <dgm:cxn modelId="{B1B689A3-B3AE-4D49-BC69-C570B455472D}" srcId="{5B44C7E0-02C4-4D5F-9E5B-71165D632BD6}" destId="{84DCAC5E-E80A-4FCA-AA0A-5EFB80BAE1DA}" srcOrd="0" destOrd="0" parTransId="{E5B12436-093C-470A-9CF9-D7AD5CA496A2}" sibTransId="{9F428983-AF90-48C3-8966-A0E43DD53AF8}"/>
+    <dgm:cxn modelId="{3C9DA76F-9F12-465D-995A-F07E10652C29}" srcId="{84DCAC5E-E80A-4FCA-AA0A-5EFB80BAE1DA}" destId="{8E143DFE-1E3A-4C85-82B2-AF9D8FC2ED4E}" srcOrd="3" destOrd="0" parTransId="{8384F2DB-DB90-440B-9FCA-56C41C6601A0}" sibTransId="{63BCEF46-9137-4807-9357-89E54E97ADE2}"/>
+    <dgm:cxn modelId="{8626E3DA-D409-4CF1-AB30-26762016A3B2}" type="presOf" srcId="{521950E1-752F-4808-85A3-91AFBA08716D}" destId="{86078692-2152-4882-9B9F-2EB9E3255E6D}" srcOrd="1" destOrd="0" presId="urn:microsoft.com/office/officeart/2005/8/layout/radial5"/>
+    <dgm:cxn modelId="{3543E6A9-520B-4E71-A0E9-F561B1E794D3}" srcId="{84DCAC5E-E80A-4FCA-AA0A-5EFB80BAE1DA}" destId="{0BAB1648-258D-4B2C-9114-547D86571720}" srcOrd="0" destOrd="0" parTransId="{521950E1-752F-4808-85A3-91AFBA08716D}" sibTransId="{621992F5-AC97-4F2A-A94D-6B48F26CACB2}"/>
+    <dgm:cxn modelId="{2B433028-AADA-4E4C-B995-8821E26B5E52}" srcId="{84DCAC5E-E80A-4FCA-AA0A-5EFB80BAE1DA}" destId="{44EF55F0-45A3-43CC-A34B-C2CDA1F9FD2A}" srcOrd="1" destOrd="0" parTransId="{032DD0F8-43A7-4374-B214-79BA1A934D47}" sibTransId="{788F3BF8-BA28-4FCA-842B-309A9A8BDF5E}"/>
+    <dgm:cxn modelId="{B7C1B832-7A50-4E70-95BC-CCD19991E903}" srcId="{84DCAC5E-E80A-4FCA-AA0A-5EFB80BAE1DA}" destId="{F58E3085-09D2-4210-8A4E-7EBCB6135BC1}" srcOrd="2" destOrd="0" parTransId="{64DCDE21-C3D6-4F0A-A3F4-6B80D61D0513}" sibTransId="{E0B34B7A-7B58-4CBE-8358-98DC1476F09F}"/>
+    <dgm:cxn modelId="{6729CDB9-BD83-49DF-A557-76CF5303E29F}" type="presOf" srcId="{C6E21577-3C3A-46EE-8463-4C09F75640BA}" destId="{7B2C80FB-F804-4BEC-96AA-54F219B9A079}" srcOrd="0" destOrd="0" presId="urn:microsoft.com/office/officeart/2005/8/layout/radial5"/>
+    <dgm:cxn modelId="{24A7188B-19E8-4B63-A457-BE12B8E1E8E8}" type="presOf" srcId="{F58E3085-09D2-4210-8A4E-7EBCB6135BC1}" destId="{6BB09ABA-2F6E-4AB4-9279-DD0D2B591276}" srcOrd="0" destOrd="0" presId="urn:microsoft.com/office/officeart/2005/8/layout/radial5"/>
     <dgm:cxn modelId="{E328F9A5-5D61-4496-A780-13063DC57C6D}" type="presOf" srcId="{8384F2DB-DB90-440B-9FCA-56C41C6601A0}" destId="{D5BE4797-70C5-478A-A19D-FBA1435CDA2B}" srcOrd="0" destOrd="0" presId="urn:microsoft.com/office/officeart/2005/8/layout/radial5"/>
-    <dgm:cxn modelId="{65C9FBC6-EF3B-4F78-AA96-28D9F8E0DEBF}" type="presOf" srcId="{032DD0F8-43A7-4374-B214-79BA1A934D47}" destId="{9F8956AD-1FCA-46B0-B058-BF950FF23E38}" srcOrd="0" destOrd="0" presId="urn:microsoft.com/office/officeart/2005/8/layout/radial5"/>
-    <dgm:cxn modelId="{2B433028-AADA-4E4C-B995-8821E26B5E52}" srcId="{84DCAC5E-E80A-4FCA-AA0A-5EFB80BAE1DA}" destId="{44EF55F0-45A3-43CC-A34B-C2CDA1F9FD2A}" srcOrd="1" destOrd="0" parTransId="{032DD0F8-43A7-4374-B214-79BA1A934D47}" sibTransId="{788F3BF8-BA28-4FCA-842B-309A9A8BDF5E}"/>
-    <dgm:cxn modelId="{24A7188B-19E8-4B63-A457-BE12B8E1E8E8}" type="presOf" srcId="{F58E3085-09D2-4210-8A4E-7EBCB6135BC1}" destId="{6BB09ABA-2F6E-4AB4-9279-DD0D2B591276}" srcOrd="0" destOrd="0" presId="urn:microsoft.com/office/officeart/2005/8/layout/radial5"/>
+    <dgm:cxn modelId="{4E5AB6D0-15E1-445E-BB8F-9D8FE8600758}" type="presOf" srcId="{5B44C7E0-02C4-4D5F-9E5B-71165D632BD6}" destId="{FE5EEE63-F4FD-4943-9D66-938AB1F9DDCE}" srcOrd="0" destOrd="0" presId="urn:microsoft.com/office/officeart/2005/8/layout/radial5"/>
+    <dgm:cxn modelId="{BBB22B0A-C291-4C19-A00D-0DB6E75E79EA}" type="presOf" srcId="{4D777723-7005-4474-A8B4-5245CFB1A8E0}" destId="{52C7AB3F-E4C2-4682-8035-233E0D3653A2}" srcOrd="0" destOrd="0" presId="urn:microsoft.com/office/officeart/2005/8/layout/radial5"/>
+    <dgm:cxn modelId="{FC4A794E-7A6C-4419-8CB5-3D533418FFAF}" type="presOf" srcId="{4D777723-7005-4474-A8B4-5245CFB1A8E0}" destId="{5E6773C0-632F-45D4-8EE7-8C9C1D1A9907}" srcOrd="1" destOrd="0" presId="urn:microsoft.com/office/officeart/2005/8/layout/radial5"/>
+    <dgm:cxn modelId="{58F38F75-8BC8-423B-ADE3-923480A55420}" type="presOf" srcId="{0BAB1648-258D-4B2C-9114-547D86571720}" destId="{ACCA5608-74C6-4925-99FC-9C7496F9BACF}" srcOrd="0" destOrd="0" presId="urn:microsoft.com/office/officeart/2005/8/layout/radial5"/>
+    <dgm:cxn modelId="{D5F94709-6855-4D32-A769-B732ACA551CC}" srcId="{84DCAC5E-E80A-4FCA-AA0A-5EFB80BAE1DA}" destId="{C6E21577-3C3A-46EE-8463-4C09F75640BA}" srcOrd="4" destOrd="0" parTransId="{4D777723-7005-4474-A8B4-5245CFB1A8E0}" sibTransId="{14334AAA-8C85-4151-A7CD-7D2FFB388943}"/>
+    <dgm:cxn modelId="{6E046007-451C-4932-B5B8-AE1B78F735D8}" type="presOf" srcId="{521950E1-752F-4808-85A3-91AFBA08716D}" destId="{7768B2AC-E8F9-472D-AD53-A81588BC9FE0}" srcOrd="0" destOrd="0" presId="urn:microsoft.com/office/officeart/2005/8/layout/radial5"/>
     <dgm:cxn modelId="{BB397EB6-D527-4F73-9D1A-6ABCEF51BB96}" type="presParOf" srcId="{FE5EEE63-F4FD-4943-9D66-938AB1F9DDCE}" destId="{C053B712-0AC7-458B-904D-ECA167E4F65D}" srcOrd="0" destOrd="0" presId="urn:microsoft.com/office/officeart/2005/8/layout/radial5"/>
     <dgm:cxn modelId="{B4F7DD0F-AE7F-46C0-AF6E-789463AE9E87}" type="presParOf" srcId="{FE5EEE63-F4FD-4943-9D66-938AB1F9DDCE}" destId="{7768B2AC-E8F9-472D-AD53-A81588BC9FE0}" srcOrd="1" destOrd="0" presId="urn:microsoft.com/office/officeart/2005/8/layout/radial5"/>
     <dgm:cxn modelId="{EE25EB8A-2F6E-41E8-BAE9-FEF3601F2FE4}" type="presParOf" srcId="{7768B2AC-E8F9-472D-AD53-A81588BC9FE0}" destId="{86078692-2152-4882-9B9F-2EB9E3255E6D}" srcOrd="0" destOrd="0" presId="urn:microsoft.com/office/officeart/2005/8/layout/radial5"/>
@@ -3548,6 +5183,64 @@
     <dgm:cxn modelId="{D1E45D1B-6467-45DE-8728-781896666937}" type="presParOf" srcId="{FE5EEE63-F4FD-4943-9D66-938AB1F9DDCE}" destId="{52C7AB3F-E4C2-4682-8035-233E0D3653A2}" srcOrd="9" destOrd="0" presId="urn:microsoft.com/office/officeart/2005/8/layout/radial5"/>
     <dgm:cxn modelId="{E40C3543-4277-403E-AD7B-112AB4259131}" type="presParOf" srcId="{52C7AB3F-E4C2-4682-8035-233E0D3653A2}" destId="{5E6773C0-632F-45D4-8EE7-8C9C1D1A9907}" srcOrd="0" destOrd="0" presId="urn:microsoft.com/office/officeart/2005/8/layout/radial5"/>
     <dgm:cxn modelId="{B7517EE1-371A-4281-9229-25E28E427548}" type="presParOf" srcId="{FE5EEE63-F4FD-4943-9D66-938AB1F9DDCE}" destId="{7B2C80FB-F804-4BEC-96AA-54F219B9A079}" srcOrd="10" destOrd="0" presId="urn:microsoft.com/office/officeart/2005/8/layout/radial5"/>
+  </dgm:cxnLst>
+  <dgm:bg/>
+  <dgm:whole/>
+  <dgm:extLst>
+    <a:ext uri="http://schemas.microsoft.com/office/drawing/2008/diagram">
+      <dsp:dataModelExt xmlns:dsp="http://schemas.microsoft.com/office/drawing/2008/diagram" relId="rId6" minVer="http://schemas.openxmlformats.org/drawingml/2006/diagram"/>
+    </a:ext>
+  </dgm:extLst>
+</dgm:dataModel>
+</file>
+
+<file path=ppt/diagrams/data3.xml><?xml version="1.0" encoding="utf-8"?>
+<dgm:dataModel xmlns:dgm="http://schemas.openxmlformats.org/drawingml/2006/diagram" xmlns:a="http://schemas.openxmlformats.org/drawingml/2006/main">
+  <dgm:ptLst>
+    <dgm:pt modelId="{EF8C8DEC-3BE8-4014-A544-73435954158F}" type="doc">
+      <dgm:prSet loTypeId="urn:microsoft.com/office/officeart/2008/layout/PictureGrid" loCatId="picture" qsTypeId="urn:microsoft.com/office/officeart/2005/8/quickstyle/simple1" qsCatId="simple" csTypeId="urn:microsoft.com/office/officeart/2005/8/colors/accent1_2" csCatId="accent1"/>
+      <dgm:spPr/>
+    </dgm:pt>
+    <dgm:pt modelId="{70C632A3-0775-4B07-B86D-CE456B9F69F7}" type="pres">
+      <dgm:prSet presAssocID="{EF8C8DEC-3BE8-4014-A544-73435954158F}" presName="Name0" presStyleCnt="0">
+        <dgm:presLayoutVars>
+          <dgm:dir/>
+        </dgm:presLayoutVars>
+      </dgm:prSet>
+      <dgm:spPr/>
+    </dgm:pt>
+  </dgm:ptLst>
+  <dgm:cxnLst>
+    <dgm:cxn modelId="{C5643B01-125F-4742-99F2-85D764684052}" type="presOf" srcId="{EF8C8DEC-3BE8-4014-A544-73435954158F}" destId="{70C632A3-0775-4B07-B86D-CE456B9F69F7}" srcOrd="0" destOrd="0" presId="urn:microsoft.com/office/officeart/2008/layout/PictureGrid"/>
+  </dgm:cxnLst>
+  <dgm:bg/>
+  <dgm:whole/>
+  <dgm:extLst>
+    <a:ext uri="http://schemas.microsoft.com/office/drawing/2008/diagram">
+      <dsp:dataModelExt xmlns:dsp="http://schemas.microsoft.com/office/drawing/2008/diagram" relId="rId6" minVer="http://schemas.openxmlformats.org/drawingml/2006/diagram"/>
+    </a:ext>
+  </dgm:extLst>
+</dgm:dataModel>
+</file>
+
+<file path=ppt/diagrams/data4.xml><?xml version="1.0" encoding="utf-8"?>
+<dgm:dataModel xmlns:dgm="http://schemas.openxmlformats.org/drawingml/2006/diagram" xmlns:a="http://schemas.openxmlformats.org/drawingml/2006/main">
+  <dgm:ptLst>
+    <dgm:pt modelId="{EF8C8DEC-3BE8-4014-A544-73435954158F}" type="doc">
+      <dgm:prSet loTypeId="urn:microsoft.com/office/officeart/2008/layout/PictureGrid" loCatId="picture" qsTypeId="urn:microsoft.com/office/officeart/2005/8/quickstyle/simple1" qsCatId="simple" csTypeId="urn:microsoft.com/office/officeart/2005/8/colors/accent1_2" csCatId="accent1"/>
+      <dgm:spPr/>
+    </dgm:pt>
+    <dgm:pt modelId="{70C632A3-0775-4B07-B86D-CE456B9F69F7}" type="pres">
+      <dgm:prSet presAssocID="{EF8C8DEC-3BE8-4014-A544-73435954158F}" presName="Name0" presStyleCnt="0">
+        <dgm:presLayoutVars>
+          <dgm:dir/>
+        </dgm:presLayoutVars>
+      </dgm:prSet>
+      <dgm:spPr/>
+    </dgm:pt>
+  </dgm:ptLst>
+  <dgm:cxnLst>
+    <dgm:cxn modelId="{35778750-1C07-4F95-AB28-C1ED8E20DB9A}" type="presOf" srcId="{EF8C8DEC-3BE8-4014-A544-73435954158F}" destId="{70C632A3-0775-4B07-B86D-CE456B9F69F7}" srcOrd="0" destOrd="0" presId="urn:microsoft.com/office/officeart/2008/layout/PictureGrid"/>
   </dgm:cxnLst>
   <dgm:bg/>
   <dgm:whole/>
@@ -5458,6 +7151,30 @@
 </dsp:drawing>
 </file>
 
+<file path=ppt/diagrams/drawing3.xml><?xml version="1.0" encoding="utf-8"?>
+<dsp:drawing xmlns:dgm="http://schemas.openxmlformats.org/drawingml/2006/diagram" xmlns:dsp="http://schemas.microsoft.com/office/drawing/2008/diagram" xmlns:a="http://schemas.openxmlformats.org/drawingml/2006/main">
+  <dsp:spTree>
+    <dsp:nvGrpSpPr>
+      <dsp:cNvPr id="0" name=""/>
+      <dsp:cNvGrpSpPr/>
+    </dsp:nvGrpSpPr>
+    <dsp:grpSpPr/>
+  </dsp:spTree>
+</dsp:drawing>
+</file>
+
+<file path=ppt/diagrams/drawing4.xml><?xml version="1.0" encoding="utf-8"?>
+<dsp:drawing xmlns:dgm="http://schemas.openxmlformats.org/drawingml/2006/diagram" xmlns:dsp="http://schemas.microsoft.com/office/drawing/2008/diagram" xmlns:a="http://schemas.openxmlformats.org/drawingml/2006/main">
+  <dsp:spTree>
+    <dsp:nvGrpSpPr>
+      <dsp:cNvPr id="0" name=""/>
+      <dsp:cNvGrpSpPr/>
+    </dsp:nvGrpSpPr>
+    <dsp:grpSpPr/>
+  </dsp:spTree>
+</dsp:drawing>
+</file>
+
 <file path=ppt/diagrams/layout1.xml><?xml version="1.0" encoding="utf-8"?>
 <dgm:layoutDef xmlns:dgm="http://schemas.openxmlformats.org/drawingml/2006/diagram" xmlns:a="http://schemas.openxmlformats.org/drawingml/2006/main" uniqueId="urn:microsoft.com/office/officeart/2005/8/layout/gear1">
   <dgm:title val=""/>
@@ -6170,6 +7887,538 @@
 </dgm:layoutDef>
 </file>
 
+<file path=ppt/diagrams/layout3.xml><?xml version="1.0" encoding="utf-8"?>
+<dgm:layoutDef xmlns:dgm="http://schemas.openxmlformats.org/drawingml/2006/diagram" xmlns:a="http://schemas.openxmlformats.org/drawingml/2006/main" uniqueId="urn:microsoft.com/office/officeart/2008/layout/PictureGrid">
+  <dgm:title val=""/>
+  <dgm:desc val=""/>
+  <dgm:catLst>
+    <dgm:cat type="picture" pri="11000"/>
+    <dgm:cat type="pictureconvert" pri="11000"/>
+  </dgm:catLst>
+  <dgm:sampData>
+    <dgm:dataModel>
+      <dgm:ptLst>
+        <dgm:pt modelId="0" type="doc"/>
+        <dgm:pt modelId="10">
+          <dgm:prSet phldr="1"/>
+        </dgm:pt>
+        <dgm:pt modelId="20">
+          <dgm:prSet phldr="1"/>
+        </dgm:pt>
+        <dgm:pt modelId="30">
+          <dgm:prSet phldr="1"/>
+        </dgm:pt>
+        <dgm:pt modelId="40">
+          <dgm:prSet phldr="1"/>
+        </dgm:pt>
+      </dgm:ptLst>
+      <dgm:cxnLst>
+        <dgm:cxn modelId="60" srcId="0" destId="10" srcOrd="0" destOrd="0"/>
+        <dgm:cxn modelId="70" srcId="0" destId="20" srcOrd="1" destOrd="0"/>
+        <dgm:cxn modelId="80" srcId="0" destId="30" srcOrd="2" destOrd="0"/>
+        <dgm:cxn modelId="90" srcId="0" destId="40" srcOrd="3" destOrd="0"/>
+      </dgm:cxnLst>
+      <dgm:bg/>
+      <dgm:whole/>
+    </dgm:dataModel>
+  </dgm:sampData>
+  <dgm:styleData>
+    <dgm:dataModel>
+      <dgm:ptLst>
+        <dgm:pt modelId="0" type="doc"/>
+        <dgm:pt modelId="10">
+          <dgm:prSet phldr="1"/>
+        </dgm:pt>
+        <dgm:pt modelId="20">
+          <dgm:prSet phldr="1"/>
+        </dgm:pt>
+      </dgm:ptLst>
+      <dgm:cxnLst>
+        <dgm:cxn modelId="60" srcId="0" destId="10" srcOrd="0" destOrd="0"/>
+        <dgm:cxn modelId="70" srcId="0" destId="20" srcOrd="1" destOrd="0"/>
+      </dgm:cxnLst>
+      <dgm:bg/>
+      <dgm:whole/>
+    </dgm:dataModel>
+  </dgm:styleData>
+  <dgm:clrData>
+    <dgm:dataModel>
+      <dgm:ptLst>
+        <dgm:pt modelId="0" type="doc"/>
+        <dgm:pt modelId="10">
+          <dgm:prSet phldr="1"/>
+        </dgm:pt>
+        <dgm:pt modelId="20">
+          <dgm:prSet phldr="1"/>
+        </dgm:pt>
+        <dgm:pt modelId="30">
+          <dgm:prSet phldr="1"/>
+        </dgm:pt>
+        <dgm:pt modelId="40">
+          <dgm:prSet phldr="1"/>
+        </dgm:pt>
+      </dgm:ptLst>
+      <dgm:cxnLst>
+        <dgm:cxn modelId="60" srcId="0" destId="10" srcOrd="0" destOrd="0"/>
+        <dgm:cxn modelId="70" srcId="0" destId="20" srcOrd="1" destOrd="0"/>
+        <dgm:cxn modelId="80" srcId="0" destId="30" srcOrd="2" destOrd="0"/>
+        <dgm:cxn modelId="90" srcId="0" destId="40" srcOrd="3" destOrd="0"/>
+      </dgm:cxnLst>
+      <dgm:bg/>
+      <dgm:whole/>
+    </dgm:dataModel>
+  </dgm:clrData>
+  <dgm:layoutNode name="Name0">
+    <dgm:varLst>
+      <dgm:dir/>
+    </dgm:varLst>
+    <dgm:choose name="Name1">
+      <dgm:if name="Name2" axis="ch" ptType="node" func="cnt" op="lte" val="4">
+        <dgm:choose name="Name3">
+          <dgm:if name="Name4" func="var" arg="dir" op="equ" val="norm">
+            <dgm:alg type="snake">
+              <dgm:param type="off" val="ctr"/>
+              <dgm:param type="bkpt" val="fixed"/>
+              <dgm:param type="bkPtFixedVal" val="2"/>
+            </dgm:alg>
+          </dgm:if>
+          <dgm:else name="Name5">
+            <dgm:alg type="snake">
+              <dgm:param type="off" val="ctr"/>
+              <dgm:param type="grDir" val="tR"/>
+              <dgm:param type="bkpt" val="fixed"/>
+              <dgm:param type="bkPtFixedVal" val="2"/>
+            </dgm:alg>
+          </dgm:else>
+        </dgm:choose>
+      </dgm:if>
+      <dgm:else name="Name6">
+        <dgm:choose name="Name7">
+          <dgm:if name="Name8" axis="ch" ptType="node" func="cnt" op="lte" val="9">
+            <dgm:choose name="Name9">
+              <dgm:if name="Name10" func="var" arg="dir" op="equ" val="norm">
+                <dgm:alg type="snake">
+                  <dgm:param type="off" val="ctr"/>
+                  <dgm:param type="bkpt" val="fixed"/>
+                  <dgm:param type="bkPtFixedVal" val="3"/>
+                </dgm:alg>
+              </dgm:if>
+              <dgm:else name="Name11">
+                <dgm:alg type="snake">
+                  <dgm:param type="off" val="ctr"/>
+                  <dgm:param type="grDir" val="tR"/>
+                  <dgm:param type="bkpt" val="fixed"/>
+                  <dgm:param type="bkPtFixedVal" val="3"/>
+                </dgm:alg>
+              </dgm:else>
+            </dgm:choose>
+          </dgm:if>
+          <dgm:else name="Name12">
+            <dgm:choose name="Name13">
+              <dgm:if name="Name14" axis="ch" ptType="node" func="cnt" op="lte" val="16">
+                <dgm:choose name="Name15">
+                  <dgm:if name="Name16" func="var" arg="dir" op="equ" val="norm">
+                    <dgm:alg type="snake">
+                      <dgm:param type="off" val="ctr"/>
+                      <dgm:param type="bkpt" val="fixed"/>
+                      <dgm:param type="bkPtFixedVal" val="4"/>
+                    </dgm:alg>
+                  </dgm:if>
+                  <dgm:else name="Name17">
+                    <dgm:alg type="snake">
+                      <dgm:param type="off" val="ctr"/>
+                      <dgm:param type="grDir" val="tR"/>
+                      <dgm:param type="bkpt" val="fixed"/>
+                      <dgm:param type="bkPtFixedVal" val="4"/>
+                    </dgm:alg>
+                  </dgm:else>
+                </dgm:choose>
+              </dgm:if>
+              <dgm:else name="Name18">
+                <dgm:choose name="Name19">
+                  <dgm:if name="Name20" axis="ch" ptType="node" func="cnt" op="lte" val="25">
+                    <dgm:choose name="Name21">
+                      <dgm:if name="Name22" func="var" arg="dir" op="equ" val="norm">
+                        <dgm:alg type="snake">
+                          <dgm:param type="off" val="ctr"/>
+                          <dgm:param type="bkpt" val="fixed"/>
+                          <dgm:param type="bkPtFixedVal" val="5"/>
+                        </dgm:alg>
+                      </dgm:if>
+                      <dgm:else name="Name23">
+                        <dgm:alg type="snake">
+                          <dgm:param type="off" val="ctr"/>
+                          <dgm:param type="grDir" val="tR"/>
+                          <dgm:param type="bkpt" val="fixed"/>
+                          <dgm:param type="bkPtFixedVal" val="5"/>
+                        </dgm:alg>
+                      </dgm:else>
+                    </dgm:choose>
+                  </dgm:if>
+                  <dgm:else name="Name24">
+                    <dgm:choose name="Name25">
+                      <dgm:if name="Name26" func="var" arg="dir" op="equ" val="norm">
+                        <dgm:alg type="snake">
+                          <dgm:param type="off" val="ctr"/>
+                        </dgm:alg>
+                      </dgm:if>
+                      <dgm:else name="Name27">
+                        <dgm:alg type="snake">
+                          <dgm:param type="off" val="ctr"/>
+                          <dgm:param type="grDir" val="tR"/>
+                        </dgm:alg>
+                      </dgm:else>
+                    </dgm:choose>
+                  </dgm:else>
+                </dgm:choose>
+              </dgm:else>
+            </dgm:choose>
+          </dgm:else>
+        </dgm:choose>
+      </dgm:else>
+    </dgm:choose>
+    <dgm:shape xmlns:r="http://schemas.openxmlformats.org/officeDocument/2006/relationships" r:blip="">
+      <dgm:adjLst/>
+    </dgm:shape>
+    <dgm:constrLst>
+      <dgm:constr type="primFontSz" for="des" ptType="node" op="equ" val="65"/>
+      <dgm:constr type="w" for="ch" forName="composite" refType="h" fact="0.8"/>
+      <dgm:constr type="h" for="ch" forName="composite" refType="h"/>
+      <dgm:constr type="sp" refType="w" refFor="ch" refForName="composite" op="equ" fact="0.1"/>
+      <dgm:constr type="w" for="ch" forName="sibTrans" refType="w" refFor="ch" refForName="composite" op="equ" fact="0.1"/>
+      <dgm:constr type="h" for="ch" forName="sibTrans" refType="w" refFor="ch" refForName="sibTrans" op="equ"/>
+    </dgm:constrLst>
+    <dgm:forEach name="nodesForEach" axis="ch" ptType="node">
+      <dgm:layoutNode name="composite">
+        <dgm:alg type="composite">
+          <dgm:param type="ar" val="0.7568"/>
+        </dgm:alg>
+        <dgm:shape xmlns:r="http://schemas.openxmlformats.org/officeDocument/2006/relationships" r:blip="">
+          <dgm:adjLst/>
+        </dgm:shape>
+        <dgm:constrLst>
+          <dgm:constr type="l" for="ch" forName="rect1" refType="w" fact="0"/>
+          <dgm:constr type="t" for="ch" forName="rect1" refType="h" fact="0.15"/>
+          <dgm:constr type="w" for="ch" forName="rect1" refType="w"/>
+          <dgm:constr type="h" for="ch" forName="rect1" refType="w"/>
+          <dgm:constr type="l" for="ch" forName="rect2" refType="w" fact="0"/>
+          <dgm:constr type="t" for="ch" forName="rect2" refType="h" fact="0"/>
+          <dgm:constr type="w" for="ch" forName="rect2" refType="w"/>
+          <dgm:constr type="h" for="ch" forName="rect2" refType="w" fact="0.15"/>
+        </dgm:constrLst>
+        <dgm:layoutNode name="rect2" styleLbl="revTx">
+          <dgm:varLst>
+            <dgm:bulletEnabled val="1"/>
+          </dgm:varLst>
+          <dgm:alg type="tx">
+            <dgm:param type="stBulletLvl" val="3"/>
+            <dgm:param type="parTxLTRAlign" val="l"/>
+            <dgm:param type="parTxRTLAlign" val="r"/>
+            <dgm:param type="txAnchorVert" val="b"/>
+            <dgm:param type="txAnchorVertCh" val="b"/>
+          </dgm:alg>
+          <dgm:shape xmlns:r="http://schemas.openxmlformats.org/officeDocument/2006/relationships" type="rect" r:blip="">
+            <dgm:adjLst/>
+          </dgm:shape>
+          <dgm:presOf axis="desOrSelf" ptType="node"/>
+          <dgm:constrLst>
+            <dgm:constr type="lMarg" refType="primFontSz" fact="0"/>
+            <dgm:constr type="rMarg" refType="primFontSz" fact="0.3"/>
+            <dgm:constr type="tMarg" refType="primFontSz" fact="0.3"/>
+            <dgm:constr type="bMarg" refType="primFontSz" fact="0"/>
+            <dgm:constr type="secFontSz" refType="primFontSz" fact="0.8"/>
+          </dgm:constrLst>
+          <dgm:ruleLst>
+            <dgm:rule type="primFontSz" val="5" fact="NaN" max="NaN"/>
+          </dgm:ruleLst>
+        </dgm:layoutNode>
+        <dgm:layoutNode name="rect1" styleLbl="alignImgPlace1">
+          <dgm:alg type="sp"/>
+          <dgm:shape xmlns:r="http://schemas.openxmlformats.org/officeDocument/2006/relationships" type="rect" r:blip="" blipPhldr="1">
+            <dgm:adjLst/>
+          </dgm:shape>
+          <dgm:presOf/>
+        </dgm:layoutNode>
+      </dgm:layoutNode>
+      <dgm:forEach name="sibTransForEach" axis="followSib" ptType="sibTrans" cnt="1">
+        <dgm:layoutNode name="sibTrans">
+          <dgm:alg type="sp"/>
+          <dgm:shape xmlns:r="http://schemas.openxmlformats.org/officeDocument/2006/relationships" r:blip="">
+            <dgm:adjLst/>
+          </dgm:shape>
+        </dgm:layoutNode>
+      </dgm:forEach>
+    </dgm:forEach>
+  </dgm:layoutNode>
+</dgm:layoutDef>
+</file>
+
+<file path=ppt/diagrams/layout4.xml><?xml version="1.0" encoding="utf-8"?>
+<dgm:layoutDef xmlns:dgm="http://schemas.openxmlformats.org/drawingml/2006/diagram" xmlns:a="http://schemas.openxmlformats.org/drawingml/2006/main" uniqueId="urn:microsoft.com/office/officeart/2008/layout/PictureGrid">
+  <dgm:title val=""/>
+  <dgm:desc val=""/>
+  <dgm:catLst>
+    <dgm:cat type="picture" pri="11000"/>
+    <dgm:cat type="pictureconvert" pri="11000"/>
+  </dgm:catLst>
+  <dgm:sampData>
+    <dgm:dataModel>
+      <dgm:ptLst>
+        <dgm:pt modelId="0" type="doc"/>
+        <dgm:pt modelId="10">
+          <dgm:prSet phldr="1"/>
+        </dgm:pt>
+        <dgm:pt modelId="20">
+          <dgm:prSet phldr="1"/>
+        </dgm:pt>
+        <dgm:pt modelId="30">
+          <dgm:prSet phldr="1"/>
+        </dgm:pt>
+        <dgm:pt modelId="40">
+          <dgm:prSet phldr="1"/>
+        </dgm:pt>
+      </dgm:ptLst>
+      <dgm:cxnLst>
+        <dgm:cxn modelId="60" srcId="0" destId="10" srcOrd="0" destOrd="0"/>
+        <dgm:cxn modelId="70" srcId="0" destId="20" srcOrd="1" destOrd="0"/>
+        <dgm:cxn modelId="80" srcId="0" destId="30" srcOrd="2" destOrd="0"/>
+        <dgm:cxn modelId="90" srcId="0" destId="40" srcOrd="3" destOrd="0"/>
+      </dgm:cxnLst>
+      <dgm:bg/>
+      <dgm:whole/>
+    </dgm:dataModel>
+  </dgm:sampData>
+  <dgm:styleData>
+    <dgm:dataModel>
+      <dgm:ptLst>
+        <dgm:pt modelId="0" type="doc"/>
+        <dgm:pt modelId="10">
+          <dgm:prSet phldr="1"/>
+        </dgm:pt>
+        <dgm:pt modelId="20">
+          <dgm:prSet phldr="1"/>
+        </dgm:pt>
+      </dgm:ptLst>
+      <dgm:cxnLst>
+        <dgm:cxn modelId="60" srcId="0" destId="10" srcOrd="0" destOrd="0"/>
+        <dgm:cxn modelId="70" srcId="0" destId="20" srcOrd="1" destOrd="0"/>
+      </dgm:cxnLst>
+      <dgm:bg/>
+      <dgm:whole/>
+    </dgm:dataModel>
+  </dgm:styleData>
+  <dgm:clrData>
+    <dgm:dataModel>
+      <dgm:ptLst>
+        <dgm:pt modelId="0" type="doc"/>
+        <dgm:pt modelId="10">
+          <dgm:prSet phldr="1"/>
+        </dgm:pt>
+        <dgm:pt modelId="20">
+          <dgm:prSet phldr="1"/>
+        </dgm:pt>
+        <dgm:pt modelId="30">
+          <dgm:prSet phldr="1"/>
+        </dgm:pt>
+        <dgm:pt modelId="40">
+          <dgm:prSet phldr="1"/>
+        </dgm:pt>
+      </dgm:ptLst>
+      <dgm:cxnLst>
+        <dgm:cxn modelId="60" srcId="0" destId="10" srcOrd="0" destOrd="0"/>
+        <dgm:cxn modelId="70" srcId="0" destId="20" srcOrd="1" destOrd="0"/>
+        <dgm:cxn modelId="80" srcId="0" destId="30" srcOrd="2" destOrd="0"/>
+        <dgm:cxn modelId="90" srcId="0" destId="40" srcOrd="3" destOrd="0"/>
+      </dgm:cxnLst>
+      <dgm:bg/>
+      <dgm:whole/>
+    </dgm:dataModel>
+  </dgm:clrData>
+  <dgm:layoutNode name="Name0">
+    <dgm:varLst>
+      <dgm:dir/>
+    </dgm:varLst>
+    <dgm:choose name="Name1">
+      <dgm:if name="Name2" axis="ch" ptType="node" func="cnt" op="lte" val="4">
+        <dgm:choose name="Name3">
+          <dgm:if name="Name4" func="var" arg="dir" op="equ" val="norm">
+            <dgm:alg type="snake">
+              <dgm:param type="off" val="ctr"/>
+              <dgm:param type="bkpt" val="fixed"/>
+              <dgm:param type="bkPtFixedVal" val="2"/>
+            </dgm:alg>
+          </dgm:if>
+          <dgm:else name="Name5">
+            <dgm:alg type="snake">
+              <dgm:param type="off" val="ctr"/>
+              <dgm:param type="grDir" val="tR"/>
+              <dgm:param type="bkpt" val="fixed"/>
+              <dgm:param type="bkPtFixedVal" val="2"/>
+            </dgm:alg>
+          </dgm:else>
+        </dgm:choose>
+      </dgm:if>
+      <dgm:else name="Name6">
+        <dgm:choose name="Name7">
+          <dgm:if name="Name8" axis="ch" ptType="node" func="cnt" op="lte" val="9">
+            <dgm:choose name="Name9">
+              <dgm:if name="Name10" func="var" arg="dir" op="equ" val="norm">
+                <dgm:alg type="snake">
+                  <dgm:param type="off" val="ctr"/>
+                  <dgm:param type="bkpt" val="fixed"/>
+                  <dgm:param type="bkPtFixedVal" val="3"/>
+                </dgm:alg>
+              </dgm:if>
+              <dgm:else name="Name11">
+                <dgm:alg type="snake">
+                  <dgm:param type="off" val="ctr"/>
+                  <dgm:param type="grDir" val="tR"/>
+                  <dgm:param type="bkpt" val="fixed"/>
+                  <dgm:param type="bkPtFixedVal" val="3"/>
+                </dgm:alg>
+              </dgm:else>
+            </dgm:choose>
+          </dgm:if>
+          <dgm:else name="Name12">
+            <dgm:choose name="Name13">
+              <dgm:if name="Name14" axis="ch" ptType="node" func="cnt" op="lte" val="16">
+                <dgm:choose name="Name15">
+                  <dgm:if name="Name16" func="var" arg="dir" op="equ" val="norm">
+                    <dgm:alg type="snake">
+                      <dgm:param type="off" val="ctr"/>
+                      <dgm:param type="bkpt" val="fixed"/>
+                      <dgm:param type="bkPtFixedVal" val="4"/>
+                    </dgm:alg>
+                  </dgm:if>
+                  <dgm:else name="Name17">
+                    <dgm:alg type="snake">
+                      <dgm:param type="off" val="ctr"/>
+                      <dgm:param type="grDir" val="tR"/>
+                      <dgm:param type="bkpt" val="fixed"/>
+                      <dgm:param type="bkPtFixedVal" val="4"/>
+                    </dgm:alg>
+                  </dgm:else>
+                </dgm:choose>
+              </dgm:if>
+              <dgm:else name="Name18">
+                <dgm:choose name="Name19">
+                  <dgm:if name="Name20" axis="ch" ptType="node" func="cnt" op="lte" val="25">
+                    <dgm:choose name="Name21">
+                      <dgm:if name="Name22" func="var" arg="dir" op="equ" val="norm">
+                        <dgm:alg type="snake">
+                          <dgm:param type="off" val="ctr"/>
+                          <dgm:param type="bkpt" val="fixed"/>
+                          <dgm:param type="bkPtFixedVal" val="5"/>
+                        </dgm:alg>
+                      </dgm:if>
+                      <dgm:else name="Name23">
+                        <dgm:alg type="snake">
+                          <dgm:param type="off" val="ctr"/>
+                          <dgm:param type="grDir" val="tR"/>
+                          <dgm:param type="bkpt" val="fixed"/>
+                          <dgm:param type="bkPtFixedVal" val="5"/>
+                        </dgm:alg>
+                      </dgm:else>
+                    </dgm:choose>
+                  </dgm:if>
+                  <dgm:else name="Name24">
+                    <dgm:choose name="Name25">
+                      <dgm:if name="Name26" func="var" arg="dir" op="equ" val="norm">
+                        <dgm:alg type="snake">
+                          <dgm:param type="off" val="ctr"/>
+                        </dgm:alg>
+                      </dgm:if>
+                      <dgm:else name="Name27">
+                        <dgm:alg type="snake">
+                          <dgm:param type="off" val="ctr"/>
+                          <dgm:param type="grDir" val="tR"/>
+                        </dgm:alg>
+                      </dgm:else>
+                    </dgm:choose>
+                  </dgm:else>
+                </dgm:choose>
+              </dgm:else>
+            </dgm:choose>
+          </dgm:else>
+        </dgm:choose>
+      </dgm:else>
+    </dgm:choose>
+    <dgm:shape xmlns:r="http://schemas.openxmlformats.org/officeDocument/2006/relationships" r:blip="">
+      <dgm:adjLst/>
+    </dgm:shape>
+    <dgm:constrLst>
+      <dgm:constr type="primFontSz" for="des" ptType="node" op="equ" val="65"/>
+      <dgm:constr type="w" for="ch" forName="composite" refType="h" fact="0.8"/>
+      <dgm:constr type="h" for="ch" forName="composite" refType="h"/>
+      <dgm:constr type="sp" refType="w" refFor="ch" refForName="composite" op="equ" fact="0.1"/>
+      <dgm:constr type="w" for="ch" forName="sibTrans" refType="w" refFor="ch" refForName="composite" op="equ" fact="0.1"/>
+      <dgm:constr type="h" for="ch" forName="sibTrans" refType="w" refFor="ch" refForName="sibTrans" op="equ"/>
+    </dgm:constrLst>
+    <dgm:forEach name="nodesForEach" axis="ch" ptType="node">
+      <dgm:layoutNode name="composite">
+        <dgm:alg type="composite">
+          <dgm:param type="ar" val="0.7568"/>
+        </dgm:alg>
+        <dgm:shape xmlns:r="http://schemas.openxmlformats.org/officeDocument/2006/relationships" r:blip="">
+          <dgm:adjLst/>
+        </dgm:shape>
+        <dgm:constrLst>
+          <dgm:constr type="l" for="ch" forName="rect1" refType="w" fact="0"/>
+          <dgm:constr type="t" for="ch" forName="rect1" refType="h" fact="0.15"/>
+          <dgm:constr type="w" for="ch" forName="rect1" refType="w"/>
+          <dgm:constr type="h" for="ch" forName="rect1" refType="w"/>
+          <dgm:constr type="l" for="ch" forName="rect2" refType="w" fact="0"/>
+          <dgm:constr type="t" for="ch" forName="rect2" refType="h" fact="0"/>
+          <dgm:constr type="w" for="ch" forName="rect2" refType="w"/>
+          <dgm:constr type="h" for="ch" forName="rect2" refType="w" fact="0.15"/>
+        </dgm:constrLst>
+        <dgm:layoutNode name="rect2" styleLbl="revTx">
+          <dgm:varLst>
+            <dgm:bulletEnabled val="1"/>
+          </dgm:varLst>
+          <dgm:alg type="tx">
+            <dgm:param type="stBulletLvl" val="3"/>
+            <dgm:param type="parTxLTRAlign" val="l"/>
+            <dgm:param type="parTxRTLAlign" val="r"/>
+            <dgm:param type="txAnchorVert" val="b"/>
+            <dgm:param type="txAnchorVertCh" val="b"/>
+          </dgm:alg>
+          <dgm:shape xmlns:r="http://schemas.openxmlformats.org/officeDocument/2006/relationships" type="rect" r:blip="">
+            <dgm:adjLst/>
+          </dgm:shape>
+          <dgm:presOf axis="desOrSelf" ptType="node"/>
+          <dgm:constrLst>
+            <dgm:constr type="lMarg" refType="primFontSz" fact="0"/>
+            <dgm:constr type="rMarg" refType="primFontSz" fact="0.3"/>
+            <dgm:constr type="tMarg" refType="primFontSz" fact="0.3"/>
+            <dgm:constr type="bMarg" refType="primFontSz" fact="0"/>
+            <dgm:constr type="secFontSz" refType="primFontSz" fact="0.8"/>
+          </dgm:constrLst>
+          <dgm:ruleLst>
+            <dgm:rule type="primFontSz" val="5" fact="NaN" max="NaN"/>
+          </dgm:ruleLst>
+        </dgm:layoutNode>
+        <dgm:layoutNode name="rect1" styleLbl="alignImgPlace1">
+          <dgm:alg type="sp"/>
+          <dgm:shape xmlns:r="http://schemas.openxmlformats.org/officeDocument/2006/relationships" type="rect" r:blip="" blipPhldr="1">
+            <dgm:adjLst/>
+          </dgm:shape>
+          <dgm:presOf/>
+        </dgm:layoutNode>
+      </dgm:layoutNode>
+      <dgm:forEach name="sibTransForEach" axis="followSib" ptType="sibTrans" cnt="1">
+        <dgm:layoutNode name="sibTrans">
+          <dgm:alg type="sp"/>
+          <dgm:shape xmlns:r="http://schemas.openxmlformats.org/officeDocument/2006/relationships" r:blip="">
+            <dgm:adjLst/>
+          </dgm:shape>
+        </dgm:layoutNode>
+      </dgm:forEach>
+    </dgm:forEach>
+  </dgm:layoutNode>
+</dgm:layoutDef>
+</file>
+
 <file path=ppt/diagrams/quickStyle1.xml><?xml version="1.0" encoding="utf-8"?>
 <dgm:styleDef xmlns:dgm="http://schemas.openxmlformats.org/drawingml/2006/diagram" xmlns:a="http://schemas.openxmlformats.org/drawingml/2006/main" uniqueId="urn:microsoft.com/office/officeart/2005/8/quickstyle/simple1">
   <dgm:title val=""/>
@@ -7205,6 +9454,2074 @@
 </file>
 
 <file path=ppt/diagrams/quickStyle2.xml><?xml version="1.0" encoding="utf-8"?>
+<dgm:styleDef xmlns:dgm="http://schemas.openxmlformats.org/drawingml/2006/diagram" xmlns:a="http://schemas.openxmlformats.org/drawingml/2006/main" uniqueId="urn:microsoft.com/office/officeart/2005/8/quickstyle/simple1">
+  <dgm:title val=""/>
+  <dgm:desc val=""/>
+  <dgm:catLst>
+    <dgm:cat type="simple" pri="10100"/>
+  </dgm:catLst>
+  <dgm:scene3d>
+    <a:camera prst="orthographicFront"/>
+    <a:lightRig rig="threePt" dir="t"/>
+  </dgm:scene3d>
+  <dgm:styleLbl name="node0">
+    <dgm:scene3d>
+      <a:camera prst="orthographicFront"/>
+      <a:lightRig rig="threePt" dir="t"/>
+    </dgm:scene3d>
+    <dgm:sp3d/>
+    <dgm:txPr/>
+    <dgm:style>
+      <a:lnRef idx="2">
+        <a:scrgbClr r="0" g="0" b="0"/>
+      </a:lnRef>
+      <a:fillRef idx="1">
+        <a:scrgbClr r="0" g="0" b="0"/>
+      </a:fillRef>
+      <a:effectRef idx="0">
+        <a:scrgbClr r="0" g="0" b="0"/>
+      </a:effectRef>
+      <a:fontRef idx="minor">
+        <a:schemeClr val="lt1"/>
+      </a:fontRef>
+    </dgm:style>
+  </dgm:styleLbl>
+  <dgm:styleLbl name="lnNode1">
+    <dgm:scene3d>
+      <a:camera prst="orthographicFront"/>
+      <a:lightRig rig="threePt" dir="t"/>
+    </dgm:scene3d>
+    <dgm:sp3d/>
+    <dgm:txPr/>
+    <dgm:style>
+      <a:lnRef idx="2">
+        <a:scrgbClr r="0" g="0" b="0"/>
+      </a:lnRef>
+      <a:fillRef idx="1">
+        <a:scrgbClr r="0" g="0" b="0"/>
+      </a:fillRef>
+      <a:effectRef idx="0">
+        <a:scrgbClr r="0" g="0" b="0"/>
+      </a:effectRef>
+      <a:fontRef idx="minor">
+        <a:schemeClr val="lt1"/>
+      </a:fontRef>
+    </dgm:style>
+  </dgm:styleLbl>
+  <dgm:styleLbl name="vennNode1">
+    <dgm:scene3d>
+      <a:camera prst="orthographicFront"/>
+      <a:lightRig rig="threePt" dir="t"/>
+    </dgm:scene3d>
+    <dgm:sp3d/>
+    <dgm:txPr/>
+    <dgm:style>
+      <a:lnRef idx="2">
+        <a:scrgbClr r="0" g="0" b="0"/>
+      </a:lnRef>
+      <a:fillRef idx="1">
+        <a:scrgbClr r="0" g="0" b="0"/>
+      </a:fillRef>
+      <a:effectRef idx="0">
+        <a:scrgbClr r="0" g="0" b="0"/>
+      </a:effectRef>
+      <a:fontRef idx="minor">
+        <a:schemeClr val="tx1"/>
+      </a:fontRef>
+    </dgm:style>
+  </dgm:styleLbl>
+  <dgm:styleLbl name="alignNode1">
+    <dgm:scene3d>
+      <a:camera prst="orthographicFront"/>
+      <a:lightRig rig="threePt" dir="t"/>
+    </dgm:scene3d>
+    <dgm:sp3d/>
+    <dgm:txPr/>
+    <dgm:style>
+      <a:lnRef idx="2">
+        <a:scrgbClr r="0" g="0" b="0"/>
+      </a:lnRef>
+      <a:fillRef idx="1">
+        <a:scrgbClr r="0" g="0" b="0"/>
+      </a:fillRef>
+      <a:effectRef idx="0">
+        <a:scrgbClr r="0" g="0" b="0"/>
+      </a:effectRef>
+      <a:fontRef idx="minor">
+        <a:schemeClr val="lt1"/>
+      </a:fontRef>
+    </dgm:style>
+  </dgm:styleLbl>
+  <dgm:styleLbl name="node1">
+    <dgm:scene3d>
+      <a:camera prst="orthographicFront"/>
+      <a:lightRig rig="threePt" dir="t"/>
+    </dgm:scene3d>
+    <dgm:sp3d/>
+    <dgm:txPr/>
+    <dgm:style>
+      <a:lnRef idx="2">
+        <a:scrgbClr r="0" g="0" b="0"/>
+      </a:lnRef>
+      <a:fillRef idx="1">
+        <a:scrgbClr r="0" g="0" b="0"/>
+      </a:fillRef>
+      <a:effectRef idx="0">
+        <a:scrgbClr r="0" g="0" b="0"/>
+      </a:effectRef>
+      <a:fontRef idx="minor">
+        <a:schemeClr val="lt1"/>
+      </a:fontRef>
+    </dgm:style>
+  </dgm:styleLbl>
+  <dgm:styleLbl name="node2">
+    <dgm:scene3d>
+      <a:camera prst="orthographicFront"/>
+      <a:lightRig rig="threePt" dir="t"/>
+    </dgm:scene3d>
+    <dgm:sp3d/>
+    <dgm:txPr/>
+    <dgm:style>
+      <a:lnRef idx="2">
+        <a:scrgbClr r="0" g="0" b="0"/>
+      </a:lnRef>
+      <a:fillRef idx="1">
+        <a:scrgbClr r="0" g="0" b="0"/>
+      </a:fillRef>
+      <a:effectRef idx="0">
+        <a:scrgbClr r="0" g="0" b="0"/>
+      </a:effectRef>
+      <a:fontRef idx="minor">
+        <a:schemeClr val="lt1"/>
+      </a:fontRef>
+    </dgm:style>
+  </dgm:styleLbl>
+  <dgm:styleLbl name="node3">
+    <dgm:scene3d>
+      <a:camera prst="orthographicFront"/>
+      <a:lightRig rig="threePt" dir="t"/>
+    </dgm:scene3d>
+    <dgm:sp3d/>
+    <dgm:txPr/>
+    <dgm:style>
+      <a:lnRef idx="2">
+        <a:scrgbClr r="0" g="0" b="0"/>
+      </a:lnRef>
+      <a:fillRef idx="1">
+        <a:scrgbClr r="0" g="0" b="0"/>
+      </a:fillRef>
+      <a:effectRef idx="0">
+        <a:scrgbClr r="0" g="0" b="0"/>
+      </a:effectRef>
+      <a:fontRef idx="minor">
+        <a:schemeClr val="lt1"/>
+      </a:fontRef>
+    </dgm:style>
+  </dgm:styleLbl>
+  <dgm:styleLbl name="node4">
+    <dgm:scene3d>
+      <a:camera prst="orthographicFront"/>
+      <a:lightRig rig="threePt" dir="t"/>
+    </dgm:scene3d>
+    <dgm:sp3d/>
+    <dgm:txPr/>
+    <dgm:style>
+      <a:lnRef idx="2">
+        <a:scrgbClr r="0" g="0" b="0"/>
+      </a:lnRef>
+      <a:fillRef idx="1">
+        <a:scrgbClr r="0" g="0" b="0"/>
+      </a:fillRef>
+      <a:effectRef idx="0">
+        <a:scrgbClr r="0" g="0" b="0"/>
+      </a:effectRef>
+      <a:fontRef idx="minor">
+        <a:schemeClr val="lt1"/>
+      </a:fontRef>
+    </dgm:style>
+  </dgm:styleLbl>
+  <dgm:styleLbl name="fgImgPlace1">
+    <dgm:scene3d>
+      <a:camera prst="orthographicFront"/>
+      <a:lightRig rig="threePt" dir="t"/>
+    </dgm:scene3d>
+    <dgm:sp3d/>
+    <dgm:txPr/>
+    <dgm:style>
+      <a:lnRef idx="2">
+        <a:scrgbClr r="0" g="0" b="0"/>
+      </a:lnRef>
+      <a:fillRef idx="1">
+        <a:scrgbClr r="0" g="0" b="0"/>
+      </a:fillRef>
+      <a:effectRef idx="0">
+        <a:scrgbClr r="0" g="0" b="0"/>
+      </a:effectRef>
+      <a:fontRef idx="minor"/>
+    </dgm:style>
+  </dgm:styleLbl>
+  <dgm:styleLbl name="alignImgPlace1">
+    <dgm:scene3d>
+      <a:camera prst="orthographicFront"/>
+      <a:lightRig rig="threePt" dir="t"/>
+    </dgm:scene3d>
+    <dgm:sp3d/>
+    <dgm:txPr/>
+    <dgm:style>
+      <a:lnRef idx="2">
+        <a:scrgbClr r="0" g="0" b="0"/>
+      </a:lnRef>
+      <a:fillRef idx="1">
+        <a:scrgbClr r="0" g="0" b="0"/>
+      </a:fillRef>
+      <a:effectRef idx="0">
+        <a:scrgbClr r="0" g="0" b="0"/>
+      </a:effectRef>
+      <a:fontRef idx="minor"/>
+    </dgm:style>
+  </dgm:styleLbl>
+  <dgm:styleLbl name="bgImgPlace1">
+    <dgm:scene3d>
+      <a:camera prst="orthographicFront"/>
+      <a:lightRig rig="threePt" dir="t"/>
+    </dgm:scene3d>
+    <dgm:sp3d/>
+    <dgm:txPr/>
+    <dgm:style>
+      <a:lnRef idx="2">
+        <a:scrgbClr r="0" g="0" b="0"/>
+      </a:lnRef>
+      <a:fillRef idx="1">
+        <a:scrgbClr r="0" g="0" b="0"/>
+      </a:fillRef>
+      <a:effectRef idx="0">
+        <a:scrgbClr r="0" g="0" b="0"/>
+      </a:effectRef>
+      <a:fontRef idx="minor"/>
+    </dgm:style>
+  </dgm:styleLbl>
+  <dgm:styleLbl name="sibTrans2D1">
+    <dgm:scene3d>
+      <a:camera prst="orthographicFront"/>
+      <a:lightRig rig="threePt" dir="t"/>
+    </dgm:scene3d>
+    <dgm:sp3d/>
+    <dgm:txPr/>
+    <dgm:style>
+      <a:lnRef idx="0">
+        <a:scrgbClr r="0" g="0" b="0"/>
+      </a:lnRef>
+      <a:fillRef idx="1">
+        <a:scrgbClr r="0" g="0" b="0"/>
+      </a:fillRef>
+      <a:effectRef idx="0">
+        <a:scrgbClr r="0" g="0" b="0"/>
+      </a:effectRef>
+      <a:fontRef idx="minor">
+        <a:schemeClr val="lt1"/>
+      </a:fontRef>
+    </dgm:style>
+  </dgm:styleLbl>
+  <dgm:styleLbl name="fgSibTrans2D1">
+    <dgm:scene3d>
+      <a:camera prst="orthographicFront"/>
+      <a:lightRig rig="threePt" dir="t"/>
+    </dgm:scene3d>
+    <dgm:sp3d/>
+    <dgm:txPr/>
+    <dgm:style>
+      <a:lnRef idx="0">
+        <a:scrgbClr r="0" g="0" b="0"/>
+      </a:lnRef>
+      <a:fillRef idx="1">
+        <a:scrgbClr r="0" g="0" b="0"/>
+      </a:fillRef>
+      <a:effectRef idx="0">
+        <a:scrgbClr r="0" g="0" b="0"/>
+      </a:effectRef>
+      <a:fontRef idx="minor">
+        <a:schemeClr val="lt1"/>
+      </a:fontRef>
+    </dgm:style>
+  </dgm:styleLbl>
+  <dgm:styleLbl name="bgSibTrans2D1">
+    <dgm:scene3d>
+      <a:camera prst="orthographicFront"/>
+      <a:lightRig rig="threePt" dir="t"/>
+    </dgm:scene3d>
+    <dgm:sp3d/>
+    <dgm:txPr/>
+    <dgm:style>
+      <a:lnRef idx="0">
+        <a:scrgbClr r="0" g="0" b="0"/>
+      </a:lnRef>
+      <a:fillRef idx="1">
+        <a:scrgbClr r="0" g="0" b="0"/>
+      </a:fillRef>
+      <a:effectRef idx="0">
+        <a:scrgbClr r="0" g="0" b="0"/>
+      </a:effectRef>
+      <a:fontRef idx="minor">
+        <a:schemeClr val="lt1"/>
+      </a:fontRef>
+    </dgm:style>
+  </dgm:styleLbl>
+  <dgm:styleLbl name="sibTrans1D1">
+    <dgm:scene3d>
+      <a:camera prst="orthographicFront"/>
+      <a:lightRig rig="threePt" dir="t"/>
+    </dgm:scene3d>
+    <dgm:sp3d/>
+    <dgm:txPr/>
+    <dgm:style>
+      <a:lnRef idx="1">
+        <a:scrgbClr r="0" g="0" b="0"/>
+      </a:lnRef>
+      <a:fillRef idx="0">
+        <a:scrgbClr r="0" g="0" b="0"/>
+      </a:fillRef>
+      <a:effectRef idx="0">
+        <a:scrgbClr r="0" g="0" b="0"/>
+      </a:effectRef>
+      <a:fontRef idx="minor"/>
+    </dgm:style>
+  </dgm:styleLbl>
+  <dgm:styleLbl name="callout">
+    <dgm:scene3d>
+      <a:camera prst="orthographicFront"/>
+      <a:lightRig rig="threePt" dir="t"/>
+    </dgm:scene3d>
+    <dgm:sp3d/>
+    <dgm:txPr/>
+    <dgm:style>
+      <a:lnRef idx="2">
+        <a:scrgbClr r="0" g="0" b="0"/>
+      </a:lnRef>
+      <a:fillRef idx="1">
+        <a:scrgbClr r="0" g="0" b="0"/>
+      </a:fillRef>
+      <a:effectRef idx="0">
+        <a:scrgbClr r="0" g="0" b="0"/>
+      </a:effectRef>
+      <a:fontRef idx="minor"/>
+    </dgm:style>
+  </dgm:styleLbl>
+  <dgm:styleLbl name="asst0">
+    <dgm:scene3d>
+      <a:camera prst="orthographicFront"/>
+      <a:lightRig rig="threePt" dir="t"/>
+    </dgm:scene3d>
+    <dgm:sp3d/>
+    <dgm:txPr/>
+    <dgm:style>
+      <a:lnRef idx="2">
+        <a:scrgbClr r="0" g="0" b="0"/>
+      </a:lnRef>
+      <a:fillRef idx="1">
+        <a:scrgbClr r="0" g="0" b="0"/>
+      </a:fillRef>
+      <a:effectRef idx="0">
+        <a:scrgbClr r="0" g="0" b="0"/>
+      </a:effectRef>
+      <a:fontRef idx="minor">
+        <a:schemeClr val="lt1"/>
+      </a:fontRef>
+    </dgm:style>
+  </dgm:styleLbl>
+  <dgm:styleLbl name="asst1">
+    <dgm:scene3d>
+      <a:camera prst="orthographicFront"/>
+      <a:lightRig rig="threePt" dir="t"/>
+    </dgm:scene3d>
+    <dgm:sp3d/>
+    <dgm:txPr/>
+    <dgm:style>
+      <a:lnRef idx="2">
+        <a:scrgbClr r="0" g="0" b="0"/>
+      </a:lnRef>
+      <a:fillRef idx="1">
+        <a:scrgbClr r="0" g="0" b="0"/>
+      </a:fillRef>
+      <a:effectRef idx="0">
+        <a:scrgbClr r="0" g="0" b="0"/>
+      </a:effectRef>
+      <a:fontRef idx="minor">
+        <a:schemeClr val="lt1"/>
+      </a:fontRef>
+    </dgm:style>
+  </dgm:styleLbl>
+  <dgm:styleLbl name="asst2">
+    <dgm:scene3d>
+      <a:camera prst="orthographicFront"/>
+      <a:lightRig rig="threePt" dir="t"/>
+    </dgm:scene3d>
+    <dgm:sp3d/>
+    <dgm:txPr/>
+    <dgm:style>
+      <a:lnRef idx="2">
+        <a:scrgbClr r="0" g="0" b="0"/>
+      </a:lnRef>
+      <a:fillRef idx="1">
+        <a:scrgbClr r="0" g="0" b="0"/>
+      </a:fillRef>
+      <a:effectRef idx="0">
+        <a:scrgbClr r="0" g="0" b="0"/>
+      </a:effectRef>
+      <a:fontRef idx="minor">
+        <a:schemeClr val="lt1"/>
+      </a:fontRef>
+    </dgm:style>
+  </dgm:styleLbl>
+  <dgm:styleLbl name="asst3">
+    <dgm:scene3d>
+      <a:camera prst="orthographicFront"/>
+      <a:lightRig rig="threePt" dir="t"/>
+    </dgm:scene3d>
+    <dgm:sp3d/>
+    <dgm:txPr/>
+    <dgm:style>
+      <a:lnRef idx="2">
+        <a:scrgbClr r="0" g="0" b="0"/>
+      </a:lnRef>
+      <a:fillRef idx="1">
+        <a:scrgbClr r="0" g="0" b="0"/>
+      </a:fillRef>
+      <a:effectRef idx="0">
+        <a:scrgbClr r="0" g="0" b="0"/>
+      </a:effectRef>
+      <a:fontRef idx="minor">
+        <a:schemeClr val="lt1"/>
+      </a:fontRef>
+    </dgm:style>
+  </dgm:styleLbl>
+  <dgm:styleLbl name="asst4">
+    <dgm:scene3d>
+      <a:camera prst="orthographicFront"/>
+      <a:lightRig rig="threePt" dir="t"/>
+    </dgm:scene3d>
+    <dgm:sp3d/>
+    <dgm:txPr/>
+    <dgm:style>
+      <a:lnRef idx="2">
+        <a:scrgbClr r="0" g="0" b="0"/>
+      </a:lnRef>
+      <a:fillRef idx="1">
+        <a:scrgbClr r="0" g="0" b="0"/>
+      </a:fillRef>
+      <a:effectRef idx="0">
+        <a:scrgbClr r="0" g="0" b="0"/>
+      </a:effectRef>
+      <a:fontRef idx="minor">
+        <a:schemeClr val="lt1"/>
+      </a:fontRef>
+    </dgm:style>
+  </dgm:styleLbl>
+  <dgm:styleLbl name="parChTrans2D1">
+    <dgm:scene3d>
+      <a:camera prst="orthographicFront"/>
+      <a:lightRig rig="threePt" dir="t"/>
+    </dgm:scene3d>
+    <dgm:sp3d/>
+    <dgm:txPr/>
+    <dgm:style>
+      <a:lnRef idx="2">
+        <a:scrgbClr r="0" g="0" b="0"/>
+      </a:lnRef>
+      <a:fillRef idx="1">
+        <a:scrgbClr r="0" g="0" b="0"/>
+      </a:fillRef>
+      <a:effectRef idx="0">
+        <a:scrgbClr r="0" g="0" b="0"/>
+      </a:effectRef>
+      <a:fontRef idx="minor">
+        <a:schemeClr val="lt1"/>
+      </a:fontRef>
+    </dgm:style>
+  </dgm:styleLbl>
+  <dgm:styleLbl name="parChTrans2D2">
+    <dgm:scene3d>
+      <a:camera prst="orthographicFront"/>
+      <a:lightRig rig="threePt" dir="t"/>
+    </dgm:scene3d>
+    <dgm:sp3d/>
+    <dgm:txPr/>
+    <dgm:style>
+      <a:lnRef idx="2">
+        <a:scrgbClr r="0" g="0" b="0"/>
+      </a:lnRef>
+      <a:fillRef idx="1">
+        <a:scrgbClr r="0" g="0" b="0"/>
+      </a:fillRef>
+      <a:effectRef idx="0">
+        <a:scrgbClr r="0" g="0" b="0"/>
+      </a:effectRef>
+      <a:fontRef idx="minor">
+        <a:schemeClr val="lt1"/>
+      </a:fontRef>
+    </dgm:style>
+  </dgm:styleLbl>
+  <dgm:styleLbl name="parChTrans2D3">
+    <dgm:scene3d>
+      <a:camera prst="orthographicFront"/>
+      <a:lightRig rig="threePt" dir="t"/>
+    </dgm:scene3d>
+    <dgm:sp3d/>
+    <dgm:txPr/>
+    <dgm:style>
+      <a:lnRef idx="2">
+        <a:scrgbClr r="0" g="0" b="0"/>
+      </a:lnRef>
+      <a:fillRef idx="1">
+        <a:scrgbClr r="0" g="0" b="0"/>
+      </a:fillRef>
+      <a:effectRef idx="0">
+        <a:scrgbClr r="0" g="0" b="0"/>
+      </a:effectRef>
+      <a:fontRef idx="minor">
+        <a:schemeClr val="lt1"/>
+      </a:fontRef>
+    </dgm:style>
+  </dgm:styleLbl>
+  <dgm:styleLbl name="parChTrans2D4">
+    <dgm:scene3d>
+      <a:camera prst="orthographicFront"/>
+      <a:lightRig rig="threePt" dir="t"/>
+    </dgm:scene3d>
+    <dgm:sp3d/>
+    <dgm:txPr/>
+    <dgm:style>
+      <a:lnRef idx="2">
+        <a:scrgbClr r="0" g="0" b="0"/>
+      </a:lnRef>
+      <a:fillRef idx="1">
+        <a:scrgbClr r="0" g="0" b="0"/>
+      </a:fillRef>
+      <a:effectRef idx="0">
+        <a:scrgbClr r="0" g="0" b="0"/>
+      </a:effectRef>
+      <a:fontRef idx="minor">
+        <a:schemeClr val="lt1"/>
+      </a:fontRef>
+    </dgm:style>
+  </dgm:styleLbl>
+  <dgm:styleLbl name="parChTrans1D1">
+    <dgm:scene3d>
+      <a:camera prst="orthographicFront"/>
+      <a:lightRig rig="threePt" dir="t"/>
+    </dgm:scene3d>
+    <dgm:sp3d/>
+    <dgm:txPr/>
+    <dgm:style>
+      <a:lnRef idx="2">
+        <a:scrgbClr r="0" g="0" b="0"/>
+      </a:lnRef>
+      <a:fillRef idx="0">
+        <a:scrgbClr r="0" g="0" b="0"/>
+      </a:fillRef>
+      <a:effectRef idx="0">
+        <a:scrgbClr r="0" g="0" b="0"/>
+      </a:effectRef>
+      <a:fontRef idx="minor"/>
+    </dgm:style>
+  </dgm:styleLbl>
+  <dgm:styleLbl name="parChTrans1D2">
+    <dgm:scene3d>
+      <a:camera prst="orthographicFront"/>
+      <a:lightRig rig="threePt" dir="t"/>
+    </dgm:scene3d>
+    <dgm:sp3d/>
+    <dgm:txPr/>
+    <dgm:style>
+      <a:lnRef idx="2">
+        <a:scrgbClr r="0" g="0" b="0"/>
+      </a:lnRef>
+      <a:fillRef idx="0">
+        <a:scrgbClr r="0" g="0" b="0"/>
+      </a:fillRef>
+      <a:effectRef idx="0">
+        <a:scrgbClr r="0" g="0" b="0"/>
+      </a:effectRef>
+      <a:fontRef idx="minor"/>
+    </dgm:style>
+  </dgm:styleLbl>
+  <dgm:styleLbl name="parChTrans1D3">
+    <dgm:scene3d>
+      <a:camera prst="orthographicFront"/>
+      <a:lightRig rig="threePt" dir="t"/>
+    </dgm:scene3d>
+    <dgm:sp3d/>
+    <dgm:txPr/>
+    <dgm:style>
+      <a:lnRef idx="2">
+        <a:scrgbClr r="0" g="0" b="0"/>
+      </a:lnRef>
+      <a:fillRef idx="0">
+        <a:scrgbClr r="0" g="0" b="0"/>
+      </a:fillRef>
+      <a:effectRef idx="0">
+        <a:scrgbClr r="0" g="0" b="0"/>
+      </a:effectRef>
+      <a:fontRef idx="minor"/>
+    </dgm:style>
+  </dgm:styleLbl>
+  <dgm:styleLbl name="parChTrans1D4">
+    <dgm:scene3d>
+      <a:camera prst="orthographicFront"/>
+      <a:lightRig rig="threePt" dir="t"/>
+    </dgm:scene3d>
+    <dgm:sp3d/>
+    <dgm:txPr/>
+    <dgm:style>
+      <a:lnRef idx="2">
+        <a:scrgbClr r="0" g="0" b="0"/>
+      </a:lnRef>
+      <a:fillRef idx="0">
+        <a:scrgbClr r="0" g="0" b="0"/>
+      </a:fillRef>
+      <a:effectRef idx="0">
+        <a:scrgbClr r="0" g="0" b="0"/>
+      </a:effectRef>
+      <a:fontRef idx="minor"/>
+    </dgm:style>
+  </dgm:styleLbl>
+  <dgm:styleLbl name="fgAcc1">
+    <dgm:scene3d>
+      <a:camera prst="orthographicFront"/>
+      <a:lightRig rig="threePt" dir="t"/>
+    </dgm:scene3d>
+    <dgm:sp3d/>
+    <dgm:txPr/>
+    <dgm:style>
+      <a:lnRef idx="2">
+        <a:scrgbClr r="0" g="0" b="0"/>
+      </a:lnRef>
+      <a:fillRef idx="1">
+        <a:scrgbClr r="0" g="0" b="0"/>
+      </a:fillRef>
+      <a:effectRef idx="0">
+        <a:scrgbClr r="0" g="0" b="0"/>
+      </a:effectRef>
+      <a:fontRef idx="minor"/>
+    </dgm:style>
+  </dgm:styleLbl>
+  <dgm:styleLbl name="conFgAcc1">
+    <dgm:scene3d>
+      <a:camera prst="orthographicFront"/>
+      <a:lightRig rig="threePt" dir="t"/>
+    </dgm:scene3d>
+    <dgm:sp3d/>
+    <dgm:txPr/>
+    <dgm:style>
+      <a:lnRef idx="2">
+        <a:scrgbClr r="0" g="0" b="0"/>
+      </a:lnRef>
+      <a:fillRef idx="1">
+        <a:scrgbClr r="0" g="0" b="0"/>
+      </a:fillRef>
+      <a:effectRef idx="0">
+        <a:scrgbClr r="0" g="0" b="0"/>
+      </a:effectRef>
+      <a:fontRef idx="minor"/>
+    </dgm:style>
+  </dgm:styleLbl>
+  <dgm:styleLbl name="alignAcc1">
+    <dgm:scene3d>
+      <a:camera prst="orthographicFront"/>
+      <a:lightRig rig="threePt" dir="t"/>
+    </dgm:scene3d>
+    <dgm:sp3d/>
+    <dgm:txPr/>
+    <dgm:style>
+      <a:lnRef idx="2">
+        <a:scrgbClr r="0" g="0" b="0"/>
+      </a:lnRef>
+      <a:fillRef idx="1">
+        <a:scrgbClr r="0" g="0" b="0"/>
+      </a:fillRef>
+      <a:effectRef idx="0">
+        <a:scrgbClr r="0" g="0" b="0"/>
+      </a:effectRef>
+      <a:fontRef idx="minor"/>
+    </dgm:style>
+  </dgm:styleLbl>
+  <dgm:styleLbl name="trAlignAcc1">
+    <dgm:scene3d>
+      <a:camera prst="orthographicFront"/>
+      <a:lightRig rig="threePt" dir="t"/>
+    </dgm:scene3d>
+    <dgm:sp3d/>
+    <dgm:txPr/>
+    <dgm:style>
+      <a:lnRef idx="1">
+        <a:scrgbClr r="0" g="0" b="0"/>
+      </a:lnRef>
+      <a:fillRef idx="1">
+        <a:scrgbClr r="0" g="0" b="0"/>
+      </a:fillRef>
+      <a:effectRef idx="0">
+        <a:scrgbClr r="0" g="0" b="0"/>
+      </a:effectRef>
+      <a:fontRef idx="minor"/>
+    </dgm:style>
+  </dgm:styleLbl>
+  <dgm:styleLbl name="bgAcc1">
+    <dgm:scene3d>
+      <a:camera prst="orthographicFront"/>
+      <a:lightRig rig="threePt" dir="t"/>
+    </dgm:scene3d>
+    <dgm:sp3d/>
+    <dgm:txPr/>
+    <dgm:style>
+      <a:lnRef idx="2">
+        <a:scrgbClr r="0" g="0" b="0"/>
+      </a:lnRef>
+      <a:fillRef idx="1">
+        <a:scrgbClr r="0" g="0" b="0"/>
+      </a:fillRef>
+      <a:effectRef idx="0">
+        <a:scrgbClr r="0" g="0" b="0"/>
+      </a:effectRef>
+      <a:fontRef idx="minor"/>
+    </dgm:style>
+  </dgm:styleLbl>
+  <dgm:styleLbl name="solidFgAcc1">
+    <dgm:scene3d>
+      <a:camera prst="orthographicFront"/>
+      <a:lightRig rig="threePt" dir="t"/>
+    </dgm:scene3d>
+    <dgm:sp3d/>
+    <dgm:txPr/>
+    <dgm:style>
+      <a:lnRef idx="2">
+        <a:scrgbClr r="0" g="0" b="0"/>
+      </a:lnRef>
+      <a:fillRef idx="1">
+        <a:scrgbClr r="0" g="0" b="0"/>
+      </a:fillRef>
+      <a:effectRef idx="0">
+        <a:scrgbClr r="0" g="0" b="0"/>
+      </a:effectRef>
+      <a:fontRef idx="minor"/>
+    </dgm:style>
+  </dgm:styleLbl>
+  <dgm:styleLbl name="solidAlignAcc1">
+    <dgm:scene3d>
+      <a:camera prst="orthographicFront"/>
+      <a:lightRig rig="threePt" dir="t"/>
+    </dgm:scene3d>
+    <dgm:sp3d/>
+    <dgm:txPr/>
+    <dgm:style>
+      <a:lnRef idx="2">
+        <a:scrgbClr r="0" g="0" b="0"/>
+      </a:lnRef>
+      <a:fillRef idx="1">
+        <a:scrgbClr r="0" g="0" b="0"/>
+      </a:fillRef>
+      <a:effectRef idx="0">
+        <a:scrgbClr r="0" g="0" b="0"/>
+      </a:effectRef>
+      <a:fontRef idx="minor"/>
+    </dgm:style>
+  </dgm:styleLbl>
+  <dgm:styleLbl name="solidBgAcc1">
+    <dgm:scene3d>
+      <a:camera prst="orthographicFront"/>
+      <a:lightRig rig="threePt" dir="t"/>
+    </dgm:scene3d>
+    <dgm:sp3d/>
+    <dgm:txPr/>
+    <dgm:style>
+      <a:lnRef idx="2">
+        <a:scrgbClr r="0" g="0" b="0"/>
+      </a:lnRef>
+      <a:fillRef idx="1">
+        <a:scrgbClr r="0" g="0" b="0"/>
+      </a:fillRef>
+      <a:effectRef idx="0">
+        <a:scrgbClr r="0" g="0" b="0"/>
+      </a:effectRef>
+      <a:fontRef idx="minor"/>
+    </dgm:style>
+  </dgm:styleLbl>
+  <dgm:styleLbl name="fgAccFollowNode1">
+    <dgm:scene3d>
+      <a:camera prst="orthographicFront"/>
+      <a:lightRig rig="threePt" dir="t"/>
+    </dgm:scene3d>
+    <dgm:sp3d/>
+    <dgm:txPr/>
+    <dgm:style>
+      <a:lnRef idx="2">
+        <a:scrgbClr r="0" g="0" b="0"/>
+      </a:lnRef>
+      <a:fillRef idx="1">
+        <a:scrgbClr r="0" g="0" b="0"/>
+      </a:fillRef>
+      <a:effectRef idx="0">
+        <a:scrgbClr r="0" g="0" b="0"/>
+      </a:effectRef>
+      <a:fontRef idx="minor"/>
+    </dgm:style>
+  </dgm:styleLbl>
+  <dgm:styleLbl name="alignAccFollowNode1">
+    <dgm:scene3d>
+      <a:camera prst="orthographicFront"/>
+      <a:lightRig rig="threePt" dir="t"/>
+    </dgm:scene3d>
+    <dgm:sp3d/>
+    <dgm:txPr/>
+    <dgm:style>
+      <a:lnRef idx="2">
+        <a:scrgbClr r="0" g="0" b="0"/>
+      </a:lnRef>
+      <a:fillRef idx="1">
+        <a:scrgbClr r="0" g="0" b="0"/>
+      </a:fillRef>
+      <a:effectRef idx="0">
+        <a:scrgbClr r="0" g="0" b="0"/>
+      </a:effectRef>
+      <a:fontRef idx="minor"/>
+    </dgm:style>
+  </dgm:styleLbl>
+  <dgm:styleLbl name="bgAccFollowNode1">
+    <dgm:scene3d>
+      <a:camera prst="orthographicFront"/>
+      <a:lightRig rig="threePt" dir="t"/>
+    </dgm:scene3d>
+    <dgm:sp3d/>
+    <dgm:txPr/>
+    <dgm:style>
+      <a:lnRef idx="2">
+        <a:scrgbClr r="0" g="0" b="0"/>
+      </a:lnRef>
+      <a:fillRef idx="1">
+        <a:scrgbClr r="0" g="0" b="0"/>
+      </a:fillRef>
+      <a:effectRef idx="0">
+        <a:scrgbClr r="0" g="0" b="0"/>
+      </a:effectRef>
+      <a:fontRef idx="minor"/>
+    </dgm:style>
+  </dgm:styleLbl>
+  <dgm:styleLbl name="fgAcc0">
+    <dgm:scene3d>
+      <a:camera prst="orthographicFront"/>
+      <a:lightRig rig="threePt" dir="t"/>
+    </dgm:scene3d>
+    <dgm:sp3d/>
+    <dgm:txPr/>
+    <dgm:style>
+      <a:lnRef idx="2">
+        <a:scrgbClr r="0" g="0" b="0"/>
+      </a:lnRef>
+      <a:fillRef idx="1">
+        <a:scrgbClr r="0" g="0" b="0"/>
+      </a:fillRef>
+      <a:effectRef idx="0">
+        <a:scrgbClr r="0" g="0" b="0"/>
+      </a:effectRef>
+      <a:fontRef idx="minor"/>
+    </dgm:style>
+  </dgm:styleLbl>
+  <dgm:styleLbl name="fgAcc2">
+    <dgm:scene3d>
+      <a:camera prst="orthographicFront"/>
+      <a:lightRig rig="threePt" dir="t"/>
+    </dgm:scene3d>
+    <dgm:sp3d/>
+    <dgm:txPr/>
+    <dgm:style>
+      <a:lnRef idx="2">
+        <a:scrgbClr r="0" g="0" b="0"/>
+      </a:lnRef>
+      <a:fillRef idx="1">
+        <a:scrgbClr r="0" g="0" b="0"/>
+      </a:fillRef>
+      <a:effectRef idx="0">
+        <a:scrgbClr r="0" g="0" b="0"/>
+      </a:effectRef>
+      <a:fontRef idx="minor"/>
+    </dgm:style>
+  </dgm:styleLbl>
+  <dgm:styleLbl name="fgAcc3">
+    <dgm:scene3d>
+      <a:camera prst="orthographicFront"/>
+      <a:lightRig rig="threePt" dir="t"/>
+    </dgm:scene3d>
+    <dgm:sp3d/>
+    <dgm:txPr/>
+    <dgm:style>
+      <a:lnRef idx="2">
+        <a:scrgbClr r="0" g="0" b="0"/>
+      </a:lnRef>
+      <a:fillRef idx="1">
+        <a:scrgbClr r="0" g="0" b="0"/>
+      </a:fillRef>
+      <a:effectRef idx="0">
+        <a:scrgbClr r="0" g="0" b="0"/>
+      </a:effectRef>
+      <a:fontRef idx="minor"/>
+    </dgm:style>
+  </dgm:styleLbl>
+  <dgm:styleLbl name="fgAcc4">
+    <dgm:scene3d>
+      <a:camera prst="orthographicFront"/>
+      <a:lightRig rig="threePt" dir="t"/>
+    </dgm:scene3d>
+    <dgm:sp3d/>
+    <dgm:txPr/>
+    <dgm:style>
+      <a:lnRef idx="2">
+        <a:scrgbClr r="0" g="0" b="0"/>
+      </a:lnRef>
+      <a:fillRef idx="1">
+        <a:scrgbClr r="0" g="0" b="0"/>
+      </a:fillRef>
+      <a:effectRef idx="0">
+        <a:scrgbClr r="0" g="0" b="0"/>
+      </a:effectRef>
+      <a:fontRef idx="minor"/>
+    </dgm:style>
+  </dgm:styleLbl>
+  <dgm:styleLbl name="bgShp">
+    <dgm:scene3d>
+      <a:camera prst="orthographicFront"/>
+      <a:lightRig rig="threePt" dir="t"/>
+    </dgm:scene3d>
+    <dgm:sp3d/>
+    <dgm:txPr/>
+    <dgm:style>
+      <a:lnRef idx="0">
+        <a:scrgbClr r="0" g="0" b="0"/>
+      </a:lnRef>
+      <a:fillRef idx="1">
+        <a:scrgbClr r="0" g="0" b="0"/>
+      </a:fillRef>
+      <a:effectRef idx="0">
+        <a:scrgbClr r="0" g="0" b="0"/>
+      </a:effectRef>
+      <a:fontRef idx="minor"/>
+    </dgm:style>
+  </dgm:styleLbl>
+  <dgm:styleLbl name="dkBgShp">
+    <dgm:scene3d>
+      <a:camera prst="orthographicFront"/>
+      <a:lightRig rig="threePt" dir="t"/>
+    </dgm:scene3d>
+    <dgm:sp3d/>
+    <dgm:txPr/>
+    <dgm:style>
+      <a:lnRef idx="0">
+        <a:scrgbClr r="0" g="0" b="0"/>
+      </a:lnRef>
+      <a:fillRef idx="1">
+        <a:scrgbClr r="0" g="0" b="0"/>
+      </a:fillRef>
+      <a:effectRef idx="0">
+        <a:scrgbClr r="0" g="0" b="0"/>
+      </a:effectRef>
+      <a:fontRef idx="minor"/>
+    </dgm:style>
+  </dgm:styleLbl>
+  <dgm:styleLbl name="trBgShp">
+    <dgm:scene3d>
+      <a:camera prst="orthographicFront"/>
+      <a:lightRig rig="threePt" dir="t"/>
+    </dgm:scene3d>
+    <dgm:sp3d/>
+    <dgm:txPr/>
+    <dgm:style>
+      <a:lnRef idx="0">
+        <a:scrgbClr r="0" g="0" b="0"/>
+      </a:lnRef>
+      <a:fillRef idx="1">
+        <a:scrgbClr r="0" g="0" b="0"/>
+      </a:fillRef>
+      <a:effectRef idx="0">
+        <a:scrgbClr r="0" g="0" b="0"/>
+      </a:effectRef>
+      <a:fontRef idx="minor"/>
+    </dgm:style>
+  </dgm:styleLbl>
+  <dgm:styleLbl name="fgShp">
+    <dgm:scene3d>
+      <a:camera prst="orthographicFront"/>
+      <a:lightRig rig="threePt" dir="t"/>
+    </dgm:scene3d>
+    <dgm:sp3d/>
+    <dgm:txPr/>
+    <dgm:style>
+      <a:lnRef idx="2">
+        <a:scrgbClr r="0" g="0" b="0"/>
+      </a:lnRef>
+      <a:fillRef idx="1">
+        <a:scrgbClr r="0" g="0" b="0"/>
+      </a:fillRef>
+      <a:effectRef idx="0">
+        <a:scrgbClr r="0" g="0" b="0"/>
+      </a:effectRef>
+      <a:fontRef idx="minor"/>
+    </dgm:style>
+  </dgm:styleLbl>
+  <dgm:styleLbl name="revTx">
+    <dgm:scene3d>
+      <a:camera prst="orthographicFront"/>
+      <a:lightRig rig="threePt" dir="t"/>
+    </dgm:scene3d>
+    <dgm:sp3d/>
+    <dgm:txPr/>
+    <dgm:style>
+      <a:lnRef idx="0">
+        <a:scrgbClr r="0" g="0" b="0"/>
+      </a:lnRef>
+      <a:fillRef idx="0">
+        <a:scrgbClr r="0" g="0" b="0"/>
+      </a:fillRef>
+      <a:effectRef idx="0">
+        <a:scrgbClr r="0" g="0" b="0"/>
+      </a:effectRef>
+      <a:fontRef idx="minor"/>
+    </dgm:style>
+  </dgm:styleLbl>
+</dgm:styleDef>
+</file>
+
+<file path=ppt/diagrams/quickStyle3.xml><?xml version="1.0" encoding="utf-8"?>
+<dgm:styleDef xmlns:dgm="http://schemas.openxmlformats.org/drawingml/2006/diagram" xmlns:a="http://schemas.openxmlformats.org/drawingml/2006/main" uniqueId="urn:microsoft.com/office/officeart/2005/8/quickstyle/simple1">
+  <dgm:title val=""/>
+  <dgm:desc val=""/>
+  <dgm:catLst>
+    <dgm:cat type="simple" pri="10100"/>
+  </dgm:catLst>
+  <dgm:scene3d>
+    <a:camera prst="orthographicFront"/>
+    <a:lightRig rig="threePt" dir="t"/>
+  </dgm:scene3d>
+  <dgm:styleLbl name="node0">
+    <dgm:scene3d>
+      <a:camera prst="orthographicFront"/>
+      <a:lightRig rig="threePt" dir="t"/>
+    </dgm:scene3d>
+    <dgm:sp3d/>
+    <dgm:txPr/>
+    <dgm:style>
+      <a:lnRef idx="2">
+        <a:scrgbClr r="0" g="0" b="0"/>
+      </a:lnRef>
+      <a:fillRef idx="1">
+        <a:scrgbClr r="0" g="0" b="0"/>
+      </a:fillRef>
+      <a:effectRef idx="0">
+        <a:scrgbClr r="0" g="0" b="0"/>
+      </a:effectRef>
+      <a:fontRef idx="minor">
+        <a:schemeClr val="lt1"/>
+      </a:fontRef>
+    </dgm:style>
+  </dgm:styleLbl>
+  <dgm:styleLbl name="lnNode1">
+    <dgm:scene3d>
+      <a:camera prst="orthographicFront"/>
+      <a:lightRig rig="threePt" dir="t"/>
+    </dgm:scene3d>
+    <dgm:sp3d/>
+    <dgm:txPr/>
+    <dgm:style>
+      <a:lnRef idx="2">
+        <a:scrgbClr r="0" g="0" b="0"/>
+      </a:lnRef>
+      <a:fillRef idx="1">
+        <a:scrgbClr r="0" g="0" b="0"/>
+      </a:fillRef>
+      <a:effectRef idx="0">
+        <a:scrgbClr r="0" g="0" b="0"/>
+      </a:effectRef>
+      <a:fontRef idx="minor">
+        <a:schemeClr val="lt1"/>
+      </a:fontRef>
+    </dgm:style>
+  </dgm:styleLbl>
+  <dgm:styleLbl name="vennNode1">
+    <dgm:scene3d>
+      <a:camera prst="orthographicFront"/>
+      <a:lightRig rig="threePt" dir="t"/>
+    </dgm:scene3d>
+    <dgm:sp3d/>
+    <dgm:txPr/>
+    <dgm:style>
+      <a:lnRef idx="2">
+        <a:scrgbClr r="0" g="0" b="0"/>
+      </a:lnRef>
+      <a:fillRef idx="1">
+        <a:scrgbClr r="0" g="0" b="0"/>
+      </a:fillRef>
+      <a:effectRef idx="0">
+        <a:scrgbClr r="0" g="0" b="0"/>
+      </a:effectRef>
+      <a:fontRef idx="minor">
+        <a:schemeClr val="tx1"/>
+      </a:fontRef>
+    </dgm:style>
+  </dgm:styleLbl>
+  <dgm:styleLbl name="alignNode1">
+    <dgm:scene3d>
+      <a:camera prst="orthographicFront"/>
+      <a:lightRig rig="threePt" dir="t"/>
+    </dgm:scene3d>
+    <dgm:sp3d/>
+    <dgm:txPr/>
+    <dgm:style>
+      <a:lnRef idx="2">
+        <a:scrgbClr r="0" g="0" b="0"/>
+      </a:lnRef>
+      <a:fillRef idx="1">
+        <a:scrgbClr r="0" g="0" b="0"/>
+      </a:fillRef>
+      <a:effectRef idx="0">
+        <a:scrgbClr r="0" g="0" b="0"/>
+      </a:effectRef>
+      <a:fontRef idx="minor">
+        <a:schemeClr val="lt1"/>
+      </a:fontRef>
+    </dgm:style>
+  </dgm:styleLbl>
+  <dgm:styleLbl name="node1">
+    <dgm:scene3d>
+      <a:camera prst="orthographicFront"/>
+      <a:lightRig rig="threePt" dir="t"/>
+    </dgm:scene3d>
+    <dgm:sp3d/>
+    <dgm:txPr/>
+    <dgm:style>
+      <a:lnRef idx="2">
+        <a:scrgbClr r="0" g="0" b="0"/>
+      </a:lnRef>
+      <a:fillRef idx="1">
+        <a:scrgbClr r="0" g="0" b="0"/>
+      </a:fillRef>
+      <a:effectRef idx="0">
+        <a:scrgbClr r="0" g="0" b="0"/>
+      </a:effectRef>
+      <a:fontRef idx="minor">
+        <a:schemeClr val="lt1"/>
+      </a:fontRef>
+    </dgm:style>
+  </dgm:styleLbl>
+  <dgm:styleLbl name="node2">
+    <dgm:scene3d>
+      <a:camera prst="orthographicFront"/>
+      <a:lightRig rig="threePt" dir="t"/>
+    </dgm:scene3d>
+    <dgm:sp3d/>
+    <dgm:txPr/>
+    <dgm:style>
+      <a:lnRef idx="2">
+        <a:scrgbClr r="0" g="0" b="0"/>
+      </a:lnRef>
+      <a:fillRef idx="1">
+        <a:scrgbClr r="0" g="0" b="0"/>
+      </a:fillRef>
+      <a:effectRef idx="0">
+        <a:scrgbClr r="0" g="0" b="0"/>
+      </a:effectRef>
+      <a:fontRef idx="minor">
+        <a:schemeClr val="lt1"/>
+      </a:fontRef>
+    </dgm:style>
+  </dgm:styleLbl>
+  <dgm:styleLbl name="node3">
+    <dgm:scene3d>
+      <a:camera prst="orthographicFront"/>
+      <a:lightRig rig="threePt" dir="t"/>
+    </dgm:scene3d>
+    <dgm:sp3d/>
+    <dgm:txPr/>
+    <dgm:style>
+      <a:lnRef idx="2">
+        <a:scrgbClr r="0" g="0" b="0"/>
+      </a:lnRef>
+      <a:fillRef idx="1">
+        <a:scrgbClr r="0" g="0" b="0"/>
+      </a:fillRef>
+      <a:effectRef idx="0">
+        <a:scrgbClr r="0" g="0" b="0"/>
+      </a:effectRef>
+      <a:fontRef idx="minor">
+        <a:schemeClr val="lt1"/>
+      </a:fontRef>
+    </dgm:style>
+  </dgm:styleLbl>
+  <dgm:styleLbl name="node4">
+    <dgm:scene3d>
+      <a:camera prst="orthographicFront"/>
+      <a:lightRig rig="threePt" dir="t"/>
+    </dgm:scene3d>
+    <dgm:sp3d/>
+    <dgm:txPr/>
+    <dgm:style>
+      <a:lnRef idx="2">
+        <a:scrgbClr r="0" g="0" b="0"/>
+      </a:lnRef>
+      <a:fillRef idx="1">
+        <a:scrgbClr r="0" g="0" b="0"/>
+      </a:fillRef>
+      <a:effectRef idx="0">
+        <a:scrgbClr r="0" g="0" b="0"/>
+      </a:effectRef>
+      <a:fontRef idx="minor">
+        <a:schemeClr val="lt1"/>
+      </a:fontRef>
+    </dgm:style>
+  </dgm:styleLbl>
+  <dgm:styleLbl name="fgImgPlace1">
+    <dgm:scene3d>
+      <a:camera prst="orthographicFront"/>
+      <a:lightRig rig="threePt" dir="t"/>
+    </dgm:scene3d>
+    <dgm:sp3d/>
+    <dgm:txPr/>
+    <dgm:style>
+      <a:lnRef idx="2">
+        <a:scrgbClr r="0" g="0" b="0"/>
+      </a:lnRef>
+      <a:fillRef idx="1">
+        <a:scrgbClr r="0" g="0" b="0"/>
+      </a:fillRef>
+      <a:effectRef idx="0">
+        <a:scrgbClr r="0" g="0" b="0"/>
+      </a:effectRef>
+      <a:fontRef idx="minor"/>
+    </dgm:style>
+  </dgm:styleLbl>
+  <dgm:styleLbl name="alignImgPlace1">
+    <dgm:scene3d>
+      <a:camera prst="orthographicFront"/>
+      <a:lightRig rig="threePt" dir="t"/>
+    </dgm:scene3d>
+    <dgm:sp3d/>
+    <dgm:txPr/>
+    <dgm:style>
+      <a:lnRef idx="2">
+        <a:scrgbClr r="0" g="0" b="0"/>
+      </a:lnRef>
+      <a:fillRef idx="1">
+        <a:scrgbClr r="0" g="0" b="0"/>
+      </a:fillRef>
+      <a:effectRef idx="0">
+        <a:scrgbClr r="0" g="0" b="0"/>
+      </a:effectRef>
+      <a:fontRef idx="minor"/>
+    </dgm:style>
+  </dgm:styleLbl>
+  <dgm:styleLbl name="bgImgPlace1">
+    <dgm:scene3d>
+      <a:camera prst="orthographicFront"/>
+      <a:lightRig rig="threePt" dir="t"/>
+    </dgm:scene3d>
+    <dgm:sp3d/>
+    <dgm:txPr/>
+    <dgm:style>
+      <a:lnRef idx="2">
+        <a:scrgbClr r="0" g="0" b="0"/>
+      </a:lnRef>
+      <a:fillRef idx="1">
+        <a:scrgbClr r="0" g="0" b="0"/>
+      </a:fillRef>
+      <a:effectRef idx="0">
+        <a:scrgbClr r="0" g="0" b="0"/>
+      </a:effectRef>
+      <a:fontRef idx="minor"/>
+    </dgm:style>
+  </dgm:styleLbl>
+  <dgm:styleLbl name="sibTrans2D1">
+    <dgm:scene3d>
+      <a:camera prst="orthographicFront"/>
+      <a:lightRig rig="threePt" dir="t"/>
+    </dgm:scene3d>
+    <dgm:sp3d/>
+    <dgm:txPr/>
+    <dgm:style>
+      <a:lnRef idx="0">
+        <a:scrgbClr r="0" g="0" b="0"/>
+      </a:lnRef>
+      <a:fillRef idx="1">
+        <a:scrgbClr r="0" g="0" b="0"/>
+      </a:fillRef>
+      <a:effectRef idx="0">
+        <a:scrgbClr r="0" g="0" b="0"/>
+      </a:effectRef>
+      <a:fontRef idx="minor">
+        <a:schemeClr val="lt1"/>
+      </a:fontRef>
+    </dgm:style>
+  </dgm:styleLbl>
+  <dgm:styleLbl name="fgSibTrans2D1">
+    <dgm:scene3d>
+      <a:camera prst="orthographicFront"/>
+      <a:lightRig rig="threePt" dir="t"/>
+    </dgm:scene3d>
+    <dgm:sp3d/>
+    <dgm:txPr/>
+    <dgm:style>
+      <a:lnRef idx="0">
+        <a:scrgbClr r="0" g="0" b="0"/>
+      </a:lnRef>
+      <a:fillRef idx="1">
+        <a:scrgbClr r="0" g="0" b="0"/>
+      </a:fillRef>
+      <a:effectRef idx="0">
+        <a:scrgbClr r="0" g="0" b="0"/>
+      </a:effectRef>
+      <a:fontRef idx="minor">
+        <a:schemeClr val="lt1"/>
+      </a:fontRef>
+    </dgm:style>
+  </dgm:styleLbl>
+  <dgm:styleLbl name="bgSibTrans2D1">
+    <dgm:scene3d>
+      <a:camera prst="orthographicFront"/>
+      <a:lightRig rig="threePt" dir="t"/>
+    </dgm:scene3d>
+    <dgm:sp3d/>
+    <dgm:txPr/>
+    <dgm:style>
+      <a:lnRef idx="0">
+        <a:scrgbClr r="0" g="0" b="0"/>
+      </a:lnRef>
+      <a:fillRef idx="1">
+        <a:scrgbClr r="0" g="0" b="0"/>
+      </a:fillRef>
+      <a:effectRef idx="0">
+        <a:scrgbClr r="0" g="0" b="0"/>
+      </a:effectRef>
+      <a:fontRef idx="minor">
+        <a:schemeClr val="lt1"/>
+      </a:fontRef>
+    </dgm:style>
+  </dgm:styleLbl>
+  <dgm:styleLbl name="sibTrans1D1">
+    <dgm:scene3d>
+      <a:camera prst="orthographicFront"/>
+      <a:lightRig rig="threePt" dir="t"/>
+    </dgm:scene3d>
+    <dgm:sp3d/>
+    <dgm:txPr/>
+    <dgm:style>
+      <a:lnRef idx="1">
+        <a:scrgbClr r="0" g="0" b="0"/>
+      </a:lnRef>
+      <a:fillRef idx="0">
+        <a:scrgbClr r="0" g="0" b="0"/>
+      </a:fillRef>
+      <a:effectRef idx="0">
+        <a:scrgbClr r="0" g="0" b="0"/>
+      </a:effectRef>
+      <a:fontRef idx="minor"/>
+    </dgm:style>
+  </dgm:styleLbl>
+  <dgm:styleLbl name="callout">
+    <dgm:scene3d>
+      <a:camera prst="orthographicFront"/>
+      <a:lightRig rig="threePt" dir="t"/>
+    </dgm:scene3d>
+    <dgm:sp3d/>
+    <dgm:txPr/>
+    <dgm:style>
+      <a:lnRef idx="2">
+        <a:scrgbClr r="0" g="0" b="0"/>
+      </a:lnRef>
+      <a:fillRef idx="1">
+        <a:scrgbClr r="0" g="0" b="0"/>
+      </a:fillRef>
+      <a:effectRef idx="0">
+        <a:scrgbClr r="0" g="0" b="0"/>
+      </a:effectRef>
+      <a:fontRef idx="minor"/>
+    </dgm:style>
+  </dgm:styleLbl>
+  <dgm:styleLbl name="asst0">
+    <dgm:scene3d>
+      <a:camera prst="orthographicFront"/>
+      <a:lightRig rig="threePt" dir="t"/>
+    </dgm:scene3d>
+    <dgm:sp3d/>
+    <dgm:txPr/>
+    <dgm:style>
+      <a:lnRef idx="2">
+        <a:scrgbClr r="0" g="0" b="0"/>
+      </a:lnRef>
+      <a:fillRef idx="1">
+        <a:scrgbClr r="0" g="0" b="0"/>
+      </a:fillRef>
+      <a:effectRef idx="0">
+        <a:scrgbClr r="0" g="0" b="0"/>
+      </a:effectRef>
+      <a:fontRef idx="minor">
+        <a:schemeClr val="lt1"/>
+      </a:fontRef>
+    </dgm:style>
+  </dgm:styleLbl>
+  <dgm:styleLbl name="asst1">
+    <dgm:scene3d>
+      <a:camera prst="orthographicFront"/>
+      <a:lightRig rig="threePt" dir="t"/>
+    </dgm:scene3d>
+    <dgm:sp3d/>
+    <dgm:txPr/>
+    <dgm:style>
+      <a:lnRef idx="2">
+        <a:scrgbClr r="0" g="0" b="0"/>
+      </a:lnRef>
+      <a:fillRef idx="1">
+        <a:scrgbClr r="0" g="0" b="0"/>
+      </a:fillRef>
+      <a:effectRef idx="0">
+        <a:scrgbClr r="0" g="0" b="0"/>
+      </a:effectRef>
+      <a:fontRef idx="minor">
+        <a:schemeClr val="lt1"/>
+      </a:fontRef>
+    </dgm:style>
+  </dgm:styleLbl>
+  <dgm:styleLbl name="asst2">
+    <dgm:scene3d>
+      <a:camera prst="orthographicFront"/>
+      <a:lightRig rig="threePt" dir="t"/>
+    </dgm:scene3d>
+    <dgm:sp3d/>
+    <dgm:txPr/>
+    <dgm:style>
+      <a:lnRef idx="2">
+        <a:scrgbClr r="0" g="0" b="0"/>
+      </a:lnRef>
+      <a:fillRef idx="1">
+        <a:scrgbClr r="0" g="0" b="0"/>
+      </a:fillRef>
+      <a:effectRef idx="0">
+        <a:scrgbClr r="0" g="0" b="0"/>
+      </a:effectRef>
+      <a:fontRef idx="minor">
+        <a:schemeClr val="lt1"/>
+      </a:fontRef>
+    </dgm:style>
+  </dgm:styleLbl>
+  <dgm:styleLbl name="asst3">
+    <dgm:scene3d>
+      <a:camera prst="orthographicFront"/>
+      <a:lightRig rig="threePt" dir="t"/>
+    </dgm:scene3d>
+    <dgm:sp3d/>
+    <dgm:txPr/>
+    <dgm:style>
+      <a:lnRef idx="2">
+        <a:scrgbClr r="0" g="0" b="0"/>
+      </a:lnRef>
+      <a:fillRef idx="1">
+        <a:scrgbClr r="0" g="0" b="0"/>
+      </a:fillRef>
+      <a:effectRef idx="0">
+        <a:scrgbClr r="0" g="0" b="0"/>
+      </a:effectRef>
+      <a:fontRef idx="minor">
+        <a:schemeClr val="lt1"/>
+      </a:fontRef>
+    </dgm:style>
+  </dgm:styleLbl>
+  <dgm:styleLbl name="asst4">
+    <dgm:scene3d>
+      <a:camera prst="orthographicFront"/>
+      <a:lightRig rig="threePt" dir="t"/>
+    </dgm:scene3d>
+    <dgm:sp3d/>
+    <dgm:txPr/>
+    <dgm:style>
+      <a:lnRef idx="2">
+        <a:scrgbClr r="0" g="0" b="0"/>
+      </a:lnRef>
+      <a:fillRef idx="1">
+        <a:scrgbClr r="0" g="0" b="0"/>
+      </a:fillRef>
+      <a:effectRef idx="0">
+        <a:scrgbClr r="0" g="0" b="0"/>
+      </a:effectRef>
+      <a:fontRef idx="minor">
+        <a:schemeClr val="lt1"/>
+      </a:fontRef>
+    </dgm:style>
+  </dgm:styleLbl>
+  <dgm:styleLbl name="parChTrans2D1">
+    <dgm:scene3d>
+      <a:camera prst="orthographicFront"/>
+      <a:lightRig rig="threePt" dir="t"/>
+    </dgm:scene3d>
+    <dgm:sp3d/>
+    <dgm:txPr/>
+    <dgm:style>
+      <a:lnRef idx="2">
+        <a:scrgbClr r="0" g="0" b="0"/>
+      </a:lnRef>
+      <a:fillRef idx="1">
+        <a:scrgbClr r="0" g="0" b="0"/>
+      </a:fillRef>
+      <a:effectRef idx="0">
+        <a:scrgbClr r="0" g="0" b="0"/>
+      </a:effectRef>
+      <a:fontRef idx="minor">
+        <a:schemeClr val="lt1"/>
+      </a:fontRef>
+    </dgm:style>
+  </dgm:styleLbl>
+  <dgm:styleLbl name="parChTrans2D2">
+    <dgm:scene3d>
+      <a:camera prst="orthographicFront"/>
+      <a:lightRig rig="threePt" dir="t"/>
+    </dgm:scene3d>
+    <dgm:sp3d/>
+    <dgm:txPr/>
+    <dgm:style>
+      <a:lnRef idx="2">
+        <a:scrgbClr r="0" g="0" b="0"/>
+      </a:lnRef>
+      <a:fillRef idx="1">
+        <a:scrgbClr r="0" g="0" b="0"/>
+      </a:fillRef>
+      <a:effectRef idx="0">
+        <a:scrgbClr r="0" g="0" b="0"/>
+      </a:effectRef>
+      <a:fontRef idx="minor">
+        <a:schemeClr val="lt1"/>
+      </a:fontRef>
+    </dgm:style>
+  </dgm:styleLbl>
+  <dgm:styleLbl name="parChTrans2D3">
+    <dgm:scene3d>
+      <a:camera prst="orthographicFront"/>
+      <a:lightRig rig="threePt" dir="t"/>
+    </dgm:scene3d>
+    <dgm:sp3d/>
+    <dgm:txPr/>
+    <dgm:style>
+      <a:lnRef idx="2">
+        <a:scrgbClr r="0" g="0" b="0"/>
+      </a:lnRef>
+      <a:fillRef idx="1">
+        <a:scrgbClr r="0" g="0" b="0"/>
+      </a:fillRef>
+      <a:effectRef idx="0">
+        <a:scrgbClr r="0" g="0" b="0"/>
+      </a:effectRef>
+      <a:fontRef idx="minor">
+        <a:schemeClr val="lt1"/>
+      </a:fontRef>
+    </dgm:style>
+  </dgm:styleLbl>
+  <dgm:styleLbl name="parChTrans2D4">
+    <dgm:scene3d>
+      <a:camera prst="orthographicFront"/>
+      <a:lightRig rig="threePt" dir="t"/>
+    </dgm:scene3d>
+    <dgm:sp3d/>
+    <dgm:txPr/>
+    <dgm:style>
+      <a:lnRef idx="2">
+        <a:scrgbClr r="0" g="0" b="0"/>
+      </a:lnRef>
+      <a:fillRef idx="1">
+        <a:scrgbClr r="0" g="0" b="0"/>
+      </a:fillRef>
+      <a:effectRef idx="0">
+        <a:scrgbClr r="0" g="0" b="0"/>
+      </a:effectRef>
+      <a:fontRef idx="minor">
+        <a:schemeClr val="lt1"/>
+      </a:fontRef>
+    </dgm:style>
+  </dgm:styleLbl>
+  <dgm:styleLbl name="parChTrans1D1">
+    <dgm:scene3d>
+      <a:camera prst="orthographicFront"/>
+      <a:lightRig rig="threePt" dir="t"/>
+    </dgm:scene3d>
+    <dgm:sp3d/>
+    <dgm:txPr/>
+    <dgm:style>
+      <a:lnRef idx="2">
+        <a:scrgbClr r="0" g="0" b="0"/>
+      </a:lnRef>
+      <a:fillRef idx="0">
+        <a:scrgbClr r="0" g="0" b="0"/>
+      </a:fillRef>
+      <a:effectRef idx="0">
+        <a:scrgbClr r="0" g="0" b="0"/>
+      </a:effectRef>
+      <a:fontRef idx="minor"/>
+    </dgm:style>
+  </dgm:styleLbl>
+  <dgm:styleLbl name="parChTrans1D2">
+    <dgm:scene3d>
+      <a:camera prst="orthographicFront"/>
+      <a:lightRig rig="threePt" dir="t"/>
+    </dgm:scene3d>
+    <dgm:sp3d/>
+    <dgm:txPr/>
+    <dgm:style>
+      <a:lnRef idx="2">
+        <a:scrgbClr r="0" g="0" b="0"/>
+      </a:lnRef>
+      <a:fillRef idx="0">
+        <a:scrgbClr r="0" g="0" b="0"/>
+      </a:fillRef>
+      <a:effectRef idx="0">
+        <a:scrgbClr r="0" g="0" b="0"/>
+      </a:effectRef>
+      <a:fontRef idx="minor"/>
+    </dgm:style>
+  </dgm:styleLbl>
+  <dgm:styleLbl name="parChTrans1D3">
+    <dgm:scene3d>
+      <a:camera prst="orthographicFront"/>
+      <a:lightRig rig="threePt" dir="t"/>
+    </dgm:scene3d>
+    <dgm:sp3d/>
+    <dgm:txPr/>
+    <dgm:style>
+      <a:lnRef idx="2">
+        <a:scrgbClr r="0" g="0" b="0"/>
+      </a:lnRef>
+      <a:fillRef idx="0">
+        <a:scrgbClr r="0" g="0" b="0"/>
+      </a:fillRef>
+      <a:effectRef idx="0">
+        <a:scrgbClr r="0" g="0" b="0"/>
+      </a:effectRef>
+      <a:fontRef idx="minor"/>
+    </dgm:style>
+  </dgm:styleLbl>
+  <dgm:styleLbl name="parChTrans1D4">
+    <dgm:scene3d>
+      <a:camera prst="orthographicFront"/>
+      <a:lightRig rig="threePt" dir="t"/>
+    </dgm:scene3d>
+    <dgm:sp3d/>
+    <dgm:txPr/>
+    <dgm:style>
+      <a:lnRef idx="2">
+        <a:scrgbClr r="0" g="0" b="0"/>
+      </a:lnRef>
+      <a:fillRef idx="0">
+        <a:scrgbClr r="0" g="0" b="0"/>
+      </a:fillRef>
+      <a:effectRef idx="0">
+        <a:scrgbClr r="0" g="0" b="0"/>
+      </a:effectRef>
+      <a:fontRef idx="minor"/>
+    </dgm:style>
+  </dgm:styleLbl>
+  <dgm:styleLbl name="fgAcc1">
+    <dgm:scene3d>
+      <a:camera prst="orthographicFront"/>
+      <a:lightRig rig="threePt" dir="t"/>
+    </dgm:scene3d>
+    <dgm:sp3d/>
+    <dgm:txPr/>
+    <dgm:style>
+      <a:lnRef idx="2">
+        <a:scrgbClr r="0" g="0" b="0"/>
+      </a:lnRef>
+      <a:fillRef idx="1">
+        <a:scrgbClr r="0" g="0" b="0"/>
+      </a:fillRef>
+      <a:effectRef idx="0">
+        <a:scrgbClr r="0" g="0" b="0"/>
+      </a:effectRef>
+      <a:fontRef idx="minor"/>
+    </dgm:style>
+  </dgm:styleLbl>
+  <dgm:styleLbl name="conFgAcc1">
+    <dgm:scene3d>
+      <a:camera prst="orthographicFront"/>
+      <a:lightRig rig="threePt" dir="t"/>
+    </dgm:scene3d>
+    <dgm:sp3d/>
+    <dgm:txPr/>
+    <dgm:style>
+      <a:lnRef idx="2">
+        <a:scrgbClr r="0" g="0" b="0"/>
+      </a:lnRef>
+      <a:fillRef idx="1">
+        <a:scrgbClr r="0" g="0" b="0"/>
+      </a:fillRef>
+      <a:effectRef idx="0">
+        <a:scrgbClr r="0" g="0" b="0"/>
+      </a:effectRef>
+      <a:fontRef idx="minor"/>
+    </dgm:style>
+  </dgm:styleLbl>
+  <dgm:styleLbl name="alignAcc1">
+    <dgm:scene3d>
+      <a:camera prst="orthographicFront"/>
+      <a:lightRig rig="threePt" dir="t"/>
+    </dgm:scene3d>
+    <dgm:sp3d/>
+    <dgm:txPr/>
+    <dgm:style>
+      <a:lnRef idx="2">
+        <a:scrgbClr r="0" g="0" b="0"/>
+      </a:lnRef>
+      <a:fillRef idx="1">
+        <a:scrgbClr r="0" g="0" b="0"/>
+      </a:fillRef>
+      <a:effectRef idx="0">
+        <a:scrgbClr r="0" g="0" b="0"/>
+      </a:effectRef>
+      <a:fontRef idx="minor"/>
+    </dgm:style>
+  </dgm:styleLbl>
+  <dgm:styleLbl name="trAlignAcc1">
+    <dgm:scene3d>
+      <a:camera prst="orthographicFront"/>
+      <a:lightRig rig="threePt" dir="t"/>
+    </dgm:scene3d>
+    <dgm:sp3d/>
+    <dgm:txPr/>
+    <dgm:style>
+      <a:lnRef idx="1">
+        <a:scrgbClr r="0" g="0" b="0"/>
+      </a:lnRef>
+      <a:fillRef idx="1">
+        <a:scrgbClr r="0" g="0" b="0"/>
+      </a:fillRef>
+      <a:effectRef idx="0">
+        <a:scrgbClr r="0" g="0" b="0"/>
+      </a:effectRef>
+      <a:fontRef idx="minor"/>
+    </dgm:style>
+  </dgm:styleLbl>
+  <dgm:styleLbl name="bgAcc1">
+    <dgm:scene3d>
+      <a:camera prst="orthographicFront"/>
+      <a:lightRig rig="threePt" dir="t"/>
+    </dgm:scene3d>
+    <dgm:sp3d/>
+    <dgm:txPr/>
+    <dgm:style>
+      <a:lnRef idx="2">
+        <a:scrgbClr r="0" g="0" b="0"/>
+      </a:lnRef>
+      <a:fillRef idx="1">
+        <a:scrgbClr r="0" g="0" b="0"/>
+      </a:fillRef>
+      <a:effectRef idx="0">
+        <a:scrgbClr r="0" g="0" b="0"/>
+      </a:effectRef>
+      <a:fontRef idx="minor"/>
+    </dgm:style>
+  </dgm:styleLbl>
+  <dgm:styleLbl name="solidFgAcc1">
+    <dgm:scene3d>
+      <a:camera prst="orthographicFront"/>
+      <a:lightRig rig="threePt" dir="t"/>
+    </dgm:scene3d>
+    <dgm:sp3d/>
+    <dgm:txPr/>
+    <dgm:style>
+      <a:lnRef idx="2">
+        <a:scrgbClr r="0" g="0" b="0"/>
+      </a:lnRef>
+      <a:fillRef idx="1">
+        <a:scrgbClr r="0" g="0" b="0"/>
+      </a:fillRef>
+      <a:effectRef idx="0">
+        <a:scrgbClr r="0" g="0" b="0"/>
+      </a:effectRef>
+      <a:fontRef idx="minor"/>
+    </dgm:style>
+  </dgm:styleLbl>
+  <dgm:styleLbl name="solidAlignAcc1">
+    <dgm:scene3d>
+      <a:camera prst="orthographicFront"/>
+      <a:lightRig rig="threePt" dir="t"/>
+    </dgm:scene3d>
+    <dgm:sp3d/>
+    <dgm:txPr/>
+    <dgm:style>
+      <a:lnRef idx="2">
+        <a:scrgbClr r="0" g="0" b="0"/>
+      </a:lnRef>
+      <a:fillRef idx="1">
+        <a:scrgbClr r="0" g="0" b="0"/>
+      </a:fillRef>
+      <a:effectRef idx="0">
+        <a:scrgbClr r="0" g="0" b="0"/>
+      </a:effectRef>
+      <a:fontRef idx="minor"/>
+    </dgm:style>
+  </dgm:styleLbl>
+  <dgm:styleLbl name="solidBgAcc1">
+    <dgm:scene3d>
+      <a:camera prst="orthographicFront"/>
+      <a:lightRig rig="threePt" dir="t"/>
+    </dgm:scene3d>
+    <dgm:sp3d/>
+    <dgm:txPr/>
+    <dgm:style>
+      <a:lnRef idx="2">
+        <a:scrgbClr r="0" g="0" b="0"/>
+      </a:lnRef>
+      <a:fillRef idx="1">
+        <a:scrgbClr r="0" g="0" b="0"/>
+      </a:fillRef>
+      <a:effectRef idx="0">
+        <a:scrgbClr r="0" g="0" b="0"/>
+      </a:effectRef>
+      <a:fontRef idx="minor"/>
+    </dgm:style>
+  </dgm:styleLbl>
+  <dgm:styleLbl name="fgAccFollowNode1">
+    <dgm:scene3d>
+      <a:camera prst="orthographicFront"/>
+      <a:lightRig rig="threePt" dir="t"/>
+    </dgm:scene3d>
+    <dgm:sp3d/>
+    <dgm:txPr/>
+    <dgm:style>
+      <a:lnRef idx="2">
+        <a:scrgbClr r="0" g="0" b="0"/>
+      </a:lnRef>
+      <a:fillRef idx="1">
+        <a:scrgbClr r="0" g="0" b="0"/>
+      </a:fillRef>
+      <a:effectRef idx="0">
+        <a:scrgbClr r="0" g="0" b="0"/>
+      </a:effectRef>
+      <a:fontRef idx="minor"/>
+    </dgm:style>
+  </dgm:styleLbl>
+  <dgm:styleLbl name="alignAccFollowNode1">
+    <dgm:scene3d>
+      <a:camera prst="orthographicFront"/>
+      <a:lightRig rig="threePt" dir="t"/>
+    </dgm:scene3d>
+    <dgm:sp3d/>
+    <dgm:txPr/>
+    <dgm:style>
+      <a:lnRef idx="2">
+        <a:scrgbClr r="0" g="0" b="0"/>
+      </a:lnRef>
+      <a:fillRef idx="1">
+        <a:scrgbClr r="0" g="0" b="0"/>
+      </a:fillRef>
+      <a:effectRef idx="0">
+        <a:scrgbClr r="0" g="0" b="0"/>
+      </a:effectRef>
+      <a:fontRef idx="minor"/>
+    </dgm:style>
+  </dgm:styleLbl>
+  <dgm:styleLbl name="bgAccFollowNode1">
+    <dgm:scene3d>
+      <a:camera prst="orthographicFront"/>
+      <a:lightRig rig="threePt" dir="t"/>
+    </dgm:scene3d>
+    <dgm:sp3d/>
+    <dgm:txPr/>
+    <dgm:style>
+      <a:lnRef idx="2">
+        <a:scrgbClr r="0" g="0" b="0"/>
+      </a:lnRef>
+      <a:fillRef idx="1">
+        <a:scrgbClr r="0" g="0" b="0"/>
+      </a:fillRef>
+      <a:effectRef idx="0">
+        <a:scrgbClr r="0" g="0" b="0"/>
+      </a:effectRef>
+      <a:fontRef idx="minor"/>
+    </dgm:style>
+  </dgm:styleLbl>
+  <dgm:styleLbl name="fgAcc0">
+    <dgm:scene3d>
+      <a:camera prst="orthographicFront"/>
+      <a:lightRig rig="threePt" dir="t"/>
+    </dgm:scene3d>
+    <dgm:sp3d/>
+    <dgm:txPr/>
+    <dgm:style>
+      <a:lnRef idx="2">
+        <a:scrgbClr r="0" g="0" b="0"/>
+      </a:lnRef>
+      <a:fillRef idx="1">
+        <a:scrgbClr r="0" g="0" b="0"/>
+      </a:fillRef>
+      <a:effectRef idx="0">
+        <a:scrgbClr r="0" g="0" b="0"/>
+      </a:effectRef>
+      <a:fontRef idx="minor"/>
+    </dgm:style>
+  </dgm:styleLbl>
+  <dgm:styleLbl name="fgAcc2">
+    <dgm:scene3d>
+      <a:camera prst="orthographicFront"/>
+      <a:lightRig rig="threePt" dir="t"/>
+    </dgm:scene3d>
+    <dgm:sp3d/>
+    <dgm:txPr/>
+    <dgm:style>
+      <a:lnRef idx="2">
+        <a:scrgbClr r="0" g="0" b="0"/>
+      </a:lnRef>
+      <a:fillRef idx="1">
+        <a:scrgbClr r="0" g="0" b="0"/>
+      </a:fillRef>
+      <a:effectRef idx="0">
+        <a:scrgbClr r="0" g="0" b="0"/>
+      </a:effectRef>
+      <a:fontRef idx="minor"/>
+    </dgm:style>
+  </dgm:styleLbl>
+  <dgm:styleLbl name="fgAcc3">
+    <dgm:scene3d>
+      <a:camera prst="orthographicFront"/>
+      <a:lightRig rig="threePt" dir="t"/>
+    </dgm:scene3d>
+    <dgm:sp3d/>
+    <dgm:txPr/>
+    <dgm:style>
+      <a:lnRef idx="2">
+        <a:scrgbClr r="0" g="0" b="0"/>
+      </a:lnRef>
+      <a:fillRef idx="1">
+        <a:scrgbClr r="0" g="0" b="0"/>
+      </a:fillRef>
+      <a:effectRef idx="0">
+        <a:scrgbClr r="0" g="0" b="0"/>
+      </a:effectRef>
+      <a:fontRef idx="minor"/>
+    </dgm:style>
+  </dgm:styleLbl>
+  <dgm:styleLbl name="fgAcc4">
+    <dgm:scene3d>
+      <a:camera prst="orthographicFront"/>
+      <a:lightRig rig="threePt" dir="t"/>
+    </dgm:scene3d>
+    <dgm:sp3d/>
+    <dgm:txPr/>
+    <dgm:style>
+      <a:lnRef idx="2">
+        <a:scrgbClr r="0" g="0" b="0"/>
+      </a:lnRef>
+      <a:fillRef idx="1">
+        <a:scrgbClr r="0" g="0" b="0"/>
+      </a:fillRef>
+      <a:effectRef idx="0">
+        <a:scrgbClr r="0" g="0" b="0"/>
+      </a:effectRef>
+      <a:fontRef idx="minor"/>
+    </dgm:style>
+  </dgm:styleLbl>
+  <dgm:styleLbl name="bgShp">
+    <dgm:scene3d>
+      <a:camera prst="orthographicFront"/>
+      <a:lightRig rig="threePt" dir="t"/>
+    </dgm:scene3d>
+    <dgm:sp3d/>
+    <dgm:txPr/>
+    <dgm:style>
+      <a:lnRef idx="0">
+        <a:scrgbClr r="0" g="0" b="0"/>
+      </a:lnRef>
+      <a:fillRef idx="1">
+        <a:scrgbClr r="0" g="0" b="0"/>
+      </a:fillRef>
+      <a:effectRef idx="0">
+        <a:scrgbClr r="0" g="0" b="0"/>
+      </a:effectRef>
+      <a:fontRef idx="minor"/>
+    </dgm:style>
+  </dgm:styleLbl>
+  <dgm:styleLbl name="dkBgShp">
+    <dgm:scene3d>
+      <a:camera prst="orthographicFront"/>
+      <a:lightRig rig="threePt" dir="t"/>
+    </dgm:scene3d>
+    <dgm:sp3d/>
+    <dgm:txPr/>
+    <dgm:style>
+      <a:lnRef idx="0">
+        <a:scrgbClr r="0" g="0" b="0"/>
+      </a:lnRef>
+      <a:fillRef idx="1">
+        <a:scrgbClr r="0" g="0" b="0"/>
+      </a:fillRef>
+      <a:effectRef idx="0">
+        <a:scrgbClr r="0" g="0" b="0"/>
+      </a:effectRef>
+      <a:fontRef idx="minor"/>
+    </dgm:style>
+  </dgm:styleLbl>
+  <dgm:styleLbl name="trBgShp">
+    <dgm:scene3d>
+      <a:camera prst="orthographicFront"/>
+      <a:lightRig rig="threePt" dir="t"/>
+    </dgm:scene3d>
+    <dgm:sp3d/>
+    <dgm:txPr/>
+    <dgm:style>
+      <a:lnRef idx="0">
+        <a:scrgbClr r="0" g="0" b="0"/>
+      </a:lnRef>
+      <a:fillRef idx="1">
+        <a:scrgbClr r="0" g="0" b="0"/>
+      </a:fillRef>
+      <a:effectRef idx="0">
+        <a:scrgbClr r="0" g="0" b="0"/>
+      </a:effectRef>
+      <a:fontRef idx="minor"/>
+    </dgm:style>
+  </dgm:styleLbl>
+  <dgm:styleLbl name="fgShp">
+    <dgm:scene3d>
+      <a:camera prst="orthographicFront"/>
+      <a:lightRig rig="threePt" dir="t"/>
+    </dgm:scene3d>
+    <dgm:sp3d/>
+    <dgm:txPr/>
+    <dgm:style>
+      <a:lnRef idx="2">
+        <a:scrgbClr r="0" g="0" b="0"/>
+      </a:lnRef>
+      <a:fillRef idx="1">
+        <a:scrgbClr r="0" g="0" b="0"/>
+      </a:fillRef>
+      <a:effectRef idx="0">
+        <a:scrgbClr r="0" g="0" b="0"/>
+      </a:effectRef>
+      <a:fontRef idx="minor"/>
+    </dgm:style>
+  </dgm:styleLbl>
+  <dgm:styleLbl name="revTx">
+    <dgm:scene3d>
+      <a:camera prst="orthographicFront"/>
+      <a:lightRig rig="threePt" dir="t"/>
+    </dgm:scene3d>
+    <dgm:sp3d/>
+    <dgm:txPr/>
+    <dgm:style>
+      <a:lnRef idx="0">
+        <a:scrgbClr r="0" g="0" b="0"/>
+      </a:lnRef>
+      <a:fillRef idx="0">
+        <a:scrgbClr r="0" g="0" b="0"/>
+      </a:fillRef>
+      <a:effectRef idx="0">
+        <a:scrgbClr r="0" g="0" b="0"/>
+      </a:effectRef>
+      <a:fontRef idx="minor"/>
+    </dgm:style>
+  </dgm:styleLbl>
+</dgm:styleDef>
+</file>
+
+<file path=ppt/diagrams/quickStyle4.xml><?xml version="1.0" encoding="utf-8"?>
 <dgm:styleDef xmlns:dgm="http://schemas.openxmlformats.org/drawingml/2006/diagram" xmlns:a="http://schemas.openxmlformats.org/drawingml/2006/main" uniqueId="urn:microsoft.com/office/officeart/2005/8/quickstyle/simple1">
   <dgm:title val=""/>
   <dgm:desc val=""/>
@@ -8320,7 +12637,7 @@
           <a:p>
             <a:fld id="{9E158CDE-C114-442B-91BB-C02E4A897291}" type="datetimeFigureOut">
               <a:rPr lang="de-DE" smtClean="0"/>
-              <a:t>18.08.2017</a:t>
+              <a:t>24.08.2017</a:t>
             </a:fld>
             <a:endParaRPr lang="de-DE"/>
           </a:p>
@@ -9049,96 +13366,6 @@
     <p:extLst>
       <p:ext uri="{BB962C8B-B14F-4D97-AF65-F5344CB8AC3E}">
         <p14:creationId xmlns:p14="http://schemas.microsoft.com/office/powerpoint/2010/main" val="2784502472"/>
-      </p:ext>
-    </p:extLst>
-  </p:cSld>
-  <p:clrMapOvr>
-    <a:masterClrMapping/>
-  </p:clrMapOvr>
-</p:notes>
-</file>
-
-<file path=ppt/notesSlides/notesSlide5.xml><?xml version="1.0" encoding="utf-8"?>
-<p:notes xmlns:a="http://schemas.openxmlformats.org/drawingml/2006/main" xmlns:r="http://schemas.openxmlformats.org/officeDocument/2006/relationships" xmlns:p="http://schemas.openxmlformats.org/presentationml/2006/main">
-  <p:cSld>
-    <p:spTree>
-      <p:nvGrpSpPr>
-        <p:cNvPr id="1" name=""/>
-        <p:cNvGrpSpPr/>
-        <p:nvPr/>
-      </p:nvGrpSpPr>
-      <p:grpSpPr>
-        <a:xfrm>
-          <a:off x="0" y="0"/>
-          <a:ext cx="0" cy="0"/>
-          <a:chOff x="0" y="0"/>
-          <a:chExt cx="0" cy="0"/>
-        </a:xfrm>
-      </p:grpSpPr>
-      <p:sp>
-        <p:nvSpPr>
-          <p:cNvPr id="4" name="Foliennummernplatzhalter 3"/>
-          <p:cNvSpPr>
-            <a:spLocks noGrp="1"/>
-          </p:cNvSpPr>
-          <p:nvPr>
-            <p:ph type="sldNum" sz="quarter" idx="10"/>
-          </p:nvPr>
-        </p:nvSpPr>
-        <p:spPr/>
-        <p:txBody>
-          <a:bodyPr/>
-          <a:lstStyle/>
-          <a:p>
-            <a:fld id="{F7608432-0240-4102-B75D-1C8A47998186}" type="slidenum">
-              <a:rPr lang="de-DE" smtClean="0"/>
-              <a:pPr/>
-              <a:t>15</a:t>
-            </a:fld>
-            <a:endParaRPr lang="de-DE"/>
-          </a:p>
-        </p:txBody>
-      </p:sp>
-      <p:sp>
-        <p:nvSpPr>
-          <p:cNvPr id="6" name="Folienbildplatzhalter 5"/>
-          <p:cNvSpPr>
-            <a:spLocks noGrp="1" noRot="1" noChangeAspect="1"/>
-          </p:cNvSpPr>
-          <p:nvPr>
-            <p:ph type="sldImg"/>
-          </p:nvPr>
-        </p:nvSpPr>
-        <p:spPr>
-          <a:xfrm>
-            <a:off x="-1143000" y="0"/>
-            <a:ext cx="9139238" cy="5141913"/>
-          </a:xfrm>
-        </p:spPr>
-      </p:sp>
-      <p:sp>
-        <p:nvSpPr>
-          <p:cNvPr id="7" name="Notizenplatzhalter 6"/>
-          <p:cNvSpPr>
-            <a:spLocks noGrp="1"/>
-          </p:cNvSpPr>
-          <p:nvPr>
-            <p:ph type="body" idx="1"/>
-          </p:nvPr>
-        </p:nvSpPr>
-        <p:spPr/>
-        <p:txBody>
-          <a:bodyPr/>
-          <a:lstStyle/>
-          <a:p>
-            <a:endParaRPr lang="de-CH"/>
-          </a:p>
-        </p:txBody>
-      </p:sp>
-    </p:spTree>
-    <p:extLst>
-      <p:ext uri="{BB962C8B-B14F-4D97-AF65-F5344CB8AC3E}">
-        <p14:creationId xmlns:p14="http://schemas.microsoft.com/office/powerpoint/2010/main" val="3056214239"/>
       </p:ext>
     </p:extLst>
   </p:cSld>
@@ -13324,7 +17551,7 @@
           <a:p>
             <a:fld id="{D456EEBE-A7AF-E645-9889-AAA1CC8034EC}" type="datetime1">
               <a:rPr lang="en-US" smtClean="0"/>
-              <a:t>8/18/2017</a:t>
+              <a:t>8/24/2017</a:t>
             </a:fld>
             <a:endParaRPr lang="en-US"/>
           </a:p>
@@ -13472,7 +17699,7 @@
           <a:p>
             <a:fld id="{D456EEBE-A7AF-E645-9889-AAA1CC8034EC}" type="datetime1">
               <a:rPr lang="en-US" smtClean="0"/>
-              <a:t>8/18/2017</a:t>
+              <a:t>8/24/2017</a:t>
             </a:fld>
             <a:endParaRPr lang="en-US"/>
           </a:p>
@@ -13900,7 +18127,7 @@
           <a:p>
             <a:fld id="{D456EEBE-A7AF-E645-9889-AAA1CC8034EC}" type="datetime1">
               <a:rPr lang="en-US" smtClean="0"/>
-              <a:t>8/18/2017</a:t>
+              <a:t>8/24/2017</a:t>
             </a:fld>
             <a:endParaRPr lang="en-US"/>
           </a:p>
@@ -14011,6 +18238,14 @@
             <a:r>
               <a:rPr lang="en-US" dirty="0" smtClean="0"/>
               <a:t>Helpful developers! (</a:t>
+            </a:r>
+            <a:r>
+              <a:rPr lang="en-US" dirty="0" err="1" smtClean="0"/>
+              <a:t>Github</a:t>
+            </a:r>
+            <a:r>
+              <a:rPr lang="en-US" dirty="0" smtClean="0"/>
+              <a:t> / </a:t>
             </a:r>
             <a:r>
               <a:rPr lang="en-US" dirty="0" err="1" smtClean="0"/>
@@ -14147,7 +18382,7 @@
           <a:p>
             <a:fld id="{D456EEBE-A7AF-E645-9889-AAA1CC8034EC}" type="datetime1">
               <a:rPr lang="en-US" smtClean="0"/>
-              <a:t>8/18/2017</a:t>
+              <a:t>8/24/2017</a:t>
             </a:fld>
             <a:endParaRPr lang="en-US"/>
           </a:p>
@@ -14228,7 +18463,7 @@
             </a:pPr>
             <a:r>
               <a:rPr lang="en-US" dirty="0" smtClean="0"/>
-              <a:t>Developer 2 (too impatient for fiddling around with parameters): “Is that really necessary? Can’t I just use something out-of-the-box?”</a:t>
+              <a:t>Developer 2 (too impatient for fiddling around with parameters): “Is that endless training time really necessary? Can’t I just use something out-of-the-box?”</a:t>
             </a:r>
           </a:p>
           <a:p>
@@ -14282,7 +18517,7 @@
       </p:grpSpPr>
       <p:sp>
         <p:nvSpPr>
-          <p:cNvPr id="12" name="Titel 11"/>
+          <p:cNvPr id="2" name="Title 1"/>
           <p:cNvSpPr>
             <a:spLocks noGrp="1"/>
           </p:cNvSpPr>
@@ -14290,22 +18525,22 @@
             <p:ph type="title"/>
           </p:nvPr>
         </p:nvSpPr>
-        <p:spPr bwMode="gray"/>
+        <p:spPr/>
         <p:txBody>
           <a:bodyPr/>
           <a:lstStyle/>
           <a:p>
             <a:r>
-              <a:rPr lang="de-DE" dirty="0" smtClean="0"/>
-              <a:t>Headline</a:t>
-            </a:r>
-            <a:endParaRPr lang="de-DE" dirty="0"/>
+              <a:rPr lang="en-US" dirty="0" smtClean="0"/>
+              <a:t>But first… let’s look at some normal code!</a:t>
+            </a:r>
+            <a:endParaRPr lang="en-US" dirty="0"/>
           </a:p>
         </p:txBody>
       </p:sp>
       <p:sp>
         <p:nvSpPr>
-          <p:cNvPr id="16" name="Fußzeilenplatzhalter 15"/>
+          <p:cNvPr id="3" name="Footer Placeholder 2"/>
           <p:cNvSpPr>
             <a:spLocks noGrp="1"/>
           </p:cNvSpPr>
@@ -14318,20 +18553,17 @@
           <a:bodyPr/>
           <a:lstStyle/>
           <a:p>
-            <a:pPr>
-              <a:defRPr/>
-            </a:pPr>
             <a:r>
               <a:rPr lang="de-DE" smtClean="0"/>
               <a:t>Name Presentation</a:t>
             </a:r>
-            <a:endParaRPr lang="de-DE" dirty="0"/>
+            <a:endParaRPr lang="de-DE"/>
           </a:p>
         </p:txBody>
       </p:sp>
       <p:sp>
         <p:nvSpPr>
-          <p:cNvPr id="17" name="Foliennummernplatzhalter 16"/>
+          <p:cNvPr id="4" name="Slide Number Placeholder 3"/>
           <p:cNvSpPr>
             <a:spLocks noGrp="1"/>
           </p:cNvSpPr>
@@ -14344,23 +18576,18 @@
           <a:bodyPr/>
           <a:lstStyle/>
           <a:p>
-            <a:pPr>
-              <a:defRPr/>
-            </a:pPr>
-            <a:fld id="{3FA2A1FD-9712-45C7-8B1C-24D6957FA24D}" type="slidenum">
+            <a:fld id="{CAA1D080-129B-CB43-9B9B-B053798F4C9F}" type="slidenum">
               <a:rPr lang="de-DE" smtClean="0"/>
-              <a:pPr>
-                <a:defRPr/>
-              </a:pPr>
+              <a:pPr/>
               <a:t>15</a:t>
             </a:fld>
-            <a:endParaRPr lang="de-DE" dirty="0"/>
+            <a:endParaRPr lang="de-DE"/>
           </a:p>
         </p:txBody>
       </p:sp>
       <p:sp>
         <p:nvSpPr>
-          <p:cNvPr id="15" name="Datumsplatzhalter 14"/>
+          <p:cNvPr id="5" name="Date Placeholder 4"/>
           <p:cNvSpPr>
             <a:spLocks noGrp="1"/>
           </p:cNvSpPr>
@@ -14373,134 +18600,22 @@
           <a:bodyPr/>
           <a:lstStyle/>
           <a:p>
-            <a:pPr>
-              <a:defRPr/>
-            </a:pPr>
-            <a:fld id="{663487C3-1FA9-1641-A82E-E9F7E9BED191}" type="datetime1">
-              <a:t>1/30/2017</a:t>
+            <a:fld id="{D456EEBE-A7AF-E645-9889-AAA1CC8034EC}" type="datetime1">
+              <a:rPr lang="en-US" smtClean="0"/>
+              <a:t>8/24/2017</a:t>
             </a:fld>
-            <a:endParaRPr lang="de-DE"/>
+            <a:endParaRPr lang="en-US"/>
           </a:p>
         </p:txBody>
       </p:sp>
       <p:sp>
         <p:nvSpPr>
-          <p:cNvPr id="8" name="Textplatzhalter 7"/>
+          <p:cNvPr id="6" name="Content Placeholder 5"/>
           <p:cNvSpPr>
             <a:spLocks noGrp="1"/>
           </p:cNvSpPr>
           <p:nvPr>
-            <p:ph type="body" sz="quarter" idx="16"/>
-          </p:nvPr>
-        </p:nvSpPr>
-        <p:spPr bwMode="gray"/>
-        <p:txBody>
-          <a:bodyPr/>
-          <a:lstStyle/>
-          <a:p>
-            <a:pPr>
-              <a:tabLst>
-                <a:tab pos="2603500" algn="l"/>
-                <a:tab pos="3048000" algn="l"/>
-              </a:tabLst>
-            </a:pPr>
-            <a:r>
-              <a:rPr lang="de-DE" dirty="0" smtClean="0"/>
-              <a:t>SQL &gt; EXEC DBMS_STATS.GATHER_SCHEMA_STATS </a:t>
-            </a:r>
-          </a:p>
-          <a:p>
-            <a:pPr lvl="1">
-              <a:tabLst>
-                <a:tab pos="2603500" algn="l"/>
-                <a:tab pos="3048000" algn="l"/>
-              </a:tabLst>
-            </a:pPr>
-            <a:r>
-              <a:rPr lang="de-DE" dirty="0" err="1" smtClean="0">
-                <a:solidFill>
-                  <a:schemeClr val="accent2"/>
-                </a:solidFill>
-              </a:rPr>
-              <a:t>ownname</a:t>
-            </a:r>
-            <a:r>
-              <a:rPr lang="de-DE" dirty="0" smtClean="0">
-                <a:solidFill>
-                  <a:schemeClr val="accent2"/>
-                </a:solidFill>
-              </a:rPr>
-              <a:t>	=&gt;	</a:t>
-            </a:r>
-            <a:r>
-              <a:rPr lang="de-DE" dirty="0" err="1" smtClean="0">
-                <a:solidFill>
-                  <a:schemeClr val="accent2"/>
-                </a:solidFill>
-              </a:rPr>
-              <a:t>user</a:t>
-            </a:r>
-            <a:endParaRPr lang="de-DE" dirty="0" smtClean="0">
-              <a:solidFill>
-                <a:schemeClr val="accent2"/>
-              </a:solidFill>
-            </a:endParaRPr>
-          </a:p>
-          <a:p>
-            <a:pPr lvl="1">
-              <a:tabLst>
-                <a:tab pos="2603500" algn="l"/>
-                <a:tab pos="3048000" algn="l"/>
-              </a:tabLst>
-            </a:pPr>
-            <a:r>
-              <a:rPr lang="de-DE" dirty="0" err="1" smtClean="0"/>
-              <a:t>estimate_persent</a:t>
-            </a:r>
-            <a:r>
-              <a:rPr lang="de-DE" dirty="0" smtClean="0"/>
-              <a:t>.	=&gt;	DBMS_STATS.AUTO_SAMPLE_SIZE)</a:t>
-            </a:r>
-          </a:p>
-        </p:txBody>
-      </p:sp>
-      <p:sp>
-        <p:nvSpPr>
-          <p:cNvPr id="7" name="Inhaltsplatzhalter 6"/>
-          <p:cNvSpPr>
-            <a:spLocks noGrp="1"/>
-          </p:cNvSpPr>
-          <p:nvPr>
-            <p:ph sz="quarter" idx="17"/>
-          </p:nvPr>
-        </p:nvSpPr>
-        <p:spPr bwMode="gray"/>
-        <p:txBody>
-          <a:bodyPr/>
-          <a:lstStyle/>
-          <a:p>
-            <a:r>
-              <a:rPr lang="de-DE" dirty="0" smtClean="0"/>
-              <a:t>Text Text</a:t>
-            </a:r>
-          </a:p>
-          <a:p>
-            <a:r>
-              <a:rPr lang="de-DE" dirty="0" smtClean="0"/>
-              <a:t>Text Text Text Text</a:t>
-            </a:r>
-            <a:endParaRPr lang="de-DE" dirty="0"/>
-          </a:p>
-        </p:txBody>
-      </p:sp>
-      <p:sp>
-        <p:nvSpPr>
-          <p:cNvPr id="4" name="Textplatzhalter 3"/>
-          <p:cNvSpPr>
-            <a:spLocks noGrp="1"/>
-          </p:cNvSpPr>
-          <p:nvPr>
-            <p:ph type="body" sz="quarter" idx="18"/>
+            <p:ph sz="quarter" idx="13"/>
           </p:nvPr>
         </p:nvSpPr>
         <p:spPr/>
@@ -14508,464 +18623,948 @@
           <a:bodyPr/>
           <a:lstStyle/>
           <a:p>
+            <a:r>
+              <a:rPr lang="en-US" dirty="0" smtClean="0"/>
+              <a:t>How does linear regression look like in DL4J?</a:t>
+            </a:r>
+          </a:p>
+          <a:p>
+            <a:endParaRPr lang="en-US" dirty="0"/>
+          </a:p>
+        </p:txBody>
+      </p:sp>
+      <p:sp>
+        <p:nvSpPr>
+          <p:cNvPr id="7" name="Textplatzhalter 3"/>
+          <p:cNvSpPr txBox="1">
+            <a:spLocks/>
+          </p:cNvSpPr>
+          <p:nvPr/>
+        </p:nvSpPr>
+        <p:spPr>
+          <a:xfrm>
+            <a:off x="715424" y="1755420"/>
+            <a:ext cx="7935226" cy="2212651"/>
+          </a:xfrm>
+          <a:prstGeom prst="rect">
+            <a:avLst/>
+          </a:prstGeom>
+          <a:solidFill>
+            <a:schemeClr val="accent1">
+              <a:lumMod val="20000"/>
+              <a:lumOff val="80000"/>
+            </a:schemeClr>
+          </a:solidFill>
+        </p:spPr>
+        <p:txBody>
+          <a:bodyPr/>
+          <a:lstStyle>
+            <a:lvl1pPr algn="l" rtl="0" eaLnBrk="1" fontAlgn="base" hangingPunct="1">
+              <a:lnSpc>
+                <a:spcPts val="1900"/>
+              </a:lnSpc>
+              <a:spcBef>
+                <a:spcPts val="0"/>
+              </a:spcBef>
+              <a:spcAft>
+                <a:spcPct val="0"/>
+              </a:spcAft>
+              <a:buClr>
+                <a:schemeClr val="accent1"/>
+              </a:buClr>
+              <a:defRPr sz="1600" kern="1200">
+                <a:solidFill>
+                  <a:srgbClr val="666666"/>
+                </a:solidFill>
+                <a:latin typeface="Arial"/>
+                <a:ea typeface="+mn-ea"/>
+                <a:cs typeface="Arial"/>
+              </a:defRPr>
+            </a:lvl1pPr>
+            <a:lvl2pPr marL="271463" indent="-269875" algn="l" rtl="0" eaLnBrk="1" fontAlgn="base" hangingPunct="1">
+              <a:lnSpc>
+                <a:spcPts val="1900"/>
+              </a:lnSpc>
+              <a:spcBef>
+                <a:spcPts val="900"/>
+              </a:spcBef>
+              <a:spcAft>
+                <a:spcPct val="0"/>
+              </a:spcAft>
+              <a:buClrTx/>
+              <a:buSzPct val="100000"/>
+              <a:buFontTx/>
+              <a:buBlip>
+                <a:blip r:embed="rId2"/>
+              </a:buBlip>
+              <a:defRPr sz="1600" kern="1200">
+                <a:solidFill>
+                  <a:srgbClr val="666666"/>
+                </a:solidFill>
+                <a:latin typeface="Arial"/>
+                <a:ea typeface="+mn-ea"/>
+                <a:cs typeface="Arial"/>
+              </a:defRPr>
+            </a:lvl2pPr>
+            <a:lvl3pPr marL="468000" indent="-180000" algn="l" rtl="0" eaLnBrk="1" fontAlgn="base" hangingPunct="1">
+              <a:lnSpc>
+                <a:spcPts val="1900"/>
+              </a:lnSpc>
+              <a:spcBef>
+                <a:spcPts val="900"/>
+              </a:spcBef>
+              <a:spcAft>
+                <a:spcPct val="0"/>
+              </a:spcAft>
+              <a:buClr>
+                <a:schemeClr val="tx1"/>
+              </a:buClr>
+              <a:buFont typeface="Lucida Grande"/>
+              <a:buChar char="–"/>
+              <a:defRPr sz="1600" kern="1200">
+                <a:solidFill>
+                  <a:srgbClr val="666666"/>
+                </a:solidFill>
+                <a:latin typeface="Arial"/>
+                <a:ea typeface="+mn-ea"/>
+                <a:cs typeface="Arial"/>
+              </a:defRPr>
+            </a:lvl3pPr>
+            <a:lvl4pPr marL="468000" indent="-180000" algn="l" rtl="0" eaLnBrk="1" fontAlgn="base" hangingPunct="1">
+              <a:lnSpc>
+                <a:spcPts val="1900"/>
+              </a:lnSpc>
+              <a:spcBef>
+                <a:spcPts val="900"/>
+              </a:spcBef>
+              <a:spcAft>
+                <a:spcPct val="0"/>
+              </a:spcAft>
+              <a:buClr>
+                <a:srgbClr val="666666"/>
+              </a:buClr>
+              <a:buFont typeface="Arial"/>
+              <a:buChar char="•"/>
+              <a:defRPr sz="1600" kern="1200">
+                <a:solidFill>
+                  <a:srgbClr val="666666"/>
+                </a:solidFill>
+                <a:latin typeface="Arial"/>
+                <a:ea typeface="+mn-ea"/>
+                <a:cs typeface="Arial"/>
+              </a:defRPr>
+            </a:lvl4pPr>
+            <a:lvl5pPr marL="270000" indent="-270000" algn="l" defTabSz="900113" rtl="0" eaLnBrk="1" fontAlgn="base" hangingPunct="1">
+              <a:lnSpc>
+                <a:spcPts val="1900"/>
+              </a:lnSpc>
+              <a:spcBef>
+                <a:spcPts val="900"/>
+              </a:spcBef>
+              <a:spcAft>
+                <a:spcPct val="0"/>
+              </a:spcAft>
+              <a:buClr>
+                <a:schemeClr val="tx1"/>
+              </a:buClr>
+              <a:buFont typeface="+mj-lt"/>
+              <a:buAutoNum type="arabicPeriod"/>
+              <a:defRPr sz="1600" kern="1200">
+                <a:solidFill>
+                  <a:srgbClr val="666666"/>
+                </a:solidFill>
+                <a:latin typeface="Arial"/>
+                <a:ea typeface="+mn-ea"/>
+                <a:cs typeface="Arial"/>
+              </a:defRPr>
+            </a:lvl5pPr>
+            <a:lvl6pPr marL="468000" indent="-180000" algn="l" defTabSz="914400" rtl="0" eaLnBrk="1" latinLnBrk="0" hangingPunct="1">
+              <a:lnSpc>
+                <a:spcPts val="1900"/>
+              </a:lnSpc>
+              <a:spcBef>
+                <a:spcPts val="900"/>
+              </a:spcBef>
+              <a:buClr>
+                <a:schemeClr val="accent2"/>
+              </a:buClr>
+              <a:buFont typeface="Segoe UI" pitchFamily="34" charset="0"/>
+              <a:buChar char="&gt;"/>
+              <a:defRPr sz="1600" kern="1200">
+                <a:solidFill>
+                  <a:srgbClr val="666666"/>
+                </a:solidFill>
+                <a:latin typeface="Arial"/>
+                <a:ea typeface="+mn-ea"/>
+                <a:cs typeface="Arial"/>
+              </a:defRPr>
+            </a:lvl6pPr>
+            <a:lvl7pPr marL="468000" indent="-180000" algn="l" defTabSz="914400" rtl="0" eaLnBrk="1" latinLnBrk="0" hangingPunct="1">
+              <a:lnSpc>
+                <a:spcPts val="1900"/>
+              </a:lnSpc>
+              <a:spcBef>
+                <a:spcPts val="900"/>
+              </a:spcBef>
+              <a:buClr>
+                <a:schemeClr val="tx1"/>
+              </a:buClr>
+              <a:buFont typeface="Segoe UI" pitchFamily="34" charset="0"/>
+              <a:buChar char="&gt;"/>
+              <a:defRPr sz="1600" kern="1200">
+                <a:solidFill>
+                  <a:srgbClr val="666666"/>
+                </a:solidFill>
+                <a:latin typeface="Arial"/>
+                <a:ea typeface="+mn-ea"/>
+                <a:cs typeface="Arial"/>
+              </a:defRPr>
+            </a:lvl7pPr>
+            <a:lvl8pPr marL="3429000" indent="-228600" algn="l" defTabSz="914400" rtl="0" eaLnBrk="1" latinLnBrk="0" hangingPunct="1">
+              <a:spcBef>
+                <a:spcPct val="20000"/>
+              </a:spcBef>
+              <a:buFont typeface="Arial" pitchFamily="34" charset="0"/>
+              <a:buChar char="•"/>
+              <a:defRPr sz="2000" kern="1200">
+                <a:solidFill>
+                  <a:schemeClr val="tx1"/>
+                </a:solidFill>
+                <a:latin typeface="+mn-lt"/>
+                <a:ea typeface="+mn-ea"/>
+                <a:cs typeface="+mn-cs"/>
+              </a:defRPr>
+            </a:lvl8pPr>
+            <a:lvl9pPr marL="3886200" indent="-228600" algn="l" defTabSz="914400" rtl="0" eaLnBrk="1" latinLnBrk="0" hangingPunct="1">
+              <a:spcBef>
+                <a:spcPct val="20000"/>
+              </a:spcBef>
+              <a:buFont typeface="Arial" pitchFamily="34" charset="0"/>
+              <a:buChar char="•"/>
+              <a:defRPr sz="2000" kern="1200">
+                <a:solidFill>
+                  <a:schemeClr val="tx1"/>
+                </a:solidFill>
+                <a:latin typeface="+mn-lt"/>
+                <a:ea typeface="+mn-ea"/>
+                <a:cs typeface="+mn-cs"/>
+              </a:defRPr>
+            </a:lvl9pPr>
+          </a:lstStyle>
+          <a:p>
             <a:pPr>
+              <a:lnSpc>
+                <a:spcPts val="1100"/>
+              </a:lnSpc>
               <a:tabLst>
                 <a:tab pos="2603500" algn="l"/>
                 <a:tab pos="3048000" algn="l"/>
               </a:tabLst>
             </a:pPr>
             <a:r>
-              <a:rPr lang="de-DE" dirty="0"/>
-              <a:t>SQL &gt; EXEC DBMS_STATS.GATHER_SCHEMA_STATS </a:t>
-            </a:r>
-          </a:p>
-          <a:p>
-            <a:pPr lvl="1">
+              <a:rPr lang="en-US" sz="800" dirty="0" err="1">
+                <a:latin typeface="Lucida Sans Typewriter" pitchFamily="49" charset="0"/>
+              </a:rPr>
+              <a:t>MultiLayerNetwork</a:t>
+            </a:r>
+            <a:r>
+              <a:rPr lang="en-US" sz="800" dirty="0">
+                <a:latin typeface="Lucida Sans Typewriter" pitchFamily="49" charset="0"/>
+              </a:rPr>
+              <a:t> net = new </a:t>
+            </a:r>
+            <a:r>
+              <a:rPr lang="en-US" sz="800" dirty="0" err="1">
+                <a:latin typeface="Lucida Sans Typewriter" pitchFamily="49" charset="0"/>
+              </a:rPr>
+              <a:t>MultiLayerNetwork</a:t>
+            </a:r>
+            <a:r>
+              <a:rPr lang="en-US" sz="800" dirty="0">
+                <a:latin typeface="Lucida Sans Typewriter" pitchFamily="49" charset="0"/>
+              </a:rPr>
+              <a:t>(new </a:t>
+            </a:r>
+            <a:r>
+              <a:rPr lang="en-US" sz="800" dirty="0" err="1">
+                <a:latin typeface="Lucida Sans Typewriter" pitchFamily="49" charset="0"/>
+              </a:rPr>
+              <a:t>NeuralNetConfiguration.Builder</a:t>
+            </a:r>
+            <a:r>
+              <a:rPr lang="en-US" sz="800" dirty="0">
+                <a:latin typeface="Lucida Sans Typewriter" pitchFamily="49" charset="0"/>
+              </a:rPr>
+              <a:t>()</a:t>
+            </a:r>
+          </a:p>
+          <a:p>
+            <a:pPr>
+              <a:lnSpc>
+                <a:spcPts val="1100"/>
+              </a:lnSpc>
               <a:tabLst>
                 <a:tab pos="2603500" algn="l"/>
                 <a:tab pos="3048000" algn="l"/>
               </a:tabLst>
             </a:pPr>
             <a:r>
-              <a:rPr lang="de-DE" dirty="0" err="1">
-                <a:solidFill>
-                  <a:schemeClr val="accent2"/>
-                </a:solidFill>
+              <a:rPr lang="en-US" sz="800" dirty="0">
+                <a:latin typeface="Lucida Sans Typewriter" pitchFamily="49" charset="0"/>
               </a:rPr>
-              <a:t>ownname</a:t>
-            </a:r>
-            <a:r>
-              <a:rPr lang="de-DE" dirty="0">
-                <a:solidFill>
-                  <a:schemeClr val="accent2"/>
-                </a:solidFill>
+              <a:t>                .iterations(</a:t>
+            </a:r>
+            <a:r>
+              <a:rPr lang="en-US" sz="800" dirty="0" err="1">
+                <a:latin typeface="Lucida Sans Typewriter" pitchFamily="49" charset="0"/>
               </a:rPr>
-              <a:t>	=&gt;	</a:t>
-            </a:r>
-            <a:r>
-              <a:rPr lang="de-DE" dirty="0" err="1">
-                <a:solidFill>
-                  <a:schemeClr val="accent2"/>
-                </a:solidFill>
+              <a:t>numEpochs</a:t>
+            </a:r>
+            <a:r>
+              <a:rPr lang="en-US" sz="800" dirty="0">
+                <a:latin typeface="Lucida Sans Typewriter" pitchFamily="49" charset="0"/>
               </a:rPr>
-              <a:t>user</a:t>
-            </a:r>
-            <a:endParaRPr lang="de-DE" dirty="0">
-              <a:solidFill>
-                <a:schemeClr val="accent2"/>
-              </a:solidFill>
-            </a:endParaRPr>
-          </a:p>
-          <a:p>
-            <a:pPr lvl="1">
+              <a:t>)</a:t>
+            </a:r>
+          </a:p>
+          <a:p>
+            <a:pPr>
+              <a:lnSpc>
+                <a:spcPts val="1100"/>
+              </a:lnSpc>
               <a:tabLst>
                 <a:tab pos="2603500" algn="l"/>
                 <a:tab pos="3048000" algn="l"/>
               </a:tabLst>
             </a:pPr>
             <a:r>
-              <a:rPr lang="de-DE" dirty="0" err="1"/>
-              <a:t>estimate_persent</a:t>
-            </a:r>
-            <a:r>
-              <a:rPr lang="de-DE" dirty="0"/>
-              <a:t>.	=&gt;	DBMS_STATS.AUTO_SAMPLE_SIZE)</a:t>
-            </a:r>
+              <a:rPr lang="en-US" sz="800" dirty="0">
+                <a:latin typeface="Lucida Sans Typewriter" pitchFamily="49" charset="0"/>
+              </a:rPr>
+              <a:t>                .</a:t>
+            </a:r>
+            <a:r>
+              <a:rPr lang="en-US" sz="800" dirty="0" err="1">
+                <a:latin typeface="Lucida Sans Typewriter" pitchFamily="49" charset="0"/>
+              </a:rPr>
+              <a:t>optimizationAlgo</a:t>
+            </a:r>
+            <a:r>
+              <a:rPr lang="en-US" sz="800" dirty="0">
+                <a:latin typeface="Lucida Sans Typewriter" pitchFamily="49" charset="0"/>
+              </a:rPr>
+              <a:t>(</a:t>
+            </a:r>
+            <a:r>
+              <a:rPr lang="en-US" sz="800" dirty="0" err="1">
+                <a:latin typeface="Lucida Sans Typewriter" pitchFamily="49" charset="0"/>
+              </a:rPr>
+              <a:t>OptimizationAlgorithm.CONJUGATE_GRADIENT</a:t>
+            </a:r>
+            <a:r>
+              <a:rPr lang="en-US" sz="800" dirty="0">
+                <a:latin typeface="Lucida Sans Typewriter" pitchFamily="49" charset="0"/>
+              </a:rPr>
+              <a:t>)</a:t>
+            </a:r>
+          </a:p>
+          <a:p>
+            <a:pPr>
+              <a:lnSpc>
+                <a:spcPts val="1100"/>
+              </a:lnSpc>
+              <a:tabLst>
+                <a:tab pos="2603500" algn="l"/>
+                <a:tab pos="3048000" algn="l"/>
+              </a:tabLst>
+            </a:pPr>
+            <a:r>
+              <a:rPr lang="en-US" sz="800" dirty="0">
+                <a:latin typeface="Lucida Sans Typewriter" pitchFamily="49" charset="0"/>
+              </a:rPr>
+              <a:t>                .updater(</a:t>
+            </a:r>
+            <a:r>
+              <a:rPr lang="en-US" sz="800" dirty="0" err="1">
+                <a:latin typeface="Lucida Sans Typewriter" pitchFamily="49" charset="0"/>
+              </a:rPr>
+              <a:t>Updater.SGD</a:t>
+            </a:r>
+            <a:r>
+              <a:rPr lang="en-US" sz="800" dirty="0">
+                <a:latin typeface="Lucida Sans Typewriter" pitchFamily="49" charset="0"/>
+              </a:rPr>
+              <a:t>)</a:t>
+            </a:r>
+          </a:p>
+          <a:p>
+            <a:pPr>
+              <a:lnSpc>
+                <a:spcPts val="1100"/>
+              </a:lnSpc>
+              <a:tabLst>
+                <a:tab pos="2603500" algn="l"/>
+                <a:tab pos="3048000" algn="l"/>
+              </a:tabLst>
+            </a:pPr>
+            <a:r>
+              <a:rPr lang="en-US" sz="800" dirty="0">
+                <a:latin typeface="Lucida Sans Typewriter" pitchFamily="49" charset="0"/>
+              </a:rPr>
+              <a:t>                .list()</a:t>
+            </a:r>
+          </a:p>
+          <a:p>
+            <a:pPr>
+              <a:lnSpc>
+                <a:spcPts val="1100"/>
+              </a:lnSpc>
+              <a:tabLst>
+                <a:tab pos="2603500" algn="l"/>
+                <a:tab pos="3048000" algn="l"/>
+              </a:tabLst>
+            </a:pPr>
+            <a:r>
+              <a:rPr lang="en-US" sz="800" dirty="0">
+                <a:latin typeface="Lucida Sans Typewriter" pitchFamily="49" charset="0"/>
+              </a:rPr>
+              <a:t>                .layer(0, new </a:t>
+            </a:r>
+            <a:r>
+              <a:rPr lang="en-US" sz="800" dirty="0" err="1">
+                <a:latin typeface="Lucida Sans Typewriter" pitchFamily="49" charset="0"/>
+              </a:rPr>
+              <a:t>DenseLayer.Builder</a:t>
+            </a:r>
+            <a:r>
+              <a:rPr lang="en-US" sz="800" dirty="0">
+                <a:latin typeface="Lucida Sans Typewriter" pitchFamily="49" charset="0"/>
+              </a:rPr>
+              <a:t>().</a:t>
+            </a:r>
+            <a:r>
+              <a:rPr lang="en-US" sz="800" dirty="0" err="1">
+                <a:latin typeface="Lucida Sans Typewriter" pitchFamily="49" charset="0"/>
+              </a:rPr>
+              <a:t>nIn</a:t>
+            </a:r>
+            <a:r>
+              <a:rPr lang="en-US" sz="800" dirty="0">
+                <a:latin typeface="Lucida Sans Typewriter" pitchFamily="49" charset="0"/>
+              </a:rPr>
+              <a:t>(</a:t>
+            </a:r>
+            <a:r>
+              <a:rPr lang="en-US" sz="800" dirty="0" err="1">
+                <a:latin typeface="Lucida Sans Typewriter" pitchFamily="49" charset="0"/>
+              </a:rPr>
+              <a:t>numFeatures</a:t>
+            </a:r>
+            <a:r>
+              <a:rPr lang="en-US" sz="800" dirty="0">
+                <a:latin typeface="Lucida Sans Typewriter" pitchFamily="49" charset="0"/>
+              </a:rPr>
+              <a:t>).</a:t>
+            </a:r>
+            <a:r>
+              <a:rPr lang="en-US" sz="800" dirty="0" err="1">
+                <a:latin typeface="Lucida Sans Typewriter" pitchFamily="49" charset="0"/>
+              </a:rPr>
+              <a:t>nOut</a:t>
+            </a:r>
+            <a:r>
+              <a:rPr lang="en-US" sz="800" dirty="0">
+                <a:latin typeface="Lucida Sans Typewriter" pitchFamily="49" charset="0"/>
+              </a:rPr>
+              <a:t>(</a:t>
+            </a:r>
+            <a:r>
+              <a:rPr lang="en-US" sz="800" dirty="0" err="1">
+                <a:latin typeface="Lucida Sans Typewriter" pitchFamily="49" charset="0"/>
+              </a:rPr>
+              <a:t>hiddenDim</a:t>
+            </a:r>
+            <a:r>
+              <a:rPr lang="en-US" sz="800" dirty="0">
+                <a:latin typeface="Lucida Sans Typewriter" pitchFamily="49" charset="0"/>
+              </a:rPr>
+              <a:t>)</a:t>
+            </a:r>
+          </a:p>
+          <a:p>
+            <a:pPr>
+              <a:lnSpc>
+                <a:spcPts val="1100"/>
+              </a:lnSpc>
+              <a:tabLst>
+                <a:tab pos="2603500" algn="l"/>
+                <a:tab pos="3048000" algn="l"/>
+              </a:tabLst>
+            </a:pPr>
+            <a:r>
+              <a:rPr lang="en-US" sz="800" dirty="0">
+                <a:latin typeface="Lucida Sans Typewriter" pitchFamily="49" charset="0"/>
+              </a:rPr>
+              <a:t>                        .activation(</a:t>
+            </a:r>
+            <a:r>
+              <a:rPr lang="en-US" sz="800" dirty="0" err="1">
+                <a:latin typeface="Lucida Sans Typewriter" pitchFamily="49" charset="0"/>
+              </a:rPr>
+              <a:t>Activation.RELU</a:t>
+            </a:r>
+            <a:r>
+              <a:rPr lang="en-US" sz="800" dirty="0">
+                <a:latin typeface="Lucida Sans Typewriter" pitchFamily="49" charset="0"/>
+              </a:rPr>
+              <a:t>)</a:t>
+            </a:r>
+          </a:p>
+          <a:p>
+            <a:pPr>
+              <a:lnSpc>
+                <a:spcPts val="1100"/>
+              </a:lnSpc>
+              <a:tabLst>
+                <a:tab pos="2603500" algn="l"/>
+                <a:tab pos="3048000" algn="l"/>
+              </a:tabLst>
+            </a:pPr>
+            <a:r>
+              <a:rPr lang="en-US" sz="800" dirty="0">
+                <a:latin typeface="Lucida Sans Typewriter" pitchFamily="49" charset="0"/>
+              </a:rPr>
+              <a:t>                        .build())</a:t>
+            </a:r>
+          </a:p>
+          <a:p>
+            <a:pPr>
+              <a:lnSpc>
+                <a:spcPts val="1100"/>
+              </a:lnSpc>
+              <a:tabLst>
+                <a:tab pos="2603500" algn="l"/>
+                <a:tab pos="3048000" algn="l"/>
+              </a:tabLst>
+            </a:pPr>
+            <a:r>
+              <a:rPr lang="en-US" sz="800" dirty="0">
+                <a:latin typeface="Lucida Sans Typewriter" pitchFamily="49" charset="0"/>
+              </a:rPr>
+              <a:t>                .layer(1, new </a:t>
+            </a:r>
+            <a:r>
+              <a:rPr lang="en-US" sz="800" dirty="0" err="1">
+                <a:latin typeface="Lucida Sans Typewriter" pitchFamily="49" charset="0"/>
+              </a:rPr>
+              <a:t>OutputLayer.Builder</a:t>
+            </a:r>
+            <a:r>
+              <a:rPr lang="en-US" sz="800" dirty="0">
+                <a:latin typeface="Lucida Sans Typewriter" pitchFamily="49" charset="0"/>
+              </a:rPr>
+              <a:t>(</a:t>
+            </a:r>
+            <a:r>
+              <a:rPr lang="en-US" sz="800" dirty="0" err="1">
+                <a:latin typeface="Lucida Sans Typewriter" pitchFamily="49" charset="0"/>
+              </a:rPr>
+              <a:t>LossFunctions.LossFunction.MSE</a:t>
+            </a:r>
+            <a:r>
+              <a:rPr lang="en-US" sz="800" dirty="0">
+                <a:latin typeface="Lucida Sans Typewriter" pitchFamily="49" charset="0"/>
+              </a:rPr>
+              <a:t>)</a:t>
+            </a:r>
+          </a:p>
+          <a:p>
+            <a:pPr>
+              <a:lnSpc>
+                <a:spcPts val="1100"/>
+              </a:lnSpc>
+              <a:tabLst>
+                <a:tab pos="2603500" algn="l"/>
+                <a:tab pos="3048000" algn="l"/>
+              </a:tabLst>
+            </a:pPr>
+            <a:r>
+              <a:rPr lang="en-US" sz="800" dirty="0">
+                <a:latin typeface="Lucida Sans Typewriter" pitchFamily="49" charset="0"/>
+              </a:rPr>
+              <a:t>                        .activation(</a:t>
+            </a:r>
+            <a:r>
+              <a:rPr lang="en-US" sz="800" dirty="0" err="1">
+                <a:latin typeface="Lucida Sans Typewriter" pitchFamily="49" charset="0"/>
+              </a:rPr>
+              <a:t>Activation.IDENTITY</a:t>
+            </a:r>
+            <a:r>
+              <a:rPr lang="en-US" sz="800" dirty="0">
+                <a:latin typeface="Lucida Sans Typewriter" pitchFamily="49" charset="0"/>
+              </a:rPr>
+              <a:t>)</a:t>
+            </a:r>
+          </a:p>
+          <a:p>
+            <a:pPr>
+              <a:lnSpc>
+                <a:spcPts val="1100"/>
+              </a:lnSpc>
+              <a:tabLst>
+                <a:tab pos="2603500" algn="l"/>
+                <a:tab pos="3048000" algn="l"/>
+              </a:tabLst>
+            </a:pPr>
+            <a:r>
+              <a:rPr lang="en-US" sz="800" dirty="0">
+                <a:latin typeface="Lucida Sans Typewriter" pitchFamily="49" charset="0"/>
+              </a:rPr>
+              <a:t>                        .</a:t>
+            </a:r>
+            <a:r>
+              <a:rPr lang="en-US" sz="800" dirty="0" err="1">
+                <a:latin typeface="Lucida Sans Typewriter" pitchFamily="49" charset="0"/>
+              </a:rPr>
+              <a:t>nIn</a:t>
+            </a:r>
+            <a:r>
+              <a:rPr lang="en-US" sz="800" dirty="0">
+                <a:latin typeface="Lucida Sans Typewriter" pitchFamily="49" charset="0"/>
+              </a:rPr>
+              <a:t>(</a:t>
+            </a:r>
+            <a:r>
+              <a:rPr lang="en-US" sz="800" dirty="0" err="1">
+                <a:latin typeface="Lucida Sans Typewriter" pitchFamily="49" charset="0"/>
+              </a:rPr>
+              <a:t>hiddenDim</a:t>
+            </a:r>
+            <a:r>
+              <a:rPr lang="en-US" sz="800" dirty="0">
+                <a:latin typeface="Lucida Sans Typewriter" pitchFamily="49" charset="0"/>
+              </a:rPr>
+              <a:t>).</a:t>
+            </a:r>
+            <a:r>
+              <a:rPr lang="en-US" sz="800" dirty="0" err="1">
+                <a:latin typeface="Lucida Sans Typewriter" pitchFamily="49" charset="0"/>
+              </a:rPr>
+              <a:t>nOut</a:t>
+            </a:r>
+            <a:r>
+              <a:rPr lang="en-US" sz="800" dirty="0">
+                <a:latin typeface="Lucida Sans Typewriter" pitchFamily="49" charset="0"/>
+              </a:rPr>
+              <a:t>(</a:t>
+            </a:r>
+            <a:r>
+              <a:rPr lang="en-US" sz="800" dirty="0" err="1">
+                <a:latin typeface="Lucida Sans Typewriter" pitchFamily="49" charset="0"/>
+              </a:rPr>
+              <a:t>outputDim</a:t>
+            </a:r>
+            <a:r>
+              <a:rPr lang="en-US" sz="800" dirty="0">
+                <a:latin typeface="Lucida Sans Typewriter" pitchFamily="49" charset="0"/>
+              </a:rPr>
+              <a:t>).build())</a:t>
+            </a:r>
+          </a:p>
+          <a:p>
+            <a:pPr>
+              <a:lnSpc>
+                <a:spcPts val="1100"/>
+              </a:lnSpc>
+              <a:tabLst>
+                <a:tab pos="2603500" algn="l"/>
+                <a:tab pos="3048000" algn="l"/>
+              </a:tabLst>
+            </a:pPr>
+            <a:r>
+              <a:rPr lang="en-US" sz="800" dirty="0">
+                <a:latin typeface="Lucida Sans Typewriter" pitchFamily="49" charset="0"/>
+              </a:rPr>
+              <a:t>                .build</a:t>
+            </a:r>
+            <a:r>
+              <a:rPr lang="en-US" sz="800" dirty="0" smtClean="0">
+                <a:latin typeface="Lucida Sans Typewriter" pitchFamily="49" charset="0"/>
+              </a:rPr>
+              <a:t>());</a:t>
+            </a:r>
+          </a:p>
+          <a:p>
+            <a:pPr>
+              <a:lnSpc>
+                <a:spcPts val="1100"/>
+              </a:lnSpc>
+              <a:tabLst>
+                <a:tab pos="2603500" algn="l"/>
+                <a:tab pos="3048000" algn="l"/>
+              </a:tabLst>
+            </a:pPr>
+            <a:r>
+              <a:rPr lang="de-DE" sz="800" dirty="0">
+                <a:latin typeface="Lucida Sans Typewriter" pitchFamily="49" charset="0"/>
+              </a:rPr>
+              <a:t>net.init();</a:t>
+            </a:r>
+          </a:p>
+          <a:p>
+            <a:pPr>
+              <a:lnSpc>
+                <a:spcPts val="1100"/>
+              </a:lnSpc>
+              <a:tabLst>
+                <a:tab pos="2603500" algn="l"/>
+                <a:tab pos="3048000" algn="l"/>
+              </a:tabLst>
+            </a:pPr>
+            <a:r>
+              <a:rPr lang="de-DE" sz="800" dirty="0">
+                <a:latin typeface="Lucida Sans Typewriter" pitchFamily="49" charset="0"/>
+              </a:rPr>
+              <a:t>net.fit(X, Y);</a:t>
+            </a:r>
+          </a:p>
+        </p:txBody>
+      </p:sp>
+    </p:spTree>
+    <p:extLst>
+      <p:ext uri="{BB962C8B-B14F-4D97-AF65-F5344CB8AC3E}">
+        <p14:creationId xmlns:p14="http://schemas.microsoft.com/office/powerpoint/2010/main" val="2048470647"/>
+      </p:ext>
+    </p:extLst>
+  </p:cSld>
+  <p:clrMapOvr>
+    <a:masterClrMapping/>
+  </p:clrMapOvr>
+</p:sld>
+</file>
+
+<file path=ppt/slides/slide16.xml><?xml version="1.0" encoding="utf-8"?>
+<p:sld xmlns:a="http://schemas.openxmlformats.org/drawingml/2006/main" xmlns:r="http://schemas.openxmlformats.org/officeDocument/2006/relationships" xmlns:p="http://schemas.openxmlformats.org/presentationml/2006/main">
+  <p:cSld>
+    <p:spTree>
+      <p:nvGrpSpPr>
+        <p:cNvPr id="1" name=""/>
+        <p:cNvGrpSpPr/>
+        <p:nvPr/>
+      </p:nvGrpSpPr>
+      <p:grpSpPr>
+        <a:xfrm>
+          <a:off x="0" y="0"/>
+          <a:ext cx="0" cy="0"/>
+          <a:chOff x="0" y="0"/>
+          <a:chExt cx="0" cy="0"/>
+        </a:xfrm>
+      </p:grpSpPr>
+      <p:sp>
+        <p:nvSpPr>
+          <p:cNvPr id="3" name="Fußzeilenplatzhalter 2"/>
+          <p:cNvSpPr>
+            <a:spLocks noGrp="1"/>
+          </p:cNvSpPr>
+          <p:nvPr>
+            <p:ph type="ftr" sz="quarter" idx="10"/>
+          </p:nvPr>
+        </p:nvSpPr>
+        <p:spPr/>
+        <p:txBody>
+          <a:bodyPr/>
+          <a:lstStyle/>
+          <a:p>
+            <a:pPr>
+              <a:defRPr/>
+            </a:pPr>
+            <a:r>
+              <a:rPr lang="de-DE" smtClean="0"/>
+              <a:t>Name Presentation</a:t>
+            </a:r>
+            <a:endParaRPr lang="de-DE" dirty="0"/>
           </a:p>
         </p:txBody>
       </p:sp>
       <p:sp>
         <p:nvSpPr>
-          <p:cNvPr id="3" name="Inhaltsplatzhalter 2"/>
+          <p:cNvPr id="5" name="Foliennummernplatzhalter 4"/>
           <p:cNvSpPr>
             <a:spLocks noGrp="1"/>
           </p:cNvSpPr>
           <p:nvPr>
-            <p:ph sz="quarter" idx="19"/>
+            <p:ph type="sldNum" sz="quarter" idx="11"/>
           </p:nvPr>
         </p:nvSpPr>
-        <p:spPr bwMode="gray"/>
+        <p:spPr/>
         <p:txBody>
           <a:bodyPr/>
           <a:lstStyle/>
           <a:p>
-            <a:r>
-              <a:rPr lang="de-DE" dirty="0" smtClean="0"/>
-              <a:t>Text Text</a:t>
-            </a:r>
-          </a:p>
-          <a:p>
-            <a:r>
-              <a:rPr lang="de-DE" dirty="0" smtClean="0"/>
-              <a:t>Text Text Text Text</a:t>
-            </a:r>
+            <a:pPr>
+              <a:defRPr/>
+            </a:pPr>
+            <a:fld id="{204C193F-02F4-43ED-A231-A7849CCE32B0}" type="slidenum">
+              <a:rPr lang="de-DE" smtClean="0"/>
+              <a:pPr>
+                <a:defRPr/>
+              </a:pPr>
+              <a:t>16</a:t>
+            </a:fld>
             <a:endParaRPr lang="de-DE" dirty="0"/>
           </a:p>
         </p:txBody>
       </p:sp>
-      <p:grpSp>
-        <p:nvGrpSpPr>
-          <p:cNvPr id="10" name="Gruppieren 8"/>
-          <p:cNvGrpSpPr/>
+      <p:sp>
+        <p:nvSpPr>
+          <p:cNvPr id="2" name="Datumsplatzhalter 1"/>
+          <p:cNvSpPr>
+            <a:spLocks noGrp="1"/>
+          </p:cNvSpPr>
+          <p:nvPr>
+            <p:ph type="dt" sz="half" idx="12"/>
+          </p:nvPr>
+        </p:nvSpPr>
+        <p:spPr/>
+        <p:txBody>
+          <a:bodyPr/>
+          <a:lstStyle/>
+          <a:p>
+            <a:pPr>
+              <a:defRPr/>
+            </a:pPr>
+            <a:fld id="{CCA3E12C-31CC-704D-AD02-590E309E5E99}" type="datetime1">
+              <a:t>1/30/2017</a:t>
+            </a:fld>
+            <a:endParaRPr lang="de-DE" dirty="0"/>
+          </a:p>
+        </p:txBody>
+      </p:sp>
+      <p:sp>
+        <p:nvSpPr>
+          <p:cNvPr id="11" name="Textplatzhalter 10"/>
+          <p:cNvSpPr>
+            <a:spLocks noGrp="1"/>
+          </p:cNvSpPr>
+          <p:nvPr>
+            <p:ph type="body" sz="quarter" idx="13"/>
+          </p:nvPr>
+        </p:nvSpPr>
+        <p:spPr/>
+        <p:txBody>
+          <a:bodyPr/>
+          <a:lstStyle/>
+          <a:p>
+            <a:r>
+              <a:rPr lang="en-US" dirty="0" smtClean="0"/>
+              <a:t>Spot on … agile development</a:t>
+            </a:r>
+            <a:endParaRPr lang="en-US" dirty="0"/>
+          </a:p>
+        </p:txBody>
+      </p:sp>
+      <p:sp>
+        <p:nvSpPr>
+          <p:cNvPr id="6" name="Diagonal liegende Ecken des Rechtecks abrunden 5"/>
+          <p:cNvSpPr/>
           <p:nvPr/>
-        </p:nvGrpSpPr>
-        <p:grpSpPr bwMode="gray">
+        </p:nvSpPr>
+        <p:spPr bwMode="gray">
           <a:xfrm>
-            <a:off x="-3648449" y="1"/>
-            <a:ext cx="3526971" cy="5256695"/>
-            <a:chOff x="5617029" y="1"/>
-            <a:chExt cx="3526971" cy="5256695"/>
+            <a:off x="-3149600" y="1"/>
+            <a:ext cx="3067050" cy="1689652"/>
           </a:xfrm>
-        </p:grpSpPr>
-        <p:sp>
-          <p:nvSpPr>
-            <p:cNvPr id="11" name="Diagonal liegende Ecken des Rechtecks abrunden 10"/>
-            <p:cNvSpPr/>
-            <p:nvPr/>
-          </p:nvSpPr>
-          <p:spPr bwMode="gray">
-            <a:xfrm>
-              <a:off x="5617029" y="1"/>
-              <a:ext cx="3526971" cy="5256695"/>
-            </a:xfrm>
-            <a:prstGeom prst="round2DiagRect">
-              <a:avLst>
-                <a:gd name="adj1" fmla="val 5144"/>
-                <a:gd name="adj2" fmla="val 0"/>
-              </a:avLst>
-            </a:prstGeom>
+          <a:prstGeom prst="round2DiagRect">
+            <a:avLst>
+              <a:gd name="adj1" fmla="val 5144"/>
+              <a:gd name="adj2" fmla="val 0"/>
+            </a:avLst>
+          </a:prstGeom>
+          <a:solidFill>
+            <a:schemeClr val="accent3"/>
+          </a:solidFill>
+          <a:ln w="9525">
             <a:solidFill>
-              <a:schemeClr val="accent3"/>
+              <a:schemeClr val="tx2"/>
             </a:solidFill>
-            <a:ln w="9525">
-              <a:solidFill>
-                <a:schemeClr val="tx2"/>
-              </a:solidFill>
-            </a:ln>
-          </p:spPr>
-          <p:style>
-            <a:lnRef idx="2">
-              <a:schemeClr val="accent1">
-                <a:shade val="50000"/>
-              </a:schemeClr>
-            </a:lnRef>
-            <a:fillRef idx="1">
-              <a:schemeClr val="accent1"/>
-            </a:fillRef>
-            <a:effectRef idx="0">
-              <a:schemeClr val="accent1"/>
-            </a:effectRef>
-            <a:fontRef idx="minor">
-              <a:schemeClr val="lt1"/>
-            </a:fontRef>
-          </p:style>
-          <p:txBody>
-            <a:bodyPr tIns="108000" rtlCol="0" anchor="t" anchorCtr="0"/>
-            <a:lstStyle/>
-            <a:p>
-              <a:r>
-                <a:rPr lang="en-US" sz="1100" b="1" dirty="0" smtClean="0">
-                  <a:solidFill>
-                    <a:schemeClr val="bg1"/>
-                  </a:solidFill>
-                  <a:latin typeface="Arial"/>
-                </a:rPr>
-                <a:t>INFOBOX – Read and delete</a:t>
-              </a:r>
-            </a:p>
-            <a:p>
-              <a:endParaRPr lang="en-US" sz="1100" b="1" dirty="0">
+          </a:ln>
+        </p:spPr>
+        <p:style>
+          <a:lnRef idx="2">
+            <a:schemeClr val="accent1">
+              <a:shade val="50000"/>
+            </a:schemeClr>
+          </a:lnRef>
+          <a:fillRef idx="1">
+            <a:schemeClr val="accent1"/>
+          </a:fillRef>
+          <a:effectRef idx="0">
+            <a:schemeClr val="accent1"/>
+          </a:effectRef>
+          <a:fontRef idx="minor">
+            <a:schemeClr val="lt1"/>
+          </a:fontRef>
+        </p:style>
+        <p:txBody>
+          <a:bodyPr tIns="108000" rtlCol="0" anchor="t" anchorCtr="0"/>
+          <a:lstStyle/>
+          <a:p>
+            <a:r>
+              <a:rPr lang="en-US" sz="1100" b="1" dirty="0" smtClean="0">
                 <a:solidFill>
                   <a:schemeClr val="bg1"/>
                 </a:solidFill>
                 <a:latin typeface="Arial"/>
-                <a:cs typeface="Arial"/>
-              </a:endParaRPr>
-            </a:p>
-            <a:p>
-              <a:pPr marL="182563" indent="-182563">
-                <a:buFont typeface="Arial" pitchFamily="34" charset="0"/>
-                <a:buChar char="•"/>
-              </a:pPr>
-              <a:r>
-                <a:rPr lang="en-US" sz="1100" b="1" dirty="0" smtClean="0">
-                  <a:solidFill>
-                    <a:schemeClr val="tx1"/>
-                  </a:solidFill>
-                  <a:latin typeface="Arial"/>
-                </a:rPr>
-                <a:t>Always work with the ruler. It can be displayed and controlled via the </a:t>
-              </a:r>
-              <a:r>
-                <a:rPr lang="de-DE" sz="1100" b="1" i="1" dirty="0" smtClean="0">
-                  <a:solidFill>
-                    <a:schemeClr val="tx1"/>
-                  </a:solidFill>
-                  <a:latin typeface="Arial"/>
-                  <a:sym typeface="Wingdings"/>
-                </a:rPr>
-                <a:t></a:t>
-              </a:r>
-              <a:r>
-                <a:rPr lang="en-US" sz="1100" b="1" i="1" dirty="0" smtClean="0">
-                  <a:solidFill>
-                    <a:schemeClr val="tx1"/>
-                  </a:solidFill>
-                  <a:latin typeface="Arial"/>
-                  <a:sym typeface="Wingdings"/>
-                </a:rPr>
-                <a:t> Ruler </a:t>
-              </a:r>
-              <a:r>
-                <a:rPr lang="en-US" sz="1100" b="1" dirty="0" smtClean="0">
-                  <a:solidFill>
-                    <a:schemeClr val="tx1"/>
-                  </a:solidFill>
-                  <a:latin typeface="Arial"/>
-                  <a:sym typeface="Wingdings"/>
-                </a:rPr>
-                <a:t>view (</a:t>
-              </a:r>
-              <a:r>
-                <a:rPr lang="en-US" sz="1100" b="1" dirty="0" smtClean="0">
-                  <a:solidFill>
-                    <a:srgbClr val="FF0000"/>
-                  </a:solidFill>
-                  <a:latin typeface="Arial"/>
-                  <a:sym typeface="Wingdings"/>
-                </a:rPr>
-                <a:t>1</a:t>
-              </a:r>
-              <a:r>
-                <a:rPr lang="en-US" sz="1100" b="1" dirty="0" smtClean="0">
-                  <a:solidFill>
-                    <a:schemeClr val="tx1"/>
-                  </a:solidFill>
-                  <a:latin typeface="Arial"/>
-                  <a:sym typeface="Wingdings"/>
-                </a:rPr>
-                <a:t>)</a:t>
-              </a:r>
-              <a:r>
-                <a:rPr lang="en-US" dirty="0" smtClean="0"/>
-                <a:t> </a:t>
-              </a:r>
-            </a:p>
-            <a:p>
-              <a:pPr marL="182563" indent="-182563">
-                <a:spcBef>
-                  <a:spcPts val="600"/>
-                </a:spcBef>
-                <a:buFont typeface="Arial" pitchFamily="34" charset="0"/>
-                <a:buChar char="•"/>
-              </a:pPr>
-              <a:r>
-                <a:rPr lang="en-US" sz="1100" b="1" dirty="0" smtClean="0">
-                  <a:solidFill>
-                    <a:schemeClr val="tx1"/>
-                  </a:solidFill>
-                  <a:latin typeface="Arial"/>
-                </a:rPr>
-                <a:t>Please use tab stops for further indents on these code pages (</a:t>
-              </a:r>
-              <a:r>
-                <a:rPr lang="en-US" sz="1100" b="1" dirty="0" smtClean="0">
-                  <a:solidFill>
-                    <a:srgbClr val="FF0000"/>
-                  </a:solidFill>
-                  <a:latin typeface="Arial"/>
-                </a:rPr>
-                <a:t>2</a:t>
-              </a:r>
-              <a:r>
-                <a:rPr lang="en-US" sz="1100" b="1" dirty="0" smtClean="0">
-                  <a:solidFill>
-                    <a:schemeClr val="tx1"/>
-                  </a:solidFill>
-                  <a:latin typeface="Arial"/>
-                </a:rPr>
-                <a:t>)</a:t>
-              </a:r>
-            </a:p>
-          </p:txBody>
-        </p:sp>
-        <p:pic>
-          <p:nvPicPr>
-            <p:cNvPr id="13" name="Picture 2"/>
-            <p:cNvPicPr>
-              <a:picLocks noChangeAspect="1" noChangeArrowheads="1"/>
-            </p:cNvPicPr>
-            <p:nvPr/>
-          </p:nvPicPr>
-          <p:blipFill rotWithShape="1">
-            <a:blip r:embed="rId3" cstate="print">
-              <a:extLst>
-                <a:ext uri="{28A0092B-C50C-407E-A947-70E740481C1C}">
-                  <a14:useLocalDpi xmlns:a14="http://schemas.microsoft.com/office/drawing/2010/main"/>
-                </a:ext>
-              </a:extLst>
-            </a:blip>
-            <a:srcRect/>
-            <a:stretch/>
-          </p:blipFill>
-          <p:spPr bwMode="gray">
-            <a:xfrm>
-              <a:off x="6481354" y="1569271"/>
-              <a:ext cx="2468880" cy="3555124"/>
-            </a:xfrm>
-            <a:prstGeom prst="rect">
-              <a:avLst/>
-            </a:prstGeom>
-            <a:noFill/>
-            <a:ln>
-              <a:noFill/>
-            </a:ln>
-            <a:effectLst/>
-            <a:extLst>
-              <a:ext uri="{909E8E84-426E-40DD-AFC4-6F175D3DCCD1}">
-                <a14:hiddenFill xmlns:a14="http://schemas.microsoft.com/office/drawing/2010/main">
-                  <a:solidFill>
-                    <a:schemeClr val="accent1"/>
-                  </a:solidFill>
-                </a14:hiddenFill>
-              </a:ext>
-              <a:ext uri="{91240B29-F687-4F45-9708-019B960494DF}">
-                <a14:hiddenLine xmlns:a14="http://schemas.microsoft.com/office/drawing/2010/main" w="9525">
-                  <a:solidFill>
-                    <a:schemeClr val="tx1"/>
-                  </a:solidFill>
-                  <a:miter lim="800000"/>
-                  <a:headEnd/>
-                  <a:tailEnd/>
-                </a14:hiddenLine>
-              </a:ext>
-              <a:ext uri="{AF507438-7753-43E0-B8FC-AC1667EBCBE1}">
-                <a14:hiddenEffects xmlns:a14="http://schemas.microsoft.com/office/drawing/2010/main">
-                  <a:effectLst>
-                    <a:outerShdw dist="35921" dir="2700000" algn="ctr" rotWithShape="0">
-                      <a:schemeClr val="bg2"/>
-                    </a:outerShdw>
-                  </a:effectLst>
-                </a14:hiddenEffects>
-              </a:ext>
-            </a:extLst>
-          </p:spPr>
-        </p:pic>
-        <p:sp>
-          <p:nvSpPr>
-            <p:cNvPr id="14" name="Ellipse 12"/>
-            <p:cNvSpPr/>
-            <p:nvPr/>
-          </p:nvSpPr>
-          <p:spPr bwMode="gray">
-            <a:xfrm>
-              <a:off x="7818120" y="1565924"/>
-              <a:ext cx="276476" cy="276476"/>
-            </a:xfrm>
-            <a:prstGeom prst="ellipse">
-              <a:avLst/>
-            </a:prstGeom>
-            <a:solidFill>
-              <a:schemeClr val="accent2"/>
-            </a:solidFill>
-            <a:ln w="9525">
+              </a:rPr>
+              <a:t>INFOBOX – Read and delete</a:t>
+            </a:r>
+          </a:p>
+          <a:p>
+            <a:endParaRPr lang="en-US" sz="1100" b="1" dirty="0">
               <a:solidFill>
                 <a:schemeClr val="bg1"/>
               </a:solidFill>
-            </a:ln>
-          </p:spPr>
-          <p:style>
-            <a:lnRef idx="2">
-              <a:schemeClr val="accent1">
-                <a:shade val="50000"/>
-              </a:schemeClr>
-            </a:lnRef>
-            <a:fillRef idx="1">
-              <a:schemeClr val="accent1"/>
-            </a:fillRef>
-            <a:effectRef idx="0">
-              <a:schemeClr val="accent1"/>
-            </a:effectRef>
-            <a:fontRef idx="minor">
-              <a:schemeClr val="lt1"/>
-            </a:fontRef>
-          </p:style>
-          <p:txBody>
-            <a:bodyPr rtlCol="0" anchor="ctr"/>
-            <a:lstStyle/>
-            <a:p>
-              <a:pPr algn="ctr"/>
-              <a:r>
-                <a:rPr lang="en-US" sz="1400" b="1" dirty="0" smtClean="0">
-                  <a:solidFill>
-                    <a:schemeClr val="bg1"/>
-                  </a:solidFill>
-                </a:rPr>
-                <a:t>1</a:t>
-              </a:r>
-            </a:p>
-          </p:txBody>
-        </p:sp>
-        <p:sp>
-          <p:nvSpPr>
-            <p:cNvPr id="18" name="Ellipse 13"/>
-            <p:cNvSpPr/>
-            <p:nvPr/>
-          </p:nvSpPr>
-          <p:spPr bwMode="gray">
-            <a:xfrm>
-              <a:off x="8244840" y="2785124"/>
-              <a:ext cx="276476" cy="276476"/>
-            </a:xfrm>
-            <a:prstGeom prst="ellipse">
-              <a:avLst/>
-            </a:prstGeom>
-            <a:solidFill>
-              <a:schemeClr val="accent2"/>
-            </a:solidFill>
-            <a:ln w="9525">
-              <a:solidFill>
-                <a:schemeClr val="bg1"/>
-              </a:solidFill>
-            </a:ln>
-          </p:spPr>
-          <p:style>
-            <a:lnRef idx="2">
-              <a:schemeClr val="accent1">
-                <a:shade val="50000"/>
-              </a:schemeClr>
-            </a:lnRef>
-            <a:fillRef idx="1">
-              <a:schemeClr val="accent1"/>
-            </a:fillRef>
-            <a:effectRef idx="0">
-              <a:schemeClr val="accent1"/>
-            </a:effectRef>
-            <a:fontRef idx="minor">
-              <a:schemeClr val="lt1"/>
-            </a:fontRef>
-          </p:style>
-          <p:txBody>
-            <a:bodyPr rtlCol="0" anchor="ctr"/>
-            <a:lstStyle/>
-            <a:p>
-              <a:pPr algn="ctr"/>
-              <a:r>
-                <a:rPr lang="en-US" sz="1400" b="1" dirty="0" smtClean="0">
-                  <a:solidFill>
-                    <a:schemeClr val="bg1"/>
-                  </a:solidFill>
-                </a:rPr>
-                <a:t>2</a:t>
-              </a:r>
-            </a:p>
-          </p:txBody>
-        </p:sp>
-      </p:grpSp>
+              <a:latin typeface="Arial"/>
+              <a:cs typeface="Arial"/>
+            </a:endParaRPr>
+          </a:p>
+          <a:p>
+            <a:pPr marL="174625" indent="-174625">
+              <a:buFont typeface="Arial" pitchFamily="34" charset="0"/>
+              <a:buChar char="•"/>
+            </a:pPr>
+            <a:r>
+              <a:rPr lang="en-US" sz="1100" b="1" dirty="0" smtClean="0">
+                <a:solidFill>
+                  <a:schemeClr val="tx1"/>
+                </a:solidFill>
+                <a:latin typeface="Arial"/>
+              </a:rPr>
+              <a:t>In the chapter divider, the chapter text is written centered in the text field</a:t>
+            </a:r>
+          </a:p>
+          <a:p>
+            <a:pPr marL="174625" indent="-174625">
+              <a:buFont typeface="Arial" pitchFamily="34" charset="0"/>
+              <a:buChar char="•"/>
+            </a:pPr>
+            <a:r>
+              <a:rPr lang="en-US" sz="1100" b="1" dirty="0" smtClean="0">
+                <a:solidFill>
+                  <a:schemeClr val="tx1"/>
+                </a:solidFill>
+                <a:latin typeface="Arial"/>
+              </a:rPr>
+              <a:t>Please keep chapter names as short as possible, less text and punchy titles are better!</a:t>
+            </a:r>
+          </a:p>
+        </p:txBody>
+      </p:sp>
     </p:spTree>
     <p:extLst>
       <p:ext uri="{BB962C8B-B14F-4D97-AF65-F5344CB8AC3E}">
-        <p14:creationId xmlns:p14="http://schemas.microsoft.com/office/powerpoint/2010/main" val="3548820287"/>
+        <p14:creationId xmlns:p14="http://schemas.microsoft.com/office/powerpoint/2010/main" val="1136395843"/>
       </p:ext>
     </p:extLst>
   </p:cSld>
@@ -14982,7 +19581,3159 @@
 </p:sld>
 </file>
 
-<file path=ppt/slides/slide16.xml><?xml version="1.0" encoding="utf-8"?>
+<file path=ppt/slides/slide17.xml><?xml version="1.0" encoding="utf-8"?>
+<p:sld xmlns:a="http://schemas.openxmlformats.org/drawingml/2006/main" xmlns:r="http://schemas.openxmlformats.org/officeDocument/2006/relationships" xmlns:p="http://schemas.openxmlformats.org/presentationml/2006/main">
+  <p:cSld>
+    <p:spTree>
+      <p:nvGrpSpPr>
+        <p:cNvPr id="1" name=""/>
+        <p:cNvGrpSpPr/>
+        <p:nvPr/>
+      </p:nvGrpSpPr>
+      <p:grpSpPr>
+        <a:xfrm>
+          <a:off x="0" y="0"/>
+          <a:ext cx="0" cy="0"/>
+          <a:chOff x="0" y="0"/>
+          <a:chExt cx="0" cy="0"/>
+        </a:xfrm>
+      </p:grpSpPr>
+      <p:sp>
+        <p:nvSpPr>
+          <p:cNvPr id="2" name="Title 1"/>
+          <p:cNvSpPr>
+            <a:spLocks noGrp="1"/>
+          </p:cNvSpPr>
+          <p:nvPr>
+            <p:ph type="title"/>
+          </p:nvPr>
+        </p:nvSpPr>
+        <p:spPr/>
+        <p:txBody>
+          <a:bodyPr/>
+          <a:lstStyle/>
+          <a:p>
+            <a:r>
+              <a:rPr lang="en-US" dirty="0" err="1" smtClean="0"/>
+              <a:t>Keras</a:t>
+            </a:r>
+            <a:r>
+              <a:rPr lang="en-US" dirty="0" smtClean="0"/>
+              <a:t> model import</a:t>
+            </a:r>
+            <a:endParaRPr lang="en-US" dirty="0"/>
+          </a:p>
+        </p:txBody>
+      </p:sp>
+      <p:sp>
+        <p:nvSpPr>
+          <p:cNvPr id="3" name="Footer Placeholder 2"/>
+          <p:cNvSpPr>
+            <a:spLocks noGrp="1"/>
+          </p:cNvSpPr>
+          <p:nvPr>
+            <p:ph type="ftr" sz="quarter" idx="10"/>
+          </p:nvPr>
+        </p:nvSpPr>
+        <p:spPr/>
+        <p:txBody>
+          <a:bodyPr/>
+          <a:lstStyle/>
+          <a:p>
+            <a:r>
+              <a:rPr lang="de-DE" smtClean="0"/>
+              <a:t>Name Presentation</a:t>
+            </a:r>
+            <a:endParaRPr lang="de-DE"/>
+          </a:p>
+        </p:txBody>
+      </p:sp>
+      <p:sp>
+        <p:nvSpPr>
+          <p:cNvPr id="4" name="Slide Number Placeholder 3"/>
+          <p:cNvSpPr>
+            <a:spLocks noGrp="1"/>
+          </p:cNvSpPr>
+          <p:nvPr>
+            <p:ph type="sldNum" sz="quarter" idx="11"/>
+          </p:nvPr>
+        </p:nvSpPr>
+        <p:spPr/>
+        <p:txBody>
+          <a:bodyPr/>
+          <a:lstStyle/>
+          <a:p>
+            <a:fld id="{CAA1D080-129B-CB43-9B9B-B053798F4C9F}" type="slidenum">
+              <a:rPr lang="de-DE" smtClean="0"/>
+              <a:pPr/>
+              <a:t>17</a:t>
+            </a:fld>
+            <a:endParaRPr lang="de-DE"/>
+          </a:p>
+        </p:txBody>
+      </p:sp>
+      <p:sp>
+        <p:nvSpPr>
+          <p:cNvPr id="5" name="Date Placeholder 4"/>
+          <p:cNvSpPr>
+            <a:spLocks noGrp="1"/>
+          </p:cNvSpPr>
+          <p:nvPr>
+            <p:ph type="dt" sz="half" idx="12"/>
+          </p:nvPr>
+        </p:nvSpPr>
+        <p:spPr/>
+        <p:txBody>
+          <a:bodyPr/>
+          <a:lstStyle/>
+          <a:p>
+            <a:fld id="{D456EEBE-A7AF-E645-9889-AAA1CC8034EC}" type="datetime1">
+              <a:rPr lang="en-US" smtClean="0"/>
+              <a:t>8/24/2017</a:t>
+            </a:fld>
+            <a:endParaRPr lang="en-US"/>
+          </a:p>
+        </p:txBody>
+      </p:sp>
+      <p:sp>
+        <p:nvSpPr>
+          <p:cNvPr id="6" name="Content Placeholder 5"/>
+          <p:cNvSpPr>
+            <a:spLocks noGrp="1"/>
+          </p:cNvSpPr>
+          <p:nvPr>
+            <p:ph sz="quarter" idx="13"/>
+          </p:nvPr>
+        </p:nvSpPr>
+        <p:spPr/>
+        <p:txBody>
+          <a:bodyPr/>
+          <a:lstStyle/>
+          <a:p>
+            <a:endParaRPr lang="en-US" dirty="0"/>
+          </a:p>
+          <a:p>
+            <a:pPr marL="285750" indent="-285750">
+              <a:buFont typeface="Arial" pitchFamily="34" charset="0"/>
+              <a:buChar char="•"/>
+            </a:pPr>
+            <a:r>
+              <a:rPr lang="en-US" dirty="0" smtClean="0"/>
+              <a:t>Can experiment in </a:t>
+            </a:r>
+            <a:r>
+              <a:rPr lang="en-US" dirty="0" err="1" smtClean="0"/>
+              <a:t>Keras</a:t>
+            </a:r>
+            <a:r>
+              <a:rPr lang="en-US" dirty="0" smtClean="0"/>
+              <a:t> and then import models</a:t>
+            </a:r>
+          </a:p>
+          <a:p>
+            <a:pPr marL="285750" indent="-285750">
+              <a:buFont typeface="Arial" pitchFamily="34" charset="0"/>
+              <a:buChar char="•"/>
+            </a:pPr>
+            <a:endParaRPr lang="en-US" dirty="0"/>
+          </a:p>
+          <a:p>
+            <a:pPr marL="285750" indent="-285750">
+              <a:buFont typeface="Arial" pitchFamily="34" charset="0"/>
+              <a:buChar char="•"/>
+            </a:pPr>
+            <a:endParaRPr lang="en-US" dirty="0" smtClean="0"/>
+          </a:p>
+          <a:p>
+            <a:pPr marL="285750" indent="-285750">
+              <a:buFont typeface="Arial" pitchFamily="34" charset="0"/>
+              <a:buChar char="•"/>
+            </a:pPr>
+            <a:endParaRPr lang="en-US" dirty="0"/>
+          </a:p>
+          <a:p>
+            <a:pPr marL="285750" indent="-285750">
+              <a:buFont typeface="Arial" pitchFamily="34" charset="0"/>
+              <a:buChar char="•"/>
+            </a:pPr>
+            <a:endParaRPr lang="en-US" dirty="0" smtClean="0"/>
+          </a:p>
+          <a:p>
+            <a:pPr marL="285750" indent="-285750">
+              <a:buFont typeface="Arial" pitchFamily="34" charset="0"/>
+              <a:buChar char="•"/>
+            </a:pPr>
+            <a:endParaRPr lang="en-US" dirty="0"/>
+          </a:p>
+          <a:p>
+            <a:pPr marL="285750" indent="-285750">
+              <a:buFont typeface="Arial" pitchFamily="34" charset="0"/>
+              <a:buChar char="•"/>
+            </a:pPr>
+            <a:endParaRPr lang="en-US" dirty="0" smtClean="0"/>
+          </a:p>
+          <a:p>
+            <a:pPr marL="285750" indent="-285750">
+              <a:buFont typeface="Arial" pitchFamily="34" charset="0"/>
+              <a:buChar char="•"/>
+            </a:pPr>
+            <a:r>
+              <a:rPr lang="en-US" dirty="0" smtClean="0"/>
+              <a:t>Let’s see this in action!</a:t>
+            </a:r>
+          </a:p>
+          <a:p>
+            <a:pPr marL="285750" indent="-285750">
+              <a:buFont typeface="Arial" pitchFamily="34" charset="0"/>
+              <a:buChar char="•"/>
+            </a:pPr>
+            <a:endParaRPr lang="en-US" dirty="0"/>
+          </a:p>
+          <a:p>
+            <a:pPr marL="285750" indent="-285750">
+              <a:buFont typeface="Arial" pitchFamily="34" charset="0"/>
+              <a:buChar char="•"/>
+            </a:pPr>
+            <a:endParaRPr lang="en-US" dirty="0"/>
+          </a:p>
+        </p:txBody>
+      </p:sp>
+      <p:sp>
+        <p:nvSpPr>
+          <p:cNvPr id="7" name="Textplatzhalter 3"/>
+          <p:cNvSpPr txBox="1">
+            <a:spLocks/>
+          </p:cNvSpPr>
+          <p:nvPr/>
+        </p:nvSpPr>
+        <p:spPr>
+          <a:xfrm>
+            <a:off x="715424" y="1755420"/>
+            <a:ext cx="7935226" cy="579490"/>
+          </a:xfrm>
+          <a:prstGeom prst="rect">
+            <a:avLst/>
+          </a:prstGeom>
+          <a:solidFill>
+            <a:schemeClr val="accent1">
+              <a:lumMod val="20000"/>
+              <a:lumOff val="80000"/>
+            </a:schemeClr>
+          </a:solidFill>
+        </p:spPr>
+        <p:txBody>
+          <a:bodyPr/>
+          <a:lstStyle>
+            <a:lvl1pPr algn="l" rtl="0" eaLnBrk="1" fontAlgn="base" hangingPunct="1">
+              <a:lnSpc>
+                <a:spcPts val="1900"/>
+              </a:lnSpc>
+              <a:spcBef>
+                <a:spcPts val="0"/>
+              </a:spcBef>
+              <a:spcAft>
+                <a:spcPct val="0"/>
+              </a:spcAft>
+              <a:buClr>
+                <a:schemeClr val="accent1"/>
+              </a:buClr>
+              <a:defRPr sz="1600" kern="1200">
+                <a:solidFill>
+                  <a:srgbClr val="666666"/>
+                </a:solidFill>
+                <a:latin typeface="Arial"/>
+                <a:ea typeface="+mn-ea"/>
+                <a:cs typeface="Arial"/>
+              </a:defRPr>
+            </a:lvl1pPr>
+            <a:lvl2pPr marL="271463" indent="-269875" algn="l" rtl="0" eaLnBrk="1" fontAlgn="base" hangingPunct="1">
+              <a:lnSpc>
+                <a:spcPts val="1900"/>
+              </a:lnSpc>
+              <a:spcBef>
+                <a:spcPts val="900"/>
+              </a:spcBef>
+              <a:spcAft>
+                <a:spcPct val="0"/>
+              </a:spcAft>
+              <a:buClrTx/>
+              <a:buSzPct val="100000"/>
+              <a:buFontTx/>
+              <a:buBlip>
+                <a:blip r:embed="rId2"/>
+              </a:buBlip>
+              <a:defRPr sz="1600" kern="1200">
+                <a:solidFill>
+                  <a:srgbClr val="666666"/>
+                </a:solidFill>
+                <a:latin typeface="Arial"/>
+                <a:ea typeface="+mn-ea"/>
+                <a:cs typeface="Arial"/>
+              </a:defRPr>
+            </a:lvl2pPr>
+            <a:lvl3pPr marL="468000" indent="-180000" algn="l" rtl="0" eaLnBrk="1" fontAlgn="base" hangingPunct="1">
+              <a:lnSpc>
+                <a:spcPts val="1900"/>
+              </a:lnSpc>
+              <a:spcBef>
+                <a:spcPts val="900"/>
+              </a:spcBef>
+              <a:spcAft>
+                <a:spcPct val="0"/>
+              </a:spcAft>
+              <a:buClr>
+                <a:schemeClr val="tx1"/>
+              </a:buClr>
+              <a:buFont typeface="Lucida Grande"/>
+              <a:buChar char="–"/>
+              <a:defRPr sz="1600" kern="1200">
+                <a:solidFill>
+                  <a:srgbClr val="666666"/>
+                </a:solidFill>
+                <a:latin typeface="Arial"/>
+                <a:ea typeface="+mn-ea"/>
+                <a:cs typeface="Arial"/>
+              </a:defRPr>
+            </a:lvl3pPr>
+            <a:lvl4pPr marL="468000" indent="-180000" algn="l" rtl="0" eaLnBrk="1" fontAlgn="base" hangingPunct="1">
+              <a:lnSpc>
+                <a:spcPts val="1900"/>
+              </a:lnSpc>
+              <a:spcBef>
+                <a:spcPts val="900"/>
+              </a:spcBef>
+              <a:spcAft>
+                <a:spcPct val="0"/>
+              </a:spcAft>
+              <a:buClr>
+                <a:srgbClr val="666666"/>
+              </a:buClr>
+              <a:buFont typeface="Arial"/>
+              <a:buChar char="•"/>
+              <a:defRPr sz="1600" kern="1200">
+                <a:solidFill>
+                  <a:srgbClr val="666666"/>
+                </a:solidFill>
+                <a:latin typeface="Arial"/>
+                <a:ea typeface="+mn-ea"/>
+                <a:cs typeface="Arial"/>
+              </a:defRPr>
+            </a:lvl4pPr>
+            <a:lvl5pPr marL="270000" indent="-270000" algn="l" defTabSz="900113" rtl="0" eaLnBrk="1" fontAlgn="base" hangingPunct="1">
+              <a:lnSpc>
+                <a:spcPts val="1900"/>
+              </a:lnSpc>
+              <a:spcBef>
+                <a:spcPts val="900"/>
+              </a:spcBef>
+              <a:spcAft>
+                <a:spcPct val="0"/>
+              </a:spcAft>
+              <a:buClr>
+                <a:schemeClr val="tx1"/>
+              </a:buClr>
+              <a:buFont typeface="+mj-lt"/>
+              <a:buAutoNum type="arabicPeriod"/>
+              <a:defRPr sz="1600" kern="1200">
+                <a:solidFill>
+                  <a:srgbClr val="666666"/>
+                </a:solidFill>
+                <a:latin typeface="Arial"/>
+                <a:ea typeface="+mn-ea"/>
+                <a:cs typeface="Arial"/>
+              </a:defRPr>
+            </a:lvl5pPr>
+            <a:lvl6pPr marL="468000" indent="-180000" algn="l" defTabSz="914400" rtl="0" eaLnBrk="1" latinLnBrk="0" hangingPunct="1">
+              <a:lnSpc>
+                <a:spcPts val="1900"/>
+              </a:lnSpc>
+              <a:spcBef>
+                <a:spcPts val="900"/>
+              </a:spcBef>
+              <a:buClr>
+                <a:schemeClr val="accent2"/>
+              </a:buClr>
+              <a:buFont typeface="Segoe UI" pitchFamily="34" charset="0"/>
+              <a:buChar char="&gt;"/>
+              <a:defRPr sz="1600" kern="1200">
+                <a:solidFill>
+                  <a:srgbClr val="666666"/>
+                </a:solidFill>
+                <a:latin typeface="Arial"/>
+                <a:ea typeface="+mn-ea"/>
+                <a:cs typeface="Arial"/>
+              </a:defRPr>
+            </a:lvl6pPr>
+            <a:lvl7pPr marL="468000" indent="-180000" algn="l" defTabSz="914400" rtl="0" eaLnBrk="1" latinLnBrk="0" hangingPunct="1">
+              <a:lnSpc>
+                <a:spcPts val="1900"/>
+              </a:lnSpc>
+              <a:spcBef>
+                <a:spcPts val="900"/>
+              </a:spcBef>
+              <a:buClr>
+                <a:schemeClr val="tx1"/>
+              </a:buClr>
+              <a:buFont typeface="Segoe UI" pitchFamily="34" charset="0"/>
+              <a:buChar char="&gt;"/>
+              <a:defRPr sz="1600" kern="1200">
+                <a:solidFill>
+                  <a:srgbClr val="666666"/>
+                </a:solidFill>
+                <a:latin typeface="Arial"/>
+                <a:ea typeface="+mn-ea"/>
+                <a:cs typeface="Arial"/>
+              </a:defRPr>
+            </a:lvl7pPr>
+            <a:lvl8pPr marL="3429000" indent="-228600" algn="l" defTabSz="914400" rtl="0" eaLnBrk="1" latinLnBrk="0" hangingPunct="1">
+              <a:spcBef>
+                <a:spcPct val="20000"/>
+              </a:spcBef>
+              <a:buFont typeface="Arial" pitchFamily="34" charset="0"/>
+              <a:buChar char="•"/>
+              <a:defRPr sz="2000" kern="1200">
+                <a:solidFill>
+                  <a:schemeClr val="tx1"/>
+                </a:solidFill>
+                <a:latin typeface="+mn-lt"/>
+                <a:ea typeface="+mn-ea"/>
+                <a:cs typeface="+mn-cs"/>
+              </a:defRPr>
+            </a:lvl8pPr>
+            <a:lvl9pPr marL="3886200" indent="-228600" algn="l" defTabSz="914400" rtl="0" eaLnBrk="1" latinLnBrk="0" hangingPunct="1">
+              <a:spcBef>
+                <a:spcPct val="20000"/>
+              </a:spcBef>
+              <a:buFont typeface="Arial" pitchFamily="34" charset="0"/>
+              <a:buChar char="•"/>
+              <a:defRPr sz="2000" kern="1200">
+                <a:solidFill>
+                  <a:schemeClr val="tx1"/>
+                </a:solidFill>
+                <a:latin typeface="+mn-lt"/>
+                <a:ea typeface="+mn-ea"/>
+                <a:cs typeface="+mn-cs"/>
+              </a:defRPr>
+            </a:lvl9pPr>
+          </a:lstStyle>
+          <a:p>
+            <a:pPr>
+              <a:tabLst>
+                <a:tab pos="2603500" algn="l"/>
+                <a:tab pos="3048000" algn="l"/>
+              </a:tabLst>
+            </a:pPr>
+            <a:r>
+              <a:rPr lang="en-US" sz="1200" dirty="0" err="1" smtClean="0">
+                <a:latin typeface="Lucida Sans Typewriter" pitchFamily="49" charset="0"/>
+              </a:rPr>
+              <a:t>MultiLayerNetwork</a:t>
+            </a:r>
+            <a:r>
+              <a:rPr lang="en-US" sz="1200" dirty="0" smtClean="0">
+                <a:latin typeface="Lucida Sans Typewriter" pitchFamily="49" charset="0"/>
+              </a:rPr>
+              <a:t> network = </a:t>
+            </a:r>
+            <a:r>
+              <a:rPr lang="en-US" sz="1200" dirty="0" err="1" smtClean="0">
+                <a:latin typeface="Lucida Sans Typewriter" pitchFamily="49" charset="0"/>
+              </a:rPr>
+              <a:t>KerasModelImport.</a:t>
+            </a:r>
+            <a:r>
+              <a:rPr lang="en-US" sz="1200" i="1" dirty="0" err="1" smtClean="0">
+                <a:latin typeface="Lucida Sans Typewriter" pitchFamily="49" charset="0"/>
+              </a:rPr>
+              <a:t>importKerasSequentialModelAndWeights</a:t>
+            </a:r>
+            <a:r>
+              <a:rPr lang="en-US" sz="1200" dirty="0" smtClean="0">
+                <a:latin typeface="Lucida Sans Typewriter" pitchFamily="49" charset="0"/>
+              </a:rPr>
+              <a:t>(</a:t>
+            </a:r>
+            <a:r>
+              <a:rPr lang="en-US" sz="1200" dirty="0" err="1" smtClean="0">
+                <a:latin typeface="Lucida Sans Typewriter" pitchFamily="49" charset="0"/>
+              </a:rPr>
+              <a:t>modelPath</a:t>
+            </a:r>
+            <a:r>
+              <a:rPr lang="en-US" sz="1200" dirty="0" smtClean="0">
+                <a:latin typeface="Lucida Sans Typewriter" pitchFamily="49" charset="0"/>
+              </a:rPr>
+              <a:t>);</a:t>
+            </a:r>
+            <a:endParaRPr lang="de-DE" sz="1200" dirty="0">
+              <a:latin typeface="Lucida Sans Typewriter" pitchFamily="49" charset="0"/>
+            </a:endParaRPr>
+          </a:p>
+        </p:txBody>
+      </p:sp>
+    </p:spTree>
+    <p:extLst>
+      <p:ext uri="{BB962C8B-B14F-4D97-AF65-F5344CB8AC3E}">
+        <p14:creationId xmlns:p14="http://schemas.microsoft.com/office/powerpoint/2010/main" val="2618294878"/>
+      </p:ext>
+    </p:extLst>
+  </p:cSld>
+  <p:clrMapOvr>
+    <a:masterClrMapping/>
+  </p:clrMapOvr>
+</p:sld>
+</file>
+
+<file path=ppt/slides/slide18.xml><?xml version="1.0" encoding="utf-8"?>
+<p:sld xmlns:a="http://schemas.openxmlformats.org/drawingml/2006/main" xmlns:r="http://schemas.openxmlformats.org/officeDocument/2006/relationships" xmlns:p="http://schemas.openxmlformats.org/presentationml/2006/main">
+  <p:cSld>
+    <p:spTree>
+      <p:nvGrpSpPr>
+        <p:cNvPr id="1" name=""/>
+        <p:cNvGrpSpPr/>
+        <p:nvPr/>
+      </p:nvGrpSpPr>
+      <p:grpSpPr>
+        <a:xfrm>
+          <a:off x="0" y="0"/>
+          <a:ext cx="0" cy="0"/>
+          <a:chOff x="0" y="0"/>
+          <a:chExt cx="0" cy="0"/>
+        </a:xfrm>
+      </p:grpSpPr>
+      <p:sp>
+        <p:nvSpPr>
+          <p:cNvPr id="2" name="Title 1"/>
+          <p:cNvSpPr>
+            <a:spLocks noGrp="1"/>
+          </p:cNvSpPr>
+          <p:nvPr>
+            <p:ph type="title"/>
+          </p:nvPr>
+        </p:nvSpPr>
+        <p:spPr/>
+        <p:txBody>
+          <a:bodyPr/>
+          <a:lstStyle/>
+          <a:p>
+            <a:r>
+              <a:rPr lang="en-US" dirty="0" err="1" smtClean="0"/>
+              <a:t>Keras</a:t>
+            </a:r>
+            <a:r>
+              <a:rPr lang="en-US" dirty="0" smtClean="0"/>
+              <a:t> model import demo: Crack? No crack?</a:t>
+            </a:r>
+            <a:endParaRPr lang="en-US" dirty="0"/>
+          </a:p>
+        </p:txBody>
+      </p:sp>
+      <p:sp>
+        <p:nvSpPr>
+          <p:cNvPr id="3" name="Footer Placeholder 2"/>
+          <p:cNvSpPr>
+            <a:spLocks noGrp="1"/>
+          </p:cNvSpPr>
+          <p:nvPr>
+            <p:ph type="ftr" sz="quarter" idx="10"/>
+          </p:nvPr>
+        </p:nvSpPr>
+        <p:spPr/>
+        <p:txBody>
+          <a:bodyPr/>
+          <a:lstStyle/>
+          <a:p>
+            <a:r>
+              <a:rPr lang="de-DE" smtClean="0"/>
+              <a:t>Name Presentation</a:t>
+            </a:r>
+            <a:endParaRPr lang="de-DE"/>
+          </a:p>
+        </p:txBody>
+      </p:sp>
+      <p:sp>
+        <p:nvSpPr>
+          <p:cNvPr id="4" name="Slide Number Placeholder 3"/>
+          <p:cNvSpPr>
+            <a:spLocks noGrp="1"/>
+          </p:cNvSpPr>
+          <p:nvPr>
+            <p:ph type="sldNum" sz="quarter" idx="11"/>
+          </p:nvPr>
+        </p:nvSpPr>
+        <p:spPr/>
+        <p:txBody>
+          <a:bodyPr/>
+          <a:lstStyle/>
+          <a:p>
+            <a:fld id="{CAA1D080-129B-CB43-9B9B-B053798F4C9F}" type="slidenum">
+              <a:rPr lang="de-DE" smtClean="0"/>
+              <a:pPr/>
+              <a:t>18</a:t>
+            </a:fld>
+            <a:endParaRPr lang="de-DE"/>
+          </a:p>
+        </p:txBody>
+      </p:sp>
+      <p:sp>
+        <p:nvSpPr>
+          <p:cNvPr id="5" name="Date Placeholder 4"/>
+          <p:cNvSpPr>
+            <a:spLocks noGrp="1"/>
+          </p:cNvSpPr>
+          <p:nvPr>
+            <p:ph type="dt" sz="half" idx="12"/>
+          </p:nvPr>
+        </p:nvSpPr>
+        <p:spPr/>
+        <p:txBody>
+          <a:bodyPr/>
+          <a:lstStyle/>
+          <a:p>
+            <a:fld id="{D456EEBE-A7AF-E645-9889-AAA1CC8034EC}" type="datetime1">
+              <a:rPr lang="en-US" smtClean="0"/>
+              <a:t>8/24/2017</a:t>
+            </a:fld>
+            <a:endParaRPr lang="en-US"/>
+          </a:p>
+        </p:txBody>
+      </p:sp>
+      <p:sp>
+        <p:nvSpPr>
+          <p:cNvPr id="6" name="Content Placeholder 5"/>
+          <p:cNvSpPr>
+            <a:spLocks noGrp="1"/>
+          </p:cNvSpPr>
+          <p:nvPr>
+            <p:ph sz="quarter" idx="13"/>
+          </p:nvPr>
+        </p:nvSpPr>
+        <p:spPr/>
+        <p:txBody>
+          <a:bodyPr/>
+          <a:lstStyle/>
+          <a:p>
+            <a:endParaRPr lang="en-US" dirty="0"/>
+          </a:p>
+          <a:p>
+            <a:pPr marL="285750" indent="-285750">
+              <a:buFont typeface="Arial" pitchFamily="34" charset="0"/>
+              <a:buChar char="•"/>
+            </a:pPr>
+            <a:endParaRPr lang="en-US" dirty="0"/>
+          </a:p>
+        </p:txBody>
+      </p:sp>
+      <p:graphicFrame>
+        <p:nvGraphicFramePr>
+          <p:cNvPr id="14" name="Diagram 13"/>
+          <p:cNvGraphicFramePr/>
+          <p:nvPr>
+            <p:extLst>
+              <p:ext uri="{D42A27DB-BD31-4B8C-83A1-F6EECF244321}">
+                <p14:modId xmlns:p14="http://schemas.microsoft.com/office/powerpoint/2010/main" val="44363580"/>
+              </p:ext>
+            </p:extLst>
+          </p:nvPr>
+        </p:nvGraphicFramePr>
+        <p:xfrm>
+          <a:off x="1082992" y="741482"/>
+          <a:ext cx="2733600" cy="2733600"/>
+        </p:xfrm>
+        <a:graphic>
+          <a:graphicData uri="http://schemas.openxmlformats.org/drawingml/2006/diagram">
+            <dgm:relIds xmlns:dgm="http://schemas.openxmlformats.org/drawingml/2006/diagram" xmlns:r="http://schemas.openxmlformats.org/officeDocument/2006/relationships" r:dm="rId2" r:lo="rId3" r:qs="rId4" r:cs="rId5"/>
+          </a:graphicData>
+        </a:graphic>
+      </p:graphicFrame>
+      <p:grpSp>
+        <p:nvGrpSpPr>
+          <p:cNvPr id="39" name="Group 38"/>
+          <p:cNvGrpSpPr/>
+          <p:nvPr/>
+        </p:nvGrpSpPr>
+        <p:grpSpPr>
+          <a:xfrm>
+            <a:off x="4745528" y="1231289"/>
+            <a:ext cx="2883600" cy="2883600"/>
+            <a:chOff x="4670528" y="754950"/>
+            <a:chExt cx="2883600" cy="2883600"/>
+          </a:xfrm>
+        </p:grpSpPr>
+        <p:pic>
+          <p:nvPicPr>
+            <p:cNvPr id="26" name="Picture 25"/>
+            <p:cNvPicPr>
+              <a:picLocks noChangeAspect="1"/>
+            </p:cNvPicPr>
+            <p:nvPr/>
+          </p:nvPicPr>
+          <p:blipFill>
+            <a:blip r:embed="rId7">
+              <a:extLst>
+                <a:ext uri="{28A0092B-C50C-407E-A947-70E740481C1C}">
+                  <a14:useLocalDpi xmlns:a14="http://schemas.microsoft.com/office/drawing/2010/main" val="0"/>
+                </a:ext>
+              </a:extLst>
+            </a:blip>
+            <a:stretch>
+              <a:fillRect/>
+            </a:stretch>
+          </p:blipFill>
+          <p:spPr>
+            <a:xfrm>
+              <a:off x="4670528" y="754950"/>
+              <a:ext cx="2133600" cy="2133600"/>
+            </a:xfrm>
+            <a:prstGeom prst="rect">
+              <a:avLst/>
+            </a:prstGeom>
+          </p:spPr>
+        </p:pic>
+        <p:pic>
+          <p:nvPicPr>
+            <p:cNvPr id="27" name="Picture 26"/>
+            <p:cNvPicPr>
+              <a:picLocks noChangeAspect="1"/>
+            </p:cNvPicPr>
+            <p:nvPr/>
+          </p:nvPicPr>
+          <p:blipFill>
+            <a:blip r:embed="rId8">
+              <a:extLst>
+                <a:ext uri="{28A0092B-C50C-407E-A947-70E740481C1C}">
+                  <a14:useLocalDpi xmlns:a14="http://schemas.microsoft.com/office/drawing/2010/main" val="0"/>
+                </a:ext>
+              </a:extLst>
+            </a:blip>
+            <a:stretch>
+              <a:fillRect/>
+            </a:stretch>
+          </p:blipFill>
+          <p:spPr>
+            <a:xfrm>
+              <a:off x="4820528" y="904950"/>
+              <a:ext cx="2133600" cy="2133600"/>
+            </a:xfrm>
+            <a:prstGeom prst="rect">
+              <a:avLst/>
+            </a:prstGeom>
+          </p:spPr>
+        </p:pic>
+        <p:pic>
+          <p:nvPicPr>
+            <p:cNvPr id="28" name="Picture 27"/>
+            <p:cNvPicPr>
+              <a:picLocks noChangeAspect="1"/>
+            </p:cNvPicPr>
+            <p:nvPr/>
+          </p:nvPicPr>
+          <p:blipFill>
+            <a:blip r:embed="rId9">
+              <a:extLst>
+                <a:ext uri="{28A0092B-C50C-407E-A947-70E740481C1C}">
+                  <a14:useLocalDpi xmlns:a14="http://schemas.microsoft.com/office/drawing/2010/main" val="0"/>
+                </a:ext>
+              </a:extLst>
+            </a:blip>
+            <a:stretch>
+              <a:fillRect/>
+            </a:stretch>
+          </p:blipFill>
+          <p:spPr>
+            <a:xfrm>
+              <a:off x="4970528" y="1054950"/>
+              <a:ext cx="2133600" cy="2133600"/>
+            </a:xfrm>
+            <a:prstGeom prst="rect">
+              <a:avLst/>
+            </a:prstGeom>
+          </p:spPr>
+        </p:pic>
+        <p:pic>
+          <p:nvPicPr>
+            <p:cNvPr id="29" name="Picture 28"/>
+            <p:cNvPicPr>
+              <a:picLocks noChangeAspect="1"/>
+            </p:cNvPicPr>
+            <p:nvPr/>
+          </p:nvPicPr>
+          <p:blipFill>
+            <a:blip r:embed="rId10">
+              <a:extLst>
+                <a:ext uri="{28A0092B-C50C-407E-A947-70E740481C1C}">
+                  <a14:useLocalDpi xmlns:a14="http://schemas.microsoft.com/office/drawing/2010/main" val="0"/>
+                </a:ext>
+              </a:extLst>
+            </a:blip>
+            <a:stretch>
+              <a:fillRect/>
+            </a:stretch>
+          </p:blipFill>
+          <p:spPr>
+            <a:xfrm>
+              <a:off x="5120528" y="1204950"/>
+              <a:ext cx="2133600" cy="2133600"/>
+            </a:xfrm>
+            <a:prstGeom prst="rect">
+              <a:avLst/>
+            </a:prstGeom>
+          </p:spPr>
+        </p:pic>
+        <p:pic>
+          <p:nvPicPr>
+            <p:cNvPr id="30" name="Picture 29"/>
+            <p:cNvPicPr>
+              <a:picLocks noChangeAspect="1"/>
+            </p:cNvPicPr>
+            <p:nvPr/>
+          </p:nvPicPr>
+          <p:blipFill>
+            <a:blip r:embed="rId11">
+              <a:extLst>
+                <a:ext uri="{28A0092B-C50C-407E-A947-70E740481C1C}">
+                  <a14:useLocalDpi xmlns:a14="http://schemas.microsoft.com/office/drawing/2010/main" val="0"/>
+                </a:ext>
+              </a:extLst>
+            </a:blip>
+            <a:stretch>
+              <a:fillRect/>
+            </a:stretch>
+          </p:blipFill>
+          <p:spPr>
+            <a:xfrm>
+              <a:off x="5270528" y="1354950"/>
+              <a:ext cx="2133600" cy="2133600"/>
+            </a:xfrm>
+            <a:prstGeom prst="rect">
+              <a:avLst/>
+            </a:prstGeom>
+          </p:spPr>
+        </p:pic>
+        <p:pic>
+          <p:nvPicPr>
+            <p:cNvPr id="31" name="Picture 30"/>
+            <p:cNvPicPr>
+              <a:picLocks noChangeAspect="1"/>
+            </p:cNvPicPr>
+            <p:nvPr/>
+          </p:nvPicPr>
+          <p:blipFill>
+            <a:blip r:embed="rId12">
+              <a:extLst>
+                <a:ext uri="{28A0092B-C50C-407E-A947-70E740481C1C}">
+                  <a14:useLocalDpi xmlns:a14="http://schemas.microsoft.com/office/drawing/2010/main" val="0"/>
+                </a:ext>
+              </a:extLst>
+            </a:blip>
+            <a:stretch>
+              <a:fillRect/>
+            </a:stretch>
+          </p:blipFill>
+          <p:spPr>
+            <a:xfrm>
+              <a:off x="5420528" y="1504950"/>
+              <a:ext cx="2133600" cy="2133600"/>
+            </a:xfrm>
+            <a:prstGeom prst="rect">
+              <a:avLst/>
+            </a:prstGeom>
+          </p:spPr>
+        </p:pic>
+      </p:grpSp>
+      <p:grpSp>
+        <p:nvGrpSpPr>
+          <p:cNvPr id="38" name="Group 37"/>
+          <p:cNvGrpSpPr/>
+          <p:nvPr/>
+        </p:nvGrpSpPr>
+        <p:grpSpPr>
+          <a:xfrm>
+            <a:off x="1132286" y="1269566"/>
+            <a:ext cx="2883600" cy="2883600"/>
+            <a:chOff x="940900" y="754950"/>
+            <a:chExt cx="2883600" cy="2883600"/>
+          </a:xfrm>
+        </p:grpSpPr>
+        <p:pic>
+          <p:nvPicPr>
+            <p:cNvPr id="32" name="Picture 31"/>
+            <p:cNvPicPr>
+              <a:picLocks noChangeAspect="1"/>
+            </p:cNvPicPr>
+            <p:nvPr/>
+          </p:nvPicPr>
+          <p:blipFill>
+            <a:blip r:embed="rId13">
+              <a:extLst>
+                <a:ext uri="{28A0092B-C50C-407E-A947-70E740481C1C}">
+                  <a14:useLocalDpi xmlns:a14="http://schemas.microsoft.com/office/drawing/2010/main" val="0"/>
+                </a:ext>
+              </a:extLst>
+            </a:blip>
+            <a:stretch>
+              <a:fillRect/>
+            </a:stretch>
+          </p:blipFill>
+          <p:spPr>
+            <a:xfrm>
+              <a:off x="940900" y="754950"/>
+              <a:ext cx="2133600" cy="2133600"/>
+            </a:xfrm>
+            <a:prstGeom prst="rect">
+              <a:avLst/>
+            </a:prstGeom>
+          </p:spPr>
+        </p:pic>
+        <p:pic>
+          <p:nvPicPr>
+            <p:cNvPr id="33" name="Picture 32"/>
+            <p:cNvPicPr>
+              <a:picLocks noChangeAspect="1"/>
+            </p:cNvPicPr>
+            <p:nvPr/>
+          </p:nvPicPr>
+          <p:blipFill>
+            <a:blip r:embed="rId14">
+              <a:extLst>
+                <a:ext uri="{28A0092B-C50C-407E-A947-70E740481C1C}">
+                  <a14:useLocalDpi xmlns:a14="http://schemas.microsoft.com/office/drawing/2010/main" val="0"/>
+                </a:ext>
+              </a:extLst>
+            </a:blip>
+            <a:stretch>
+              <a:fillRect/>
+            </a:stretch>
+          </p:blipFill>
+          <p:spPr>
+            <a:xfrm>
+              <a:off x="1090900" y="904950"/>
+              <a:ext cx="2133600" cy="2133600"/>
+            </a:xfrm>
+            <a:prstGeom prst="rect">
+              <a:avLst/>
+            </a:prstGeom>
+          </p:spPr>
+        </p:pic>
+        <p:pic>
+          <p:nvPicPr>
+            <p:cNvPr id="34" name="Picture 33"/>
+            <p:cNvPicPr>
+              <a:picLocks noChangeAspect="1"/>
+            </p:cNvPicPr>
+            <p:nvPr/>
+          </p:nvPicPr>
+          <p:blipFill>
+            <a:blip r:embed="rId15">
+              <a:extLst>
+                <a:ext uri="{28A0092B-C50C-407E-A947-70E740481C1C}">
+                  <a14:useLocalDpi xmlns:a14="http://schemas.microsoft.com/office/drawing/2010/main" val="0"/>
+                </a:ext>
+              </a:extLst>
+            </a:blip>
+            <a:stretch>
+              <a:fillRect/>
+            </a:stretch>
+          </p:blipFill>
+          <p:spPr>
+            <a:xfrm>
+              <a:off x="1240900" y="1054950"/>
+              <a:ext cx="2133600" cy="2133600"/>
+            </a:xfrm>
+            <a:prstGeom prst="rect">
+              <a:avLst/>
+            </a:prstGeom>
+          </p:spPr>
+        </p:pic>
+        <p:pic>
+          <p:nvPicPr>
+            <p:cNvPr id="35" name="Picture 34"/>
+            <p:cNvPicPr>
+              <a:picLocks noChangeAspect="1"/>
+            </p:cNvPicPr>
+            <p:nvPr/>
+          </p:nvPicPr>
+          <p:blipFill>
+            <a:blip r:embed="rId16">
+              <a:extLst>
+                <a:ext uri="{28A0092B-C50C-407E-A947-70E740481C1C}">
+                  <a14:useLocalDpi xmlns:a14="http://schemas.microsoft.com/office/drawing/2010/main" val="0"/>
+                </a:ext>
+              </a:extLst>
+            </a:blip>
+            <a:stretch>
+              <a:fillRect/>
+            </a:stretch>
+          </p:blipFill>
+          <p:spPr>
+            <a:xfrm>
+              <a:off x="1390900" y="1204950"/>
+              <a:ext cx="2133600" cy="2133600"/>
+            </a:xfrm>
+            <a:prstGeom prst="rect">
+              <a:avLst/>
+            </a:prstGeom>
+          </p:spPr>
+        </p:pic>
+        <p:pic>
+          <p:nvPicPr>
+            <p:cNvPr id="36" name="Picture 35"/>
+            <p:cNvPicPr>
+              <a:picLocks noChangeAspect="1"/>
+            </p:cNvPicPr>
+            <p:nvPr/>
+          </p:nvPicPr>
+          <p:blipFill>
+            <a:blip r:embed="rId17">
+              <a:extLst>
+                <a:ext uri="{28A0092B-C50C-407E-A947-70E740481C1C}">
+                  <a14:useLocalDpi xmlns:a14="http://schemas.microsoft.com/office/drawing/2010/main" val="0"/>
+                </a:ext>
+              </a:extLst>
+            </a:blip>
+            <a:stretch>
+              <a:fillRect/>
+            </a:stretch>
+          </p:blipFill>
+          <p:spPr>
+            <a:xfrm>
+              <a:off x="1540900" y="1354950"/>
+              <a:ext cx="2133600" cy="2133600"/>
+            </a:xfrm>
+            <a:prstGeom prst="rect">
+              <a:avLst/>
+            </a:prstGeom>
+          </p:spPr>
+        </p:pic>
+        <p:pic>
+          <p:nvPicPr>
+            <p:cNvPr id="37" name="Picture 36"/>
+            <p:cNvPicPr>
+              <a:picLocks noChangeAspect="1"/>
+            </p:cNvPicPr>
+            <p:nvPr/>
+          </p:nvPicPr>
+          <p:blipFill>
+            <a:blip r:embed="rId18">
+              <a:extLst>
+                <a:ext uri="{28A0092B-C50C-407E-A947-70E740481C1C}">
+                  <a14:useLocalDpi xmlns:a14="http://schemas.microsoft.com/office/drawing/2010/main" val="0"/>
+                </a:ext>
+              </a:extLst>
+            </a:blip>
+            <a:stretch>
+              <a:fillRect/>
+            </a:stretch>
+          </p:blipFill>
+          <p:spPr>
+            <a:xfrm>
+              <a:off x="1690900" y="1504950"/>
+              <a:ext cx="2133600" cy="2133600"/>
+            </a:xfrm>
+            <a:prstGeom prst="rect">
+              <a:avLst/>
+            </a:prstGeom>
+          </p:spPr>
+        </p:pic>
+      </p:grpSp>
+    </p:spTree>
+    <p:extLst>
+      <p:ext uri="{BB962C8B-B14F-4D97-AF65-F5344CB8AC3E}">
+        <p14:creationId xmlns:p14="http://schemas.microsoft.com/office/powerpoint/2010/main" val="1281686698"/>
+      </p:ext>
+    </p:extLst>
+  </p:cSld>
+  <p:clrMapOvr>
+    <a:masterClrMapping/>
+  </p:clrMapOvr>
+</p:sld>
+</file>
+
+<file path=ppt/slides/slide19.xml><?xml version="1.0" encoding="utf-8"?>
+<p:sld xmlns:a="http://schemas.openxmlformats.org/drawingml/2006/main" xmlns:r="http://schemas.openxmlformats.org/officeDocument/2006/relationships" xmlns:p="http://schemas.openxmlformats.org/presentationml/2006/main">
+  <p:cSld>
+    <p:spTree>
+      <p:nvGrpSpPr>
+        <p:cNvPr id="1" name=""/>
+        <p:cNvGrpSpPr/>
+        <p:nvPr/>
+      </p:nvGrpSpPr>
+      <p:grpSpPr>
+        <a:xfrm>
+          <a:off x="0" y="0"/>
+          <a:ext cx="0" cy="0"/>
+          <a:chOff x="0" y="0"/>
+          <a:chExt cx="0" cy="0"/>
+        </a:xfrm>
+      </p:grpSpPr>
+      <p:sp>
+        <p:nvSpPr>
+          <p:cNvPr id="3" name="Fußzeilenplatzhalter 2"/>
+          <p:cNvSpPr>
+            <a:spLocks noGrp="1"/>
+          </p:cNvSpPr>
+          <p:nvPr>
+            <p:ph type="ftr" sz="quarter" idx="10"/>
+          </p:nvPr>
+        </p:nvSpPr>
+        <p:spPr/>
+        <p:txBody>
+          <a:bodyPr/>
+          <a:lstStyle/>
+          <a:p>
+            <a:pPr>
+              <a:defRPr/>
+            </a:pPr>
+            <a:r>
+              <a:rPr lang="de-DE" smtClean="0"/>
+              <a:t>Name Presentation</a:t>
+            </a:r>
+            <a:endParaRPr lang="de-DE" dirty="0"/>
+          </a:p>
+        </p:txBody>
+      </p:sp>
+      <p:sp>
+        <p:nvSpPr>
+          <p:cNvPr id="5" name="Foliennummernplatzhalter 4"/>
+          <p:cNvSpPr>
+            <a:spLocks noGrp="1"/>
+          </p:cNvSpPr>
+          <p:nvPr>
+            <p:ph type="sldNum" sz="quarter" idx="11"/>
+          </p:nvPr>
+        </p:nvSpPr>
+        <p:spPr/>
+        <p:txBody>
+          <a:bodyPr/>
+          <a:lstStyle/>
+          <a:p>
+            <a:pPr>
+              <a:defRPr/>
+            </a:pPr>
+            <a:fld id="{204C193F-02F4-43ED-A231-A7849CCE32B0}" type="slidenum">
+              <a:rPr lang="de-DE" smtClean="0"/>
+              <a:pPr>
+                <a:defRPr/>
+              </a:pPr>
+              <a:t>19</a:t>
+            </a:fld>
+            <a:endParaRPr lang="de-DE" dirty="0"/>
+          </a:p>
+        </p:txBody>
+      </p:sp>
+      <p:sp>
+        <p:nvSpPr>
+          <p:cNvPr id="2" name="Datumsplatzhalter 1"/>
+          <p:cNvSpPr>
+            <a:spLocks noGrp="1"/>
+          </p:cNvSpPr>
+          <p:nvPr>
+            <p:ph type="dt" sz="half" idx="12"/>
+          </p:nvPr>
+        </p:nvSpPr>
+        <p:spPr/>
+        <p:txBody>
+          <a:bodyPr/>
+          <a:lstStyle/>
+          <a:p>
+            <a:pPr>
+              <a:defRPr/>
+            </a:pPr>
+            <a:fld id="{CCA3E12C-31CC-704D-AD02-590E309E5E99}" type="datetime1">
+              <a:t>1/30/2017</a:t>
+            </a:fld>
+            <a:endParaRPr lang="de-DE" dirty="0"/>
+          </a:p>
+        </p:txBody>
+      </p:sp>
+      <p:sp>
+        <p:nvSpPr>
+          <p:cNvPr id="11" name="Textplatzhalter 10"/>
+          <p:cNvSpPr>
+            <a:spLocks noGrp="1"/>
+          </p:cNvSpPr>
+          <p:nvPr>
+            <p:ph type="body" sz="quarter" idx="13"/>
+          </p:nvPr>
+        </p:nvSpPr>
+        <p:spPr/>
+        <p:txBody>
+          <a:bodyPr/>
+          <a:lstStyle/>
+          <a:p>
+            <a:r>
+              <a:rPr lang="en-US" dirty="0" smtClean="0"/>
+              <a:t>Spot on … </a:t>
+            </a:r>
+            <a:r>
+              <a:rPr lang="en-US" dirty="0" err="1" smtClean="0"/>
+              <a:t>pretrained</a:t>
+            </a:r>
+            <a:r>
+              <a:rPr lang="en-US" dirty="0" smtClean="0"/>
+              <a:t> models</a:t>
+            </a:r>
+            <a:endParaRPr lang="en-US" dirty="0"/>
+          </a:p>
+        </p:txBody>
+      </p:sp>
+      <p:sp>
+        <p:nvSpPr>
+          <p:cNvPr id="6" name="Diagonal liegende Ecken des Rechtecks abrunden 5"/>
+          <p:cNvSpPr/>
+          <p:nvPr/>
+        </p:nvSpPr>
+        <p:spPr bwMode="gray">
+          <a:xfrm>
+            <a:off x="-3149600" y="1"/>
+            <a:ext cx="3067050" cy="1689652"/>
+          </a:xfrm>
+          <a:prstGeom prst="round2DiagRect">
+            <a:avLst>
+              <a:gd name="adj1" fmla="val 5144"/>
+              <a:gd name="adj2" fmla="val 0"/>
+            </a:avLst>
+          </a:prstGeom>
+          <a:solidFill>
+            <a:schemeClr val="accent3"/>
+          </a:solidFill>
+          <a:ln w="9525">
+            <a:solidFill>
+              <a:schemeClr val="tx2"/>
+            </a:solidFill>
+          </a:ln>
+        </p:spPr>
+        <p:style>
+          <a:lnRef idx="2">
+            <a:schemeClr val="accent1">
+              <a:shade val="50000"/>
+            </a:schemeClr>
+          </a:lnRef>
+          <a:fillRef idx="1">
+            <a:schemeClr val="accent1"/>
+          </a:fillRef>
+          <a:effectRef idx="0">
+            <a:schemeClr val="accent1"/>
+          </a:effectRef>
+          <a:fontRef idx="minor">
+            <a:schemeClr val="lt1"/>
+          </a:fontRef>
+        </p:style>
+        <p:txBody>
+          <a:bodyPr tIns="108000" rtlCol="0" anchor="t" anchorCtr="0"/>
+          <a:lstStyle/>
+          <a:p>
+            <a:r>
+              <a:rPr lang="en-US" sz="1100" b="1" dirty="0" smtClean="0">
+                <a:solidFill>
+                  <a:schemeClr val="bg1"/>
+                </a:solidFill>
+                <a:latin typeface="Arial"/>
+              </a:rPr>
+              <a:t>INFOBOX – Read and delete</a:t>
+            </a:r>
+          </a:p>
+          <a:p>
+            <a:endParaRPr lang="en-US" sz="1100" b="1" dirty="0">
+              <a:solidFill>
+                <a:schemeClr val="bg1"/>
+              </a:solidFill>
+              <a:latin typeface="Arial"/>
+              <a:cs typeface="Arial"/>
+            </a:endParaRPr>
+          </a:p>
+          <a:p>
+            <a:pPr marL="174625" indent="-174625">
+              <a:buFont typeface="Arial" pitchFamily="34" charset="0"/>
+              <a:buChar char="•"/>
+            </a:pPr>
+            <a:r>
+              <a:rPr lang="en-US" sz="1100" b="1" dirty="0" smtClean="0">
+                <a:solidFill>
+                  <a:schemeClr val="tx1"/>
+                </a:solidFill>
+                <a:latin typeface="Arial"/>
+              </a:rPr>
+              <a:t>In the chapter divider, the chapter text is written centered in the text field</a:t>
+            </a:r>
+          </a:p>
+          <a:p>
+            <a:pPr marL="174625" indent="-174625">
+              <a:buFont typeface="Arial" pitchFamily="34" charset="0"/>
+              <a:buChar char="•"/>
+            </a:pPr>
+            <a:r>
+              <a:rPr lang="en-US" sz="1100" b="1" dirty="0" smtClean="0">
+                <a:solidFill>
+                  <a:schemeClr val="tx1"/>
+                </a:solidFill>
+                <a:latin typeface="Arial"/>
+              </a:rPr>
+              <a:t>Please keep chapter names as short as possible, less text and punchy titles are better!</a:t>
+            </a:r>
+          </a:p>
+        </p:txBody>
+      </p:sp>
+    </p:spTree>
+    <p:extLst>
+      <p:ext uri="{BB962C8B-B14F-4D97-AF65-F5344CB8AC3E}">
+        <p14:creationId xmlns:p14="http://schemas.microsoft.com/office/powerpoint/2010/main" val="2648697083"/>
+      </p:ext>
+    </p:extLst>
+  </p:cSld>
+  <p:clrMapOvr>
+    <a:masterClrMapping/>
+  </p:clrMapOvr>
+  <p:timing>
+    <p:tnLst>
+      <p:par>
+        <p:cTn id="1" dur="indefinite" restart="never" nodeType="tmRoot"/>
+      </p:par>
+    </p:tnLst>
+  </p:timing>
+</p:sld>
+</file>
+
+<file path=ppt/slides/slide2.xml><?xml version="1.0" encoding="utf-8"?>
+<p:sld xmlns:a="http://schemas.openxmlformats.org/drawingml/2006/main" xmlns:r="http://schemas.openxmlformats.org/officeDocument/2006/relationships" xmlns:p="http://schemas.openxmlformats.org/presentationml/2006/main">
+  <p:cSld>
+    <p:spTree>
+      <p:nvGrpSpPr>
+        <p:cNvPr id="1" name=""/>
+        <p:cNvGrpSpPr/>
+        <p:nvPr/>
+      </p:nvGrpSpPr>
+      <p:grpSpPr>
+        <a:xfrm>
+          <a:off x="0" y="0"/>
+          <a:ext cx="0" cy="0"/>
+          <a:chOff x="0" y="0"/>
+          <a:chExt cx="0" cy="0"/>
+        </a:xfrm>
+      </p:grpSpPr>
+      <p:sp>
+        <p:nvSpPr>
+          <p:cNvPr id="3" name="Fußzeilenplatzhalter 2"/>
+          <p:cNvSpPr>
+            <a:spLocks noGrp="1"/>
+          </p:cNvSpPr>
+          <p:nvPr>
+            <p:ph type="ftr" sz="quarter" idx="10"/>
+          </p:nvPr>
+        </p:nvSpPr>
+        <p:spPr/>
+        <p:txBody>
+          <a:bodyPr/>
+          <a:lstStyle/>
+          <a:p>
+            <a:pPr>
+              <a:defRPr/>
+            </a:pPr>
+            <a:r>
+              <a:rPr lang="de-DE" smtClean="0"/>
+              <a:t>Name Presentation</a:t>
+            </a:r>
+            <a:endParaRPr lang="de-DE" dirty="0"/>
+          </a:p>
+        </p:txBody>
+      </p:sp>
+      <p:sp>
+        <p:nvSpPr>
+          <p:cNvPr id="5" name="Foliennummernplatzhalter 4"/>
+          <p:cNvSpPr>
+            <a:spLocks noGrp="1"/>
+          </p:cNvSpPr>
+          <p:nvPr>
+            <p:ph type="sldNum" sz="quarter" idx="11"/>
+          </p:nvPr>
+        </p:nvSpPr>
+        <p:spPr/>
+        <p:txBody>
+          <a:bodyPr/>
+          <a:lstStyle/>
+          <a:p>
+            <a:pPr>
+              <a:defRPr/>
+            </a:pPr>
+            <a:fld id="{204C193F-02F4-43ED-A231-A7849CCE32B0}" type="slidenum">
+              <a:rPr lang="de-DE" smtClean="0"/>
+              <a:pPr>
+                <a:defRPr/>
+              </a:pPr>
+              <a:t>2</a:t>
+            </a:fld>
+            <a:endParaRPr lang="de-DE" dirty="0"/>
+          </a:p>
+        </p:txBody>
+      </p:sp>
+      <p:sp>
+        <p:nvSpPr>
+          <p:cNvPr id="2" name="Datumsplatzhalter 1"/>
+          <p:cNvSpPr>
+            <a:spLocks noGrp="1"/>
+          </p:cNvSpPr>
+          <p:nvPr>
+            <p:ph type="dt" sz="half" idx="12"/>
+          </p:nvPr>
+        </p:nvSpPr>
+        <p:spPr/>
+        <p:txBody>
+          <a:bodyPr/>
+          <a:lstStyle/>
+          <a:p>
+            <a:pPr>
+              <a:defRPr/>
+            </a:pPr>
+            <a:fld id="{CCA3E12C-31CC-704D-AD02-590E309E5E99}" type="datetime1">
+              <a:t>1/30/2017</a:t>
+            </a:fld>
+            <a:endParaRPr lang="de-DE" dirty="0"/>
+          </a:p>
+        </p:txBody>
+      </p:sp>
+      <p:sp>
+        <p:nvSpPr>
+          <p:cNvPr id="11" name="Textplatzhalter 10"/>
+          <p:cNvSpPr>
+            <a:spLocks noGrp="1"/>
+          </p:cNvSpPr>
+          <p:nvPr>
+            <p:ph type="body" sz="quarter" idx="13"/>
+          </p:nvPr>
+        </p:nvSpPr>
+        <p:spPr/>
+        <p:txBody>
+          <a:bodyPr/>
+          <a:lstStyle/>
+          <a:p>
+            <a:r>
+              <a:rPr lang="de-DE" dirty="0" smtClean="0"/>
+              <a:t>Deep Learning in 3 </a:t>
+            </a:r>
+            <a:r>
+              <a:rPr lang="en-US" dirty="0" smtClean="0"/>
+              <a:t>W’s</a:t>
+            </a:r>
+            <a:endParaRPr lang="en-US" dirty="0"/>
+          </a:p>
+        </p:txBody>
+      </p:sp>
+      <p:sp>
+        <p:nvSpPr>
+          <p:cNvPr id="6" name="Diagonal liegende Ecken des Rechtecks abrunden 5"/>
+          <p:cNvSpPr/>
+          <p:nvPr/>
+        </p:nvSpPr>
+        <p:spPr bwMode="gray">
+          <a:xfrm>
+            <a:off x="-3149600" y="1"/>
+            <a:ext cx="3067050" cy="1689652"/>
+          </a:xfrm>
+          <a:prstGeom prst="round2DiagRect">
+            <a:avLst>
+              <a:gd name="adj1" fmla="val 5144"/>
+              <a:gd name="adj2" fmla="val 0"/>
+            </a:avLst>
+          </a:prstGeom>
+          <a:solidFill>
+            <a:schemeClr val="accent3"/>
+          </a:solidFill>
+          <a:ln w="9525">
+            <a:solidFill>
+              <a:schemeClr val="tx2"/>
+            </a:solidFill>
+          </a:ln>
+        </p:spPr>
+        <p:style>
+          <a:lnRef idx="2">
+            <a:schemeClr val="accent1">
+              <a:shade val="50000"/>
+            </a:schemeClr>
+          </a:lnRef>
+          <a:fillRef idx="1">
+            <a:schemeClr val="accent1"/>
+          </a:fillRef>
+          <a:effectRef idx="0">
+            <a:schemeClr val="accent1"/>
+          </a:effectRef>
+          <a:fontRef idx="minor">
+            <a:schemeClr val="lt1"/>
+          </a:fontRef>
+        </p:style>
+        <p:txBody>
+          <a:bodyPr tIns="108000" rtlCol="0" anchor="t" anchorCtr="0"/>
+          <a:lstStyle/>
+          <a:p>
+            <a:r>
+              <a:rPr lang="en-US" sz="1100" b="1" dirty="0" smtClean="0">
+                <a:solidFill>
+                  <a:schemeClr val="bg1"/>
+                </a:solidFill>
+                <a:latin typeface="Arial"/>
+              </a:rPr>
+              <a:t>INFOBOX – Read and delete</a:t>
+            </a:r>
+          </a:p>
+          <a:p>
+            <a:endParaRPr lang="en-US" sz="1100" b="1" dirty="0">
+              <a:solidFill>
+                <a:schemeClr val="bg1"/>
+              </a:solidFill>
+              <a:latin typeface="Arial"/>
+              <a:cs typeface="Arial"/>
+            </a:endParaRPr>
+          </a:p>
+          <a:p>
+            <a:pPr marL="174625" indent="-174625">
+              <a:buFont typeface="Arial" pitchFamily="34" charset="0"/>
+              <a:buChar char="•"/>
+            </a:pPr>
+            <a:r>
+              <a:rPr lang="en-US" sz="1100" b="1" dirty="0" smtClean="0">
+                <a:solidFill>
+                  <a:schemeClr val="tx1"/>
+                </a:solidFill>
+                <a:latin typeface="Arial"/>
+              </a:rPr>
+              <a:t>In the chapter divider, the chapter text is written centered in the text field</a:t>
+            </a:r>
+          </a:p>
+          <a:p>
+            <a:pPr marL="174625" indent="-174625">
+              <a:buFont typeface="Arial" pitchFamily="34" charset="0"/>
+              <a:buChar char="•"/>
+            </a:pPr>
+            <a:r>
+              <a:rPr lang="en-US" sz="1100" b="1" dirty="0" smtClean="0">
+                <a:solidFill>
+                  <a:schemeClr val="tx1"/>
+                </a:solidFill>
+                <a:latin typeface="Arial"/>
+              </a:rPr>
+              <a:t>Please keep chapter names as short as possible, less text and punchy titles are better!</a:t>
+            </a:r>
+          </a:p>
+        </p:txBody>
+      </p:sp>
+    </p:spTree>
+    <p:extLst>
+      <p:ext uri="{BB962C8B-B14F-4D97-AF65-F5344CB8AC3E}">
+        <p14:creationId xmlns:p14="http://schemas.microsoft.com/office/powerpoint/2010/main" val="604989280"/>
+      </p:ext>
+    </p:extLst>
+  </p:cSld>
+  <p:clrMapOvr>
+    <a:masterClrMapping/>
+  </p:clrMapOvr>
+  <p:timing>
+    <p:tnLst>
+      <p:par>
+        <p:cTn id="1" dur="indefinite" restart="never" nodeType="tmRoot"/>
+      </p:par>
+    </p:tnLst>
+  </p:timing>
+</p:sld>
+</file>
+
+<file path=ppt/slides/slide20.xml><?xml version="1.0" encoding="utf-8"?>
+<p:sld xmlns:a="http://schemas.openxmlformats.org/drawingml/2006/main" xmlns:r="http://schemas.openxmlformats.org/officeDocument/2006/relationships" xmlns:p="http://schemas.openxmlformats.org/presentationml/2006/main">
+  <p:cSld>
+    <p:spTree>
+      <p:nvGrpSpPr>
+        <p:cNvPr id="1" name=""/>
+        <p:cNvGrpSpPr/>
+        <p:nvPr/>
+      </p:nvGrpSpPr>
+      <p:grpSpPr>
+        <a:xfrm>
+          <a:off x="0" y="0"/>
+          <a:ext cx="0" cy="0"/>
+          <a:chOff x="0" y="0"/>
+          <a:chExt cx="0" cy="0"/>
+        </a:xfrm>
+      </p:grpSpPr>
+      <p:sp>
+        <p:nvSpPr>
+          <p:cNvPr id="2" name="Title 1"/>
+          <p:cNvSpPr>
+            <a:spLocks noGrp="1"/>
+          </p:cNvSpPr>
+          <p:nvPr>
+            <p:ph type="title"/>
+          </p:nvPr>
+        </p:nvSpPr>
+        <p:spPr/>
+        <p:txBody>
+          <a:bodyPr/>
+          <a:lstStyle/>
+          <a:p>
+            <a:r>
+              <a:rPr lang="en-US" dirty="0" smtClean="0"/>
+              <a:t>Model zoo</a:t>
+            </a:r>
+            <a:endParaRPr lang="en-US" dirty="0"/>
+          </a:p>
+        </p:txBody>
+      </p:sp>
+      <p:sp>
+        <p:nvSpPr>
+          <p:cNvPr id="3" name="Footer Placeholder 2"/>
+          <p:cNvSpPr>
+            <a:spLocks noGrp="1"/>
+          </p:cNvSpPr>
+          <p:nvPr>
+            <p:ph type="ftr" sz="quarter" idx="10"/>
+          </p:nvPr>
+        </p:nvSpPr>
+        <p:spPr/>
+        <p:txBody>
+          <a:bodyPr/>
+          <a:lstStyle/>
+          <a:p>
+            <a:r>
+              <a:rPr lang="de-DE" smtClean="0"/>
+              <a:t>Name Presentation</a:t>
+            </a:r>
+            <a:endParaRPr lang="de-DE"/>
+          </a:p>
+        </p:txBody>
+      </p:sp>
+      <p:sp>
+        <p:nvSpPr>
+          <p:cNvPr id="4" name="Slide Number Placeholder 3"/>
+          <p:cNvSpPr>
+            <a:spLocks noGrp="1"/>
+          </p:cNvSpPr>
+          <p:nvPr>
+            <p:ph type="sldNum" sz="quarter" idx="11"/>
+          </p:nvPr>
+        </p:nvSpPr>
+        <p:spPr/>
+        <p:txBody>
+          <a:bodyPr/>
+          <a:lstStyle/>
+          <a:p>
+            <a:fld id="{CAA1D080-129B-CB43-9B9B-B053798F4C9F}" type="slidenum">
+              <a:rPr lang="de-DE" smtClean="0"/>
+              <a:pPr/>
+              <a:t>20</a:t>
+            </a:fld>
+            <a:endParaRPr lang="de-DE"/>
+          </a:p>
+        </p:txBody>
+      </p:sp>
+      <p:sp>
+        <p:nvSpPr>
+          <p:cNvPr id="5" name="Date Placeholder 4"/>
+          <p:cNvSpPr>
+            <a:spLocks noGrp="1"/>
+          </p:cNvSpPr>
+          <p:nvPr>
+            <p:ph type="dt" sz="half" idx="12"/>
+          </p:nvPr>
+        </p:nvSpPr>
+        <p:spPr/>
+        <p:txBody>
+          <a:bodyPr/>
+          <a:lstStyle/>
+          <a:p>
+            <a:fld id="{D456EEBE-A7AF-E645-9889-AAA1CC8034EC}" type="datetime1">
+              <a:rPr lang="en-US" smtClean="0"/>
+              <a:t>8/24/2017</a:t>
+            </a:fld>
+            <a:endParaRPr lang="en-US"/>
+          </a:p>
+        </p:txBody>
+      </p:sp>
+      <p:sp>
+        <p:nvSpPr>
+          <p:cNvPr id="6" name="Content Placeholder 5"/>
+          <p:cNvSpPr>
+            <a:spLocks noGrp="1"/>
+          </p:cNvSpPr>
+          <p:nvPr>
+            <p:ph sz="quarter" idx="13"/>
+          </p:nvPr>
+        </p:nvSpPr>
+        <p:spPr/>
+        <p:txBody>
+          <a:bodyPr/>
+          <a:lstStyle/>
+          <a:p>
+            <a:endParaRPr lang="en-US" dirty="0"/>
+          </a:p>
+          <a:p>
+            <a:pPr marL="285750" indent="-285750">
+              <a:buFont typeface="Arial" pitchFamily="34" charset="0"/>
+              <a:buChar char="•"/>
+            </a:pPr>
+            <a:r>
+              <a:rPr lang="en-US" dirty="0" smtClean="0"/>
+              <a:t>Can use e.g. VGG16, VGG19, </a:t>
+            </a:r>
+            <a:r>
+              <a:rPr lang="en-US" dirty="0" err="1" smtClean="0"/>
+              <a:t>ResNet</a:t>
+            </a:r>
+            <a:r>
+              <a:rPr lang="en-US" dirty="0" smtClean="0"/>
+              <a:t>, </a:t>
+            </a:r>
+            <a:r>
+              <a:rPr lang="en-US" dirty="0" err="1" smtClean="0"/>
+              <a:t>GoogleNet</a:t>
+            </a:r>
+            <a:r>
+              <a:rPr lang="en-US" dirty="0" smtClean="0"/>
+              <a:t>… with weights mostly trained on </a:t>
+            </a:r>
+            <a:r>
+              <a:rPr lang="en-US" dirty="0" err="1" smtClean="0"/>
+              <a:t>ImageNet</a:t>
+            </a:r>
+            <a:endParaRPr lang="en-US" dirty="0" smtClean="0"/>
+          </a:p>
+          <a:p>
+            <a:pPr marL="285750" indent="-285750">
+              <a:buFont typeface="Arial" pitchFamily="34" charset="0"/>
+              <a:buChar char="•"/>
+            </a:pPr>
+            <a:r>
+              <a:rPr lang="en-US" dirty="0" smtClean="0"/>
+              <a:t>Examples available for different forms of usage (adaptation to own classes, fine tuning)</a:t>
+            </a:r>
+          </a:p>
+          <a:p>
+            <a:pPr marL="285750" indent="-285750">
+              <a:buFont typeface="Arial" pitchFamily="34" charset="0"/>
+              <a:buChar char="•"/>
+            </a:pPr>
+            <a:endParaRPr lang="en-US" dirty="0"/>
+          </a:p>
+          <a:p>
+            <a:pPr marL="285750" indent="-285750">
+              <a:buFont typeface="Arial" pitchFamily="34" charset="0"/>
+              <a:buChar char="•"/>
+            </a:pPr>
+            <a:endParaRPr lang="en-US" dirty="0" smtClean="0"/>
+          </a:p>
+          <a:p>
+            <a:pPr marL="285750" indent="-285750">
+              <a:buFont typeface="Arial" pitchFamily="34" charset="0"/>
+              <a:buChar char="•"/>
+            </a:pPr>
+            <a:endParaRPr lang="en-US" dirty="0"/>
+          </a:p>
+          <a:p>
+            <a:pPr marL="285750" indent="-285750">
+              <a:buFont typeface="Arial" pitchFamily="34" charset="0"/>
+              <a:buChar char="•"/>
+            </a:pPr>
+            <a:endParaRPr lang="en-US" dirty="0" smtClean="0"/>
+          </a:p>
+          <a:p>
+            <a:pPr marL="285750" indent="-285750">
+              <a:buFont typeface="Arial" pitchFamily="34" charset="0"/>
+              <a:buChar char="•"/>
+            </a:pPr>
+            <a:endParaRPr lang="en-US" dirty="0"/>
+          </a:p>
+          <a:p>
+            <a:pPr marL="285750" indent="-285750">
+              <a:buFont typeface="Arial" pitchFamily="34" charset="0"/>
+              <a:buChar char="•"/>
+            </a:pPr>
+            <a:endParaRPr lang="en-US" dirty="0" smtClean="0"/>
+          </a:p>
+          <a:p>
+            <a:pPr marL="285750" indent="-285750">
+              <a:buFont typeface="Arial" pitchFamily="34" charset="0"/>
+              <a:buChar char="•"/>
+            </a:pPr>
+            <a:r>
+              <a:rPr lang="en-US" dirty="0" smtClean="0"/>
+              <a:t>Let’s try this out!</a:t>
+            </a:r>
+          </a:p>
+          <a:p>
+            <a:pPr marL="285750" indent="-285750">
+              <a:buFont typeface="Arial" pitchFamily="34" charset="0"/>
+              <a:buChar char="•"/>
+            </a:pPr>
+            <a:endParaRPr lang="en-US" dirty="0"/>
+          </a:p>
+          <a:p>
+            <a:pPr marL="285750" indent="-285750">
+              <a:buFont typeface="Arial" pitchFamily="34" charset="0"/>
+              <a:buChar char="•"/>
+            </a:pPr>
+            <a:endParaRPr lang="en-US" dirty="0"/>
+          </a:p>
+        </p:txBody>
+      </p:sp>
+      <p:sp>
+        <p:nvSpPr>
+          <p:cNvPr id="7" name="Textplatzhalter 3"/>
+          <p:cNvSpPr txBox="1">
+            <a:spLocks/>
+          </p:cNvSpPr>
+          <p:nvPr/>
+        </p:nvSpPr>
+        <p:spPr>
+          <a:xfrm>
+            <a:off x="766460" y="2482686"/>
+            <a:ext cx="7935226" cy="826165"/>
+          </a:xfrm>
+          <a:prstGeom prst="rect">
+            <a:avLst/>
+          </a:prstGeom>
+          <a:solidFill>
+            <a:schemeClr val="accent1">
+              <a:lumMod val="20000"/>
+              <a:lumOff val="80000"/>
+            </a:schemeClr>
+          </a:solidFill>
+        </p:spPr>
+        <p:txBody>
+          <a:bodyPr/>
+          <a:lstStyle>
+            <a:lvl1pPr algn="l" rtl="0" eaLnBrk="1" fontAlgn="base" hangingPunct="1">
+              <a:lnSpc>
+                <a:spcPts val="1900"/>
+              </a:lnSpc>
+              <a:spcBef>
+                <a:spcPts val="0"/>
+              </a:spcBef>
+              <a:spcAft>
+                <a:spcPct val="0"/>
+              </a:spcAft>
+              <a:buClr>
+                <a:schemeClr val="accent1"/>
+              </a:buClr>
+              <a:defRPr sz="1600" kern="1200">
+                <a:solidFill>
+                  <a:srgbClr val="666666"/>
+                </a:solidFill>
+                <a:latin typeface="Arial"/>
+                <a:ea typeface="+mn-ea"/>
+                <a:cs typeface="Arial"/>
+              </a:defRPr>
+            </a:lvl1pPr>
+            <a:lvl2pPr marL="271463" indent="-269875" algn="l" rtl="0" eaLnBrk="1" fontAlgn="base" hangingPunct="1">
+              <a:lnSpc>
+                <a:spcPts val="1900"/>
+              </a:lnSpc>
+              <a:spcBef>
+                <a:spcPts val="900"/>
+              </a:spcBef>
+              <a:spcAft>
+                <a:spcPct val="0"/>
+              </a:spcAft>
+              <a:buClrTx/>
+              <a:buSzPct val="100000"/>
+              <a:buFontTx/>
+              <a:buBlip>
+                <a:blip r:embed="rId2"/>
+              </a:buBlip>
+              <a:defRPr sz="1600" kern="1200">
+                <a:solidFill>
+                  <a:srgbClr val="666666"/>
+                </a:solidFill>
+                <a:latin typeface="Arial"/>
+                <a:ea typeface="+mn-ea"/>
+                <a:cs typeface="Arial"/>
+              </a:defRPr>
+            </a:lvl2pPr>
+            <a:lvl3pPr marL="468000" indent="-180000" algn="l" rtl="0" eaLnBrk="1" fontAlgn="base" hangingPunct="1">
+              <a:lnSpc>
+                <a:spcPts val="1900"/>
+              </a:lnSpc>
+              <a:spcBef>
+                <a:spcPts val="900"/>
+              </a:spcBef>
+              <a:spcAft>
+                <a:spcPct val="0"/>
+              </a:spcAft>
+              <a:buClr>
+                <a:schemeClr val="tx1"/>
+              </a:buClr>
+              <a:buFont typeface="Lucida Grande"/>
+              <a:buChar char="–"/>
+              <a:defRPr sz="1600" kern="1200">
+                <a:solidFill>
+                  <a:srgbClr val="666666"/>
+                </a:solidFill>
+                <a:latin typeface="Arial"/>
+                <a:ea typeface="+mn-ea"/>
+                <a:cs typeface="Arial"/>
+              </a:defRPr>
+            </a:lvl3pPr>
+            <a:lvl4pPr marL="468000" indent="-180000" algn="l" rtl="0" eaLnBrk="1" fontAlgn="base" hangingPunct="1">
+              <a:lnSpc>
+                <a:spcPts val="1900"/>
+              </a:lnSpc>
+              <a:spcBef>
+                <a:spcPts val="900"/>
+              </a:spcBef>
+              <a:spcAft>
+                <a:spcPct val="0"/>
+              </a:spcAft>
+              <a:buClr>
+                <a:srgbClr val="666666"/>
+              </a:buClr>
+              <a:buFont typeface="Arial"/>
+              <a:buChar char="•"/>
+              <a:defRPr sz="1600" kern="1200">
+                <a:solidFill>
+                  <a:srgbClr val="666666"/>
+                </a:solidFill>
+                <a:latin typeface="Arial"/>
+                <a:ea typeface="+mn-ea"/>
+                <a:cs typeface="Arial"/>
+              </a:defRPr>
+            </a:lvl4pPr>
+            <a:lvl5pPr marL="270000" indent="-270000" algn="l" defTabSz="900113" rtl="0" eaLnBrk="1" fontAlgn="base" hangingPunct="1">
+              <a:lnSpc>
+                <a:spcPts val="1900"/>
+              </a:lnSpc>
+              <a:spcBef>
+                <a:spcPts val="900"/>
+              </a:spcBef>
+              <a:spcAft>
+                <a:spcPct val="0"/>
+              </a:spcAft>
+              <a:buClr>
+                <a:schemeClr val="tx1"/>
+              </a:buClr>
+              <a:buFont typeface="+mj-lt"/>
+              <a:buAutoNum type="arabicPeriod"/>
+              <a:defRPr sz="1600" kern="1200">
+                <a:solidFill>
+                  <a:srgbClr val="666666"/>
+                </a:solidFill>
+                <a:latin typeface="Arial"/>
+                <a:ea typeface="+mn-ea"/>
+                <a:cs typeface="Arial"/>
+              </a:defRPr>
+            </a:lvl5pPr>
+            <a:lvl6pPr marL="468000" indent="-180000" algn="l" defTabSz="914400" rtl="0" eaLnBrk="1" latinLnBrk="0" hangingPunct="1">
+              <a:lnSpc>
+                <a:spcPts val="1900"/>
+              </a:lnSpc>
+              <a:spcBef>
+                <a:spcPts val="900"/>
+              </a:spcBef>
+              <a:buClr>
+                <a:schemeClr val="accent2"/>
+              </a:buClr>
+              <a:buFont typeface="Segoe UI" pitchFamily="34" charset="0"/>
+              <a:buChar char="&gt;"/>
+              <a:defRPr sz="1600" kern="1200">
+                <a:solidFill>
+                  <a:srgbClr val="666666"/>
+                </a:solidFill>
+                <a:latin typeface="Arial"/>
+                <a:ea typeface="+mn-ea"/>
+                <a:cs typeface="Arial"/>
+              </a:defRPr>
+            </a:lvl6pPr>
+            <a:lvl7pPr marL="468000" indent="-180000" algn="l" defTabSz="914400" rtl="0" eaLnBrk="1" latinLnBrk="0" hangingPunct="1">
+              <a:lnSpc>
+                <a:spcPts val="1900"/>
+              </a:lnSpc>
+              <a:spcBef>
+                <a:spcPts val="900"/>
+              </a:spcBef>
+              <a:buClr>
+                <a:schemeClr val="tx1"/>
+              </a:buClr>
+              <a:buFont typeface="Segoe UI" pitchFamily="34" charset="0"/>
+              <a:buChar char="&gt;"/>
+              <a:defRPr sz="1600" kern="1200">
+                <a:solidFill>
+                  <a:srgbClr val="666666"/>
+                </a:solidFill>
+                <a:latin typeface="Arial"/>
+                <a:ea typeface="+mn-ea"/>
+                <a:cs typeface="Arial"/>
+              </a:defRPr>
+            </a:lvl7pPr>
+            <a:lvl8pPr marL="3429000" indent="-228600" algn="l" defTabSz="914400" rtl="0" eaLnBrk="1" latinLnBrk="0" hangingPunct="1">
+              <a:spcBef>
+                <a:spcPct val="20000"/>
+              </a:spcBef>
+              <a:buFont typeface="Arial" pitchFamily="34" charset="0"/>
+              <a:buChar char="•"/>
+              <a:defRPr sz="2000" kern="1200">
+                <a:solidFill>
+                  <a:schemeClr val="tx1"/>
+                </a:solidFill>
+                <a:latin typeface="+mn-lt"/>
+                <a:ea typeface="+mn-ea"/>
+                <a:cs typeface="+mn-cs"/>
+              </a:defRPr>
+            </a:lvl8pPr>
+            <a:lvl9pPr marL="3886200" indent="-228600" algn="l" defTabSz="914400" rtl="0" eaLnBrk="1" latinLnBrk="0" hangingPunct="1">
+              <a:spcBef>
+                <a:spcPct val="20000"/>
+              </a:spcBef>
+              <a:buFont typeface="Arial" pitchFamily="34" charset="0"/>
+              <a:buChar char="•"/>
+              <a:defRPr sz="2000" kern="1200">
+                <a:solidFill>
+                  <a:schemeClr val="tx1"/>
+                </a:solidFill>
+                <a:latin typeface="+mn-lt"/>
+                <a:ea typeface="+mn-ea"/>
+                <a:cs typeface="+mn-cs"/>
+              </a:defRPr>
+            </a:lvl9pPr>
+          </a:lstStyle>
+          <a:p>
+            <a:pPr>
+              <a:tabLst>
+                <a:tab pos="2603500" algn="l"/>
+                <a:tab pos="3048000" algn="l"/>
+              </a:tabLst>
+            </a:pPr>
+            <a:r>
+              <a:rPr lang="en-US" sz="1200" dirty="0" err="1">
+                <a:latin typeface="Lucida Sans Typewriter" pitchFamily="49" charset="0"/>
+              </a:rPr>
+              <a:t>ZooModel</a:t>
+            </a:r>
+            <a:r>
+              <a:rPr lang="en-US" sz="1200" dirty="0">
+                <a:latin typeface="Lucida Sans Typewriter" pitchFamily="49" charset="0"/>
+              </a:rPr>
+              <a:t> vgg16 = new</a:t>
+            </a:r>
+            <a:r>
+              <a:rPr lang="en-US" sz="1200" b="1" dirty="0">
+                <a:latin typeface="Lucida Sans Typewriter" pitchFamily="49" charset="0"/>
+              </a:rPr>
+              <a:t> </a:t>
+            </a:r>
+            <a:r>
+              <a:rPr lang="en-US" sz="1200" dirty="0">
+                <a:latin typeface="Lucida Sans Typewriter" pitchFamily="49" charset="0"/>
+              </a:rPr>
+              <a:t>VGG16();</a:t>
+            </a:r>
+            <a:br>
+              <a:rPr lang="en-US" sz="1200" dirty="0">
+                <a:latin typeface="Lucida Sans Typewriter" pitchFamily="49" charset="0"/>
+              </a:rPr>
+            </a:br>
+            <a:r>
+              <a:rPr lang="en-US" sz="1200" dirty="0" err="1">
+                <a:latin typeface="Lucida Sans Typewriter" pitchFamily="49" charset="0"/>
+              </a:rPr>
+              <a:t>ComputationGraph</a:t>
+            </a:r>
+            <a:r>
+              <a:rPr lang="en-US" sz="1200" dirty="0">
+                <a:latin typeface="Lucida Sans Typewriter" pitchFamily="49" charset="0"/>
+              </a:rPr>
+              <a:t> </a:t>
+            </a:r>
+            <a:r>
+              <a:rPr lang="en-US" sz="1200" dirty="0" err="1">
+                <a:latin typeface="Lucida Sans Typewriter" pitchFamily="49" charset="0"/>
+              </a:rPr>
+              <a:t>pretrainedNet</a:t>
+            </a:r>
+            <a:r>
+              <a:rPr lang="en-US" sz="1200" dirty="0">
+                <a:latin typeface="Lucida Sans Typewriter" pitchFamily="49" charset="0"/>
+              </a:rPr>
+              <a:t> = (</a:t>
+            </a:r>
+            <a:r>
+              <a:rPr lang="en-US" sz="1200" dirty="0" err="1">
+                <a:latin typeface="Lucida Sans Typewriter" pitchFamily="49" charset="0"/>
+              </a:rPr>
+              <a:t>ComputationGraph</a:t>
+            </a:r>
+            <a:r>
+              <a:rPr lang="en-US" sz="1200" dirty="0">
+                <a:latin typeface="Lucida Sans Typewriter" pitchFamily="49" charset="0"/>
+              </a:rPr>
+              <a:t>) vgg16.initPretrained(</a:t>
+            </a:r>
+            <a:r>
+              <a:rPr lang="en-US" sz="1200" dirty="0" err="1">
+                <a:latin typeface="Lucida Sans Typewriter" pitchFamily="49" charset="0"/>
+              </a:rPr>
+              <a:t>PretrainedType.</a:t>
+            </a:r>
+            <a:r>
+              <a:rPr lang="en-US" sz="1200" i="1" dirty="0" err="1">
+                <a:latin typeface="Lucida Sans Typewriter" pitchFamily="49" charset="0"/>
+              </a:rPr>
+              <a:t>IMAGENET</a:t>
+            </a:r>
+            <a:r>
+              <a:rPr lang="en-US" sz="1200" dirty="0">
+                <a:latin typeface="Lucida Sans Typewriter" pitchFamily="49" charset="0"/>
+              </a:rPr>
+              <a:t>);</a:t>
+            </a:r>
+            <a:endParaRPr lang="de-DE" sz="1200" dirty="0">
+              <a:latin typeface="Lucida Sans Typewriter" pitchFamily="49" charset="0"/>
+            </a:endParaRPr>
+          </a:p>
+        </p:txBody>
+      </p:sp>
+    </p:spTree>
+    <p:extLst>
+      <p:ext uri="{BB962C8B-B14F-4D97-AF65-F5344CB8AC3E}">
+        <p14:creationId xmlns:p14="http://schemas.microsoft.com/office/powerpoint/2010/main" val="3868000386"/>
+      </p:ext>
+    </p:extLst>
+  </p:cSld>
+  <p:clrMapOvr>
+    <a:masterClrMapping/>
+  </p:clrMapOvr>
+</p:sld>
+</file>
+
+<file path=ppt/slides/slide21.xml><?xml version="1.0" encoding="utf-8"?>
+<p:sld xmlns:a="http://schemas.openxmlformats.org/drawingml/2006/main" xmlns:r="http://schemas.openxmlformats.org/officeDocument/2006/relationships" xmlns:p="http://schemas.openxmlformats.org/presentationml/2006/main">
+  <p:cSld>
+    <p:spTree>
+      <p:nvGrpSpPr>
+        <p:cNvPr id="1" name=""/>
+        <p:cNvGrpSpPr/>
+        <p:nvPr/>
+      </p:nvGrpSpPr>
+      <p:grpSpPr>
+        <a:xfrm>
+          <a:off x="0" y="0"/>
+          <a:ext cx="0" cy="0"/>
+          <a:chOff x="0" y="0"/>
+          <a:chExt cx="0" cy="0"/>
+        </a:xfrm>
+      </p:grpSpPr>
+      <p:sp>
+        <p:nvSpPr>
+          <p:cNvPr id="2" name="Title 1"/>
+          <p:cNvSpPr>
+            <a:spLocks noGrp="1"/>
+          </p:cNvSpPr>
+          <p:nvPr>
+            <p:ph type="title"/>
+          </p:nvPr>
+        </p:nvSpPr>
+        <p:spPr/>
+        <p:txBody>
+          <a:bodyPr/>
+          <a:lstStyle/>
+          <a:p>
+            <a:r>
+              <a:rPr lang="en-US" dirty="0" smtClean="0"/>
+              <a:t>VGG 16 demo: What’s this?</a:t>
+            </a:r>
+            <a:endParaRPr lang="en-US" dirty="0"/>
+          </a:p>
+        </p:txBody>
+      </p:sp>
+      <p:sp>
+        <p:nvSpPr>
+          <p:cNvPr id="3" name="Footer Placeholder 2"/>
+          <p:cNvSpPr>
+            <a:spLocks noGrp="1"/>
+          </p:cNvSpPr>
+          <p:nvPr>
+            <p:ph type="ftr" sz="quarter" idx="10"/>
+          </p:nvPr>
+        </p:nvSpPr>
+        <p:spPr/>
+        <p:txBody>
+          <a:bodyPr/>
+          <a:lstStyle/>
+          <a:p>
+            <a:r>
+              <a:rPr lang="de-DE" smtClean="0"/>
+              <a:t>Name Presentation</a:t>
+            </a:r>
+            <a:endParaRPr lang="de-DE"/>
+          </a:p>
+        </p:txBody>
+      </p:sp>
+      <p:sp>
+        <p:nvSpPr>
+          <p:cNvPr id="4" name="Slide Number Placeholder 3"/>
+          <p:cNvSpPr>
+            <a:spLocks noGrp="1"/>
+          </p:cNvSpPr>
+          <p:nvPr>
+            <p:ph type="sldNum" sz="quarter" idx="11"/>
+          </p:nvPr>
+        </p:nvSpPr>
+        <p:spPr/>
+        <p:txBody>
+          <a:bodyPr/>
+          <a:lstStyle/>
+          <a:p>
+            <a:fld id="{CAA1D080-129B-CB43-9B9B-B053798F4C9F}" type="slidenum">
+              <a:rPr lang="de-DE" smtClean="0"/>
+              <a:pPr/>
+              <a:t>21</a:t>
+            </a:fld>
+            <a:endParaRPr lang="de-DE"/>
+          </a:p>
+        </p:txBody>
+      </p:sp>
+      <p:sp>
+        <p:nvSpPr>
+          <p:cNvPr id="5" name="Date Placeholder 4"/>
+          <p:cNvSpPr>
+            <a:spLocks noGrp="1"/>
+          </p:cNvSpPr>
+          <p:nvPr>
+            <p:ph type="dt" sz="half" idx="12"/>
+          </p:nvPr>
+        </p:nvSpPr>
+        <p:spPr/>
+        <p:txBody>
+          <a:bodyPr/>
+          <a:lstStyle/>
+          <a:p>
+            <a:fld id="{D456EEBE-A7AF-E645-9889-AAA1CC8034EC}" type="datetime1">
+              <a:rPr lang="en-US" smtClean="0"/>
+              <a:t>8/24/2017</a:t>
+            </a:fld>
+            <a:endParaRPr lang="en-US"/>
+          </a:p>
+        </p:txBody>
+      </p:sp>
+      <p:sp>
+        <p:nvSpPr>
+          <p:cNvPr id="6" name="Content Placeholder 5"/>
+          <p:cNvSpPr>
+            <a:spLocks noGrp="1"/>
+          </p:cNvSpPr>
+          <p:nvPr>
+            <p:ph sz="quarter" idx="13"/>
+          </p:nvPr>
+        </p:nvSpPr>
+        <p:spPr/>
+        <p:txBody>
+          <a:bodyPr/>
+          <a:lstStyle/>
+          <a:p>
+            <a:endParaRPr lang="en-US" dirty="0"/>
+          </a:p>
+          <a:p>
+            <a:pPr marL="285750" indent="-285750">
+              <a:buFont typeface="Arial" pitchFamily="34" charset="0"/>
+              <a:buChar char="•"/>
+            </a:pPr>
+            <a:endParaRPr lang="en-US" dirty="0"/>
+          </a:p>
+        </p:txBody>
+      </p:sp>
+      <p:graphicFrame>
+        <p:nvGraphicFramePr>
+          <p:cNvPr id="14" name="Diagram 13"/>
+          <p:cNvGraphicFramePr/>
+          <p:nvPr>
+            <p:extLst>
+              <p:ext uri="{D42A27DB-BD31-4B8C-83A1-F6EECF244321}">
+                <p14:modId xmlns:p14="http://schemas.microsoft.com/office/powerpoint/2010/main" val="44979715"/>
+              </p:ext>
+            </p:extLst>
+          </p:nvPr>
+        </p:nvGraphicFramePr>
+        <p:xfrm>
+          <a:off x="1082992" y="741482"/>
+          <a:ext cx="2733600" cy="2733600"/>
+        </p:xfrm>
+        <a:graphic>
+          <a:graphicData uri="http://schemas.openxmlformats.org/drawingml/2006/diagram">
+            <dgm:relIds xmlns:dgm="http://schemas.openxmlformats.org/drawingml/2006/diagram" xmlns:r="http://schemas.openxmlformats.org/officeDocument/2006/relationships" r:dm="rId2" r:lo="rId3" r:qs="rId4" r:cs="rId5"/>
+          </a:graphicData>
+        </a:graphic>
+      </p:graphicFrame>
+      <p:pic>
+        <p:nvPicPr>
+          <p:cNvPr id="7" name="Picture 6"/>
+          <p:cNvPicPr>
+            <a:picLocks noChangeAspect="1"/>
+          </p:cNvPicPr>
+          <p:nvPr/>
+        </p:nvPicPr>
+        <p:blipFill>
+          <a:blip r:embed="rId7" cstate="print">
+            <a:extLst>
+              <a:ext uri="{28A0092B-C50C-407E-A947-70E740481C1C}">
+                <a14:useLocalDpi xmlns:a14="http://schemas.microsoft.com/office/drawing/2010/main" val="0"/>
+              </a:ext>
+            </a:extLst>
+          </a:blip>
+          <a:stretch>
+            <a:fillRect/>
+          </a:stretch>
+        </p:blipFill>
+        <p:spPr>
+          <a:xfrm>
+            <a:off x="1373726" y="921238"/>
+            <a:ext cx="2331396" cy="3210041"/>
+          </a:xfrm>
+          <a:prstGeom prst="rect">
+            <a:avLst/>
+          </a:prstGeom>
+        </p:spPr>
+      </p:pic>
+      <p:pic>
+        <p:nvPicPr>
+          <p:cNvPr id="8" name="Picture 7"/>
+          <p:cNvPicPr>
+            <a:picLocks noChangeAspect="1"/>
+          </p:cNvPicPr>
+          <p:nvPr/>
+        </p:nvPicPr>
+        <p:blipFill>
+          <a:blip r:embed="rId8" cstate="print">
+            <a:extLst>
+              <a:ext uri="{28A0092B-C50C-407E-A947-70E740481C1C}">
+                <a14:useLocalDpi xmlns:a14="http://schemas.microsoft.com/office/drawing/2010/main" val="0"/>
+              </a:ext>
+            </a:extLst>
+          </a:blip>
+          <a:stretch>
+            <a:fillRect/>
+          </a:stretch>
+        </p:blipFill>
+        <p:spPr>
+          <a:xfrm>
+            <a:off x="4289043" y="921238"/>
+            <a:ext cx="3983220" cy="2655480"/>
+          </a:xfrm>
+          <a:prstGeom prst="rect">
+            <a:avLst/>
+          </a:prstGeom>
+        </p:spPr>
+      </p:pic>
+    </p:spTree>
+    <p:extLst>
+      <p:ext uri="{BB962C8B-B14F-4D97-AF65-F5344CB8AC3E}">
+        <p14:creationId xmlns:p14="http://schemas.microsoft.com/office/powerpoint/2010/main" val="4212336385"/>
+      </p:ext>
+    </p:extLst>
+  </p:cSld>
+  <p:clrMapOvr>
+    <a:masterClrMapping/>
+  </p:clrMapOvr>
+</p:sld>
+</file>
+
+<file path=ppt/slides/slide22.xml><?xml version="1.0" encoding="utf-8"?>
+<p:sld xmlns:a="http://schemas.openxmlformats.org/drawingml/2006/main" xmlns:r="http://schemas.openxmlformats.org/officeDocument/2006/relationships" xmlns:p="http://schemas.openxmlformats.org/presentationml/2006/main">
+  <p:cSld>
+    <p:spTree>
+      <p:nvGrpSpPr>
+        <p:cNvPr id="1" name=""/>
+        <p:cNvGrpSpPr/>
+        <p:nvPr/>
+      </p:nvGrpSpPr>
+      <p:grpSpPr>
+        <a:xfrm>
+          <a:off x="0" y="0"/>
+          <a:ext cx="0" cy="0"/>
+          <a:chOff x="0" y="0"/>
+          <a:chExt cx="0" cy="0"/>
+        </a:xfrm>
+      </p:grpSpPr>
+      <p:sp>
+        <p:nvSpPr>
+          <p:cNvPr id="3" name="Fußzeilenplatzhalter 2"/>
+          <p:cNvSpPr>
+            <a:spLocks noGrp="1"/>
+          </p:cNvSpPr>
+          <p:nvPr>
+            <p:ph type="ftr" sz="quarter" idx="10"/>
+          </p:nvPr>
+        </p:nvSpPr>
+        <p:spPr/>
+        <p:txBody>
+          <a:bodyPr/>
+          <a:lstStyle/>
+          <a:p>
+            <a:pPr>
+              <a:defRPr/>
+            </a:pPr>
+            <a:r>
+              <a:rPr lang="de-DE" smtClean="0"/>
+              <a:t>Name Presentation</a:t>
+            </a:r>
+            <a:endParaRPr lang="de-DE" dirty="0"/>
+          </a:p>
+        </p:txBody>
+      </p:sp>
+      <p:sp>
+        <p:nvSpPr>
+          <p:cNvPr id="5" name="Foliennummernplatzhalter 4"/>
+          <p:cNvSpPr>
+            <a:spLocks noGrp="1"/>
+          </p:cNvSpPr>
+          <p:nvPr>
+            <p:ph type="sldNum" sz="quarter" idx="11"/>
+          </p:nvPr>
+        </p:nvSpPr>
+        <p:spPr/>
+        <p:txBody>
+          <a:bodyPr/>
+          <a:lstStyle/>
+          <a:p>
+            <a:pPr>
+              <a:defRPr/>
+            </a:pPr>
+            <a:fld id="{204C193F-02F4-43ED-A231-A7849CCE32B0}" type="slidenum">
+              <a:rPr lang="de-DE" smtClean="0"/>
+              <a:pPr>
+                <a:defRPr/>
+              </a:pPr>
+              <a:t>22</a:t>
+            </a:fld>
+            <a:endParaRPr lang="de-DE" dirty="0"/>
+          </a:p>
+        </p:txBody>
+      </p:sp>
+      <p:sp>
+        <p:nvSpPr>
+          <p:cNvPr id="2" name="Datumsplatzhalter 1"/>
+          <p:cNvSpPr>
+            <a:spLocks noGrp="1"/>
+          </p:cNvSpPr>
+          <p:nvPr>
+            <p:ph type="dt" sz="half" idx="12"/>
+          </p:nvPr>
+        </p:nvSpPr>
+        <p:spPr/>
+        <p:txBody>
+          <a:bodyPr/>
+          <a:lstStyle/>
+          <a:p>
+            <a:pPr>
+              <a:defRPr/>
+            </a:pPr>
+            <a:fld id="{CCA3E12C-31CC-704D-AD02-590E309E5E99}" type="datetime1">
+              <a:t>1/30/2017</a:t>
+            </a:fld>
+            <a:endParaRPr lang="de-DE" dirty="0"/>
+          </a:p>
+        </p:txBody>
+      </p:sp>
+      <p:sp>
+        <p:nvSpPr>
+          <p:cNvPr id="11" name="Textplatzhalter 10"/>
+          <p:cNvSpPr>
+            <a:spLocks noGrp="1"/>
+          </p:cNvSpPr>
+          <p:nvPr>
+            <p:ph type="body" sz="quarter" idx="13"/>
+          </p:nvPr>
+        </p:nvSpPr>
+        <p:spPr/>
+        <p:txBody>
+          <a:bodyPr/>
+          <a:lstStyle/>
+          <a:p>
+            <a:r>
+              <a:rPr lang="en-US" dirty="0" smtClean="0"/>
+              <a:t>Spot on … available algorithms</a:t>
+            </a:r>
+            <a:endParaRPr lang="en-US" dirty="0"/>
+          </a:p>
+        </p:txBody>
+      </p:sp>
+      <p:sp>
+        <p:nvSpPr>
+          <p:cNvPr id="6" name="Diagonal liegende Ecken des Rechtecks abrunden 5"/>
+          <p:cNvSpPr/>
+          <p:nvPr/>
+        </p:nvSpPr>
+        <p:spPr bwMode="gray">
+          <a:xfrm>
+            <a:off x="-3149600" y="1"/>
+            <a:ext cx="3067050" cy="1689652"/>
+          </a:xfrm>
+          <a:prstGeom prst="round2DiagRect">
+            <a:avLst>
+              <a:gd name="adj1" fmla="val 5144"/>
+              <a:gd name="adj2" fmla="val 0"/>
+            </a:avLst>
+          </a:prstGeom>
+          <a:solidFill>
+            <a:schemeClr val="accent3"/>
+          </a:solidFill>
+          <a:ln w="9525">
+            <a:solidFill>
+              <a:schemeClr val="tx2"/>
+            </a:solidFill>
+          </a:ln>
+        </p:spPr>
+        <p:style>
+          <a:lnRef idx="2">
+            <a:schemeClr val="accent1">
+              <a:shade val="50000"/>
+            </a:schemeClr>
+          </a:lnRef>
+          <a:fillRef idx="1">
+            <a:schemeClr val="accent1"/>
+          </a:fillRef>
+          <a:effectRef idx="0">
+            <a:schemeClr val="accent1"/>
+          </a:effectRef>
+          <a:fontRef idx="minor">
+            <a:schemeClr val="lt1"/>
+          </a:fontRef>
+        </p:style>
+        <p:txBody>
+          <a:bodyPr tIns="108000" rtlCol="0" anchor="t" anchorCtr="0"/>
+          <a:lstStyle/>
+          <a:p>
+            <a:r>
+              <a:rPr lang="en-US" sz="1100" b="1" dirty="0" smtClean="0">
+                <a:solidFill>
+                  <a:schemeClr val="bg1"/>
+                </a:solidFill>
+                <a:latin typeface="Arial"/>
+              </a:rPr>
+              <a:t>INFOBOX – Read and delete</a:t>
+            </a:r>
+          </a:p>
+          <a:p>
+            <a:endParaRPr lang="en-US" sz="1100" b="1" dirty="0">
+              <a:solidFill>
+                <a:schemeClr val="bg1"/>
+              </a:solidFill>
+              <a:latin typeface="Arial"/>
+              <a:cs typeface="Arial"/>
+            </a:endParaRPr>
+          </a:p>
+          <a:p>
+            <a:pPr marL="174625" indent="-174625">
+              <a:buFont typeface="Arial" pitchFamily="34" charset="0"/>
+              <a:buChar char="•"/>
+            </a:pPr>
+            <a:r>
+              <a:rPr lang="en-US" sz="1100" b="1" dirty="0" smtClean="0">
+                <a:solidFill>
+                  <a:schemeClr val="tx1"/>
+                </a:solidFill>
+                <a:latin typeface="Arial"/>
+              </a:rPr>
+              <a:t>In the chapter divider, the chapter text is written centered in the text field</a:t>
+            </a:r>
+          </a:p>
+          <a:p>
+            <a:pPr marL="174625" indent="-174625">
+              <a:buFont typeface="Arial" pitchFamily="34" charset="0"/>
+              <a:buChar char="•"/>
+            </a:pPr>
+            <a:r>
+              <a:rPr lang="en-US" sz="1100" b="1" dirty="0" smtClean="0">
+                <a:solidFill>
+                  <a:schemeClr val="tx1"/>
+                </a:solidFill>
+                <a:latin typeface="Arial"/>
+              </a:rPr>
+              <a:t>Please keep chapter names as short as possible, less text and punchy titles are better!</a:t>
+            </a:r>
+          </a:p>
+        </p:txBody>
+      </p:sp>
+    </p:spTree>
+    <p:extLst>
+      <p:ext uri="{BB962C8B-B14F-4D97-AF65-F5344CB8AC3E}">
+        <p14:creationId xmlns:p14="http://schemas.microsoft.com/office/powerpoint/2010/main" val="1382669881"/>
+      </p:ext>
+    </p:extLst>
+  </p:cSld>
+  <p:clrMapOvr>
+    <a:masterClrMapping/>
+  </p:clrMapOvr>
+  <p:timing>
+    <p:tnLst>
+      <p:par>
+        <p:cTn id="1" dur="indefinite" restart="never" nodeType="tmRoot"/>
+      </p:par>
+    </p:tnLst>
+  </p:timing>
+</p:sld>
+</file>
+
+<file path=ppt/slides/slide23.xml><?xml version="1.0" encoding="utf-8"?>
+<p:sld xmlns:a="http://schemas.openxmlformats.org/drawingml/2006/main" xmlns:r="http://schemas.openxmlformats.org/officeDocument/2006/relationships" xmlns:p="http://schemas.openxmlformats.org/presentationml/2006/main">
+  <p:cSld>
+    <p:spTree>
+      <p:nvGrpSpPr>
+        <p:cNvPr id="1" name=""/>
+        <p:cNvGrpSpPr/>
+        <p:nvPr/>
+      </p:nvGrpSpPr>
+      <p:grpSpPr>
+        <a:xfrm>
+          <a:off x="0" y="0"/>
+          <a:ext cx="0" cy="0"/>
+          <a:chOff x="0" y="0"/>
+          <a:chExt cx="0" cy="0"/>
+        </a:xfrm>
+      </p:grpSpPr>
+      <p:sp>
+        <p:nvSpPr>
+          <p:cNvPr id="2" name="Title 1"/>
+          <p:cNvSpPr>
+            <a:spLocks noGrp="1"/>
+          </p:cNvSpPr>
+          <p:nvPr>
+            <p:ph type="title"/>
+          </p:nvPr>
+        </p:nvSpPr>
+        <p:spPr/>
+        <p:txBody>
+          <a:bodyPr/>
+          <a:lstStyle/>
+          <a:p>
+            <a:r>
+              <a:rPr lang="en-US" dirty="0" smtClean="0"/>
+              <a:t>Example: </a:t>
+            </a:r>
+            <a:r>
+              <a:rPr lang="en-US" smtClean="0"/>
+              <a:t>Anomaly detection</a:t>
+            </a:r>
+            <a:endParaRPr lang="en-US" dirty="0"/>
+          </a:p>
+        </p:txBody>
+      </p:sp>
+      <p:sp>
+        <p:nvSpPr>
+          <p:cNvPr id="3" name="Footer Placeholder 2"/>
+          <p:cNvSpPr>
+            <a:spLocks noGrp="1"/>
+          </p:cNvSpPr>
+          <p:nvPr>
+            <p:ph type="ftr" sz="quarter" idx="10"/>
+          </p:nvPr>
+        </p:nvSpPr>
+        <p:spPr/>
+        <p:txBody>
+          <a:bodyPr/>
+          <a:lstStyle/>
+          <a:p>
+            <a:r>
+              <a:rPr lang="de-DE" smtClean="0"/>
+              <a:t>Name Presentation</a:t>
+            </a:r>
+            <a:endParaRPr lang="de-DE"/>
+          </a:p>
+        </p:txBody>
+      </p:sp>
+      <p:sp>
+        <p:nvSpPr>
+          <p:cNvPr id="4" name="Slide Number Placeholder 3"/>
+          <p:cNvSpPr>
+            <a:spLocks noGrp="1"/>
+          </p:cNvSpPr>
+          <p:nvPr>
+            <p:ph type="sldNum" sz="quarter" idx="11"/>
+          </p:nvPr>
+        </p:nvSpPr>
+        <p:spPr/>
+        <p:txBody>
+          <a:bodyPr/>
+          <a:lstStyle/>
+          <a:p>
+            <a:fld id="{CAA1D080-129B-CB43-9B9B-B053798F4C9F}" type="slidenum">
+              <a:rPr lang="de-DE" smtClean="0"/>
+              <a:pPr/>
+              <a:t>23</a:t>
+            </a:fld>
+            <a:endParaRPr lang="de-DE"/>
+          </a:p>
+        </p:txBody>
+      </p:sp>
+      <p:sp>
+        <p:nvSpPr>
+          <p:cNvPr id="5" name="Date Placeholder 4"/>
+          <p:cNvSpPr>
+            <a:spLocks noGrp="1"/>
+          </p:cNvSpPr>
+          <p:nvPr>
+            <p:ph type="dt" sz="half" idx="12"/>
+          </p:nvPr>
+        </p:nvSpPr>
+        <p:spPr/>
+        <p:txBody>
+          <a:bodyPr/>
+          <a:lstStyle/>
+          <a:p>
+            <a:fld id="{D456EEBE-A7AF-E645-9889-AAA1CC8034EC}" type="datetime1">
+              <a:rPr lang="en-US" smtClean="0"/>
+              <a:t>8/24/2017</a:t>
+            </a:fld>
+            <a:endParaRPr lang="en-US"/>
+          </a:p>
+        </p:txBody>
+      </p:sp>
+      <p:sp>
+        <p:nvSpPr>
+          <p:cNvPr id="6" name="Content Placeholder 5"/>
+          <p:cNvSpPr>
+            <a:spLocks noGrp="1"/>
+          </p:cNvSpPr>
+          <p:nvPr>
+            <p:ph sz="quarter" idx="13"/>
+          </p:nvPr>
+        </p:nvSpPr>
+        <p:spPr/>
+        <p:txBody>
+          <a:bodyPr/>
+          <a:lstStyle/>
+          <a:p>
+            <a:endParaRPr lang="en-US" dirty="0"/>
+          </a:p>
+          <a:p>
+            <a:pPr marL="285750" indent="-285750">
+              <a:buFont typeface="Arial" pitchFamily="34" charset="0"/>
+              <a:buChar char="•"/>
+            </a:pPr>
+            <a:r>
+              <a:rPr lang="en-US" dirty="0" smtClean="0"/>
+              <a:t>Can use e.g. VGG16, VGG19, </a:t>
+            </a:r>
+            <a:r>
+              <a:rPr lang="en-US" dirty="0" err="1" smtClean="0"/>
+              <a:t>ResNet</a:t>
+            </a:r>
+            <a:r>
+              <a:rPr lang="en-US" dirty="0" smtClean="0"/>
+              <a:t>, </a:t>
+            </a:r>
+            <a:r>
+              <a:rPr lang="en-US" dirty="0" err="1" smtClean="0"/>
+              <a:t>GoogleNet</a:t>
+            </a:r>
+            <a:r>
+              <a:rPr lang="en-US" dirty="0" smtClean="0"/>
+              <a:t>… with weights mostly trained on </a:t>
+            </a:r>
+            <a:r>
+              <a:rPr lang="en-US" dirty="0" err="1" smtClean="0"/>
+              <a:t>ImageNet</a:t>
+            </a:r>
+            <a:endParaRPr lang="en-US" dirty="0" smtClean="0"/>
+          </a:p>
+          <a:p>
+            <a:pPr marL="285750" indent="-285750">
+              <a:buFont typeface="Arial" pitchFamily="34" charset="0"/>
+              <a:buChar char="•"/>
+            </a:pPr>
+            <a:r>
+              <a:rPr lang="en-US" dirty="0" smtClean="0"/>
+              <a:t>Examples available for different forms of usage (adaptation to own classes, fine tuning)</a:t>
+            </a:r>
+          </a:p>
+          <a:p>
+            <a:pPr marL="285750" indent="-285750">
+              <a:buFont typeface="Arial" pitchFamily="34" charset="0"/>
+              <a:buChar char="•"/>
+            </a:pPr>
+            <a:endParaRPr lang="en-US" dirty="0"/>
+          </a:p>
+          <a:p>
+            <a:pPr marL="285750" indent="-285750">
+              <a:buFont typeface="Arial" pitchFamily="34" charset="0"/>
+              <a:buChar char="•"/>
+            </a:pPr>
+            <a:endParaRPr lang="en-US" dirty="0" smtClean="0"/>
+          </a:p>
+          <a:p>
+            <a:pPr marL="285750" indent="-285750">
+              <a:buFont typeface="Arial" pitchFamily="34" charset="0"/>
+              <a:buChar char="•"/>
+            </a:pPr>
+            <a:endParaRPr lang="en-US" dirty="0"/>
+          </a:p>
+          <a:p>
+            <a:pPr marL="285750" indent="-285750">
+              <a:buFont typeface="Arial" pitchFamily="34" charset="0"/>
+              <a:buChar char="•"/>
+            </a:pPr>
+            <a:endParaRPr lang="en-US" dirty="0" smtClean="0"/>
+          </a:p>
+          <a:p>
+            <a:pPr marL="285750" indent="-285750">
+              <a:buFont typeface="Arial" pitchFamily="34" charset="0"/>
+              <a:buChar char="•"/>
+            </a:pPr>
+            <a:endParaRPr lang="en-US" dirty="0"/>
+          </a:p>
+          <a:p>
+            <a:pPr marL="285750" indent="-285750">
+              <a:buFont typeface="Arial" pitchFamily="34" charset="0"/>
+              <a:buChar char="•"/>
+            </a:pPr>
+            <a:endParaRPr lang="en-US" dirty="0" smtClean="0"/>
+          </a:p>
+          <a:p>
+            <a:pPr marL="285750" indent="-285750">
+              <a:buFont typeface="Arial" pitchFamily="34" charset="0"/>
+              <a:buChar char="•"/>
+            </a:pPr>
+            <a:r>
+              <a:rPr lang="en-US" dirty="0" smtClean="0"/>
+              <a:t>Let’s try this out!</a:t>
+            </a:r>
+          </a:p>
+          <a:p>
+            <a:pPr marL="285750" indent="-285750">
+              <a:buFont typeface="Arial" pitchFamily="34" charset="0"/>
+              <a:buChar char="•"/>
+            </a:pPr>
+            <a:endParaRPr lang="en-US" dirty="0"/>
+          </a:p>
+          <a:p>
+            <a:pPr marL="285750" indent="-285750">
+              <a:buFont typeface="Arial" pitchFamily="34" charset="0"/>
+              <a:buChar char="•"/>
+            </a:pPr>
+            <a:endParaRPr lang="en-US" dirty="0"/>
+          </a:p>
+        </p:txBody>
+      </p:sp>
+      <p:sp>
+        <p:nvSpPr>
+          <p:cNvPr id="7" name="Textplatzhalter 3"/>
+          <p:cNvSpPr txBox="1">
+            <a:spLocks/>
+          </p:cNvSpPr>
+          <p:nvPr/>
+        </p:nvSpPr>
+        <p:spPr>
+          <a:xfrm>
+            <a:off x="766460" y="2482686"/>
+            <a:ext cx="7935226" cy="826165"/>
+          </a:xfrm>
+          <a:prstGeom prst="rect">
+            <a:avLst/>
+          </a:prstGeom>
+          <a:solidFill>
+            <a:schemeClr val="accent1">
+              <a:lumMod val="20000"/>
+              <a:lumOff val="80000"/>
+            </a:schemeClr>
+          </a:solidFill>
+        </p:spPr>
+        <p:txBody>
+          <a:bodyPr/>
+          <a:lstStyle>
+            <a:lvl1pPr algn="l" rtl="0" eaLnBrk="1" fontAlgn="base" hangingPunct="1">
+              <a:lnSpc>
+                <a:spcPts val="1900"/>
+              </a:lnSpc>
+              <a:spcBef>
+                <a:spcPts val="0"/>
+              </a:spcBef>
+              <a:spcAft>
+                <a:spcPct val="0"/>
+              </a:spcAft>
+              <a:buClr>
+                <a:schemeClr val="accent1"/>
+              </a:buClr>
+              <a:defRPr sz="1600" kern="1200">
+                <a:solidFill>
+                  <a:srgbClr val="666666"/>
+                </a:solidFill>
+                <a:latin typeface="Arial"/>
+                <a:ea typeface="+mn-ea"/>
+                <a:cs typeface="Arial"/>
+              </a:defRPr>
+            </a:lvl1pPr>
+            <a:lvl2pPr marL="271463" indent="-269875" algn="l" rtl="0" eaLnBrk="1" fontAlgn="base" hangingPunct="1">
+              <a:lnSpc>
+                <a:spcPts val="1900"/>
+              </a:lnSpc>
+              <a:spcBef>
+                <a:spcPts val="900"/>
+              </a:spcBef>
+              <a:spcAft>
+                <a:spcPct val="0"/>
+              </a:spcAft>
+              <a:buClrTx/>
+              <a:buSzPct val="100000"/>
+              <a:buFontTx/>
+              <a:buBlip>
+                <a:blip r:embed="rId2"/>
+              </a:buBlip>
+              <a:defRPr sz="1600" kern="1200">
+                <a:solidFill>
+                  <a:srgbClr val="666666"/>
+                </a:solidFill>
+                <a:latin typeface="Arial"/>
+                <a:ea typeface="+mn-ea"/>
+                <a:cs typeface="Arial"/>
+              </a:defRPr>
+            </a:lvl2pPr>
+            <a:lvl3pPr marL="468000" indent="-180000" algn="l" rtl="0" eaLnBrk="1" fontAlgn="base" hangingPunct="1">
+              <a:lnSpc>
+                <a:spcPts val="1900"/>
+              </a:lnSpc>
+              <a:spcBef>
+                <a:spcPts val="900"/>
+              </a:spcBef>
+              <a:spcAft>
+                <a:spcPct val="0"/>
+              </a:spcAft>
+              <a:buClr>
+                <a:schemeClr val="tx1"/>
+              </a:buClr>
+              <a:buFont typeface="Lucida Grande"/>
+              <a:buChar char="–"/>
+              <a:defRPr sz="1600" kern="1200">
+                <a:solidFill>
+                  <a:srgbClr val="666666"/>
+                </a:solidFill>
+                <a:latin typeface="Arial"/>
+                <a:ea typeface="+mn-ea"/>
+                <a:cs typeface="Arial"/>
+              </a:defRPr>
+            </a:lvl3pPr>
+            <a:lvl4pPr marL="468000" indent="-180000" algn="l" rtl="0" eaLnBrk="1" fontAlgn="base" hangingPunct="1">
+              <a:lnSpc>
+                <a:spcPts val="1900"/>
+              </a:lnSpc>
+              <a:spcBef>
+                <a:spcPts val="900"/>
+              </a:spcBef>
+              <a:spcAft>
+                <a:spcPct val="0"/>
+              </a:spcAft>
+              <a:buClr>
+                <a:srgbClr val="666666"/>
+              </a:buClr>
+              <a:buFont typeface="Arial"/>
+              <a:buChar char="•"/>
+              <a:defRPr sz="1600" kern="1200">
+                <a:solidFill>
+                  <a:srgbClr val="666666"/>
+                </a:solidFill>
+                <a:latin typeface="Arial"/>
+                <a:ea typeface="+mn-ea"/>
+                <a:cs typeface="Arial"/>
+              </a:defRPr>
+            </a:lvl4pPr>
+            <a:lvl5pPr marL="270000" indent="-270000" algn="l" defTabSz="900113" rtl="0" eaLnBrk="1" fontAlgn="base" hangingPunct="1">
+              <a:lnSpc>
+                <a:spcPts val="1900"/>
+              </a:lnSpc>
+              <a:spcBef>
+                <a:spcPts val="900"/>
+              </a:spcBef>
+              <a:spcAft>
+                <a:spcPct val="0"/>
+              </a:spcAft>
+              <a:buClr>
+                <a:schemeClr val="tx1"/>
+              </a:buClr>
+              <a:buFont typeface="+mj-lt"/>
+              <a:buAutoNum type="arabicPeriod"/>
+              <a:defRPr sz="1600" kern="1200">
+                <a:solidFill>
+                  <a:srgbClr val="666666"/>
+                </a:solidFill>
+                <a:latin typeface="Arial"/>
+                <a:ea typeface="+mn-ea"/>
+                <a:cs typeface="Arial"/>
+              </a:defRPr>
+            </a:lvl5pPr>
+            <a:lvl6pPr marL="468000" indent="-180000" algn="l" defTabSz="914400" rtl="0" eaLnBrk="1" latinLnBrk="0" hangingPunct="1">
+              <a:lnSpc>
+                <a:spcPts val="1900"/>
+              </a:lnSpc>
+              <a:spcBef>
+                <a:spcPts val="900"/>
+              </a:spcBef>
+              <a:buClr>
+                <a:schemeClr val="accent2"/>
+              </a:buClr>
+              <a:buFont typeface="Segoe UI" pitchFamily="34" charset="0"/>
+              <a:buChar char="&gt;"/>
+              <a:defRPr sz="1600" kern="1200">
+                <a:solidFill>
+                  <a:srgbClr val="666666"/>
+                </a:solidFill>
+                <a:latin typeface="Arial"/>
+                <a:ea typeface="+mn-ea"/>
+                <a:cs typeface="Arial"/>
+              </a:defRPr>
+            </a:lvl6pPr>
+            <a:lvl7pPr marL="468000" indent="-180000" algn="l" defTabSz="914400" rtl="0" eaLnBrk="1" latinLnBrk="0" hangingPunct="1">
+              <a:lnSpc>
+                <a:spcPts val="1900"/>
+              </a:lnSpc>
+              <a:spcBef>
+                <a:spcPts val="900"/>
+              </a:spcBef>
+              <a:buClr>
+                <a:schemeClr val="tx1"/>
+              </a:buClr>
+              <a:buFont typeface="Segoe UI" pitchFamily="34" charset="0"/>
+              <a:buChar char="&gt;"/>
+              <a:defRPr sz="1600" kern="1200">
+                <a:solidFill>
+                  <a:srgbClr val="666666"/>
+                </a:solidFill>
+                <a:latin typeface="Arial"/>
+                <a:ea typeface="+mn-ea"/>
+                <a:cs typeface="Arial"/>
+              </a:defRPr>
+            </a:lvl7pPr>
+            <a:lvl8pPr marL="3429000" indent="-228600" algn="l" defTabSz="914400" rtl="0" eaLnBrk="1" latinLnBrk="0" hangingPunct="1">
+              <a:spcBef>
+                <a:spcPct val="20000"/>
+              </a:spcBef>
+              <a:buFont typeface="Arial" pitchFamily="34" charset="0"/>
+              <a:buChar char="•"/>
+              <a:defRPr sz="2000" kern="1200">
+                <a:solidFill>
+                  <a:schemeClr val="tx1"/>
+                </a:solidFill>
+                <a:latin typeface="+mn-lt"/>
+                <a:ea typeface="+mn-ea"/>
+                <a:cs typeface="+mn-cs"/>
+              </a:defRPr>
+            </a:lvl8pPr>
+            <a:lvl9pPr marL="3886200" indent="-228600" algn="l" defTabSz="914400" rtl="0" eaLnBrk="1" latinLnBrk="0" hangingPunct="1">
+              <a:spcBef>
+                <a:spcPct val="20000"/>
+              </a:spcBef>
+              <a:buFont typeface="Arial" pitchFamily="34" charset="0"/>
+              <a:buChar char="•"/>
+              <a:defRPr sz="2000" kern="1200">
+                <a:solidFill>
+                  <a:schemeClr val="tx1"/>
+                </a:solidFill>
+                <a:latin typeface="+mn-lt"/>
+                <a:ea typeface="+mn-ea"/>
+                <a:cs typeface="+mn-cs"/>
+              </a:defRPr>
+            </a:lvl9pPr>
+          </a:lstStyle>
+          <a:p>
+            <a:pPr>
+              <a:tabLst>
+                <a:tab pos="2603500" algn="l"/>
+                <a:tab pos="3048000" algn="l"/>
+              </a:tabLst>
+            </a:pPr>
+            <a:r>
+              <a:rPr lang="en-US" sz="1200" dirty="0" err="1">
+                <a:latin typeface="Lucida Sans Typewriter" pitchFamily="49" charset="0"/>
+              </a:rPr>
+              <a:t>ZooModel</a:t>
+            </a:r>
+            <a:r>
+              <a:rPr lang="en-US" sz="1200" dirty="0">
+                <a:latin typeface="Lucida Sans Typewriter" pitchFamily="49" charset="0"/>
+              </a:rPr>
+              <a:t> vgg16 = new</a:t>
+            </a:r>
+            <a:r>
+              <a:rPr lang="en-US" sz="1200" b="1" dirty="0">
+                <a:latin typeface="Lucida Sans Typewriter" pitchFamily="49" charset="0"/>
+              </a:rPr>
+              <a:t> </a:t>
+            </a:r>
+            <a:r>
+              <a:rPr lang="en-US" sz="1200" dirty="0">
+                <a:latin typeface="Lucida Sans Typewriter" pitchFamily="49" charset="0"/>
+              </a:rPr>
+              <a:t>VGG16();</a:t>
+            </a:r>
+            <a:br>
+              <a:rPr lang="en-US" sz="1200" dirty="0">
+                <a:latin typeface="Lucida Sans Typewriter" pitchFamily="49" charset="0"/>
+              </a:rPr>
+            </a:br>
+            <a:r>
+              <a:rPr lang="en-US" sz="1200" dirty="0" err="1">
+                <a:latin typeface="Lucida Sans Typewriter" pitchFamily="49" charset="0"/>
+              </a:rPr>
+              <a:t>ComputationGraph</a:t>
+            </a:r>
+            <a:r>
+              <a:rPr lang="en-US" sz="1200" dirty="0">
+                <a:latin typeface="Lucida Sans Typewriter" pitchFamily="49" charset="0"/>
+              </a:rPr>
+              <a:t> </a:t>
+            </a:r>
+            <a:r>
+              <a:rPr lang="en-US" sz="1200" dirty="0" err="1">
+                <a:latin typeface="Lucida Sans Typewriter" pitchFamily="49" charset="0"/>
+              </a:rPr>
+              <a:t>pretrainedNet</a:t>
+            </a:r>
+            <a:r>
+              <a:rPr lang="en-US" sz="1200" dirty="0">
+                <a:latin typeface="Lucida Sans Typewriter" pitchFamily="49" charset="0"/>
+              </a:rPr>
+              <a:t> = (</a:t>
+            </a:r>
+            <a:r>
+              <a:rPr lang="en-US" sz="1200" dirty="0" err="1">
+                <a:latin typeface="Lucida Sans Typewriter" pitchFamily="49" charset="0"/>
+              </a:rPr>
+              <a:t>ComputationGraph</a:t>
+            </a:r>
+            <a:r>
+              <a:rPr lang="en-US" sz="1200" dirty="0">
+                <a:latin typeface="Lucida Sans Typewriter" pitchFamily="49" charset="0"/>
+              </a:rPr>
+              <a:t>) vgg16.initPretrained(</a:t>
+            </a:r>
+            <a:r>
+              <a:rPr lang="en-US" sz="1200" dirty="0" err="1">
+                <a:latin typeface="Lucida Sans Typewriter" pitchFamily="49" charset="0"/>
+              </a:rPr>
+              <a:t>PretrainedType.</a:t>
+            </a:r>
+            <a:r>
+              <a:rPr lang="en-US" sz="1200" i="1" dirty="0" err="1">
+                <a:latin typeface="Lucida Sans Typewriter" pitchFamily="49" charset="0"/>
+              </a:rPr>
+              <a:t>IMAGENET</a:t>
+            </a:r>
+            <a:r>
+              <a:rPr lang="en-US" sz="1200" dirty="0">
+                <a:latin typeface="Lucida Sans Typewriter" pitchFamily="49" charset="0"/>
+              </a:rPr>
+              <a:t>);</a:t>
+            </a:r>
+            <a:endParaRPr lang="de-DE" sz="1200" dirty="0">
+              <a:latin typeface="Lucida Sans Typewriter" pitchFamily="49" charset="0"/>
+            </a:endParaRPr>
+          </a:p>
+        </p:txBody>
+      </p:sp>
+    </p:spTree>
+    <p:extLst>
+      <p:ext uri="{BB962C8B-B14F-4D97-AF65-F5344CB8AC3E}">
+        <p14:creationId xmlns:p14="http://schemas.microsoft.com/office/powerpoint/2010/main" val="2697623394"/>
+      </p:ext>
+    </p:extLst>
+  </p:cSld>
+  <p:clrMapOvr>
+    <a:masterClrMapping/>
+  </p:clrMapOvr>
+</p:sld>
+</file>
+
+<file path=ppt/slides/slide24.xml><?xml version="1.0" encoding="utf-8"?>
 <p:sld xmlns:a="http://schemas.openxmlformats.org/drawingml/2006/main" xmlns:r="http://schemas.openxmlformats.org/officeDocument/2006/relationships" xmlns:p="http://schemas.openxmlformats.org/presentationml/2006/main">
   <p:cSld>
     <p:spTree>
@@ -15048,7 +22799,7 @@
               <a:pPr>
                 <a:defRPr/>
               </a:pPr>
-              <a:t>16</a:t>
+              <a:t>24</a:t>
             </a:fld>
             <a:endParaRPr lang="de-CH" noProof="0"/>
           </a:p>
@@ -15219,7 +22970,7 @@
 </p:sld>
 </file>
 
-<file path=ppt/slides/slide17.xml><?xml version="1.0" encoding="utf-8"?>
+<file path=ppt/slides/slide25.xml><?xml version="1.0" encoding="utf-8"?>
 <p:sld xmlns:a="http://schemas.openxmlformats.org/drawingml/2006/main" xmlns:r="http://schemas.openxmlformats.org/officeDocument/2006/relationships" xmlns:p="http://schemas.openxmlformats.org/presentationml/2006/main">
   <p:cSld>
     <p:spTree>
@@ -15385,7 +23136,7 @@
               <a:pPr>
                 <a:defRPr/>
               </a:pPr>
-              <a:t>17</a:t>
+              <a:t>25</a:t>
             </a:fld>
             <a:endParaRPr lang="de-CH" noProof="0" dirty="0"/>
           </a:p>
@@ -15524,247 +23275,6 @@
     <p:extLst>
       <p:ext uri="{BB962C8B-B14F-4D97-AF65-F5344CB8AC3E}">
         <p14:creationId xmlns:p14="http://schemas.microsoft.com/office/powerpoint/2010/main" val="3057688209"/>
-      </p:ext>
-    </p:extLst>
-  </p:cSld>
-  <p:clrMapOvr>
-    <a:masterClrMapping/>
-  </p:clrMapOvr>
-  <p:timing>
-    <p:tnLst>
-      <p:par>
-        <p:cTn id="1" dur="indefinite" restart="never" nodeType="tmRoot"/>
-      </p:par>
-    </p:tnLst>
-  </p:timing>
-</p:sld>
-</file>
-
-<file path=ppt/slides/slide2.xml><?xml version="1.0" encoding="utf-8"?>
-<p:sld xmlns:a="http://schemas.openxmlformats.org/drawingml/2006/main" xmlns:r="http://schemas.openxmlformats.org/officeDocument/2006/relationships" xmlns:p="http://schemas.openxmlformats.org/presentationml/2006/main">
-  <p:cSld>
-    <p:spTree>
-      <p:nvGrpSpPr>
-        <p:cNvPr id="1" name=""/>
-        <p:cNvGrpSpPr/>
-        <p:nvPr/>
-      </p:nvGrpSpPr>
-      <p:grpSpPr>
-        <a:xfrm>
-          <a:off x="0" y="0"/>
-          <a:ext cx="0" cy="0"/>
-          <a:chOff x="0" y="0"/>
-          <a:chExt cx="0" cy="0"/>
-        </a:xfrm>
-      </p:grpSpPr>
-      <p:sp>
-        <p:nvSpPr>
-          <p:cNvPr id="3" name="Fußzeilenplatzhalter 2"/>
-          <p:cNvSpPr>
-            <a:spLocks noGrp="1"/>
-          </p:cNvSpPr>
-          <p:nvPr>
-            <p:ph type="ftr" sz="quarter" idx="10"/>
-          </p:nvPr>
-        </p:nvSpPr>
-        <p:spPr/>
-        <p:txBody>
-          <a:bodyPr/>
-          <a:lstStyle/>
-          <a:p>
-            <a:pPr>
-              <a:defRPr/>
-            </a:pPr>
-            <a:r>
-              <a:rPr lang="de-DE" smtClean="0"/>
-              <a:t>Name Presentation</a:t>
-            </a:r>
-            <a:endParaRPr lang="de-DE" dirty="0"/>
-          </a:p>
-        </p:txBody>
-      </p:sp>
-      <p:sp>
-        <p:nvSpPr>
-          <p:cNvPr id="5" name="Foliennummernplatzhalter 4"/>
-          <p:cNvSpPr>
-            <a:spLocks noGrp="1"/>
-          </p:cNvSpPr>
-          <p:nvPr>
-            <p:ph type="sldNum" sz="quarter" idx="11"/>
-          </p:nvPr>
-        </p:nvSpPr>
-        <p:spPr/>
-        <p:txBody>
-          <a:bodyPr/>
-          <a:lstStyle/>
-          <a:p>
-            <a:pPr>
-              <a:defRPr/>
-            </a:pPr>
-            <a:fld id="{204C193F-02F4-43ED-A231-A7849CCE32B0}" type="slidenum">
-              <a:rPr lang="de-DE" smtClean="0"/>
-              <a:pPr>
-                <a:defRPr/>
-              </a:pPr>
-              <a:t>2</a:t>
-            </a:fld>
-            <a:endParaRPr lang="de-DE" dirty="0"/>
-          </a:p>
-        </p:txBody>
-      </p:sp>
-      <p:sp>
-        <p:nvSpPr>
-          <p:cNvPr id="2" name="Datumsplatzhalter 1"/>
-          <p:cNvSpPr>
-            <a:spLocks noGrp="1"/>
-          </p:cNvSpPr>
-          <p:nvPr>
-            <p:ph type="dt" sz="half" idx="12"/>
-          </p:nvPr>
-        </p:nvSpPr>
-        <p:spPr/>
-        <p:txBody>
-          <a:bodyPr/>
-          <a:lstStyle/>
-          <a:p>
-            <a:pPr>
-              <a:defRPr/>
-            </a:pPr>
-            <a:fld id="{CCA3E12C-31CC-704D-AD02-590E309E5E99}" type="datetime1">
-              <a:t>1/30/2017</a:t>
-            </a:fld>
-            <a:endParaRPr lang="de-DE" dirty="0"/>
-          </a:p>
-        </p:txBody>
-      </p:sp>
-      <p:sp>
-        <p:nvSpPr>
-          <p:cNvPr id="11" name="Textplatzhalter 10"/>
-          <p:cNvSpPr>
-            <a:spLocks noGrp="1"/>
-          </p:cNvSpPr>
-          <p:nvPr>
-            <p:ph type="body" sz="quarter" idx="13"/>
-          </p:nvPr>
-        </p:nvSpPr>
-        <p:spPr/>
-        <p:txBody>
-          <a:bodyPr/>
-          <a:lstStyle/>
-          <a:p>
-            <a:r>
-              <a:rPr lang="de-DE" dirty="0" smtClean="0"/>
-              <a:t>Deep Learning in 3 </a:t>
-            </a:r>
-            <a:r>
-              <a:rPr lang="en-US" dirty="0" smtClean="0"/>
-              <a:t>W’s</a:t>
-            </a:r>
-            <a:endParaRPr lang="en-US" dirty="0"/>
-          </a:p>
-        </p:txBody>
-      </p:sp>
-      <p:sp>
-        <p:nvSpPr>
-          <p:cNvPr id="6" name="Diagonal liegende Ecken des Rechtecks abrunden 5"/>
-          <p:cNvSpPr/>
-          <p:nvPr/>
-        </p:nvSpPr>
-        <p:spPr bwMode="gray">
-          <a:xfrm>
-            <a:off x="-3149600" y="1"/>
-            <a:ext cx="3067050" cy="1689652"/>
-          </a:xfrm>
-          <a:prstGeom prst="round2DiagRect">
-            <a:avLst>
-              <a:gd name="adj1" fmla="val 5144"/>
-              <a:gd name="adj2" fmla="val 0"/>
-            </a:avLst>
-          </a:prstGeom>
-          <a:solidFill>
-            <a:schemeClr val="accent3"/>
-          </a:solidFill>
-          <a:ln w="9525">
-            <a:solidFill>
-              <a:schemeClr val="tx2"/>
-            </a:solidFill>
-          </a:ln>
-        </p:spPr>
-        <p:style>
-          <a:lnRef idx="2">
-            <a:schemeClr val="accent1">
-              <a:shade val="50000"/>
-            </a:schemeClr>
-          </a:lnRef>
-          <a:fillRef idx="1">
-            <a:schemeClr val="accent1"/>
-          </a:fillRef>
-          <a:effectRef idx="0">
-            <a:schemeClr val="accent1"/>
-          </a:effectRef>
-          <a:fontRef idx="minor">
-            <a:schemeClr val="lt1"/>
-          </a:fontRef>
-        </p:style>
-        <p:txBody>
-          <a:bodyPr tIns="108000" rtlCol="0" anchor="t" anchorCtr="0"/>
-          <a:lstStyle/>
-          <a:p>
-            <a:r>
-              <a:rPr lang="en-US" sz="1100" b="1" dirty="0" smtClean="0">
-                <a:solidFill>
-                  <a:schemeClr val="bg1"/>
-                </a:solidFill>
-                <a:latin typeface="Arial"/>
-              </a:rPr>
-              <a:t>INFOBOX – Read and delete</a:t>
-            </a:r>
-          </a:p>
-          <a:p>
-            <a:endParaRPr lang="en-US" sz="1100" b="1" dirty="0">
-              <a:solidFill>
-                <a:schemeClr val="bg1"/>
-              </a:solidFill>
-              <a:latin typeface="Arial"/>
-              <a:cs typeface="Arial"/>
-            </a:endParaRPr>
-          </a:p>
-          <a:p>
-            <a:pPr marL="174625" indent="-174625">
-              <a:buFont typeface="Arial" pitchFamily="34" charset="0"/>
-              <a:buChar char="•"/>
-            </a:pPr>
-            <a:r>
-              <a:rPr lang="en-US" sz="1100" b="1" dirty="0" smtClean="0">
-                <a:solidFill>
-                  <a:schemeClr val="tx1"/>
-                </a:solidFill>
-                <a:latin typeface="Arial"/>
-              </a:rPr>
-              <a:t>In the chapter divider, the chapter text is written centered in the text field</a:t>
-            </a:r>
-          </a:p>
-          <a:p>
-            <a:pPr marL="174625" indent="-174625">
-              <a:buFont typeface="Arial" pitchFamily="34" charset="0"/>
-              <a:buChar char="•"/>
-            </a:pPr>
-            <a:r>
-              <a:rPr lang="en-US" sz="1100" b="1" dirty="0" smtClean="0">
-                <a:solidFill>
-                  <a:schemeClr val="tx1"/>
-                </a:solidFill>
-                <a:latin typeface="Arial"/>
-              </a:rPr>
-              <a:t>Please keep chapter names as short as possible, less text and punchy titles are better!</a:t>
-            </a:r>
-          </a:p>
-        </p:txBody>
-      </p:sp>
-    </p:spTree>
-    <p:extLst>
-      <p:ext uri="{BB962C8B-B14F-4D97-AF65-F5344CB8AC3E}">
-        <p14:creationId xmlns:p14="http://schemas.microsoft.com/office/powerpoint/2010/main" val="604989280"/>
       </p:ext>
     </p:extLst>
   </p:cSld>
@@ -18017,7 +25527,7 @@
           <a:p>
             <a:fld id="{D456EEBE-A7AF-E645-9889-AAA1CC8034EC}" type="datetime1">
               <a:rPr lang="en-US" smtClean="0"/>
-              <a:t>8/18/2017</a:t>
+              <a:t>8/24/2017</a:t>
             </a:fld>
             <a:endParaRPr lang="en-US"/>
           </a:p>
@@ -18297,7 +25807,7 @@
           <a:p>
             <a:fld id="{D456EEBE-A7AF-E645-9889-AAA1CC8034EC}" type="datetime1">
               <a:rPr lang="en-US" smtClean="0"/>
-              <a:t>8/18/2017</a:t>
+              <a:t>8/24/2017</a:t>
             </a:fld>
             <a:endParaRPr lang="en-US"/>
           </a:p>
@@ -18682,7 +26192,7 @@
           <a:p>
             <a:fld id="{D456EEBE-A7AF-E645-9889-AAA1CC8034EC}" type="datetime1">
               <a:rPr lang="en-US" smtClean="0"/>
-              <a:t>8/18/2017</a:t>
+              <a:t>8/24/2017</a:t>
             </a:fld>
             <a:endParaRPr lang="en-US"/>
           </a:p>
@@ -19073,7 +26583,7 @@
   <a:extraClrSchemeLst/>
   <a:extLst>
     <a:ext uri="{05A4C25C-085E-4340-85A3-A5531E510DB2}">
-      <thm15:themeFamily xmlns="" xmlns:thm15="http://schemas.microsoft.com/office/thememl/2012/main" name="TVD_PPT_Template_2015_16zu9_EN" id="{F393887C-EAB3-4964-9CF9-B05264B499B8}" vid="{503BEFE1-278E-4A27-A22C-0466040C4085}"/>
+      <thm15:themeFamily xmlns:thm15="http://schemas.microsoft.com/office/thememl/2012/main" xmlns="" name="TVD_PPT_Template_2015_16zu9_EN" id="{F393887C-EAB3-4964-9CF9-B05264B499B8}" vid="{503BEFE1-278E-4A27-A22C-0466040C4085}"/>
     </a:ext>
   </a:extLst>
 </a:theme>
@@ -19650,6 +27160,20 @@
 </file>
 
 <file path=customXml/item1.xml><?xml version="1.0" encoding="utf-8"?>
+<?mso-contentType ?>
+<SharedContentType xmlns="Microsoft.SharePoint.Taxonomy.ContentTypeSync" SourceId="a65b2c18-bff2-4ef1-b402-d17a1d2fd91d" ContentTypeId="0x0101003E03BD88464FD44EBFDF5226D4636C49" PreviousValue="false"/>
+</file>
+
+<file path=customXml/item2.xml><?xml version="1.0" encoding="utf-8"?>
+<?mso-contentType ?>
+<FormTemplates xmlns="http://schemas.microsoft.com/sharepoint/v3/contenttype/forms">
+  <Display>DocumentLibraryForm</Display>
+  <Edit>DocumentLibraryForm</Edit>
+  <New>DocumentLibraryForm</New>
+</FormTemplates>
+</file>
+
+<file path=customXml/item3.xml><?xml version="1.0" encoding="utf-8"?>
 <p:properties xmlns:p="http://schemas.microsoft.com/office/2006/metadata/properties" xmlns:xsi="http://www.w3.org/2001/XMLSchema-instance" xmlns:pc="http://schemas.microsoft.com/office/infopath/2007/PartnerControls">
   <documentManagement>
     <Responsible xmlns="http://schemas.microsoft.com/sharepoint/v3">
@@ -19663,20 +27187,6 @@
     <ValidTo xmlns="http://schemas.microsoft.com/sharepoint/v3">2016-10-06T22:00:00+00:00</ValidTo>
   </documentManagement>
 </p:properties>
-</file>
-
-<file path=customXml/item2.xml><?xml version="1.0" encoding="utf-8"?>
-<?mso-contentType ?>
-<FormTemplates xmlns="http://schemas.microsoft.com/sharepoint/v3/contenttype/forms">
-  <Display>DocumentLibraryForm</Display>
-  <Edit>DocumentLibraryForm</Edit>
-  <New>DocumentLibraryForm</New>
-</FormTemplates>
-</file>
-
-<file path=customXml/item3.xml><?xml version="1.0" encoding="utf-8"?>
-<?mso-contentType ?>
-<SharedContentType xmlns="Microsoft.SharePoint.Taxonomy.ContentTypeSync" SourceId="a65b2c18-bff2-4ef1-b402-d17a1d2fd91d" ContentTypeId="0x0101003E03BD88464FD44EBFDF5226D4636C49" PreviousValue="false"/>
 </file>
 
 <file path=customXml/item4.xml><?xml version="1.0" encoding="utf-8"?>
@@ -19837,17 +27347,9 @@
 </file>
 
 <file path=customXml/itemProps1.xml><?xml version="1.0" encoding="utf-8"?>
-<ds:datastoreItem xmlns:ds="http://schemas.openxmlformats.org/officeDocument/2006/customXml" ds:itemID="{59B6694F-3729-4114-98C3-788E7B8B82D9}">
+<ds:datastoreItem xmlns:ds="http://schemas.openxmlformats.org/officeDocument/2006/customXml" ds:itemID="{6E7CD471-F64E-4411-BFA0-C30B2C654F2E}">
   <ds:schemaRefs>
-    <ds:schemaRef ds:uri="http://schemas.microsoft.com/office/2006/metadata/properties"/>
-    <ds:schemaRef ds:uri="http://schemas.microsoft.com/sharepoint/v3"/>
-    <ds:schemaRef ds:uri="http://purl.org/dc/terms/"/>
-    <ds:schemaRef ds:uri="http://schemas.openxmlformats.org/package/2006/metadata/core-properties"/>
-    <ds:schemaRef ds:uri="http://schemas.microsoft.com/office/2006/documentManagement/types"/>
-    <ds:schemaRef ds:uri="http://www.w3.org/XML/1998/namespace"/>
-    <ds:schemaRef ds:uri="http://schemas.microsoft.com/office/infopath/2007/PartnerControls"/>
-    <ds:schemaRef ds:uri="http://purl.org/dc/elements/1.1/"/>
-    <ds:schemaRef ds:uri="http://purl.org/dc/dcmitype/"/>
+    <ds:schemaRef ds:uri="Microsoft.SharePoint.Taxonomy.ContentTypeSync"/>
   </ds:schemaRefs>
 </ds:datastoreItem>
 </file>
@@ -19861,9 +27363,17 @@
 </file>
 
 <file path=customXml/itemProps3.xml><?xml version="1.0" encoding="utf-8"?>
-<ds:datastoreItem xmlns:ds="http://schemas.openxmlformats.org/officeDocument/2006/customXml" ds:itemID="{6E7CD471-F64E-4411-BFA0-C30B2C654F2E}">
+<ds:datastoreItem xmlns:ds="http://schemas.openxmlformats.org/officeDocument/2006/customXml" ds:itemID="{59B6694F-3729-4114-98C3-788E7B8B82D9}">
   <ds:schemaRefs>
-    <ds:schemaRef ds:uri="Microsoft.SharePoint.Taxonomy.ContentTypeSync"/>
+    <ds:schemaRef ds:uri="http://schemas.microsoft.com/office/2006/metadata/properties"/>
+    <ds:schemaRef ds:uri="http://schemas.microsoft.com/sharepoint/v3"/>
+    <ds:schemaRef ds:uri="http://purl.org/dc/terms/"/>
+    <ds:schemaRef ds:uri="http://schemas.openxmlformats.org/package/2006/metadata/core-properties"/>
+    <ds:schemaRef ds:uri="http://schemas.microsoft.com/office/2006/documentManagement/types"/>
+    <ds:schemaRef ds:uri="http://www.w3.org/XML/1998/namespace"/>
+    <ds:schemaRef ds:uri="http://schemas.microsoft.com/office/infopath/2007/PartnerControls"/>
+    <ds:schemaRef ds:uri="http://purl.org/dc/elements/1.1/"/>
+    <ds:schemaRef ds:uri="http://purl.org/dc/dcmitype/"/>
   </ds:schemaRefs>
 </ds:datastoreItem>
 </file>

--- a/dl4j_in_action.pptx
+++ b/dl4j_in_action.pptx
@@ -136,7 +136,7 @@
   </p:defaultTextStyle>
   <p:extLst>
     <p:ext uri="{EFAFB233-063F-42B5-8137-9DF3F51BA10A}">
-      <p15:sldGuideLst xmlns:p15="http://schemas.microsoft.com/office/powerpoint/2012/main" xmlns="">
+      <p15:sldGuideLst xmlns="" xmlns:p15="http://schemas.microsoft.com/office/powerpoint/2012/main">
         <p15:guide id="1" orient="horz" pos="2723">
           <p15:clr>
             <a:srgbClr val="A4A3A4"/>
@@ -220,7 +220,7 @@
       </p15:sldGuideLst>
     </p:ext>
     <p:ext uri="{2D200454-40CA-4A62-9FC3-DE9A4176ACB9}">
-      <p15:notesGuideLst xmlns:p15="http://schemas.microsoft.com/office/powerpoint/2012/main" xmlns="">
+      <p15:notesGuideLst xmlns="" xmlns:p15="http://schemas.microsoft.com/office/powerpoint/2012/main">
         <p15:guide id="1" orient="horz" pos="3143">
           <p15:clr>
             <a:srgbClr val="A4A3A4"/>
@@ -4662,8 +4662,8 @@
     <dgm:cxn modelId="{36004114-8DC2-458F-AFF8-02973B1888BC}" type="presOf" srcId="{381F2165-177B-4A6F-9D1F-267ABFAC81CD}" destId="{730DFB9D-E765-4459-9AE2-125492F90C14}" srcOrd="0" destOrd="0" presId="urn:microsoft.com/office/officeart/2005/8/layout/gear1"/>
     <dgm:cxn modelId="{14F9AEFF-BA62-49E2-8921-4C85F862991E}" srcId="{381F2165-177B-4A6F-9D1F-267ABFAC81CD}" destId="{E4F155DD-E0A1-49E4-8536-8B8A6FA3FB37}" srcOrd="0" destOrd="0" parTransId="{F0EDF1AF-ABCD-4B8A-B325-C0B11F0A6A1A}" sibTransId="{03B7C7C4-125D-47EA-AA80-BF1606CC7DCD}"/>
     <dgm:cxn modelId="{22B84671-9503-4C8E-9A7E-8C9E339A8E4D}" type="presOf" srcId="{2C56868A-7A48-44A0-87FC-80D48F7A3BA5}" destId="{881714B5-75E8-403A-BE11-5480D8369BE2}" srcOrd="0" destOrd="0" presId="urn:microsoft.com/office/officeart/2005/8/layout/gear1"/>
+    <dgm:cxn modelId="{339E78DE-9ADF-491C-AA4C-A405E7D30FC7}" type="presOf" srcId="{5BD3AB99-E8CA-470A-8A56-BFE029B3DB6C}" destId="{6D31428B-94FE-4CB5-96CC-9A441D8077FE}" srcOrd="0" destOrd="7" presId="urn:microsoft.com/office/officeart/2005/8/layout/gear1"/>
     <dgm:cxn modelId="{8FB838B9-18A5-4C4C-8E8A-23CD69A2F212}" type="presOf" srcId="{D0958AFD-668F-4D54-9865-AA8A4D729D33}" destId="{6D31428B-94FE-4CB5-96CC-9A441D8077FE}" srcOrd="0" destOrd="3" presId="urn:microsoft.com/office/officeart/2005/8/layout/gear1"/>
-    <dgm:cxn modelId="{339E78DE-9ADF-491C-AA4C-A405E7D30FC7}" type="presOf" srcId="{5BD3AB99-E8CA-470A-8A56-BFE029B3DB6C}" destId="{6D31428B-94FE-4CB5-96CC-9A441D8077FE}" srcOrd="0" destOrd="7" presId="urn:microsoft.com/office/officeart/2005/8/layout/gear1"/>
     <dgm:cxn modelId="{76BCDA39-C912-4B5A-BF82-1E5DB0B7DD75}" type="presOf" srcId="{6DFCC957-C840-47C9-9B5B-3B96AF811EFA}" destId="{6D31428B-94FE-4CB5-96CC-9A441D8077FE}" srcOrd="0" destOrd="8" presId="urn:microsoft.com/office/officeart/2005/8/layout/gear1"/>
     <dgm:cxn modelId="{BDD8C2B6-BEF7-4989-93E9-980B9E777F6C}" type="presParOf" srcId="{2BBB2A6C-B769-42FA-A380-E5D1E24B0C97}" destId="{18880182-689F-41CD-9623-B84C18DAEE1E}" srcOrd="0" destOrd="0" presId="urn:microsoft.com/office/officeart/2005/8/layout/gear1"/>
     <dgm:cxn modelId="{3DE68537-778B-4C05-A6FB-60A309C9B5DF}" type="presParOf" srcId="{2BBB2A6C-B769-42FA-A380-E5D1E24B0C97}" destId="{DFCCA574-4EAA-48D4-B9D0-4AC822B7E9EB}" srcOrd="1" destOrd="0" presId="urn:microsoft.com/office/officeart/2005/8/layout/gear1"/>
@@ -12637,7 +12637,7 @@
           <a:p>
             <a:fld id="{9E158CDE-C114-442B-91BB-C02E4A897291}" type="datetimeFigureOut">
               <a:rPr lang="de-DE" smtClean="0"/>
-              <a:t>24.08.2017</a:t>
+              <a:t>25.08.2017</a:t>
             </a:fld>
             <a:endParaRPr lang="de-DE"/>
           </a:p>
@@ -17551,7 +17551,7 @@
           <a:p>
             <a:fld id="{D456EEBE-A7AF-E645-9889-AAA1CC8034EC}" type="datetime1">
               <a:rPr lang="en-US" smtClean="0"/>
-              <a:t>8/24/2017</a:t>
+              <a:t>8/25/2017</a:t>
             </a:fld>
             <a:endParaRPr lang="en-US"/>
           </a:p>
@@ -17699,7 +17699,7 @@
           <a:p>
             <a:fld id="{D456EEBE-A7AF-E645-9889-AAA1CC8034EC}" type="datetime1">
               <a:rPr lang="en-US" smtClean="0"/>
-              <a:t>8/24/2017</a:t>
+              <a:t>8/25/2017</a:t>
             </a:fld>
             <a:endParaRPr lang="en-US"/>
           </a:p>
@@ -18127,7 +18127,7 @@
           <a:p>
             <a:fld id="{D456EEBE-A7AF-E645-9889-AAA1CC8034EC}" type="datetime1">
               <a:rPr lang="en-US" smtClean="0"/>
-              <a:t>8/24/2017</a:t>
+              <a:t>8/25/2017</a:t>
             </a:fld>
             <a:endParaRPr lang="en-US"/>
           </a:p>
@@ -18382,7 +18382,7 @@
           <a:p>
             <a:fld id="{D456EEBE-A7AF-E645-9889-AAA1CC8034EC}" type="datetime1">
               <a:rPr lang="en-US" smtClean="0"/>
-              <a:t>8/24/2017</a:t>
+              <a:t>8/25/2017</a:t>
             </a:fld>
             <a:endParaRPr lang="en-US"/>
           </a:p>
@@ -18532,7 +18532,15 @@
           <a:p>
             <a:r>
               <a:rPr lang="en-US" dirty="0" smtClean="0"/>
-              <a:t>But first… let’s look at some normal code!</a:t>
+              <a:t>But first… let’s </a:t>
+            </a:r>
+            <a:r>
+              <a:rPr lang="en-US" dirty="0" smtClean="0"/>
+              <a:t>just see some code</a:t>
+            </a:r>
+            <a:r>
+              <a:rPr lang="en-US" dirty="0" smtClean="0"/>
+              <a:t>!</a:t>
             </a:r>
             <a:endParaRPr lang="en-US" dirty="0"/>
           </a:p>
@@ -18602,7 +18610,7 @@
           <a:p>
             <a:fld id="{D456EEBE-A7AF-E645-9889-AAA1CC8034EC}" type="datetime1">
               <a:rPr lang="en-US" smtClean="0"/>
-              <a:t>8/24/2017</a:t>
+              <a:t>8/25/2017</a:t>
             </a:fld>
             <a:endParaRPr lang="en-US"/>
           </a:p>
@@ -19689,7 +19697,7 @@
           <a:p>
             <a:fld id="{D456EEBE-A7AF-E645-9889-AAA1CC8034EC}" type="datetime1">
               <a:rPr lang="en-US" smtClean="0"/>
-              <a:t>8/24/2017</a:t>
+              <a:t>8/25/2017</a:t>
             </a:fld>
             <a:endParaRPr lang="en-US"/>
           </a:p>
@@ -20192,7 +20200,7 @@
           <a:p>
             <a:fld id="{D456EEBE-A7AF-E645-9889-AAA1CC8034EC}" type="datetime1">
               <a:rPr lang="en-US" smtClean="0"/>
-              <a:t>8/24/2017</a:t>
+              <a:t>8/25/2017</a:t>
             </a:fld>
             <a:endParaRPr lang="en-US"/>
           </a:p>
@@ -21239,7 +21247,7 @@
           <a:p>
             <a:fld id="{D456EEBE-A7AF-E645-9889-AAA1CC8034EC}" type="datetime1">
               <a:rPr lang="en-US" smtClean="0"/>
-              <a:t>8/24/2017</a:t>
+              <a:t>8/25/2017</a:t>
             </a:fld>
             <a:endParaRPr lang="en-US"/>
           </a:p>
@@ -21802,7 +21810,7 @@
           <a:p>
             <a:fld id="{D456EEBE-A7AF-E645-9889-AAA1CC8034EC}" type="datetime1">
               <a:rPr lang="en-US" smtClean="0"/>
-              <a:t>8/24/2017</a:t>
+              <a:t>8/25/2017</a:t>
             </a:fld>
             <a:endParaRPr lang="en-US"/>
           </a:p>
@@ -22274,7 +22282,7 @@
           <a:p>
             <a:fld id="{D456EEBE-A7AF-E645-9889-AAA1CC8034EC}" type="datetime1">
               <a:rPr lang="en-US" smtClean="0"/>
-              <a:t>8/24/2017</a:t>
+              <a:t>8/25/2017</a:t>
             </a:fld>
             <a:endParaRPr lang="en-US"/>
           </a:p>
@@ -22304,29 +22312,32 @@
             </a:pPr>
             <a:r>
               <a:rPr lang="en-US" dirty="0" smtClean="0"/>
-              <a:t>Can use e.g. VGG16, VGG19, </a:t>
+              <a:t>One s</a:t>
+            </a:r>
+            <a:r>
+              <a:rPr lang="en-US" dirty="0" smtClean="0"/>
+              <a:t>tate-of-the-art approach: </a:t>
             </a:r>
             <a:r>
               <a:rPr lang="en-US" dirty="0" err="1" smtClean="0"/>
-              <a:t>ResNet</a:t>
+              <a:t>Variational</a:t>
             </a:r>
             <a:r>
               <a:rPr lang="en-US" dirty="0" smtClean="0"/>
-              <a:t>, </a:t>
+              <a:t> </a:t>
+            </a:r>
+            <a:r>
+              <a:rPr lang="en-US" dirty="0" err="1"/>
+              <a:t>A</a:t>
             </a:r>
             <a:r>
               <a:rPr lang="en-US" dirty="0" err="1" smtClean="0"/>
-              <a:t>GoogleNet</a:t>
+              <a:t>utoencoder</a:t>
             </a:r>
             <a:r>
               <a:rPr lang="en-US" dirty="0" smtClean="0"/>
-              <a:t>… with weights mostly trained on </a:t>
-            </a:r>
-            <a:r>
-              <a:rPr lang="en-US" dirty="0" err="1" smtClean="0"/>
-              <a:t>ImageNet</a:t>
-            </a:r>
-            <a:endParaRPr lang="en-US" dirty="0" smtClean="0"/>
+              <a:t> with reconstruction probability</a:t>
+            </a:r>
           </a:p>
           <a:p>
             <a:pPr marL="285750" indent="-285750">
@@ -22335,66 +22346,16 @@
             </a:pPr>
             <a:r>
               <a:rPr lang="en-US" dirty="0" smtClean="0"/>
-              <a:t>Examples available for different forms of usage (adaptation to own classes, fine tuning)</a:t>
-            </a:r>
-          </a:p>
-          <a:p>
-            <a:pPr marL="285750" indent="-285750">
-              <a:buFont typeface="Arial" pitchFamily="34" charset="0"/>
-              <a:buChar char="•"/>
-            </a:pPr>
-            <a:endParaRPr lang="en-US" dirty="0"/>
-          </a:p>
-          <a:p>
-            <a:pPr marL="285750" indent="-285750">
-              <a:buFont typeface="Arial" pitchFamily="34" charset="0"/>
-              <a:buChar char="•"/>
-            </a:pPr>
-            <a:endParaRPr lang="en-US" dirty="0" smtClean="0"/>
-          </a:p>
-          <a:p>
-            <a:pPr marL="285750" indent="-285750">
-              <a:buFont typeface="Arial" pitchFamily="34" charset="0"/>
-              <a:buChar char="•"/>
-            </a:pPr>
-            <a:endParaRPr lang="en-US" dirty="0"/>
-          </a:p>
-          <a:p>
-            <a:pPr marL="285750" indent="-285750">
-              <a:buFont typeface="Arial" pitchFamily="34" charset="0"/>
-              <a:buChar char="•"/>
-            </a:pPr>
-            <a:endParaRPr lang="en-US" dirty="0" smtClean="0"/>
-          </a:p>
-          <a:p>
-            <a:pPr marL="285750" indent="-285750">
-              <a:buFont typeface="Arial" pitchFamily="34" charset="0"/>
-              <a:buChar char="•"/>
-            </a:pPr>
-            <a:endParaRPr lang="en-US" dirty="0"/>
-          </a:p>
-          <a:p>
-            <a:pPr marL="285750" indent="-285750">
-              <a:buFont typeface="Arial" pitchFamily="34" charset="0"/>
-              <a:buChar char="•"/>
-            </a:pPr>
-            <a:endParaRPr lang="en-US" dirty="0" smtClean="0"/>
-          </a:p>
-          <a:p>
-            <a:pPr marL="285750" indent="-285750">
-              <a:buFont typeface="Arial" pitchFamily="34" charset="0"/>
-              <a:buChar char="•"/>
-            </a:pPr>
-            <a:r>
-              <a:rPr lang="en-US" dirty="0" smtClean="0"/>
-              <a:t>Let’s try this out!</a:t>
-            </a:r>
-          </a:p>
-          <a:p>
-            <a:pPr marL="285750" indent="-285750">
-              <a:buFont typeface="Arial" pitchFamily="34" charset="0"/>
-              <a:buChar char="•"/>
-            </a:pPr>
+              <a:t>Implemented in DL4J as a specific </a:t>
+            </a:r>
+            <a:r>
+              <a:rPr lang="en-US" dirty="0" err="1" smtClean="0"/>
+              <a:t>variational</a:t>
+            </a:r>
+            <a:r>
+              <a:rPr lang="en-US" smtClean="0"/>
+              <a:t> layer</a:t>
+            </a:r>
             <a:endParaRPr lang="en-US" dirty="0"/>
           </a:p>
           <a:p>
@@ -22416,8 +22377,8 @@
         </p:nvSpPr>
         <p:spPr>
           <a:xfrm>
-            <a:off x="766460" y="2482686"/>
-            <a:ext cx="7935226" cy="826165"/>
+            <a:off x="834473" y="2136255"/>
+            <a:ext cx="7935226" cy="2159913"/>
           </a:xfrm>
           <a:prstGeom prst="rect">
             <a:avLst/>
@@ -22626,95 +22587,460 @@
           </a:lstStyle>
           <a:p>
             <a:pPr>
+              <a:lnSpc>
+                <a:spcPct val="100000"/>
+              </a:lnSpc>
               <a:tabLst>
                 <a:tab pos="2603500" algn="l"/>
                 <a:tab pos="3048000" algn="l"/>
               </a:tabLst>
             </a:pPr>
             <a:r>
-              <a:rPr lang="en-US" sz="1200" dirty="0" err="1">
+              <a:rPr lang="en-US" sz="1000" dirty="0" err="1">
                 <a:latin typeface="Lucida Sans Typewriter" pitchFamily="49" charset="0"/>
               </a:rPr>
-              <a:t>ZooModel</a:t>
-            </a:r>
-            <a:r>
-              <a:rPr lang="en-US" sz="1200" dirty="0">
-                <a:latin typeface="Lucida Sans Typewriter" pitchFamily="49" charset="0"/>
-              </a:rPr>
-              <a:t> vgg16 = new</a:t>
-            </a:r>
-            <a:r>
-              <a:rPr lang="en-US" sz="1200" b="1" dirty="0">
+              <a:t>MultiLayerConfiguration</a:t>
+            </a:r>
+            <a:r>
+              <a:rPr lang="en-US" sz="1000" dirty="0">
                 <a:latin typeface="Lucida Sans Typewriter" pitchFamily="49" charset="0"/>
               </a:rPr>
               <a:t> </a:t>
             </a:r>
             <a:r>
-              <a:rPr lang="en-US" sz="1200" dirty="0">
+              <a:rPr lang="en-US" sz="1000" dirty="0" err="1">
                 <a:latin typeface="Lucida Sans Typewriter" pitchFamily="49" charset="0"/>
               </a:rPr>
-              <a:t>VGG16();</a:t>
+              <a:t>conf</a:t>
+            </a:r>
+            <a:r>
+              <a:rPr lang="en-US" sz="1000" dirty="0">
+                <a:latin typeface="Lucida Sans Typewriter" pitchFamily="49" charset="0"/>
+              </a:rPr>
+              <a:t> = </a:t>
+            </a:r>
+            <a:r>
+              <a:rPr lang="en-US" sz="1000" b="1" dirty="0">
+                <a:latin typeface="Lucida Sans Typewriter" pitchFamily="49" charset="0"/>
+              </a:rPr>
+              <a:t>new </a:t>
+            </a:r>
+            <a:r>
+              <a:rPr lang="en-US" sz="1000" dirty="0" err="1">
+                <a:latin typeface="Lucida Sans Typewriter" pitchFamily="49" charset="0"/>
+              </a:rPr>
+              <a:t>NeuralNetConfiguration.Builder</a:t>
+            </a:r>
+            <a:r>
+              <a:rPr lang="en-US" sz="1000" dirty="0">
+                <a:latin typeface="Lucida Sans Typewriter" pitchFamily="49" charset="0"/>
+              </a:rPr>
+              <a:t>()</a:t>
             </a:r>
             <a:br>
-              <a:rPr lang="en-US" sz="1200" dirty="0">
+              <a:rPr lang="en-US" sz="1000" dirty="0">
                 <a:latin typeface="Lucida Sans Typewriter" pitchFamily="49" charset="0"/>
               </a:rPr>
             </a:br>
             <a:r>
-              <a:rPr lang="en-US" sz="1200" dirty="0" err="1">
+              <a:rPr lang="en-US" sz="1000" dirty="0">
                 <a:latin typeface="Lucida Sans Typewriter" pitchFamily="49" charset="0"/>
               </a:rPr>
-              <a:t>ComputationGraph</a:t>
-            </a:r>
-            <a:r>
-              <a:rPr lang="en-US" sz="1200" dirty="0">
+              <a:t>        </a:t>
+            </a:r>
+            <a:r>
+              <a:rPr lang="en-US" sz="1000" dirty="0" smtClean="0">
                 <a:latin typeface="Lucida Sans Typewriter" pitchFamily="49" charset="0"/>
               </a:rPr>
-              <a:t> </a:t>
-            </a:r>
-            <a:r>
-              <a:rPr lang="en-US" sz="1200" dirty="0" err="1">
+              <a:t>.//…</a:t>
+            </a:r>
+          </a:p>
+          <a:p>
+            <a:pPr>
+              <a:lnSpc>
+                <a:spcPct val="100000"/>
+              </a:lnSpc>
+              <a:tabLst>
+                <a:tab pos="2603500" algn="l"/>
+                <a:tab pos="3048000" algn="l"/>
+              </a:tabLst>
+            </a:pPr>
+            <a:r>
+              <a:rPr lang="en-US" sz="1000" dirty="0" smtClean="0">
                 <a:latin typeface="Lucida Sans Typewriter" pitchFamily="49" charset="0"/>
               </a:rPr>
-              <a:t>pretrainedNet</a:t>
-            </a:r>
-            <a:r>
-              <a:rPr lang="en-US" sz="1200" dirty="0">
+              <a:t>        </a:t>
+            </a:r>
+            <a:r>
+              <a:rPr lang="en-US" sz="1000" dirty="0">
                 <a:latin typeface="Lucida Sans Typewriter" pitchFamily="49" charset="0"/>
               </a:rPr>
-              <a:t> = (</a:t>
-            </a:r>
-            <a:r>
-              <a:rPr lang="en-US" sz="1200" dirty="0" err="1">
+              <a:t>.layer(</a:t>
+            </a:r>
+            <a:r>
+              <a:rPr lang="en-US" sz="1000" dirty="0">
                 <a:latin typeface="Lucida Sans Typewriter" pitchFamily="49" charset="0"/>
               </a:rPr>
-              <a:t>ComputationGraph</a:t>
-            </a:r>
-            <a:r>
-              <a:rPr lang="en-US" sz="1200" dirty="0">
+              <a:t>0</a:t>
+            </a:r>
+            <a:r>
+              <a:rPr lang="en-US" sz="1000" dirty="0">
                 <a:latin typeface="Lucida Sans Typewriter" pitchFamily="49" charset="0"/>
               </a:rPr>
-              <a:t>) vgg16.initPretrained(</a:t>
-            </a:r>
-            <a:r>
-              <a:rPr lang="en-US" sz="1200" dirty="0" err="1">
+              <a:t>, </a:t>
+            </a:r>
+            <a:r>
+              <a:rPr lang="en-US" sz="1000" b="1" dirty="0">
                 <a:latin typeface="Lucida Sans Typewriter" pitchFamily="49" charset="0"/>
               </a:rPr>
-              <a:t>PretrainedType.</a:t>
-            </a:r>
-            <a:r>
-              <a:rPr lang="en-US" sz="1200" i="1" dirty="0" err="1">
+              <a:t>new </a:t>
+            </a:r>
+            <a:r>
+              <a:rPr lang="en-US" sz="1000" dirty="0" err="1">
                 <a:latin typeface="Lucida Sans Typewriter" pitchFamily="49" charset="0"/>
               </a:rPr>
-              <a:t>IMAGENET</a:t>
-            </a:r>
-            <a:r>
-              <a:rPr lang="en-US" sz="1200" dirty="0">
+              <a:t>VariationalAutoencoder.Builder</a:t>
+            </a:r>
+            <a:r>
+              <a:rPr lang="en-US" sz="1000" dirty="0">
                 <a:latin typeface="Lucida Sans Typewriter" pitchFamily="49" charset="0"/>
               </a:rPr>
-              <a:t>);</a:t>
-            </a:r>
-            <a:endParaRPr lang="de-DE" sz="1200" dirty="0">
+              <a:t>()</a:t>
+            </a:r>
+            <a:br>
+              <a:rPr lang="en-US" sz="1000" dirty="0">
+                <a:latin typeface="Lucida Sans Typewriter" pitchFamily="49" charset="0"/>
+              </a:rPr>
+            </a:br>
+            <a:r>
+              <a:rPr lang="en-US" sz="1000" dirty="0">
+                <a:latin typeface="Lucida Sans Typewriter" pitchFamily="49" charset="0"/>
+              </a:rPr>
+              <a:t>                .activation(</a:t>
+            </a:r>
+            <a:r>
+              <a:rPr lang="en-US" sz="1000" dirty="0" err="1">
+                <a:latin typeface="Lucida Sans Typewriter" pitchFamily="49" charset="0"/>
+              </a:rPr>
+              <a:t>Activation.</a:t>
+            </a:r>
+            <a:r>
+              <a:rPr lang="en-US" sz="1000" b="1" i="1" dirty="0" err="1">
+                <a:latin typeface="Lucida Sans Typewriter" pitchFamily="49" charset="0"/>
+              </a:rPr>
+              <a:t>LEAKYRELU</a:t>
+            </a:r>
+            <a:r>
+              <a:rPr lang="en-US" sz="1000" dirty="0">
+                <a:latin typeface="Lucida Sans Typewriter" pitchFamily="49" charset="0"/>
+              </a:rPr>
+              <a:t>)</a:t>
+            </a:r>
+            <a:br>
+              <a:rPr lang="en-US" sz="1000" dirty="0">
+                <a:latin typeface="Lucida Sans Typewriter" pitchFamily="49" charset="0"/>
+              </a:rPr>
+            </a:br>
+            <a:r>
+              <a:rPr lang="en-US" sz="1000" dirty="0">
+                <a:latin typeface="Lucida Sans Typewriter" pitchFamily="49" charset="0"/>
+              </a:rPr>
+              <a:t>                .</a:t>
+            </a:r>
+            <a:r>
+              <a:rPr lang="en-US" sz="1000" dirty="0" err="1">
+                <a:latin typeface="Lucida Sans Typewriter" pitchFamily="49" charset="0"/>
+              </a:rPr>
+              <a:t>encoderLayerSizes</a:t>
+            </a:r>
+            <a:r>
+              <a:rPr lang="en-US" sz="1000" dirty="0">
+                <a:latin typeface="Lucida Sans Typewriter" pitchFamily="49" charset="0"/>
+              </a:rPr>
+              <a:t>(</a:t>
+            </a:r>
+            <a:r>
+              <a:rPr lang="en-US" sz="1000" i="1" dirty="0" err="1">
+                <a:latin typeface="Lucida Sans Typewriter" pitchFamily="49" charset="0"/>
+              </a:rPr>
+              <a:t>encoderSizes</a:t>
+            </a:r>
+            <a:r>
+              <a:rPr lang="en-US" sz="1000" dirty="0">
+                <a:latin typeface="Lucida Sans Typewriter" pitchFamily="49" charset="0"/>
+              </a:rPr>
+              <a:t>)</a:t>
+            </a:r>
+            <a:br>
+              <a:rPr lang="en-US" sz="1000" dirty="0">
+                <a:latin typeface="Lucida Sans Typewriter" pitchFamily="49" charset="0"/>
+              </a:rPr>
+            </a:br>
+            <a:r>
+              <a:rPr lang="en-US" sz="1000" dirty="0">
+                <a:latin typeface="Lucida Sans Typewriter" pitchFamily="49" charset="0"/>
+              </a:rPr>
+              <a:t>                .</a:t>
+            </a:r>
+            <a:r>
+              <a:rPr lang="en-US" sz="1000" dirty="0" err="1">
+                <a:latin typeface="Lucida Sans Typewriter" pitchFamily="49" charset="0"/>
+              </a:rPr>
+              <a:t>decoderLayerSizes</a:t>
+            </a:r>
+            <a:r>
+              <a:rPr lang="en-US" sz="1000" dirty="0">
+                <a:latin typeface="Lucida Sans Typewriter" pitchFamily="49" charset="0"/>
+              </a:rPr>
+              <a:t>(</a:t>
+            </a:r>
+            <a:r>
+              <a:rPr lang="en-US" sz="1000" i="1" dirty="0" err="1">
+                <a:latin typeface="Lucida Sans Typewriter" pitchFamily="49" charset="0"/>
+              </a:rPr>
+              <a:t>decoderSizes</a:t>
+            </a:r>
+            <a:r>
+              <a:rPr lang="en-US" sz="1000" dirty="0">
+                <a:latin typeface="Lucida Sans Typewriter" pitchFamily="49" charset="0"/>
+              </a:rPr>
+              <a:t>)</a:t>
+            </a:r>
+            <a:br>
+              <a:rPr lang="en-US" sz="1000" dirty="0">
+                <a:latin typeface="Lucida Sans Typewriter" pitchFamily="49" charset="0"/>
+              </a:rPr>
+            </a:br>
+            <a:r>
+              <a:rPr lang="en-US" sz="1000" dirty="0">
+                <a:latin typeface="Lucida Sans Typewriter" pitchFamily="49" charset="0"/>
+              </a:rPr>
+              <a:t>                .</a:t>
+            </a:r>
+            <a:r>
+              <a:rPr lang="en-US" sz="1000" dirty="0" err="1">
+                <a:latin typeface="Lucida Sans Typewriter" pitchFamily="49" charset="0"/>
+              </a:rPr>
+              <a:t>pzxActivationFunction</a:t>
+            </a:r>
+            <a:r>
+              <a:rPr lang="en-US" sz="1000" dirty="0">
+                <a:latin typeface="Lucida Sans Typewriter" pitchFamily="49" charset="0"/>
+              </a:rPr>
+              <a:t>(</a:t>
+            </a:r>
+            <a:r>
+              <a:rPr lang="en-US" sz="1000" b="1" dirty="0" err="1">
+                <a:latin typeface="Lucida Sans Typewriter" pitchFamily="49" charset="0"/>
+              </a:rPr>
+              <a:t>latentActivation</a:t>
+            </a:r>
+            <a:r>
+              <a:rPr lang="en-US" sz="1000" dirty="0">
+                <a:latin typeface="Lucida Sans Typewriter" pitchFamily="49" charset="0"/>
+              </a:rPr>
+              <a:t>)</a:t>
+            </a:r>
+            <a:br>
+              <a:rPr lang="en-US" sz="1000" dirty="0">
+                <a:latin typeface="Lucida Sans Typewriter" pitchFamily="49" charset="0"/>
+              </a:rPr>
+            </a:br>
+            <a:r>
+              <a:rPr lang="en-US" sz="1000" dirty="0">
+                <a:latin typeface="Lucida Sans Typewriter" pitchFamily="49" charset="0"/>
+              </a:rPr>
+              <a:t>                .</a:t>
+            </a:r>
+            <a:r>
+              <a:rPr lang="en-US" sz="1000" dirty="0" err="1">
+                <a:latin typeface="Lucida Sans Typewriter" pitchFamily="49" charset="0"/>
+              </a:rPr>
+              <a:t>reconstructionDistribution</a:t>
+            </a:r>
+            <a:r>
+              <a:rPr lang="en-US" sz="1000" dirty="0">
+                <a:latin typeface="Lucida Sans Typewriter" pitchFamily="49" charset="0"/>
+              </a:rPr>
+              <a:t>(</a:t>
+            </a:r>
+            <a:r>
+              <a:rPr lang="en-US" sz="1000" b="1" dirty="0">
+                <a:latin typeface="Lucida Sans Typewriter" pitchFamily="49" charset="0"/>
+              </a:rPr>
+              <a:t>new </a:t>
+            </a:r>
+            <a:r>
+              <a:rPr lang="en-US" sz="1000" dirty="0" err="1">
+                <a:latin typeface="Lucida Sans Typewriter" pitchFamily="49" charset="0"/>
+              </a:rPr>
+              <a:t>BernoulliReconstructionDistribution</a:t>
+            </a:r>
+            <a:r>
+              <a:rPr lang="en-US" sz="1000" dirty="0">
+                <a:latin typeface="Lucida Sans Typewriter" pitchFamily="49" charset="0"/>
+              </a:rPr>
+              <a:t>(</a:t>
+            </a:r>
+            <a:r>
+              <a:rPr lang="en-US" sz="1000" dirty="0" err="1">
+                <a:latin typeface="Lucida Sans Typewriter" pitchFamily="49" charset="0"/>
+              </a:rPr>
+              <a:t>Activation.</a:t>
+            </a:r>
+            <a:r>
+              <a:rPr lang="en-US" sz="1000" b="1" i="1" dirty="0" err="1">
+                <a:latin typeface="Lucida Sans Typewriter" pitchFamily="49" charset="0"/>
+              </a:rPr>
+              <a:t>SIGMOID</a:t>
+            </a:r>
+            <a:r>
+              <a:rPr lang="en-US" sz="1000" dirty="0">
+                <a:latin typeface="Lucida Sans Typewriter" pitchFamily="49" charset="0"/>
+              </a:rPr>
+              <a:t>))</a:t>
+            </a:r>
+            <a:br>
+              <a:rPr lang="en-US" sz="1000" dirty="0">
+                <a:latin typeface="Lucida Sans Typewriter" pitchFamily="49" charset="0"/>
+              </a:rPr>
+            </a:br>
+            <a:r>
+              <a:rPr lang="en-US" sz="1000" dirty="0">
+                <a:latin typeface="Lucida Sans Typewriter" pitchFamily="49" charset="0"/>
+              </a:rPr>
+              <a:t>                .</a:t>
+            </a:r>
+            <a:r>
+              <a:rPr lang="en-US" sz="1000" dirty="0" err="1">
+                <a:latin typeface="Lucida Sans Typewriter" pitchFamily="49" charset="0"/>
+              </a:rPr>
+              <a:t>nIn</a:t>
+            </a:r>
+            <a:r>
+              <a:rPr lang="en-US" sz="1000" dirty="0">
+                <a:latin typeface="Lucida Sans Typewriter" pitchFamily="49" charset="0"/>
+              </a:rPr>
+              <a:t>(</a:t>
+            </a:r>
+            <a:r>
+              <a:rPr lang="en-US" sz="1000" i="1" dirty="0" err="1">
+                <a:latin typeface="Lucida Sans Typewriter" pitchFamily="49" charset="0"/>
+              </a:rPr>
+              <a:t>inputSize</a:t>
+            </a:r>
+            <a:r>
+              <a:rPr lang="en-US" sz="1000" dirty="0">
+                <a:latin typeface="Lucida Sans Typewriter" pitchFamily="49" charset="0"/>
+              </a:rPr>
+              <a:t>)</a:t>
+            </a:r>
+            <a:br>
+              <a:rPr lang="en-US" sz="1000" dirty="0">
+                <a:latin typeface="Lucida Sans Typewriter" pitchFamily="49" charset="0"/>
+              </a:rPr>
+            </a:br>
+            <a:r>
+              <a:rPr lang="en-US" sz="1000" dirty="0">
+                <a:latin typeface="Lucida Sans Typewriter" pitchFamily="49" charset="0"/>
+              </a:rPr>
+              <a:t>                .</a:t>
+            </a:r>
+            <a:r>
+              <a:rPr lang="en-US" sz="1000" dirty="0" err="1">
+                <a:latin typeface="Lucida Sans Typewriter" pitchFamily="49" charset="0"/>
+              </a:rPr>
+              <a:t>nOut</a:t>
+            </a:r>
+            <a:r>
+              <a:rPr lang="en-US" sz="1000" dirty="0">
+                <a:latin typeface="Lucida Sans Typewriter" pitchFamily="49" charset="0"/>
+              </a:rPr>
+              <a:t>(</a:t>
+            </a:r>
+            <a:r>
+              <a:rPr lang="en-US" sz="1000" b="1" dirty="0" err="1">
+                <a:latin typeface="Lucida Sans Typewriter" pitchFamily="49" charset="0"/>
+              </a:rPr>
+              <a:t>latentSize</a:t>
+            </a:r>
+            <a:r>
+              <a:rPr lang="en-US" sz="1000" dirty="0">
+                <a:latin typeface="Lucida Sans Typewriter" pitchFamily="49" charset="0"/>
+              </a:rPr>
+              <a:t>)</a:t>
+            </a:r>
+            <a:br>
+              <a:rPr lang="en-US" sz="1000" dirty="0">
+                <a:latin typeface="Lucida Sans Typewriter" pitchFamily="49" charset="0"/>
+              </a:rPr>
+            </a:br>
+            <a:r>
+              <a:rPr lang="en-US" sz="1000" dirty="0">
+                <a:latin typeface="Lucida Sans Typewriter" pitchFamily="49" charset="0"/>
+              </a:rPr>
+              <a:t>                .build())</a:t>
+            </a:r>
+            <a:br>
+              <a:rPr lang="en-US" sz="1000" dirty="0">
+                <a:latin typeface="Lucida Sans Typewriter" pitchFamily="49" charset="0"/>
+              </a:rPr>
+            </a:br>
+            <a:r>
+              <a:rPr lang="en-US" sz="1000" dirty="0">
+                <a:latin typeface="Lucida Sans Typewriter" pitchFamily="49" charset="0"/>
+              </a:rPr>
+              <a:t>        .</a:t>
+            </a:r>
+            <a:r>
+              <a:rPr lang="en-US" sz="1000" dirty="0" err="1">
+                <a:latin typeface="Lucida Sans Typewriter" pitchFamily="49" charset="0"/>
+              </a:rPr>
+              <a:t>pretrain</a:t>
+            </a:r>
+            <a:r>
+              <a:rPr lang="en-US" sz="1000" dirty="0">
+                <a:latin typeface="Lucida Sans Typewriter" pitchFamily="49" charset="0"/>
+              </a:rPr>
+              <a:t>(</a:t>
+            </a:r>
+            <a:r>
+              <a:rPr lang="en-US" sz="1000" b="1" dirty="0">
+                <a:latin typeface="Lucida Sans Typewriter" pitchFamily="49" charset="0"/>
+              </a:rPr>
+              <a:t>true</a:t>
+            </a:r>
+            <a:r>
+              <a:rPr lang="en-US" sz="1000" dirty="0">
+                <a:latin typeface="Lucida Sans Typewriter" pitchFamily="49" charset="0"/>
+              </a:rPr>
+              <a:t>).</a:t>
+            </a:r>
+            <a:r>
+              <a:rPr lang="en-US" sz="1000" dirty="0" err="1">
+                <a:latin typeface="Lucida Sans Typewriter" pitchFamily="49" charset="0"/>
+              </a:rPr>
+              <a:t>backprop</a:t>
+            </a:r>
+            <a:r>
+              <a:rPr lang="en-US" sz="1000" dirty="0">
+                <a:latin typeface="Lucida Sans Typewriter" pitchFamily="49" charset="0"/>
+              </a:rPr>
+              <a:t>(</a:t>
+            </a:r>
+            <a:r>
+              <a:rPr lang="en-US" sz="1000" b="1" dirty="0">
+                <a:latin typeface="Lucida Sans Typewriter" pitchFamily="49" charset="0"/>
+              </a:rPr>
+              <a:t>false</a:t>
+            </a:r>
+            <a:r>
+              <a:rPr lang="en-US" sz="1000" dirty="0">
+                <a:latin typeface="Lucida Sans Typewriter" pitchFamily="49" charset="0"/>
+              </a:rPr>
+              <a:t>).build();</a:t>
+            </a:r>
+            <a:endParaRPr lang="de-DE" sz="1000" dirty="0">
               <a:latin typeface="Lucida Sans Typewriter" pitchFamily="49" charset="0"/>
             </a:endParaRPr>
           </a:p>
@@ -25527,7 +25853,7 @@
           <a:p>
             <a:fld id="{D456EEBE-A7AF-E645-9889-AAA1CC8034EC}" type="datetime1">
               <a:rPr lang="en-US" smtClean="0"/>
-              <a:t>8/24/2017</a:t>
+              <a:t>8/25/2017</a:t>
             </a:fld>
             <a:endParaRPr lang="en-US"/>
           </a:p>
@@ -25807,7 +26133,7 @@
           <a:p>
             <a:fld id="{D456EEBE-A7AF-E645-9889-AAA1CC8034EC}" type="datetime1">
               <a:rPr lang="en-US" smtClean="0"/>
-              <a:t>8/24/2017</a:t>
+              <a:t>8/25/2017</a:t>
             </a:fld>
             <a:endParaRPr lang="en-US"/>
           </a:p>
@@ -26192,7 +26518,7 @@
           <a:p>
             <a:fld id="{D456EEBE-A7AF-E645-9889-AAA1CC8034EC}" type="datetime1">
               <a:rPr lang="en-US" smtClean="0"/>
-              <a:t>8/24/2017</a:t>
+              <a:t>8/25/2017</a:t>
             </a:fld>
             <a:endParaRPr lang="en-US"/>
           </a:p>
@@ -26583,7 +26909,7 @@
   <a:extraClrSchemeLst/>
   <a:extLst>
     <a:ext uri="{05A4C25C-085E-4340-85A3-A5531E510DB2}">
-      <thm15:themeFamily xmlns:thm15="http://schemas.microsoft.com/office/thememl/2012/main" xmlns="" name="TVD_PPT_Template_2015_16zu9_EN" id="{F393887C-EAB3-4964-9CF9-B05264B499B8}" vid="{503BEFE1-278E-4A27-A22C-0466040C4085}"/>
+      <thm15:themeFamily xmlns="" xmlns:thm15="http://schemas.microsoft.com/office/thememl/2012/main" name="TVD_PPT_Template_2015_16zu9_EN" id="{F393887C-EAB3-4964-9CF9-B05264B499B8}" vid="{503BEFE1-278E-4A27-A22C-0466040C4085}"/>
     </a:ext>
   </a:extLst>
 </a:theme>
@@ -27160,20 +27486,6 @@
 </file>
 
 <file path=customXml/item1.xml><?xml version="1.0" encoding="utf-8"?>
-<?mso-contentType ?>
-<SharedContentType xmlns="Microsoft.SharePoint.Taxonomy.ContentTypeSync" SourceId="a65b2c18-bff2-4ef1-b402-d17a1d2fd91d" ContentTypeId="0x0101003E03BD88464FD44EBFDF5226D4636C49" PreviousValue="false"/>
-</file>
-
-<file path=customXml/item2.xml><?xml version="1.0" encoding="utf-8"?>
-<?mso-contentType ?>
-<FormTemplates xmlns="http://schemas.microsoft.com/sharepoint/v3/contenttype/forms">
-  <Display>DocumentLibraryForm</Display>
-  <Edit>DocumentLibraryForm</Edit>
-  <New>DocumentLibraryForm</New>
-</FormTemplates>
-</file>
-
-<file path=customXml/item3.xml><?xml version="1.0" encoding="utf-8"?>
 <p:properties xmlns:p="http://schemas.microsoft.com/office/2006/metadata/properties" xmlns:xsi="http://www.w3.org/2001/XMLSchema-instance" xmlns:pc="http://schemas.microsoft.com/office/infopath/2007/PartnerControls">
   <documentManagement>
     <Responsible xmlns="http://schemas.microsoft.com/sharepoint/v3">
@@ -27187,6 +27499,20 @@
     <ValidTo xmlns="http://schemas.microsoft.com/sharepoint/v3">2016-10-06T22:00:00+00:00</ValidTo>
   </documentManagement>
 </p:properties>
+</file>
+
+<file path=customXml/item2.xml><?xml version="1.0" encoding="utf-8"?>
+<?mso-contentType ?>
+<FormTemplates xmlns="http://schemas.microsoft.com/sharepoint/v3/contenttype/forms">
+  <Display>DocumentLibraryForm</Display>
+  <Edit>DocumentLibraryForm</Edit>
+  <New>DocumentLibraryForm</New>
+</FormTemplates>
+</file>
+
+<file path=customXml/item3.xml><?xml version="1.0" encoding="utf-8"?>
+<?mso-contentType ?>
+<SharedContentType xmlns="Microsoft.SharePoint.Taxonomy.ContentTypeSync" SourceId="a65b2c18-bff2-4ef1-b402-d17a1d2fd91d" ContentTypeId="0x0101003E03BD88464FD44EBFDF5226D4636C49" PreviousValue="false"/>
 </file>
 
 <file path=customXml/item4.xml><?xml version="1.0" encoding="utf-8"?>
@@ -27347,9 +27673,17 @@
 </file>
 
 <file path=customXml/itemProps1.xml><?xml version="1.0" encoding="utf-8"?>
-<ds:datastoreItem xmlns:ds="http://schemas.openxmlformats.org/officeDocument/2006/customXml" ds:itemID="{6E7CD471-F64E-4411-BFA0-C30B2C654F2E}">
+<ds:datastoreItem xmlns:ds="http://schemas.openxmlformats.org/officeDocument/2006/customXml" ds:itemID="{59B6694F-3729-4114-98C3-788E7B8B82D9}">
   <ds:schemaRefs>
-    <ds:schemaRef ds:uri="Microsoft.SharePoint.Taxonomy.ContentTypeSync"/>
+    <ds:schemaRef ds:uri="http://schemas.microsoft.com/office/2006/metadata/properties"/>
+    <ds:schemaRef ds:uri="http://schemas.microsoft.com/sharepoint/v3"/>
+    <ds:schemaRef ds:uri="http://purl.org/dc/terms/"/>
+    <ds:schemaRef ds:uri="http://schemas.openxmlformats.org/package/2006/metadata/core-properties"/>
+    <ds:schemaRef ds:uri="http://schemas.microsoft.com/office/2006/documentManagement/types"/>
+    <ds:schemaRef ds:uri="http://www.w3.org/XML/1998/namespace"/>
+    <ds:schemaRef ds:uri="http://schemas.microsoft.com/office/infopath/2007/PartnerControls"/>
+    <ds:schemaRef ds:uri="http://purl.org/dc/elements/1.1/"/>
+    <ds:schemaRef ds:uri="http://purl.org/dc/dcmitype/"/>
   </ds:schemaRefs>
 </ds:datastoreItem>
 </file>
@@ -27363,17 +27697,9 @@
 </file>
 
 <file path=customXml/itemProps3.xml><?xml version="1.0" encoding="utf-8"?>
-<ds:datastoreItem xmlns:ds="http://schemas.openxmlformats.org/officeDocument/2006/customXml" ds:itemID="{59B6694F-3729-4114-98C3-788E7B8B82D9}">
+<ds:datastoreItem xmlns:ds="http://schemas.openxmlformats.org/officeDocument/2006/customXml" ds:itemID="{6E7CD471-F64E-4411-BFA0-C30B2C654F2E}">
   <ds:schemaRefs>
-    <ds:schemaRef ds:uri="http://schemas.microsoft.com/office/2006/metadata/properties"/>
-    <ds:schemaRef ds:uri="http://schemas.microsoft.com/sharepoint/v3"/>
-    <ds:schemaRef ds:uri="http://purl.org/dc/terms/"/>
-    <ds:schemaRef ds:uri="http://schemas.openxmlformats.org/package/2006/metadata/core-properties"/>
-    <ds:schemaRef ds:uri="http://schemas.microsoft.com/office/2006/documentManagement/types"/>
-    <ds:schemaRef ds:uri="http://www.w3.org/XML/1998/namespace"/>
-    <ds:schemaRef ds:uri="http://schemas.microsoft.com/office/infopath/2007/PartnerControls"/>
-    <ds:schemaRef ds:uri="http://purl.org/dc/elements/1.1/"/>
-    <ds:schemaRef ds:uri="http://purl.org/dc/dcmitype/"/>
+    <ds:schemaRef ds:uri="Microsoft.SharePoint.Taxonomy.ContentTypeSync"/>
   </ds:schemaRefs>
 </ds:datastoreItem>
 </file>

--- a/dl4j_in_action.pptx
+++ b/dl4j_in_action.pptx
@@ -5,10 +5,10 @@
     <p:sldMasterId id="2147483663" r:id="rId5"/>
   </p:sldMasterIdLst>
   <p:notesMasterIdLst>
-    <p:notesMasterId r:id="rId31"/>
+    <p:notesMasterId r:id="rId32"/>
   </p:notesMasterIdLst>
   <p:handoutMasterIdLst>
-    <p:handoutMasterId r:id="rId32"/>
+    <p:handoutMasterId r:id="rId33"/>
   </p:handoutMasterIdLst>
   <p:sldIdLst>
     <p:sldId id="276" r:id="rId6"/>
@@ -34,8 +34,9 @@
     <p:sldId id="303" r:id="rId26"/>
     <p:sldId id="305" r:id="rId27"/>
     <p:sldId id="306" r:id="rId28"/>
-    <p:sldId id="282" r:id="rId29"/>
-    <p:sldId id="277" r:id="rId30"/>
+    <p:sldId id="307" r:id="rId29"/>
+    <p:sldId id="308" r:id="rId30"/>
+    <p:sldId id="277" r:id="rId31"/>
   </p:sldIdLst>
   <p:sldSz cx="9144000" cy="5143500" type="screen16x9"/>
   <p:notesSz cx="6834188" cy="9979025"/>
@@ -2479,6 +2480,753 @@
 </file>
 
 <file path=ppt/diagrams/colors4.xml><?xml version="1.0" encoding="utf-8"?>
+<dgm:colorsDef xmlns:dgm="http://schemas.openxmlformats.org/drawingml/2006/diagram" xmlns:a="http://schemas.openxmlformats.org/drawingml/2006/main" uniqueId="urn:microsoft.com/office/officeart/2005/8/colors/accent1_2">
+  <dgm:title val=""/>
+  <dgm:desc val=""/>
+  <dgm:catLst>
+    <dgm:cat type="accent1" pri="11200"/>
+  </dgm:catLst>
+  <dgm:styleLbl name="node0">
+    <dgm:fillClrLst meth="repeat">
+      <a:schemeClr val="accent1"/>
+    </dgm:fillClrLst>
+    <dgm:linClrLst meth="repeat">
+      <a:schemeClr val="lt1"/>
+    </dgm:linClrLst>
+    <dgm:effectClrLst/>
+    <dgm:txLinClrLst/>
+    <dgm:txFillClrLst/>
+    <dgm:txEffectClrLst/>
+  </dgm:styleLbl>
+  <dgm:styleLbl name="alignNode1">
+    <dgm:fillClrLst meth="repeat">
+      <a:schemeClr val="accent1"/>
+    </dgm:fillClrLst>
+    <dgm:linClrLst meth="repeat">
+      <a:schemeClr val="accent1"/>
+    </dgm:linClrLst>
+    <dgm:effectClrLst/>
+    <dgm:txLinClrLst/>
+    <dgm:txFillClrLst/>
+    <dgm:txEffectClrLst/>
+  </dgm:styleLbl>
+  <dgm:styleLbl name="node1">
+    <dgm:fillClrLst meth="repeat">
+      <a:schemeClr val="accent1"/>
+    </dgm:fillClrLst>
+    <dgm:linClrLst meth="repeat">
+      <a:schemeClr val="lt1"/>
+    </dgm:linClrLst>
+    <dgm:effectClrLst/>
+    <dgm:txLinClrLst/>
+    <dgm:txFillClrLst/>
+    <dgm:txEffectClrLst/>
+  </dgm:styleLbl>
+  <dgm:styleLbl name="lnNode1">
+    <dgm:fillClrLst meth="repeat">
+      <a:schemeClr val="accent1"/>
+    </dgm:fillClrLst>
+    <dgm:linClrLst meth="repeat">
+      <a:schemeClr val="lt1"/>
+    </dgm:linClrLst>
+    <dgm:effectClrLst/>
+    <dgm:txLinClrLst/>
+    <dgm:txFillClrLst/>
+    <dgm:txEffectClrLst/>
+  </dgm:styleLbl>
+  <dgm:styleLbl name="vennNode1">
+    <dgm:fillClrLst meth="repeat">
+      <a:schemeClr val="accent1">
+        <a:alpha val="50000"/>
+      </a:schemeClr>
+    </dgm:fillClrLst>
+    <dgm:linClrLst meth="repeat">
+      <a:schemeClr val="lt1"/>
+    </dgm:linClrLst>
+    <dgm:effectClrLst/>
+    <dgm:txLinClrLst/>
+    <dgm:txFillClrLst/>
+    <dgm:txEffectClrLst/>
+  </dgm:styleLbl>
+  <dgm:styleLbl name="node2">
+    <dgm:fillClrLst meth="repeat">
+      <a:schemeClr val="accent1"/>
+    </dgm:fillClrLst>
+    <dgm:linClrLst meth="repeat">
+      <a:schemeClr val="lt1"/>
+    </dgm:linClrLst>
+    <dgm:effectClrLst/>
+    <dgm:txLinClrLst/>
+    <dgm:txFillClrLst/>
+    <dgm:txEffectClrLst/>
+  </dgm:styleLbl>
+  <dgm:styleLbl name="node3">
+    <dgm:fillClrLst meth="repeat">
+      <a:schemeClr val="accent1"/>
+    </dgm:fillClrLst>
+    <dgm:linClrLst meth="repeat">
+      <a:schemeClr val="lt1"/>
+    </dgm:linClrLst>
+    <dgm:effectClrLst/>
+    <dgm:txLinClrLst/>
+    <dgm:txFillClrLst/>
+    <dgm:txEffectClrLst/>
+  </dgm:styleLbl>
+  <dgm:styleLbl name="node4">
+    <dgm:fillClrLst meth="repeat">
+      <a:schemeClr val="accent1"/>
+    </dgm:fillClrLst>
+    <dgm:linClrLst meth="repeat">
+      <a:schemeClr val="lt1"/>
+    </dgm:linClrLst>
+    <dgm:effectClrLst/>
+    <dgm:txLinClrLst/>
+    <dgm:txFillClrLst/>
+    <dgm:txEffectClrLst/>
+  </dgm:styleLbl>
+  <dgm:styleLbl name="fgImgPlace1">
+    <dgm:fillClrLst meth="repeat">
+      <a:schemeClr val="accent1">
+        <a:tint val="50000"/>
+      </a:schemeClr>
+    </dgm:fillClrLst>
+    <dgm:linClrLst meth="repeat">
+      <a:schemeClr val="lt1"/>
+    </dgm:linClrLst>
+    <dgm:effectClrLst/>
+    <dgm:txLinClrLst/>
+    <dgm:txFillClrLst meth="repeat">
+      <a:schemeClr val="lt1"/>
+    </dgm:txFillClrLst>
+    <dgm:txEffectClrLst/>
+  </dgm:styleLbl>
+  <dgm:styleLbl name="alignImgPlace1">
+    <dgm:fillClrLst meth="repeat">
+      <a:schemeClr val="accent1">
+        <a:tint val="50000"/>
+      </a:schemeClr>
+    </dgm:fillClrLst>
+    <dgm:linClrLst meth="repeat">
+      <a:schemeClr val="lt1"/>
+    </dgm:linClrLst>
+    <dgm:effectClrLst/>
+    <dgm:txLinClrLst/>
+    <dgm:txFillClrLst meth="repeat">
+      <a:schemeClr val="lt1"/>
+    </dgm:txFillClrLst>
+    <dgm:txEffectClrLst/>
+  </dgm:styleLbl>
+  <dgm:styleLbl name="bgImgPlace1">
+    <dgm:fillClrLst meth="repeat">
+      <a:schemeClr val="accent1">
+        <a:tint val="50000"/>
+      </a:schemeClr>
+    </dgm:fillClrLst>
+    <dgm:linClrLst meth="repeat">
+      <a:schemeClr val="lt1"/>
+    </dgm:linClrLst>
+    <dgm:effectClrLst/>
+    <dgm:txLinClrLst/>
+    <dgm:txFillClrLst meth="repeat">
+      <a:schemeClr val="lt1"/>
+    </dgm:txFillClrLst>
+    <dgm:txEffectClrLst/>
+  </dgm:styleLbl>
+  <dgm:styleLbl name="sibTrans2D1">
+    <dgm:fillClrLst meth="repeat">
+      <a:schemeClr val="accent1">
+        <a:tint val="60000"/>
+      </a:schemeClr>
+    </dgm:fillClrLst>
+    <dgm:linClrLst meth="repeat">
+      <a:schemeClr val="accent1">
+        <a:tint val="60000"/>
+      </a:schemeClr>
+    </dgm:linClrLst>
+    <dgm:effectClrLst/>
+    <dgm:txLinClrLst/>
+    <dgm:txFillClrLst/>
+    <dgm:txEffectClrLst/>
+  </dgm:styleLbl>
+  <dgm:styleLbl name="fgSibTrans2D1">
+    <dgm:fillClrLst meth="repeat">
+      <a:schemeClr val="accent1">
+        <a:tint val="60000"/>
+      </a:schemeClr>
+    </dgm:fillClrLst>
+    <dgm:linClrLst meth="repeat">
+      <a:schemeClr val="accent1">
+        <a:tint val="60000"/>
+      </a:schemeClr>
+    </dgm:linClrLst>
+    <dgm:effectClrLst/>
+    <dgm:txLinClrLst/>
+    <dgm:txFillClrLst/>
+    <dgm:txEffectClrLst/>
+  </dgm:styleLbl>
+  <dgm:styleLbl name="bgSibTrans2D1">
+    <dgm:fillClrLst meth="repeat">
+      <a:schemeClr val="accent1">
+        <a:tint val="60000"/>
+      </a:schemeClr>
+    </dgm:fillClrLst>
+    <dgm:linClrLst meth="repeat">
+      <a:schemeClr val="accent1">
+        <a:tint val="60000"/>
+      </a:schemeClr>
+    </dgm:linClrLst>
+    <dgm:effectClrLst/>
+    <dgm:txLinClrLst/>
+    <dgm:txFillClrLst/>
+    <dgm:txEffectClrLst/>
+  </dgm:styleLbl>
+  <dgm:styleLbl name="sibTrans1D1">
+    <dgm:fillClrLst meth="repeat">
+      <a:schemeClr val="accent1"/>
+    </dgm:fillClrLst>
+    <dgm:linClrLst meth="repeat">
+      <a:schemeClr val="accent1"/>
+    </dgm:linClrLst>
+    <dgm:effectClrLst/>
+    <dgm:txLinClrLst/>
+    <dgm:txFillClrLst meth="repeat">
+      <a:schemeClr val="tx1"/>
+    </dgm:txFillClrLst>
+    <dgm:txEffectClrLst/>
+  </dgm:styleLbl>
+  <dgm:styleLbl name="callout">
+    <dgm:fillClrLst meth="repeat">
+      <a:schemeClr val="accent1"/>
+    </dgm:fillClrLst>
+    <dgm:linClrLst meth="repeat">
+      <a:schemeClr val="accent1">
+        <a:tint val="50000"/>
+      </a:schemeClr>
+    </dgm:linClrLst>
+    <dgm:effectClrLst/>
+    <dgm:txLinClrLst/>
+    <dgm:txFillClrLst meth="repeat">
+      <a:schemeClr val="tx1"/>
+    </dgm:txFillClrLst>
+    <dgm:txEffectClrLst/>
+  </dgm:styleLbl>
+  <dgm:styleLbl name="asst0">
+    <dgm:fillClrLst meth="repeat">
+      <a:schemeClr val="accent1"/>
+    </dgm:fillClrLst>
+    <dgm:linClrLst meth="repeat">
+      <a:schemeClr val="lt1"/>
+    </dgm:linClrLst>
+    <dgm:effectClrLst/>
+    <dgm:txLinClrLst/>
+    <dgm:txFillClrLst/>
+    <dgm:txEffectClrLst/>
+  </dgm:styleLbl>
+  <dgm:styleLbl name="asst1">
+    <dgm:fillClrLst meth="repeat">
+      <a:schemeClr val="accent1"/>
+    </dgm:fillClrLst>
+    <dgm:linClrLst meth="repeat">
+      <a:schemeClr val="lt1"/>
+    </dgm:linClrLst>
+    <dgm:effectClrLst/>
+    <dgm:txLinClrLst/>
+    <dgm:txFillClrLst/>
+    <dgm:txEffectClrLst/>
+  </dgm:styleLbl>
+  <dgm:styleLbl name="asst2">
+    <dgm:fillClrLst meth="repeat">
+      <a:schemeClr val="accent1"/>
+    </dgm:fillClrLst>
+    <dgm:linClrLst meth="repeat">
+      <a:schemeClr val="lt1"/>
+    </dgm:linClrLst>
+    <dgm:effectClrLst/>
+    <dgm:txLinClrLst/>
+    <dgm:txFillClrLst/>
+    <dgm:txEffectClrLst/>
+  </dgm:styleLbl>
+  <dgm:styleLbl name="asst3">
+    <dgm:fillClrLst meth="repeat">
+      <a:schemeClr val="accent1"/>
+    </dgm:fillClrLst>
+    <dgm:linClrLst meth="repeat">
+      <a:schemeClr val="lt1"/>
+    </dgm:linClrLst>
+    <dgm:effectClrLst/>
+    <dgm:txLinClrLst/>
+    <dgm:txFillClrLst/>
+    <dgm:txEffectClrLst/>
+  </dgm:styleLbl>
+  <dgm:styleLbl name="asst4">
+    <dgm:fillClrLst meth="repeat">
+      <a:schemeClr val="accent1"/>
+    </dgm:fillClrLst>
+    <dgm:linClrLst meth="repeat">
+      <a:schemeClr val="lt1"/>
+    </dgm:linClrLst>
+    <dgm:effectClrLst/>
+    <dgm:txLinClrLst/>
+    <dgm:txFillClrLst/>
+    <dgm:txEffectClrLst/>
+  </dgm:styleLbl>
+  <dgm:styleLbl name="parChTrans2D1">
+    <dgm:fillClrLst meth="repeat">
+      <a:schemeClr val="accent1">
+        <a:tint val="60000"/>
+      </a:schemeClr>
+    </dgm:fillClrLst>
+    <dgm:linClrLst meth="repeat">
+      <a:schemeClr val="accent1">
+        <a:tint val="60000"/>
+      </a:schemeClr>
+    </dgm:linClrLst>
+    <dgm:effectClrLst/>
+    <dgm:txLinClrLst/>
+    <dgm:txFillClrLst meth="repeat">
+      <a:schemeClr val="lt1"/>
+    </dgm:txFillClrLst>
+    <dgm:txEffectClrLst/>
+  </dgm:styleLbl>
+  <dgm:styleLbl name="parChTrans2D2">
+    <dgm:fillClrLst meth="repeat">
+      <a:schemeClr val="accent1"/>
+    </dgm:fillClrLst>
+    <dgm:linClrLst meth="repeat">
+      <a:schemeClr val="accent1"/>
+    </dgm:linClrLst>
+    <dgm:effectClrLst/>
+    <dgm:txLinClrLst/>
+    <dgm:txFillClrLst meth="repeat">
+      <a:schemeClr val="lt1"/>
+    </dgm:txFillClrLst>
+    <dgm:txEffectClrLst/>
+  </dgm:styleLbl>
+  <dgm:styleLbl name="parChTrans2D3">
+    <dgm:fillClrLst meth="repeat">
+      <a:schemeClr val="accent1"/>
+    </dgm:fillClrLst>
+    <dgm:linClrLst meth="repeat">
+      <a:schemeClr val="accent1"/>
+    </dgm:linClrLst>
+    <dgm:effectClrLst/>
+    <dgm:txLinClrLst/>
+    <dgm:txFillClrLst meth="repeat">
+      <a:schemeClr val="lt1"/>
+    </dgm:txFillClrLst>
+    <dgm:txEffectClrLst/>
+  </dgm:styleLbl>
+  <dgm:styleLbl name="parChTrans2D4">
+    <dgm:fillClrLst meth="repeat">
+      <a:schemeClr val="accent1"/>
+    </dgm:fillClrLst>
+    <dgm:linClrLst meth="repeat">
+      <a:schemeClr val="accent1"/>
+    </dgm:linClrLst>
+    <dgm:effectClrLst/>
+    <dgm:txLinClrLst/>
+    <dgm:txFillClrLst meth="repeat">
+      <a:schemeClr val="lt1"/>
+    </dgm:txFillClrLst>
+    <dgm:txEffectClrLst/>
+  </dgm:styleLbl>
+  <dgm:styleLbl name="parChTrans1D1">
+    <dgm:fillClrLst meth="repeat">
+      <a:schemeClr val="accent1"/>
+    </dgm:fillClrLst>
+    <dgm:linClrLst meth="repeat">
+      <a:schemeClr val="accent1">
+        <a:shade val="60000"/>
+      </a:schemeClr>
+    </dgm:linClrLst>
+    <dgm:effectClrLst/>
+    <dgm:txLinClrLst/>
+    <dgm:txFillClrLst meth="repeat">
+      <a:schemeClr val="tx1"/>
+    </dgm:txFillClrLst>
+    <dgm:txEffectClrLst/>
+  </dgm:styleLbl>
+  <dgm:styleLbl name="parChTrans1D2">
+    <dgm:fillClrLst meth="repeat">
+      <a:schemeClr val="accent1"/>
+    </dgm:fillClrLst>
+    <dgm:linClrLst meth="repeat">
+      <a:schemeClr val="accent1">
+        <a:shade val="60000"/>
+      </a:schemeClr>
+    </dgm:linClrLst>
+    <dgm:effectClrLst/>
+    <dgm:txLinClrLst/>
+    <dgm:txFillClrLst meth="repeat">
+      <a:schemeClr val="tx1"/>
+    </dgm:txFillClrLst>
+    <dgm:txEffectClrLst/>
+  </dgm:styleLbl>
+  <dgm:styleLbl name="parChTrans1D3">
+    <dgm:fillClrLst meth="repeat">
+      <a:schemeClr val="accent1"/>
+    </dgm:fillClrLst>
+    <dgm:linClrLst meth="repeat">
+      <a:schemeClr val="accent1">
+        <a:shade val="80000"/>
+      </a:schemeClr>
+    </dgm:linClrLst>
+    <dgm:effectClrLst/>
+    <dgm:txLinClrLst/>
+    <dgm:txFillClrLst meth="repeat">
+      <a:schemeClr val="tx1"/>
+    </dgm:txFillClrLst>
+    <dgm:txEffectClrLst/>
+  </dgm:styleLbl>
+  <dgm:styleLbl name="parChTrans1D4">
+    <dgm:fillClrLst meth="repeat">
+      <a:schemeClr val="accent1"/>
+    </dgm:fillClrLst>
+    <dgm:linClrLst meth="repeat">
+      <a:schemeClr val="accent1">
+        <a:shade val="80000"/>
+      </a:schemeClr>
+    </dgm:linClrLst>
+    <dgm:effectClrLst/>
+    <dgm:txLinClrLst/>
+    <dgm:txFillClrLst meth="repeat">
+      <a:schemeClr val="tx1"/>
+    </dgm:txFillClrLst>
+    <dgm:txEffectClrLst/>
+  </dgm:styleLbl>
+  <dgm:styleLbl name="fgAcc1">
+    <dgm:fillClrLst meth="repeat">
+      <a:schemeClr val="lt1">
+        <a:alpha val="90000"/>
+      </a:schemeClr>
+    </dgm:fillClrLst>
+    <dgm:linClrLst meth="repeat">
+      <a:schemeClr val="accent1"/>
+    </dgm:linClrLst>
+    <dgm:effectClrLst/>
+    <dgm:txLinClrLst/>
+    <dgm:txFillClrLst meth="repeat">
+      <a:schemeClr val="dk1"/>
+    </dgm:txFillClrLst>
+    <dgm:txEffectClrLst/>
+  </dgm:styleLbl>
+  <dgm:styleLbl name="conFgAcc1">
+    <dgm:fillClrLst meth="repeat">
+      <a:schemeClr val="lt1">
+        <a:alpha val="90000"/>
+      </a:schemeClr>
+    </dgm:fillClrLst>
+    <dgm:linClrLst meth="repeat">
+      <a:schemeClr val="accent1"/>
+    </dgm:linClrLst>
+    <dgm:effectClrLst/>
+    <dgm:txLinClrLst/>
+    <dgm:txFillClrLst meth="repeat">
+      <a:schemeClr val="dk1"/>
+    </dgm:txFillClrLst>
+    <dgm:txEffectClrLst/>
+  </dgm:styleLbl>
+  <dgm:styleLbl name="alignAcc1">
+    <dgm:fillClrLst meth="repeat">
+      <a:schemeClr val="lt1">
+        <a:alpha val="90000"/>
+      </a:schemeClr>
+    </dgm:fillClrLst>
+    <dgm:linClrLst meth="repeat">
+      <a:schemeClr val="accent1"/>
+    </dgm:linClrLst>
+    <dgm:effectClrLst/>
+    <dgm:txLinClrLst/>
+    <dgm:txFillClrLst meth="repeat">
+      <a:schemeClr val="dk1"/>
+    </dgm:txFillClrLst>
+    <dgm:txEffectClrLst/>
+  </dgm:styleLbl>
+  <dgm:styleLbl name="trAlignAcc1">
+    <dgm:fillClrLst meth="repeat">
+      <a:schemeClr val="lt1">
+        <a:alpha val="40000"/>
+      </a:schemeClr>
+    </dgm:fillClrLst>
+    <dgm:linClrLst meth="repeat">
+      <a:schemeClr val="accent1"/>
+    </dgm:linClrLst>
+    <dgm:effectClrLst/>
+    <dgm:txLinClrLst/>
+    <dgm:txFillClrLst meth="repeat">
+      <a:schemeClr val="dk1"/>
+    </dgm:txFillClrLst>
+    <dgm:txEffectClrLst/>
+  </dgm:styleLbl>
+  <dgm:styleLbl name="bgAcc1">
+    <dgm:fillClrLst meth="repeat">
+      <a:schemeClr val="lt1">
+        <a:alpha val="90000"/>
+      </a:schemeClr>
+    </dgm:fillClrLst>
+    <dgm:linClrLst meth="repeat">
+      <a:schemeClr val="accent1"/>
+    </dgm:linClrLst>
+    <dgm:effectClrLst/>
+    <dgm:txLinClrLst/>
+    <dgm:txFillClrLst meth="repeat">
+      <a:schemeClr val="dk1"/>
+    </dgm:txFillClrLst>
+    <dgm:txEffectClrLst/>
+  </dgm:styleLbl>
+  <dgm:styleLbl name="solidFgAcc1">
+    <dgm:fillClrLst meth="repeat">
+      <a:schemeClr val="lt1"/>
+    </dgm:fillClrLst>
+    <dgm:linClrLst meth="repeat">
+      <a:schemeClr val="accent1"/>
+    </dgm:linClrLst>
+    <dgm:effectClrLst/>
+    <dgm:txLinClrLst/>
+    <dgm:txFillClrLst meth="repeat">
+      <a:schemeClr val="dk1"/>
+    </dgm:txFillClrLst>
+    <dgm:txEffectClrLst/>
+  </dgm:styleLbl>
+  <dgm:styleLbl name="solidAlignAcc1">
+    <dgm:fillClrLst meth="repeat">
+      <a:schemeClr val="lt1"/>
+    </dgm:fillClrLst>
+    <dgm:linClrLst meth="repeat">
+      <a:schemeClr val="accent1"/>
+    </dgm:linClrLst>
+    <dgm:effectClrLst/>
+    <dgm:txLinClrLst/>
+    <dgm:txFillClrLst meth="repeat">
+      <a:schemeClr val="dk1"/>
+    </dgm:txFillClrLst>
+    <dgm:txEffectClrLst/>
+  </dgm:styleLbl>
+  <dgm:styleLbl name="solidBgAcc1">
+    <dgm:fillClrLst meth="repeat">
+      <a:schemeClr val="lt1"/>
+    </dgm:fillClrLst>
+    <dgm:linClrLst meth="repeat">
+      <a:schemeClr val="accent1"/>
+    </dgm:linClrLst>
+    <dgm:effectClrLst/>
+    <dgm:txLinClrLst/>
+    <dgm:txFillClrLst meth="repeat">
+      <a:schemeClr val="dk1"/>
+    </dgm:txFillClrLst>
+    <dgm:txEffectClrLst/>
+  </dgm:styleLbl>
+  <dgm:styleLbl name="fgAccFollowNode1">
+    <dgm:fillClrLst meth="repeat">
+      <a:schemeClr val="accent1">
+        <a:alpha val="90000"/>
+        <a:tint val="40000"/>
+      </a:schemeClr>
+    </dgm:fillClrLst>
+    <dgm:linClrLst meth="repeat">
+      <a:schemeClr val="accent1">
+        <a:alpha val="90000"/>
+        <a:tint val="40000"/>
+      </a:schemeClr>
+    </dgm:linClrLst>
+    <dgm:effectClrLst/>
+    <dgm:txLinClrLst/>
+    <dgm:txFillClrLst meth="repeat">
+      <a:schemeClr val="dk1"/>
+    </dgm:txFillClrLst>
+    <dgm:txEffectClrLst/>
+  </dgm:styleLbl>
+  <dgm:styleLbl name="alignAccFollowNode1">
+    <dgm:fillClrLst meth="repeat">
+      <a:schemeClr val="accent1">
+        <a:alpha val="90000"/>
+        <a:tint val="40000"/>
+      </a:schemeClr>
+    </dgm:fillClrLst>
+    <dgm:linClrLst meth="repeat">
+      <a:schemeClr val="accent1">
+        <a:alpha val="90000"/>
+        <a:tint val="40000"/>
+      </a:schemeClr>
+    </dgm:linClrLst>
+    <dgm:effectClrLst/>
+    <dgm:txLinClrLst/>
+    <dgm:txFillClrLst meth="repeat">
+      <a:schemeClr val="dk1"/>
+    </dgm:txFillClrLst>
+    <dgm:txEffectClrLst/>
+  </dgm:styleLbl>
+  <dgm:styleLbl name="bgAccFollowNode1">
+    <dgm:fillClrLst meth="repeat">
+      <a:schemeClr val="accent1">
+        <a:alpha val="90000"/>
+        <a:tint val="40000"/>
+      </a:schemeClr>
+    </dgm:fillClrLst>
+    <dgm:linClrLst meth="repeat">
+      <a:schemeClr val="accent1">
+        <a:alpha val="90000"/>
+        <a:tint val="40000"/>
+      </a:schemeClr>
+    </dgm:linClrLst>
+    <dgm:effectClrLst/>
+    <dgm:txLinClrLst/>
+    <dgm:txFillClrLst meth="repeat">
+      <a:schemeClr val="dk1"/>
+    </dgm:txFillClrLst>
+    <dgm:txEffectClrLst/>
+  </dgm:styleLbl>
+  <dgm:styleLbl name="fgAcc0">
+    <dgm:fillClrLst meth="repeat">
+      <a:schemeClr val="lt1">
+        <a:alpha val="90000"/>
+      </a:schemeClr>
+    </dgm:fillClrLst>
+    <dgm:linClrLst meth="repeat">
+      <a:schemeClr val="accent1"/>
+    </dgm:linClrLst>
+    <dgm:effectClrLst/>
+    <dgm:txLinClrLst/>
+    <dgm:txFillClrLst meth="repeat">
+      <a:schemeClr val="dk1"/>
+    </dgm:txFillClrLst>
+    <dgm:txEffectClrLst/>
+  </dgm:styleLbl>
+  <dgm:styleLbl name="fgAcc2">
+    <dgm:fillClrLst meth="repeat">
+      <a:schemeClr val="lt1">
+        <a:alpha val="90000"/>
+      </a:schemeClr>
+    </dgm:fillClrLst>
+    <dgm:linClrLst meth="repeat">
+      <a:schemeClr val="accent1"/>
+    </dgm:linClrLst>
+    <dgm:effectClrLst/>
+    <dgm:txLinClrLst/>
+    <dgm:txFillClrLst meth="repeat">
+      <a:schemeClr val="dk1"/>
+    </dgm:txFillClrLst>
+    <dgm:txEffectClrLst/>
+  </dgm:styleLbl>
+  <dgm:styleLbl name="fgAcc3">
+    <dgm:fillClrLst meth="repeat">
+      <a:schemeClr val="lt1">
+        <a:alpha val="90000"/>
+      </a:schemeClr>
+    </dgm:fillClrLst>
+    <dgm:linClrLst meth="repeat">
+      <a:schemeClr val="accent1"/>
+    </dgm:linClrLst>
+    <dgm:effectClrLst/>
+    <dgm:txLinClrLst/>
+    <dgm:txFillClrLst meth="repeat">
+      <a:schemeClr val="dk1"/>
+    </dgm:txFillClrLst>
+    <dgm:txEffectClrLst/>
+  </dgm:styleLbl>
+  <dgm:styleLbl name="fgAcc4">
+    <dgm:fillClrLst meth="repeat">
+      <a:schemeClr val="lt1">
+        <a:alpha val="90000"/>
+      </a:schemeClr>
+    </dgm:fillClrLst>
+    <dgm:linClrLst meth="repeat">
+      <a:schemeClr val="accent1"/>
+    </dgm:linClrLst>
+    <dgm:effectClrLst/>
+    <dgm:txLinClrLst/>
+    <dgm:txFillClrLst meth="repeat">
+      <a:schemeClr val="dk1"/>
+    </dgm:txFillClrLst>
+    <dgm:txEffectClrLst/>
+  </dgm:styleLbl>
+  <dgm:styleLbl name="bgShp">
+    <dgm:fillClrLst meth="repeat">
+      <a:schemeClr val="accent1">
+        <a:tint val="40000"/>
+      </a:schemeClr>
+    </dgm:fillClrLst>
+    <dgm:linClrLst meth="repeat">
+      <a:schemeClr val="accent1"/>
+    </dgm:linClrLst>
+    <dgm:effectClrLst/>
+    <dgm:txLinClrLst/>
+    <dgm:txFillClrLst meth="repeat">
+      <a:schemeClr val="dk1"/>
+    </dgm:txFillClrLst>
+    <dgm:txEffectClrLst/>
+  </dgm:styleLbl>
+  <dgm:styleLbl name="dkBgShp">
+    <dgm:fillClrLst meth="repeat">
+      <a:schemeClr val="accent1">
+        <a:shade val="80000"/>
+      </a:schemeClr>
+    </dgm:fillClrLst>
+    <dgm:linClrLst meth="repeat">
+      <a:schemeClr val="accent1"/>
+    </dgm:linClrLst>
+    <dgm:effectClrLst/>
+    <dgm:txLinClrLst/>
+    <dgm:txFillClrLst meth="repeat">
+      <a:schemeClr val="lt1"/>
+    </dgm:txFillClrLst>
+    <dgm:txEffectClrLst/>
+  </dgm:styleLbl>
+  <dgm:styleLbl name="trBgShp">
+    <dgm:fillClrLst meth="repeat">
+      <a:schemeClr val="accent1">
+        <a:tint val="50000"/>
+        <a:alpha val="40000"/>
+      </a:schemeClr>
+    </dgm:fillClrLst>
+    <dgm:linClrLst meth="repeat">
+      <a:schemeClr val="accent1"/>
+    </dgm:linClrLst>
+    <dgm:effectClrLst/>
+    <dgm:txLinClrLst/>
+    <dgm:txFillClrLst meth="repeat">
+      <a:schemeClr val="lt1"/>
+    </dgm:txFillClrLst>
+    <dgm:txEffectClrLst/>
+  </dgm:styleLbl>
+  <dgm:styleLbl name="fgShp">
+    <dgm:fillClrLst meth="repeat">
+      <a:schemeClr val="accent1">
+        <a:tint val="60000"/>
+      </a:schemeClr>
+    </dgm:fillClrLst>
+    <dgm:linClrLst meth="repeat">
+      <a:schemeClr val="lt1"/>
+    </dgm:linClrLst>
+    <dgm:effectClrLst/>
+    <dgm:txLinClrLst/>
+    <dgm:txFillClrLst meth="repeat">
+      <a:schemeClr val="dk1"/>
+    </dgm:txFillClrLst>
+    <dgm:txEffectClrLst/>
+  </dgm:styleLbl>
+  <dgm:styleLbl name="revTx">
+    <dgm:fillClrLst meth="repeat">
+      <a:schemeClr val="lt1">
+        <a:alpha val="0"/>
+      </a:schemeClr>
+    </dgm:fillClrLst>
+    <dgm:linClrLst meth="repeat">
+      <a:schemeClr val="dk1">
+        <a:alpha val="0"/>
+      </a:schemeClr>
+    </dgm:linClrLst>
+    <dgm:effectClrLst/>
+    <dgm:txLinClrLst/>
+    <dgm:txFillClrLst meth="repeat">
+      <a:schemeClr val="tx1"/>
+    </dgm:txFillClrLst>
+    <dgm:txEffectClrLst/>
+  </dgm:styleLbl>
+</dgm:colorsDef>
+</file>
+
+<file path=ppt/diagrams/colors5.xml><?xml version="1.0" encoding="utf-8"?>
 <dgm:colorsDef xmlns:dgm="http://schemas.openxmlformats.org/drawingml/2006/diagram" xmlns:a="http://schemas.openxmlformats.org/drawingml/2006/main" uniqueId="urn:microsoft.com/office/officeart/2005/8/colors/accent1_2">
   <dgm:title val=""/>
   <dgm:desc val=""/>
@@ -5252,6 +6000,35 @@
 </dgm:dataModel>
 </file>
 
+<file path=ppt/diagrams/data5.xml><?xml version="1.0" encoding="utf-8"?>
+<dgm:dataModel xmlns:dgm="http://schemas.openxmlformats.org/drawingml/2006/diagram" xmlns:a="http://schemas.openxmlformats.org/drawingml/2006/main">
+  <dgm:ptLst>
+    <dgm:pt modelId="{EF8C8DEC-3BE8-4014-A544-73435954158F}" type="doc">
+      <dgm:prSet loTypeId="urn:microsoft.com/office/officeart/2008/layout/PictureGrid" loCatId="picture" qsTypeId="urn:microsoft.com/office/officeart/2005/8/quickstyle/simple1" qsCatId="simple" csTypeId="urn:microsoft.com/office/officeart/2005/8/colors/accent1_2" csCatId="accent1"/>
+      <dgm:spPr/>
+    </dgm:pt>
+    <dgm:pt modelId="{70C632A3-0775-4B07-B86D-CE456B9F69F7}" type="pres">
+      <dgm:prSet presAssocID="{EF8C8DEC-3BE8-4014-A544-73435954158F}" presName="Name0" presStyleCnt="0">
+        <dgm:presLayoutVars>
+          <dgm:dir/>
+        </dgm:presLayoutVars>
+      </dgm:prSet>
+      <dgm:spPr/>
+    </dgm:pt>
+  </dgm:ptLst>
+  <dgm:cxnLst>
+    <dgm:cxn modelId="{E0025553-2E0D-4946-A6F4-69541E05FEF6}" type="presOf" srcId="{EF8C8DEC-3BE8-4014-A544-73435954158F}" destId="{70C632A3-0775-4B07-B86D-CE456B9F69F7}" srcOrd="0" destOrd="0" presId="urn:microsoft.com/office/officeart/2008/layout/PictureGrid"/>
+  </dgm:cxnLst>
+  <dgm:bg/>
+  <dgm:whole/>
+  <dgm:extLst>
+    <a:ext uri="http://schemas.microsoft.com/office/drawing/2008/diagram">
+      <dsp:dataModelExt xmlns:dsp="http://schemas.microsoft.com/office/drawing/2008/diagram" relId="rId6" minVer="http://schemas.openxmlformats.org/drawingml/2006/diagram"/>
+    </a:ext>
+  </dgm:extLst>
+</dgm:dataModel>
+</file>
+
 <file path=ppt/diagrams/drawing1.xml><?xml version="1.0" encoding="utf-8"?>
 <dsp:drawing xmlns:dgm="http://schemas.openxmlformats.org/drawingml/2006/diagram" xmlns:dsp="http://schemas.microsoft.com/office/drawing/2008/diagram" xmlns:a="http://schemas.openxmlformats.org/drawingml/2006/main">
   <dsp:spTree>
@@ -7175,6 +7952,18 @@
 </dsp:drawing>
 </file>
 
+<file path=ppt/diagrams/drawing5.xml><?xml version="1.0" encoding="utf-8"?>
+<dsp:drawing xmlns:dgm="http://schemas.openxmlformats.org/drawingml/2006/diagram" xmlns:dsp="http://schemas.microsoft.com/office/drawing/2008/diagram" xmlns:a="http://schemas.openxmlformats.org/drawingml/2006/main">
+  <dsp:spTree>
+    <dsp:nvGrpSpPr>
+      <dsp:cNvPr id="0" name=""/>
+      <dsp:cNvGrpSpPr/>
+    </dsp:nvGrpSpPr>
+    <dsp:grpSpPr/>
+  </dsp:spTree>
+</dsp:drawing>
+</file>
+
 <file path=ppt/diagrams/layout1.xml><?xml version="1.0" encoding="utf-8"?>
 <dgm:layoutDef xmlns:dgm="http://schemas.openxmlformats.org/drawingml/2006/diagram" xmlns:a="http://schemas.openxmlformats.org/drawingml/2006/main" uniqueId="urn:microsoft.com/office/officeart/2005/8/layout/gear1">
   <dgm:title val=""/>
@@ -8419,6 +9208,272 @@
 </dgm:layoutDef>
 </file>
 
+<file path=ppt/diagrams/layout5.xml><?xml version="1.0" encoding="utf-8"?>
+<dgm:layoutDef xmlns:dgm="http://schemas.openxmlformats.org/drawingml/2006/diagram" xmlns:a="http://schemas.openxmlformats.org/drawingml/2006/main" uniqueId="urn:microsoft.com/office/officeart/2008/layout/PictureGrid">
+  <dgm:title val=""/>
+  <dgm:desc val=""/>
+  <dgm:catLst>
+    <dgm:cat type="picture" pri="11000"/>
+    <dgm:cat type="pictureconvert" pri="11000"/>
+  </dgm:catLst>
+  <dgm:sampData>
+    <dgm:dataModel>
+      <dgm:ptLst>
+        <dgm:pt modelId="0" type="doc"/>
+        <dgm:pt modelId="10">
+          <dgm:prSet phldr="1"/>
+        </dgm:pt>
+        <dgm:pt modelId="20">
+          <dgm:prSet phldr="1"/>
+        </dgm:pt>
+        <dgm:pt modelId="30">
+          <dgm:prSet phldr="1"/>
+        </dgm:pt>
+        <dgm:pt modelId="40">
+          <dgm:prSet phldr="1"/>
+        </dgm:pt>
+      </dgm:ptLst>
+      <dgm:cxnLst>
+        <dgm:cxn modelId="60" srcId="0" destId="10" srcOrd="0" destOrd="0"/>
+        <dgm:cxn modelId="70" srcId="0" destId="20" srcOrd="1" destOrd="0"/>
+        <dgm:cxn modelId="80" srcId="0" destId="30" srcOrd="2" destOrd="0"/>
+        <dgm:cxn modelId="90" srcId="0" destId="40" srcOrd="3" destOrd="0"/>
+      </dgm:cxnLst>
+      <dgm:bg/>
+      <dgm:whole/>
+    </dgm:dataModel>
+  </dgm:sampData>
+  <dgm:styleData>
+    <dgm:dataModel>
+      <dgm:ptLst>
+        <dgm:pt modelId="0" type="doc"/>
+        <dgm:pt modelId="10">
+          <dgm:prSet phldr="1"/>
+        </dgm:pt>
+        <dgm:pt modelId="20">
+          <dgm:prSet phldr="1"/>
+        </dgm:pt>
+      </dgm:ptLst>
+      <dgm:cxnLst>
+        <dgm:cxn modelId="60" srcId="0" destId="10" srcOrd="0" destOrd="0"/>
+        <dgm:cxn modelId="70" srcId="0" destId="20" srcOrd="1" destOrd="0"/>
+      </dgm:cxnLst>
+      <dgm:bg/>
+      <dgm:whole/>
+    </dgm:dataModel>
+  </dgm:styleData>
+  <dgm:clrData>
+    <dgm:dataModel>
+      <dgm:ptLst>
+        <dgm:pt modelId="0" type="doc"/>
+        <dgm:pt modelId="10">
+          <dgm:prSet phldr="1"/>
+        </dgm:pt>
+        <dgm:pt modelId="20">
+          <dgm:prSet phldr="1"/>
+        </dgm:pt>
+        <dgm:pt modelId="30">
+          <dgm:prSet phldr="1"/>
+        </dgm:pt>
+        <dgm:pt modelId="40">
+          <dgm:prSet phldr="1"/>
+        </dgm:pt>
+      </dgm:ptLst>
+      <dgm:cxnLst>
+        <dgm:cxn modelId="60" srcId="0" destId="10" srcOrd="0" destOrd="0"/>
+        <dgm:cxn modelId="70" srcId="0" destId="20" srcOrd="1" destOrd="0"/>
+        <dgm:cxn modelId="80" srcId="0" destId="30" srcOrd="2" destOrd="0"/>
+        <dgm:cxn modelId="90" srcId="0" destId="40" srcOrd="3" destOrd="0"/>
+      </dgm:cxnLst>
+      <dgm:bg/>
+      <dgm:whole/>
+    </dgm:dataModel>
+  </dgm:clrData>
+  <dgm:layoutNode name="Name0">
+    <dgm:varLst>
+      <dgm:dir/>
+    </dgm:varLst>
+    <dgm:choose name="Name1">
+      <dgm:if name="Name2" axis="ch" ptType="node" func="cnt" op="lte" val="4">
+        <dgm:choose name="Name3">
+          <dgm:if name="Name4" func="var" arg="dir" op="equ" val="norm">
+            <dgm:alg type="snake">
+              <dgm:param type="off" val="ctr"/>
+              <dgm:param type="bkpt" val="fixed"/>
+              <dgm:param type="bkPtFixedVal" val="2"/>
+            </dgm:alg>
+          </dgm:if>
+          <dgm:else name="Name5">
+            <dgm:alg type="snake">
+              <dgm:param type="off" val="ctr"/>
+              <dgm:param type="grDir" val="tR"/>
+              <dgm:param type="bkpt" val="fixed"/>
+              <dgm:param type="bkPtFixedVal" val="2"/>
+            </dgm:alg>
+          </dgm:else>
+        </dgm:choose>
+      </dgm:if>
+      <dgm:else name="Name6">
+        <dgm:choose name="Name7">
+          <dgm:if name="Name8" axis="ch" ptType="node" func="cnt" op="lte" val="9">
+            <dgm:choose name="Name9">
+              <dgm:if name="Name10" func="var" arg="dir" op="equ" val="norm">
+                <dgm:alg type="snake">
+                  <dgm:param type="off" val="ctr"/>
+                  <dgm:param type="bkpt" val="fixed"/>
+                  <dgm:param type="bkPtFixedVal" val="3"/>
+                </dgm:alg>
+              </dgm:if>
+              <dgm:else name="Name11">
+                <dgm:alg type="snake">
+                  <dgm:param type="off" val="ctr"/>
+                  <dgm:param type="grDir" val="tR"/>
+                  <dgm:param type="bkpt" val="fixed"/>
+                  <dgm:param type="bkPtFixedVal" val="3"/>
+                </dgm:alg>
+              </dgm:else>
+            </dgm:choose>
+          </dgm:if>
+          <dgm:else name="Name12">
+            <dgm:choose name="Name13">
+              <dgm:if name="Name14" axis="ch" ptType="node" func="cnt" op="lte" val="16">
+                <dgm:choose name="Name15">
+                  <dgm:if name="Name16" func="var" arg="dir" op="equ" val="norm">
+                    <dgm:alg type="snake">
+                      <dgm:param type="off" val="ctr"/>
+                      <dgm:param type="bkpt" val="fixed"/>
+                      <dgm:param type="bkPtFixedVal" val="4"/>
+                    </dgm:alg>
+                  </dgm:if>
+                  <dgm:else name="Name17">
+                    <dgm:alg type="snake">
+                      <dgm:param type="off" val="ctr"/>
+                      <dgm:param type="grDir" val="tR"/>
+                      <dgm:param type="bkpt" val="fixed"/>
+                      <dgm:param type="bkPtFixedVal" val="4"/>
+                    </dgm:alg>
+                  </dgm:else>
+                </dgm:choose>
+              </dgm:if>
+              <dgm:else name="Name18">
+                <dgm:choose name="Name19">
+                  <dgm:if name="Name20" axis="ch" ptType="node" func="cnt" op="lte" val="25">
+                    <dgm:choose name="Name21">
+                      <dgm:if name="Name22" func="var" arg="dir" op="equ" val="norm">
+                        <dgm:alg type="snake">
+                          <dgm:param type="off" val="ctr"/>
+                          <dgm:param type="bkpt" val="fixed"/>
+                          <dgm:param type="bkPtFixedVal" val="5"/>
+                        </dgm:alg>
+                      </dgm:if>
+                      <dgm:else name="Name23">
+                        <dgm:alg type="snake">
+                          <dgm:param type="off" val="ctr"/>
+                          <dgm:param type="grDir" val="tR"/>
+                          <dgm:param type="bkpt" val="fixed"/>
+                          <dgm:param type="bkPtFixedVal" val="5"/>
+                        </dgm:alg>
+                      </dgm:else>
+                    </dgm:choose>
+                  </dgm:if>
+                  <dgm:else name="Name24">
+                    <dgm:choose name="Name25">
+                      <dgm:if name="Name26" func="var" arg="dir" op="equ" val="norm">
+                        <dgm:alg type="snake">
+                          <dgm:param type="off" val="ctr"/>
+                        </dgm:alg>
+                      </dgm:if>
+                      <dgm:else name="Name27">
+                        <dgm:alg type="snake">
+                          <dgm:param type="off" val="ctr"/>
+                          <dgm:param type="grDir" val="tR"/>
+                        </dgm:alg>
+                      </dgm:else>
+                    </dgm:choose>
+                  </dgm:else>
+                </dgm:choose>
+              </dgm:else>
+            </dgm:choose>
+          </dgm:else>
+        </dgm:choose>
+      </dgm:else>
+    </dgm:choose>
+    <dgm:shape xmlns:r="http://schemas.openxmlformats.org/officeDocument/2006/relationships" r:blip="">
+      <dgm:adjLst/>
+    </dgm:shape>
+    <dgm:constrLst>
+      <dgm:constr type="primFontSz" for="des" ptType="node" op="equ" val="65"/>
+      <dgm:constr type="w" for="ch" forName="composite" refType="h" fact="0.8"/>
+      <dgm:constr type="h" for="ch" forName="composite" refType="h"/>
+      <dgm:constr type="sp" refType="w" refFor="ch" refForName="composite" op="equ" fact="0.1"/>
+      <dgm:constr type="w" for="ch" forName="sibTrans" refType="w" refFor="ch" refForName="composite" op="equ" fact="0.1"/>
+      <dgm:constr type="h" for="ch" forName="sibTrans" refType="w" refFor="ch" refForName="sibTrans" op="equ"/>
+    </dgm:constrLst>
+    <dgm:forEach name="nodesForEach" axis="ch" ptType="node">
+      <dgm:layoutNode name="composite">
+        <dgm:alg type="composite">
+          <dgm:param type="ar" val="0.7568"/>
+        </dgm:alg>
+        <dgm:shape xmlns:r="http://schemas.openxmlformats.org/officeDocument/2006/relationships" r:blip="">
+          <dgm:adjLst/>
+        </dgm:shape>
+        <dgm:constrLst>
+          <dgm:constr type="l" for="ch" forName="rect1" refType="w" fact="0"/>
+          <dgm:constr type="t" for="ch" forName="rect1" refType="h" fact="0.15"/>
+          <dgm:constr type="w" for="ch" forName="rect1" refType="w"/>
+          <dgm:constr type="h" for="ch" forName="rect1" refType="w"/>
+          <dgm:constr type="l" for="ch" forName="rect2" refType="w" fact="0"/>
+          <dgm:constr type="t" for="ch" forName="rect2" refType="h" fact="0"/>
+          <dgm:constr type="w" for="ch" forName="rect2" refType="w"/>
+          <dgm:constr type="h" for="ch" forName="rect2" refType="w" fact="0.15"/>
+        </dgm:constrLst>
+        <dgm:layoutNode name="rect2" styleLbl="revTx">
+          <dgm:varLst>
+            <dgm:bulletEnabled val="1"/>
+          </dgm:varLst>
+          <dgm:alg type="tx">
+            <dgm:param type="stBulletLvl" val="3"/>
+            <dgm:param type="parTxLTRAlign" val="l"/>
+            <dgm:param type="parTxRTLAlign" val="r"/>
+            <dgm:param type="txAnchorVert" val="b"/>
+            <dgm:param type="txAnchorVertCh" val="b"/>
+          </dgm:alg>
+          <dgm:shape xmlns:r="http://schemas.openxmlformats.org/officeDocument/2006/relationships" type="rect" r:blip="">
+            <dgm:adjLst/>
+          </dgm:shape>
+          <dgm:presOf axis="desOrSelf" ptType="node"/>
+          <dgm:constrLst>
+            <dgm:constr type="lMarg" refType="primFontSz" fact="0"/>
+            <dgm:constr type="rMarg" refType="primFontSz" fact="0.3"/>
+            <dgm:constr type="tMarg" refType="primFontSz" fact="0.3"/>
+            <dgm:constr type="bMarg" refType="primFontSz" fact="0"/>
+            <dgm:constr type="secFontSz" refType="primFontSz" fact="0.8"/>
+          </dgm:constrLst>
+          <dgm:ruleLst>
+            <dgm:rule type="primFontSz" val="5" fact="NaN" max="NaN"/>
+          </dgm:ruleLst>
+        </dgm:layoutNode>
+        <dgm:layoutNode name="rect1" styleLbl="alignImgPlace1">
+          <dgm:alg type="sp"/>
+          <dgm:shape xmlns:r="http://schemas.openxmlformats.org/officeDocument/2006/relationships" type="rect" r:blip="" blipPhldr="1">
+            <dgm:adjLst/>
+          </dgm:shape>
+          <dgm:presOf/>
+        </dgm:layoutNode>
+      </dgm:layoutNode>
+      <dgm:forEach name="sibTransForEach" axis="followSib" ptType="sibTrans" cnt="1">
+        <dgm:layoutNode name="sibTrans">
+          <dgm:alg type="sp"/>
+          <dgm:shape xmlns:r="http://schemas.openxmlformats.org/officeDocument/2006/relationships" r:blip="">
+            <dgm:adjLst/>
+          </dgm:shape>
+        </dgm:layoutNode>
+      </dgm:forEach>
+    </dgm:forEach>
+  </dgm:layoutNode>
+</dgm:layoutDef>
+</file>
+
 <file path=ppt/diagrams/quickStyle1.xml><?xml version="1.0" encoding="utf-8"?>
 <dgm:styleDef xmlns:dgm="http://schemas.openxmlformats.org/drawingml/2006/diagram" xmlns:a="http://schemas.openxmlformats.org/drawingml/2006/main" uniqueId="urn:microsoft.com/office/officeart/2005/8/quickstyle/simple1">
   <dgm:title val=""/>
@@ -11522,6 +12577,1040 @@
 </file>
 
 <file path=ppt/diagrams/quickStyle4.xml><?xml version="1.0" encoding="utf-8"?>
+<dgm:styleDef xmlns:dgm="http://schemas.openxmlformats.org/drawingml/2006/diagram" xmlns:a="http://schemas.openxmlformats.org/drawingml/2006/main" uniqueId="urn:microsoft.com/office/officeart/2005/8/quickstyle/simple1">
+  <dgm:title val=""/>
+  <dgm:desc val=""/>
+  <dgm:catLst>
+    <dgm:cat type="simple" pri="10100"/>
+  </dgm:catLst>
+  <dgm:scene3d>
+    <a:camera prst="orthographicFront"/>
+    <a:lightRig rig="threePt" dir="t"/>
+  </dgm:scene3d>
+  <dgm:styleLbl name="node0">
+    <dgm:scene3d>
+      <a:camera prst="orthographicFront"/>
+      <a:lightRig rig="threePt" dir="t"/>
+    </dgm:scene3d>
+    <dgm:sp3d/>
+    <dgm:txPr/>
+    <dgm:style>
+      <a:lnRef idx="2">
+        <a:scrgbClr r="0" g="0" b="0"/>
+      </a:lnRef>
+      <a:fillRef idx="1">
+        <a:scrgbClr r="0" g="0" b="0"/>
+      </a:fillRef>
+      <a:effectRef idx="0">
+        <a:scrgbClr r="0" g="0" b="0"/>
+      </a:effectRef>
+      <a:fontRef idx="minor">
+        <a:schemeClr val="lt1"/>
+      </a:fontRef>
+    </dgm:style>
+  </dgm:styleLbl>
+  <dgm:styleLbl name="lnNode1">
+    <dgm:scene3d>
+      <a:camera prst="orthographicFront"/>
+      <a:lightRig rig="threePt" dir="t"/>
+    </dgm:scene3d>
+    <dgm:sp3d/>
+    <dgm:txPr/>
+    <dgm:style>
+      <a:lnRef idx="2">
+        <a:scrgbClr r="0" g="0" b="0"/>
+      </a:lnRef>
+      <a:fillRef idx="1">
+        <a:scrgbClr r="0" g="0" b="0"/>
+      </a:fillRef>
+      <a:effectRef idx="0">
+        <a:scrgbClr r="0" g="0" b="0"/>
+      </a:effectRef>
+      <a:fontRef idx="minor">
+        <a:schemeClr val="lt1"/>
+      </a:fontRef>
+    </dgm:style>
+  </dgm:styleLbl>
+  <dgm:styleLbl name="vennNode1">
+    <dgm:scene3d>
+      <a:camera prst="orthographicFront"/>
+      <a:lightRig rig="threePt" dir="t"/>
+    </dgm:scene3d>
+    <dgm:sp3d/>
+    <dgm:txPr/>
+    <dgm:style>
+      <a:lnRef idx="2">
+        <a:scrgbClr r="0" g="0" b="0"/>
+      </a:lnRef>
+      <a:fillRef idx="1">
+        <a:scrgbClr r="0" g="0" b="0"/>
+      </a:fillRef>
+      <a:effectRef idx="0">
+        <a:scrgbClr r="0" g="0" b="0"/>
+      </a:effectRef>
+      <a:fontRef idx="minor">
+        <a:schemeClr val="tx1"/>
+      </a:fontRef>
+    </dgm:style>
+  </dgm:styleLbl>
+  <dgm:styleLbl name="alignNode1">
+    <dgm:scene3d>
+      <a:camera prst="orthographicFront"/>
+      <a:lightRig rig="threePt" dir="t"/>
+    </dgm:scene3d>
+    <dgm:sp3d/>
+    <dgm:txPr/>
+    <dgm:style>
+      <a:lnRef idx="2">
+        <a:scrgbClr r="0" g="0" b="0"/>
+      </a:lnRef>
+      <a:fillRef idx="1">
+        <a:scrgbClr r="0" g="0" b="0"/>
+      </a:fillRef>
+      <a:effectRef idx="0">
+        <a:scrgbClr r="0" g="0" b="0"/>
+      </a:effectRef>
+      <a:fontRef idx="minor">
+        <a:schemeClr val="lt1"/>
+      </a:fontRef>
+    </dgm:style>
+  </dgm:styleLbl>
+  <dgm:styleLbl name="node1">
+    <dgm:scene3d>
+      <a:camera prst="orthographicFront"/>
+      <a:lightRig rig="threePt" dir="t"/>
+    </dgm:scene3d>
+    <dgm:sp3d/>
+    <dgm:txPr/>
+    <dgm:style>
+      <a:lnRef idx="2">
+        <a:scrgbClr r="0" g="0" b="0"/>
+      </a:lnRef>
+      <a:fillRef idx="1">
+        <a:scrgbClr r="0" g="0" b="0"/>
+      </a:fillRef>
+      <a:effectRef idx="0">
+        <a:scrgbClr r="0" g="0" b="0"/>
+      </a:effectRef>
+      <a:fontRef idx="minor">
+        <a:schemeClr val="lt1"/>
+      </a:fontRef>
+    </dgm:style>
+  </dgm:styleLbl>
+  <dgm:styleLbl name="node2">
+    <dgm:scene3d>
+      <a:camera prst="orthographicFront"/>
+      <a:lightRig rig="threePt" dir="t"/>
+    </dgm:scene3d>
+    <dgm:sp3d/>
+    <dgm:txPr/>
+    <dgm:style>
+      <a:lnRef idx="2">
+        <a:scrgbClr r="0" g="0" b="0"/>
+      </a:lnRef>
+      <a:fillRef idx="1">
+        <a:scrgbClr r="0" g="0" b="0"/>
+      </a:fillRef>
+      <a:effectRef idx="0">
+        <a:scrgbClr r="0" g="0" b="0"/>
+      </a:effectRef>
+      <a:fontRef idx="minor">
+        <a:schemeClr val="lt1"/>
+      </a:fontRef>
+    </dgm:style>
+  </dgm:styleLbl>
+  <dgm:styleLbl name="node3">
+    <dgm:scene3d>
+      <a:camera prst="orthographicFront"/>
+      <a:lightRig rig="threePt" dir="t"/>
+    </dgm:scene3d>
+    <dgm:sp3d/>
+    <dgm:txPr/>
+    <dgm:style>
+      <a:lnRef idx="2">
+        <a:scrgbClr r="0" g="0" b="0"/>
+      </a:lnRef>
+      <a:fillRef idx="1">
+        <a:scrgbClr r="0" g="0" b="0"/>
+      </a:fillRef>
+      <a:effectRef idx="0">
+        <a:scrgbClr r="0" g="0" b="0"/>
+      </a:effectRef>
+      <a:fontRef idx="minor">
+        <a:schemeClr val="lt1"/>
+      </a:fontRef>
+    </dgm:style>
+  </dgm:styleLbl>
+  <dgm:styleLbl name="node4">
+    <dgm:scene3d>
+      <a:camera prst="orthographicFront"/>
+      <a:lightRig rig="threePt" dir="t"/>
+    </dgm:scene3d>
+    <dgm:sp3d/>
+    <dgm:txPr/>
+    <dgm:style>
+      <a:lnRef idx="2">
+        <a:scrgbClr r="0" g="0" b="0"/>
+      </a:lnRef>
+      <a:fillRef idx="1">
+        <a:scrgbClr r="0" g="0" b="0"/>
+      </a:fillRef>
+      <a:effectRef idx="0">
+        <a:scrgbClr r="0" g="0" b="0"/>
+      </a:effectRef>
+      <a:fontRef idx="minor">
+        <a:schemeClr val="lt1"/>
+      </a:fontRef>
+    </dgm:style>
+  </dgm:styleLbl>
+  <dgm:styleLbl name="fgImgPlace1">
+    <dgm:scene3d>
+      <a:camera prst="orthographicFront"/>
+      <a:lightRig rig="threePt" dir="t"/>
+    </dgm:scene3d>
+    <dgm:sp3d/>
+    <dgm:txPr/>
+    <dgm:style>
+      <a:lnRef idx="2">
+        <a:scrgbClr r="0" g="0" b="0"/>
+      </a:lnRef>
+      <a:fillRef idx="1">
+        <a:scrgbClr r="0" g="0" b="0"/>
+      </a:fillRef>
+      <a:effectRef idx="0">
+        <a:scrgbClr r="0" g="0" b="0"/>
+      </a:effectRef>
+      <a:fontRef idx="minor"/>
+    </dgm:style>
+  </dgm:styleLbl>
+  <dgm:styleLbl name="alignImgPlace1">
+    <dgm:scene3d>
+      <a:camera prst="orthographicFront"/>
+      <a:lightRig rig="threePt" dir="t"/>
+    </dgm:scene3d>
+    <dgm:sp3d/>
+    <dgm:txPr/>
+    <dgm:style>
+      <a:lnRef idx="2">
+        <a:scrgbClr r="0" g="0" b="0"/>
+      </a:lnRef>
+      <a:fillRef idx="1">
+        <a:scrgbClr r="0" g="0" b="0"/>
+      </a:fillRef>
+      <a:effectRef idx="0">
+        <a:scrgbClr r="0" g="0" b="0"/>
+      </a:effectRef>
+      <a:fontRef idx="minor"/>
+    </dgm:style>
+  </dgm:styleLbl>
+  <dgm:styleLbl name="bgImgPlace1">
+    <dgm:scene3d>
+      <a:camera prst="orthographicFront"/>
+      <a:lightRig rig="threePt" dir="t"/>
+    </dgm:scene3d>
+    <dgm:sp3d/>
+    <dgm:txPr/>
+    <dgm:style>
+      <a:lnRef idx="2">
+        <a:scrgbClr r="0" g="0" b="0"/>
+      </a:lnRef>
+      <a:fillRef idx="1">
+        <a:scrgbClr r="0" g="0" b="0"/>
+      </a:fillRef>
+      <a:effectRef idx="0">
+        <a:scrgbClr r="0" g="0" b="0"/>
+      </a:effectRef>
+      <a:fontRef idx="minor"/>
+    </dgm:style>
+  </dgm:styleLbl>
+  <dgm:styleLbl name="sibTrans2D1">
+    <dgm:scene3d>
+      <a:camera prst="orthographicFront"/>
+      <a:lightRig rig="threePt" dir="t"/>
+    </dgm:scene3d>
+    <dgm:sp3d/>
+    <dgm:txPr/>
+    <dgm:style>
+      <a:lnRef idx="0">
+        <a:scrgbClr r="0" g="0" b="0"/>
+      </a:lnRef>
+      <a:fillRef idx="1">
+        <a:scrgbClr r="0" g="0" b="0"/>
+      </a:fillRef>
+      <a:effectRef idx="0">
+        <a:scrgbClr r="0" g="0" b="0"/>
+      </a:effectRef>
+      <a:fontRef idx="minor">
+        <a:schemeClr val="lt1"/>
+      </a:fontRef>
+    </dgm:style>
+  </dgm:styleLbl>
+  <dgm:styleLbl name="fgSibTrans2D1">
+    <dgm:scene3d>
+      <a:camera prst="orthographicFront"/>
+      <a:lightRig rig="threePt" dir="t"/>
+    </dgm:scene3d>
+    <dgm:sp3d/>
+    <dgm:txPr/>
+    <dgm:style>
+      <a:lnRef idx="0">
+        <a:scrgbClr r="0" g="0" b="0"/>
+      </a:lnRef>
+      <a:fillRef idx="1">
+        <a:scrgbClr r="0" g="0" b="0"/>
+      </a:fillRef>
+      <a:effectRef idx="0">
+        <a:scrgbClr r="0" g="0" b="0"/>
+      </a:effectRef>
+      <a:fontRef idx="minor">
+        <a:schemeClr val="lt1"/>
+      </a:fontRef>
+    </dgm:style>
+  </dgm:styleLbl>
+  <dgm:styleLbl name="bgSibTrans2D1">
+    <dgm:scene3d>
+      <a:camera prst="orthographicFront"/>
+      <a:lightRig rig="threePt" dir="t"/>
+    </dgm:scene3d>
+    <dgm:sp3d/>
+    <dgm:txPr/>
+    <dgm:style>
+      <a:lnRef idx="0">
+        <a:scrgbClr r="0" g="0" b="0"/>
+      </a:lnRef>
+      <a:fillRef idx="1">
+        <a:scrgbClr r="0" g="0" b="0"/>
+      </a:fillRef>
+      <a:effectRef idx="0">
+        <a:scrgbClr r="0" g="0" b="0"/>
+      </a:effectRef>
+      <a:fontRef idx="minor">
+        <a:schemeClr val="lt1"/>
+      </a:fontRef>
+    </dgm:style>
+  </dgm:styleLbl>
+  <dgm:styleLbl name="sibTrans1D1">
+    <dgm:scene3d>
+      <a:camera prst="orthographicFront"/>
+      <a:lightRig rig="threePt" dir="t"/>
+    </dgm:scene3d>
+    <dgm:sp3d/>
+    <dgm:txPr/>
+    <dgm:style>
+      <a:lnRef idx="1">
+        <a:scrgbClr r="0" g="0" b="0"/>
+      </a:lnRef>
+      <a:fillRef idx="0">
+        <a:scrgbClr r="0" g="0" b="0"/>
+      </a:fillRef>
+      <a:effectRef idx="0">
+        <a:scrgbClr r="0" g="0" b="0"/>
+      </a:effectRef>
+      <a:fontRef idx="minor"/>
+    </dgm:style>
+  </dgm:styleLbl>
+  <dgm:styleLbl name="callout">
+    <dgm:scene3d>
+      <a:camera prst="orthographicFront"/>
+      <a:lightRig rig="threePt" dir="t"/>
+    </dgm:scene3d>
+    <dgm:sp3d/>
+    <dgm:txPr/>
+    <dgm:style>
+      <a:lnRef idx="2">
+        <a:scrgbClr r="0" g="0" b="0"/>
+      </a:lnRef>
+      <a:fillRef idx="1">
+        <a:scrgbClr r="0" g="0" b="0"/>
+      </a:fillRef>
+      <a:effectRef idx="0">
+        <a:scrgbClr r="0" g="0" b="0"/>
+      </a:effectRef>
+      <a:fontRef idx="minor"/>
+    </dgm:style>
+  </dgm:styleLbl>
+  <dgm:styleLbl name="asst0">
+    <dgm:scene3d>
+      <a:camera prst="orthographicFront"/>
+      <a:lightRig rig="threePt" dir="t"/>
+    </dgm:scene3d>
+    <dgm:sp3d/>
+    <dgm:txPr/>
+    <dgm:style>
+      <a:lnRef idx="2">
+        <a:scrgbClr r="0" g="0" b="0"/>
+      </a:lnRef>
+      <a:fillRef idx="1">
+        <a:scrgbClr r="0" g="0" b="0"/>
+      </a:fillRef>
+      <a:effectRef idx="0">
+        <a:scrgbClr r="0" g="0" b="0"/>
+      </a:effectRef>
+      <a:fontRef idx="minor">
+        <a:schemeClr val="lt1"/>
+      </a:fontRef>
+    </dgm:style>
+  </dgm:styleLbl>
+  <dgm:styleLbl name="asst1">
+    <dgm:scene3d>
+      <a:camera prst="orthographicFront"/>
+      <a:lightRig rig="threePt" dir="t"/>
+    </dgm:scene3d>
+    <dgm:sp3d/>
+    <dgm:txPr/>
+    <dgm:style>
+      <a:lnRef idx="2">
+        <a:scrgbClr r="0" g="0" b="0"/>
+      </a:lnRef>
+      <a:fillRef idx="1">
+        <a:scrgbClr r="0" g="0" b="0"/>
+      </a:fillRef>
+      <a:effectRef idx="0">
+        <a:scrgbClr r="0" g="0" b="0"/>
+      </a:effectRef>
+      <a:fontRef idx="minor">
+        <a:schemeClr val="lt1"/>
+      </a:fontRef>
+    </dgm:style>
+  </dgm:styleLbl>
+  <dgm:styleLbl name="asst2">
+    <dgm:scene3d>
+      <a:camera prst="orthographicFront"/>
+      <a:lightRig rig="threePt" dir="t"/>
+    </dgm:scene3d>
+    <dgm:sp3d/>
+    <dgm:txPr/>
+    <dgm:style>
+      <a:lnRef idx="2">
+        <a:scrgbClr r="0" g="0" b="0"/>
+      </a:lnRef>
+      <a:fillRef idx="1">
+        <a:scrgbClr r="0" g="0" b="0"/>
+      </a:fillRef>
+      <a:effectRef idx="0">
+        <a:scrgbClr r="0" g="0" b="0"/>
+      </a:effectRef>
+      <a:fontRef idx="minor">
+        <a:schemeClr val="lt1"/>
+      </a:fontRef>
+    </dgm:style>
+  </dgm:styleLbl>
+  <dgm:styleLbl name="asst3">
+    <dgm:scene3d>
+      <a:camera prst="orthographicFront"/>
+      <a:lightRig rig="threePt" dir="t"/>
+    </dgm:scene3d>
+    <dgm:sp3d/>
+    <dgm:txPr/>
+    <dgm:style>
+      <a:lnRef idx="2">
+        <a:scrgbClr r="0" g="0" b="0"/>
+      </a:lnRef>
+      <a:fillRef idx="1">
+        <a:scrgbClr r="0" g="0" b="0"/>
+      </a:fillRef>
+      <a:effectRef idx="0">
+        <a:scrgbClr r="0" g="0" b="0"/>
+      </a:effectRef>
+      <a:fontRef idx="minor">
+        <a:schemeClr val="lt1"/>
+      </a:fontRef>
+    </dgm:style>
+  </dgm:styleLbl>
+  <dgm:styleLbl name="asst4">
+    <dgm:scene3d>
+      <a:camera prst="orthographicFront"/>
+      <a:lightRig rig="threePt" dir="t"/>
+    </dgm:scene3d>
+    <dgm:sp3d/>
+    <dgm:txPr/>
+    <dgm:style>
+      <a:lnRef idx="2">
+        <a:scrgbClr r="0" g="0" b="0"/>
+      </a:lnRef>
+      <a:fillRef idx="1">
+        <a:scrgbClr r="0" g="0" b="0"/>
+      </a:fillRef>
+      <a:effectRef idx="0">
+        <a:scrgbClr r="0" g="0" b="0"/>
+      </a:effectRef>
+      <a:fontRef idx="minor">
+        <a:schemeClr val="lt1"/>
+      </a:fontRef>
+    </dgm:style>
+  </dgm:styleLbl>
+  <dgm:styleLbl name="parChTrans2D1">
+    <dgm:scene3d>
+      <a:camera prst="orthographicFront"/>
+      <a:lightRig rig="threePt" dir="t"/>
+    </dgm:scene3d>
+    <dgm:sp3d/>
+    <dgm:txPr/>
+    <dgm:style>
+      <a:lnRef idx="2">
+        <a:scrgbClr r="0" g="0" b="0"/>
+      </a:lnRef>
+      <a:fillRef idx="1">
+        <a:scrgbClr r="0" g="0" b="0"/>
+      </a:fillRef>
+      <a:effectRef idx="0">
+        <a:scrgbClr r="0" g="0" b="0"/>
+      </a:effectRef>
+      <a:fontRef idx="minor">
+        <a:schemeClr val="lt1"/>
+      </a:fontRef>
+    </dgm:style>
+  </dgm:styleLbl>
+  <dgm:styleLbl name="parChTrans2D2">
+    <dgm:scene3d>
+      <a:camera prst="orthographicFront"/>
+      <a:lightRig rig="threePt" dir="t"/>
+    </dgm:scene3d>
+    <dgm:sp3d/>
+    <dgm:txPr/>
+    <dgm:style>
+      <a:lnRef idx="2">
+        <a:scrgbClr r="0" g="0" b="0"/>
+      </a:lnRef>
+      <a:fillRef idx="1">
+        <a:scrgbClr r="0" g="0" b="0"/>
+      </a:fillRef>
+      <a:effectRef idx="0">
+        <a:scrgbClr r="0" g="0" b="0"/>
+      </a:effectRef>
+      <a:fontRef idx="minor">
+        <a:schemeClr val="lt1"/>
+      </a:fontRef>
+    </dgm:style>
+  </dgm:styleLbl>
+  <dgm:styleLbl name="parChTrans2D3">
+    <dgm:scene3d>
+      <a:camera prst="orthographicFront"/>
+      <a:lightRig rig="threePt" dir="t"/>
+    </dgm:scene3d>
+    <dgm:sp3d/>
+    <dgm:txPr/>
+    <dgm:style>
+      <a:lnRef idx="2">
+        <a:scrgbClr r="0" g="0" b="0"/>
+      </a:lnRef>
+      <a:fillRef idx="1">
+        <a:scrgbClr r="0" g="0" b="0"/>
+      </a:fillRef>
+      <a:effectRef idx="0">
+        <a:scrgbClr r="0" g="0" b="0"/>
+      </a:effectRef>
+      <a:fontRef idx="minor">
+        <a:schemeClr val="lt1"/>
+      </a:fontRef>
+    </dgm:style>
+  </dgm:styleLbl>
+  <dgm:styleLbl name="parChTrans2D4">
+    <dgm:scene3d>
+      <a:camera prst="orthographicFront"/>
+      <a:lightRig rig="threePt" dir="t"/>
+    </dgm:scene3d>
+    <dgm:sp3d/>
+    <dgm:txPr/>
+    <dgm:style>
+      <a:lnRef idx="2">
+        <a:scrgbClr r="0" g="0" b="0"/>
+      </a:lnRef>
+      <a:fillRef idx="1">
+        <a:scrgbClr r="0" g="0" b="0"/>
+      </a:fillRef>
+      <a:effectRef idx="0">
+        <a:scrgbClr r="0" g="0" b="0"/>
+      </a:effectRef>
+      <a:fontRef idx="minor">
+        <a:schemeClr val="lt1"/>
+      </a:fontRef>
+    </dgm:style>
+  </dgm:styleLbl>
+  <dgm:styleLbl name="parChTrans1D1">
+    <dgm:scene3d>
+      <a:camera prst="orthographicFront"/>
+      <a:lightRig rig="threePt" dir="t"/>
+    </dgm:scene3d>
+    <dgm:sp3d/>
+    <dgm:txPr/>
+    <dgm:style>
+      <a:lnRef idx="2">
+        <a:scrgbClr r="0" g="0" b="0"/>
+      </a:lnRef>
+      <a:fillRef idx="0">
+        <a:scrgbClr r="0" g="0" b="0"/>
+      </a:fillRef>
+      <a:effectRef idx="0">
+        <a:scrgbClr r="0" g="0" b="0"/>
+      </a:effectRef>
+      <a:fontRef idx="minor"/>
+    </dgm:style>
+  </dgm:styleLbl>
+  <dgm:styleLbl name="parChTrans1D2">
+    <dgm:scene3d>
+      <a:camera prst="orthographicFront"/>
+      <a:lightRig rig="threePt" dir="t"/>
+    </dgm:scene3d>
+    <dgm:sp3d/>
+    <dgm:txPr/>
+    <dgm:style>
+      <a:lnRef idx="2">
+        <a:scrgbClr r="0" g="0" b="0"/>
+      </a:lnRef>
+      <a:fillRef idx="0">
+        <a:scrgbClr r="0" g="0" b="0"/>
+      </a:fillRef>
+      <a:effectRef idx="0">
+        <a:scrgbClr r="0" g="0" b="0"/>
+      </a:effectRef>
+      <a:fontRef idx="minor"/>
+    </dgm:style>
+  </dgm:styleLbl>
+  <dgm:styleLbl name="parChTrans1D3">
+    <dgm:scene3d>
+      <a:camera prst="orthographicFront"/>
+      <a:lightRig rig="threePt" dir="t"/>
+    </dgm:scene3d>
+    <dgm:sp3d/>
+    <dgm:txPr/>
+    <dgm:style>
+      <a:lnRef idx="2">
+        <a:scrgbClr r="0" g="0" b="0"/>
+      </a:lnRef>
+      <a:fillRef idx="0">
+        <a:scrgbClr r="0" g="0" b="0"/>
+      </a:fillRef>
+      <a:effectRef idx="0">
+        <a:scrgbClr r="0" g="0" b="0"/>
+      </a:effectRef>
+      <a:fontRef idx="minor"/>
+    </dgm:style>
+  </dgm:styleLbl>
+  <dgm:styleLbl name="parChTrans1D4">
+    <dgm:scene3d>
+      <a:camera prst="orthographicFront"/>
+      <a:lightRig rig="threePt" dir="t"/>
+    </dgm:scene3d>
+    <dgm:sp3d/>
+    <dgm:txPr/>
+    <dgm:style>
+      <a:lnRef idx="2">
+        <a:scrgbClr r="0" g="0" b="0"/>
+      </a:lnRef>
+      <a:fillRef idx="0">
+        <a:scrgbClr r="0" g="0" b="0"/>
+      </a:fillRef>
+      <a:effectRef idx="0">
+        <a:scrgbClr r="0" g="0" b="0"/>
+      </a:effectRef>
+      <a:fontRef idx="minor"/>
+    </dgm:style>
+  </dgm:styleLbl>
+  <dgm:styleLbl name="fgAcc1">
+    <dgm:scene3d>
+      <a:camera prst="orthographicFront"/>
+      <a:lightRig rig="threePt" dir="t"/>
+    </dgm:scene3d>
+    <dgm:sp3d/>
+    <dgm:txPr/>
+    <dgm:style>
+      <a:lnRef idx="2">
+        <a:scrgbClr r="0" g="0" b="0"/>
+      </a:lnRef>
+      <a:fillRef idx="1">
+        <a:scrgbClr r="0" g="0" b="0"/>
+      </a:fillRef>
+      <a:effectRef idx="0">
+        <a:scrgbClr r="0" g="0" b="0"/>
+      </a:effectRef>
+      <a:fontRef idx="minor"/>
+    </dgm:style>
+  </dgm:styleLbl>
+  <dgm:styleLbl name="conFgAcc1">
+    <dgm:scene3d>
+      <a:camera prst="orthographicFront"/>
+      <a:lightRig rig="threePt" dir="t"/>
+    </dgm:scene3d>
+    <dgm:sp3d/>
+    <dgm:txPr/>
+    <dgm:style>
+      <a:lnRef idx="2">
+        <a:scrgbClr r="0" g="0" b="0"/>
+      </a:lnRef>
+      <a:fillRef idx="1">
+        <a:scrgbClr r="0" g="0" b="0"/>
+      </a:fillRef>
+      <a:effectRef idx="0">
+        <a:scrgbClr r="0" g="0" b="0"/>
+      </a:effectRef>
+      <a:fontRef idx="minor"/>
+    </dgm:style>
+  </dgm:styleLbl>
+  <dgm:styleLbl name="alignAcc1">
+    <dgm:scene3d>
+      <a:camera prst="orthographicFront"/>
+      <a:lightRig rig="threePt" dir="t"/>
+    </dgm:scene3d>
+    <dgm:sp3d/>
+    <dgm:txPr/>
+    <dgm:style>
+      <a:lnRef idx="2">
+        <a:scrgbClr r="0" g="0" b="0"/>
+      </a:lnRef>
+      <a:fillRef idx="1">
+        <a:scrgbClr r="0" g="0" b="0"/>
+      </a:fillRef>
+      <a:effectRef idx="0">
+        <a:scrgbClr r="0" g="0" b="0"/>
+      </a:effectRef>
+      <a:fontRef idx="minor"/>
+    </dgm:style>
+  </dgm:styleLbl>
+  <dgm:styleLbl name="trAlignAcc1">
+    <dgm:scene3d>
+      <a:camera prst="orthographicFront"/>
+      <a:lightRig rig="threePt" dir="t"/>
+    </dgm:scene3d>
+    <dgm:sp3d/>
+    <dgm:txPr/>
+    <dgm:style>
+      <a:lnRef idx="1">
+        <a:scrgbClr r="0" g="0" b="0"/>
+      </a:lnRef>
+      <a:fillRef idx="1">
+        <a:scrgbClr r="0" g="0" b="0"/>
+      </a:fillRef>
+      <a:effectRef idx="0">
+        <a:scrgbClr r="0" g="0" b="0"/>
+      </a:effectRef>
+      <a:fontRef idx="minor"/>
+    </dgm:style>
+  </dgm:styleLbl>
+  <dgm:styleLbl name="bgAcc1">
+    <dgm:scene3d>
+      <a:camera prst="orthographicFront"/>
+      <a:lightRig rig="threePt" dir="t"/>
+    </dgm:scene3d>
+    <dgm:sp3d/>
+    <dgm:txPr/>
+    <dgm:style>
+      <a:lnRef idx="2">
+        <a:scrgbClr r="0" g="0" b="0"/>
+      </a:lnRef>
+      <a:fillRef idx="1">
+        <a:scrgbClr r="0" g="0" b="0"/>
+      </a:fillRef>
+      <a:effectRef idx="0">
+        <a:scrgbClr r="0" g="0" b="0"/>
+      </a:effectRef>
+      <a:fontRef idx="minor"/>
+    </dgm:style>
+  </dgm:styleLbl>
+  <dgm:styleLbl name="solidFgAcc1">
+    <dgm:scene3d>
+      <a:camera prst="orthographicFront"/>
+      <a:lightRig rig="threePt" dir="t"/>
+    </dgm:scene3d>
+    <dgm:sp3d/>
+    <dgm:txPr/>
+    <dgm:style>
+      <a:lnRef idx="2">
+        <a:scrgbClr r="0" g="0" b="0"/>
+      </a:lnRef>
+      <a:fillRef idx="1">
+        <a:scrgbClr r="0" g="0" b="0"/>
+      </a:fillRef>
+      <a:effectRef idx="0">
+        <a:scrgbClr r="0" g="0" b="0"/>
+      </a:effectRef>
+      <a:fontRef idx="minor"/>
+    </dgm:style>
+  </dgm:styleLbl>
+  <dgm:styleLbl name="solidAlignAcc1">
+    <dgm:scene3d>
+      <a:camera prst="orthographicFront"/>
+      <a:lightRig rig="threePt" dir="t"/>
+    </dgm:scene3d>
+    <dgm:sp3d/>
+    <dgm:txPr/>
+    <dgm:style>
+      <a:lnRef idx="2">
+        <a:scrgbClr r="0" g="0" b="0"/>
+      </a:lnRef>
+      <a:fillRef idx="1">
+        <a:scrgbClr r="0" g="0" b="0"/>
+      </a:fillRef>
+      <a:effectRef idx="0">
+        <a:scrgbClr r="0" g="0" b="0"/>
+      </a:effectRef>
+      <a:fontRef idx="minor"/>
+    </dgm:style>
+  </dgm:styleLbl>
+  <dgm:styleLbl name="solidBgAcc1">
+    <dgm:scene3d>
+      <a:camera prst="orthographicFront"/>
+      <a:lightRig rig="threePt" dir="t"/>
+    </dgm:scene3d>
+    <dgm:sp3d/>
+    <dgm:txPr/>
+    <dgm:style>
+      <a:lnRef idx="2">
+        <a:scrgbClr r="0" g="0" b="0"/>
+      </a:lnRef>
+      <a:fillRef idx="1">
+        <a:scrgbClr r="0" g="0" b="0"/>
+      </a:fillRef>
+      <a:effectRef idx="0">
+        <a:scrgbClr r="0" g="0" b="0"/>
+      </a:effectRef>
+      <a:fontRef idx="minor"/>
+    </dgm:style>
+  </dgm:styleLbl>
+  <dgm:styleLbl name="fgAccFollowNode1">
+    <dgm:scene3d>
+      <a:camera prst="orthographicFront"/>
+      <a:lightRig rig="threePt" dir="t"/>
+    </dgm:scene3d>
+    <dgm:sp3d/>
+    <dgm:txPr/>
+    <dgm:style>
+      <a:lnRef idx="2">
+        <a:scrgbClr r="0" g="0" b="0"/>
+      </a:lnRef>
+      <a:fillRef idx="1">
+        <a:scrgbClr r="0" g="0" b="0"/>
+      </a:fillRef>
+      <a:effectRef idx="0">
+        <a:scrgbClr r="0" g="0" b="0"/>
+      </a:effectRef>
+      <a:fontRef idx="minor"/>
+    </dgm:style>
+  </dgm:styleLbl>
+  <dgm:styleLbl name="alignAccFollowNode1">
+    <dgm:scene3d>
+      <a:camera prst="orthographicFront"/>
+      <a:lightRig rig="threePt" dir="t"/>
+    </dgm:scene3d>
+    <dgm:sp3d/>
+    <dgm:txPr/>
+    <dgm:style>
+      <a:lnRef idx="2">
+        <a:scrgbClr r="0" g="0" b="0"/>
+      </a:lnRef>
+      <a:fillRef idx="1">
+        <a:scrgbClr r="0" g="0" b="0"/>
+      </a:fillRef>
+      <a:effectRef idx="0">
+        <a:scrgbClr r="0" g="0" b="0"/>
+      </a:effectRef>
+      <a:fontRef idx="minor"/>
+    </dgm:style>
+  </dgm:styleLbl>
+  <dgm:styleLbl name="bgAccFollowNode1">
+    <dgm:scene3d>
+      <a:camera prst="orthographicFront"/>
+      <a:lightRig rig="threePt" dir="t"/>
+    </dgm:scene3d>
+    <dgm:sp3d/>
+    <dgm:txPr/>
+    <dgm:style>
+      <a:lnRef idx="2">
+        <a:scrgbClr r="0" g="0" b="0"/>
+      </a:lnRef>
+      <a:fillRef idx="1">
+        <a:scrgbClr r="0" g="0" b="0"/>
+      </a:fillRef>
+      <a:effectRef idx="0">
+        <a:scrgbClr r="0" g="0" b="0"/>
+      </a:effectRef>
+      <a:fontRef idx="minor"/>
+    </dgm:style>
+  </dgm:styleLbl>
+  <dgm:styleLbl name="fgAcc0">
+    <dgm:scene3d>
+      <a:camera prst="orthographicFront"/>
+      <a:lightRig rig="threePt" dir="t"/>
+    </dgm:scene3d>
+    <dgm:sp3d/>
+    <dgm:txPr/>
+    <dgm:style>
+      <a:lnRef idx="2">
+        <a:scrgbClr r="0" g="0" b="0"/>
+      </a:lnRef>
+      <a:fillRef idx="1">
+        <a:scrgbClr r="0" g="0" b="0"/>
+      </a:fillRef>
+      <a:effectRef idx="0">
+        <a:scrgbClr r="0" g="0" b="0"/>
+      </a:effectRef>
+      <a:fontRef idx="minor"/>
+    </dgm:style>
+  </dgm:styleLbl>
+  <dgm:styleLbl name="fgAcc2">
+    <dgm:scene3d>
+      <a:camera prst="orthographicFront"/>
+      <a:lightRig rig="threePt" dir="t"/>
+    </dgm:scene3d>
+    <dgm:sp3d/>
+    <dgm:txPr/>
+    <dgm:style>
+      <a:lnRef idx="2">
+        <a:scrgbClr r="0" g="0" b="0"/>
+      </a:lnRef>
+      <a:fillRef idx="1">
+        <a:scrgbClr r="0" g="0" b="0"/>
+      </a:fillRef>
+      <a:effectRef idx="0">
+        <a:scrgbClr r="0" g="0" b="0"/>
+      </a:effectRef>
+      <a:fontRef idx="minor"/>
+    </dgm:style>
+  </dgm:styleLbl>
+  <dgm:styleLbl name="fgAcc3">
+    <dgm:scene3d>
+      <a:camera prst="orthographicFront"/>
+      <a:lightRig rig="threePt" dir="t"/>
+    </dgm:scene3d>
+    <dgm:sp3d/>
+    <dgm:txPr/>
+    <dgm:style>
+      <a:lnRef idx="2">
+        <a:scrgbClr r="0" g="0" b="0"/>
+      </a:lnRef>
+      <a:fillRef idx="1">
+        <a:scrgbClr r="0" g="0" b="0"/>
+      </a:fillRef>
+      <a:effectRef idx="0">
+        <a:scrgbClr r="0" g="0" b="0"/>
+      </a:effectRef>
+      <a:fontRef idx="minor"/>
+    </dgm:style>
+  </dgm:styleLbl>
+  <dgm:styleLbl name="fgAcc4">
+    <dgm:scene3d>
+      <a:camera prst="orthographicFront"/>
+      <a:lightRig rig="threePt" dir="t"/>
+    </dgm:scene3d>
+    <dgm:sp3d/>
+    <dgm:txPr/>
+    <dgm:style>
+      <a:lnRef idx="2">
+        <a:scrgbClr r="0" g="0" b="0"/>
+      </a:lnRef>
+      <a:fillRef idx="1">
+        <a:scrgbClr r="0" g="0" b="0"/>
+      </a:fillRef>
+      <a:effectRef idx="0">
+        <a:scrgbClr r="0" g="0" b="0"/>
+      </a:effectRef>
+      <a:fontRef idx="minor"/>
+    </dgm:style>
+  </dgm:styleLbl>
+  <dgm:styleLbl name="bgShp">
+    <dgm:scene3d>
+      <a:camera prst="orthographicFront"/>
+      <a:lightRig rig="threePt" dir="t"/>
+    </dgm:scene3d>
+    <dgm:sp3d/>
+    <dgm:txPr/>
+    <dgm:style>
+      <a:lnRef idx="0">
+        <a:scrgbClr r="0" g="0" b="0"/>
+      </a:lnRef>
+      <a:fillRef idx="1">
+        <a:scrgbClr r="0" g="0" b="0"/>
+      </a:fillRef>
+      <a:effectRef idx="0">
+        <a:scrgbClr r="0" g="0" b="0"/>
+      </a:effectRef>
+      <a:fontRef idx="minor"/>
+    </dgm:style>
+  </dgm:styleLbl>
+  <dgm:styleLbl name="dkBgShp">
+    <dgm:scene3d>
+      <a:camera prst="orthographicFront"/>
+      <a:lightRig rig="threePt" dir="t"/>
+    </dgm:scene3d>
+    <dgm:sp3d/>
+    <dgm:txPr/>
+    <dgm:style>
+      <a:lnRef idx="0">
+        <a:scrgbClr r="0" g="0" b="0"/>
+      </a:lnRef>
+      <a:fillRef idx="1">
+        <a:scrgbClr r="0" g="0" b="0"/>
+      </a:fillRef>
+      <a:effectRef idx="0">
+        <a:scrgbClr r="0" g="0" b="0"/>
+      </a:effectRef>
+      <a:fontRef idx="minor"/>
+    </dgm:style>
+  </dgm:styleLbl>
+  <dgm:styleLbl name="trBgShp">
+    <dgm:scene3d>
+      <a:camera prst="orthographicFront"/>
+      <a:lightRig rig="threePt" dir="t"/>
+    </dgm:scene3d>
+    <dgm:sp3d/>
+    <dgm:txPr/>
+    <dgm:style>
+      <a:lnRef idx="0">
+        <a:scrgbClr r="0" g="0" b="0"/>
+      </a:lnRef>
+      <a:fillRef idx="1">
+        <a:scrgbClr r="0" g="0" b="0"/>
+      </a:fillRef>
+      <a:effectRef idx="0">
+        <a:scrgbClr r="0" g="0" b="0"/>
+      </a:effectRef>
+      <a:fontRef idx="minor"/>
+    </dgm:style>
+  </dgm:styleLbl>
+  <dgm:styleLbl name="fgShp">
+    <dgm:scene3d>
+      <a:camera prst="orthographicFront"/>
+      <a:lightRig rig="threePt" dir="t"/>
+    </dgm:scene3d>
+    <dgm:sp3d/>
+    <dgm:txPr/>
+    <dgm:style>
+      <a:lnRef idx="2">
+        <a:scrgbClr r="0" g="0" b="0"/>
+      </a:lnRef>
+      <a:fillRef idx="1">
+        <a:scrgbClr r="0" g="0" b="0"/>
+      </a:fillRef>
+      <a:effectRef idx="0">
+        <a:scrgbClr r="0" g="0" b="0"/>
+      </a:effectRef>
+      <a:fontRef idx="minor"/>
+    </dgm:style>
+  </dgm:styleLbl>
+  <dgm:styleLbl name="revTx">
+    <dgm:scene3d>
+      <a:camera prst="orthographicFront"/>
+      <a:lightRig rig="threePt" dir="t"/>
+    </dgm:scene3d>
+    <dgm:sp3d/>
+    <dgm:txPr/>
+    <dgm:style>
+      <a:lnRef idx="0">
+        <a:scrgbClr r="0" g="0" b="0"/>
+      </a:lnRef>
+      <a:fillRef idx="0">
+        <a:scrgbClr r="0" g="0" b="0"/>
+      </a:fillRef>
+      <a:effectRef idx="0">
+        <a:scrgbClr r="0" g="0" b="0"/>
+      </a:effectRef>
+      <a:fontRef idx="minor"/>
+    </dgm:style>
+  </dgm:styleLbl>
+</dgm:styleDef>
+</file>
+
+<file path=ppt/diagrams/quickStyle5.xml><?xml version="1.0" encoding="utf-8"?>
 <dgm:styleDef xmlns:dgm="http://schemas.openxmlformats.org/drawingml/2006/diagram" xmlns:a="http://schemas.openxmlformats.org/drawingml/2006/main" uniqueId="urn:microsoft.com/office/officeart/2005/8/quickstyle/simple1">
   <dgm:title val=""/>
   <dgm:desc val=""/>
@@ -12637,7 +14726,7 @@
           <a:p>
             <a:fld id="{9E158CDE-C114-442B-91BB-C02E4A897291}" type="datetimeFigureOut">
               <a:rPr lang="de-DE" smtClean="0"/>
-              <a:t>25.08.2017</a:t>
+              <a:t>26.08.2017</a:t>
             </a:fld>
             <a:endParaRPr lang="de-DE"/>
           </a:p>
@@ -13631,9 +15720,10 @@
           <a:lstStyle/>
           <a:p>
             <a:r>
-              <a:rPr lang="de-DE"/>
-              <a:t>Name Presentation</a:t>
-            </a:r>
+              <a:rPr lang="en-US" smtClean="0"/>
+              <a:t>Deep Learning in action - with DL4J</a:t>
+            </a:r>
+            <a:endParaRPr lang="de-DE"/>
           </a:p>
         </p:txBody>
       </p:sp>
@@ -13676,9 +15766,10 @@
           <a:bodyPr/>
           <a:lstStyle/>
           <a:p>
-            <a:fld id="{50980EC1-2171-D14A-B94D-681363C07B3F}" type="datetime1">
-              <a:t>1/30/2017</a:t>
-            </a:fld>
+            <a:r>
+              <a:rPr lang="en-US" smtClean="0"/>
+              <a:t>8/15/2017</a:t>
+            </a:r>
             <a:endParaRPr lang="de-DE"/>
           </a:p>
         </p:txBody>
@@ -13729,9 +15820,10 @@
           <a:lstStyle/>
           <a:p>
             <a:r>
-              <a:rPr lang="de-DE"/>
-              <a:t>Name Presentation</a:t>
-            </a:r>
+              <a:rPr lang="en-US" smtClean="0"/>
+              <a:t>Deep Learning in action - with DL4J</a:t>
+            </a:r>
+            <a:endParaRPr lang="de-DE"/>
           </a:p>
         </p:txBody>
       </p:sp>
@@ -13774,9 +15866,10 @@
           <a:bodyPr/>
           <a:lstStyle/>
           <a:p>
-            <a:fld id="{EAE6ACF3-93DB-534D-9ED7-8AA3EBAC157A}" type="datetime1">
-              <a:t>1/30/2017</a:t>
-            </a:fld>
+            <a:r>
+              <a:rPr lang="en-US" smtClean="0"/>
+              <a:t>8/15/2017</a:t>
+            </a:r>
             <a:endParaRPr lang="de-DE"/>
           </a:p>
         </p:txBody>
@@ -14146,9 +16239,10 @@
           <a:bodyPr/>
           <a:lstStyle/>
           <a:p>
-            <a:fld id="{3CD2156A-0705-924C-A226-63B061E7804E}" type="datetime1">
-              <a:t>1/30/2017</a:t>
-            </a:fld>
+            <a:r>
+              <a:rPr lang="en-US" smtClean="0"/>
+              <a:t>8/15/2017</a:t>
+            </a:r>
             <a:endParaRPr lang="de-DE"/>
           </a:p>
         </p:txBody>
@@ -14169,9 +16263,10 @@
           <a:lstStyle/>
           <a:p>
             <a:r>
-              <a:rPr lang="de-DE"/>
-              <a:t>Name Presentation</a:t>
-            </a:r>
+              <a:rPr lang="en-US" smtClean="0"/>
+              <a:t>Deep Learning in action - with DL4J</a:t>
+            </a:r>
+            <a:endParaRPr lang="de-DE"/>
           </a:p>
         </p:txBody>
       </p:sp>
@@ -14427,9 +16522,10 @@
           <a:bodyPr/>
           <a:lstStyle/>
           <a:p>
-            <a:fld id="{DC322D3C-6216-9547-B01A-1EA024C7EA7C}" type="datetime1">
-              <a:t>1/30/2017</a:t>
-            </a:fld>
+            <a:r>
+              <a:rPr lang="en-US" smtClean="0"/>
+              <a:t>8/15/2017</a:t>
+            </a:r>
             <a:endParaRPr lang="de-DE"/>
           </a:p>
         </p:txBody>
@@ -14450,9 +16546,10 @@
           <a:lstStyle/>
           <a:p>
             <a:r>
-              <a:rPr lang="de-DE"/>
-              <a:t>Name Presentation</a:t>
-            </a:r>
+              <a:rPr lang="en-US" smtClean="0"/>
+              <a:t>Deep Learning in action - with DL4J</a:t>
+            </a:r>
+            <a:endParaRPr lang="de-DE"/>
           </a:p>
         </p:txBody>
       </p:sp>
@@ -14632,9 +16729,10 @@
           <a:lstStyle/>
           <a:p>
             <a:r>
-              <a:rPr lang="de-DE"/>
-              <a:t>Name Presentation</a:t>
-            </a:r>
+              <a:rPr lang="en-US" smtClean="0"/>
+              <a:t>Deep Learning in action - with DL4J</a:t>
+            </a:r>
+            <a:endParaRPr lang="de-DE"/>
           </a:p>
         </p:txBody>
       </p:sp>
@@ -14677,9 +16775,10 @@
           <a:bodyPr/>
           <a:lstStyle/>
           <a:p>
-            <a:fld id="{634ACCB4-8014-8648-A754-57D77F88F814}" type="datetime1">
-              <a:t>1/30/2017</a:t>
-            </a:fld>
+            <a:r>
+              <a:rPr lang="en-US" smtClean="0"/>
+              <a:t>8/15/2017</a:t>
+            </a:r>
             <a:endParaRPr lang="de-DE"/>
           </a:p>
         </p:txBody>
@@ -14870,9 +16969,10 @@
           <a:lstStyle/>
           <a:p>
             <a:r>
-              <a:rPr lang="de-DE"/>
-              <a:t>Name Presentation</a:t>
-            </a:r>
+              <a:rPr lang="en-US" smtClean="0"/>
+              <a:t>Deep Learning in action - with DL4J</a:t>
+            </a:r>
+            <a:endParaRPr lang="de-DE"/>
           </a:p>
         </p:txBody>
       </p:sp>
@@ -14915,9 +17015,10 @@
           <a:bodyPr/>
           <a:lstStyle/>
           <a:p>
-            <a:fld id="{F1931FBB-CC07-6247-A178-30CC53CCE48E}" type="datetime1">
-              <a:t>1/30/2017</a:t>
-            </a:fld>
+            <a:r>
+              <a:rPr lang="en-US" smtClean="0"/>
+              <a:t>8/15/2017</a:t>
+            </a:r>
             <a:endParaRPr lang="de-DE"/>
           </a:p>
         </p:txBody>
@@ -15083,9 +17184,10 @@
           <a:lstStyle/>
           <a:p>
             <a:r>
-              <a:rPr lang="de-DE"/>
-              <a:t>Name Presentation</a:t>
-            </a:r>
+              <a:rPr lang="en-US" smtClean="0"/>
+              <a:t>Deep Learning in action - with DL4J</a:t>
+            </a:r>
+            <a:endParaRPr lang="de-DE"/>
           </a:p>
         </p:txBody>
       </p:sp>
@@ -15128,9 +17230,10 @@
           <a:bodyPr/>
           <a:lstStyle/>
           <a:p>
-            <a:fld id="{192C65E0-D6AB-6A4E-8CC1-FE057B7CE004}" type="datetime1">
-              <a:t>1/30/2017</a:t>
-            </a:fld>
+            <a:r>
+              <a:rPr lang="en-US" smtClean="0"/>
+              <a:t>8/15/2017</a:t>
+            </a:r>
             <a:endParaRPr lang="de-DE"/>
           </a:p>
         </p:txBody>
@@ -15204,9 +17307,10 @@
           <a:lstStyle/>
           <a:p>
             <a:r>
-              <a:rPr lang="de-DE"/>
-              <a:t>Name Presentation</a:t>
-            </a:r>
+              <a:rPr lang="en-US" smtClean="0"/>
+              <a:t>Deep Learning in action - with DL4J</a:t>
+            </a:r>
+            <a:endParaRPr lang="de-DE"/>
           </a:p>
         </p:txBody>
       </p:sp>
@@ -15249,9 +17353,10 @@
           <a:bodyPr/>
           <a:lstStyle/>
           <a:p>
-            <a:fld id="{D456EEBE-A7AF-E645-9889-AAA1CC8034EC}" type="datetime1">
-              <a:t>1/30/2017</a:t>
-            </a:fld>
+            <a:r>
+              <a:rPr lang="en-US" smtClean="0"/>
+              <a:t>8/15/2017</a:t>
+            </a:r>
             <a:endParaRPr lang="de-DE"/>
           </a:p>
         </p:txBody>
@@ -15382,9 +17487,10 @@
           <a:lstStyle/>
           <a:p>
             <a:r>
-              <a:rPr lang="de-DE"/>
-              <a:t>Name Presentation</a:t>
-            </a:r>
+              <a:rPr lang="en-US" smtClean="0"/>
+              <a:t>Deep Learning in action - with DL4J</a:t>
+            </a:r>
+            <a:endParaRPr lang="de-DE"/>
           </a:p>
         </p:txBody>
       </p:sp>
@@ -15427,9 +17533,10 @@
           <a:bodyPr/>
           <a:lstStyle/>
           <a:p>
-            <a:fld id="{9611FC2E-8CF0-FB46-8CCB-3E85716B6839}" type="datetime1">
-              <a:t>1/30/2017</a:t>
-            </a:fld>
+            <a:r>
+              <a:rPr lang="en-US" smtClean="0"/>
+              <a:t>8/15/2017</a:t>
+            </a:r>
             <a:endParaRPr lang="de-DE"/>
           </a:p>
         </p:txBody>
@@ -15617,9 +17724,10 @@
           <a:lstStyle/>
           <a:p>
             <a:r>
-              <a:rPr lang="de-DE"/>
-              <a:t>Name Presentation</a:t>
-            </a:r>
+              <a:rPr lang="en-US" smtClean="0"/>
+              <a:t>Deep Learning in action - with DL4J</a:t>
+            </a:r>
+            <a:endParaRPr lang="de-DE"/>
           </a:p>
         </p:txBody>
       </p:sp>
@@ -15662,9 +17770,10 @@
           <a:bodyPr/>
           <a:lstStyle/>
           <a:p>
-            <a:fld id="{A37F7BC5-9ADE-9D49-979D-E38C19B39202}" type="datetime1">
-              <a:t>1/30/2017</a:t>
-            </a:fld>
+            <a:r>
+              <a:rPr lang="en-US" smtClean="0"/>
+              <a:t>8/15/2017</a:t>
+            </a:r>
             <a:endParaRPr lang="de-DE"/>
           </a:p>
         </p:txBody>
@@ -15995,9 +18104,10 @@
           <a:lstStyle/>
           <a:p>
             <a:r>
-              <a:rPr lang="de-DE"/>
-              <a:t>Name Presentation</a:t>
-            </a:r>
+              <a:rPr lang="en-US" smtClean="0"/>
+              <a:t>Deep Learning in action - with DL4J</a:t>
+            </a:r>
+            <a:endParaRPr lang="de-DE"/>
           </a:p>
         </p:txBody>
       </p:sp>
@@ -16040,9 +18150,10 @@
           <a:bodyPr/>
           <a:lstStyle/>
           <a:p>
-            <a:fld id="{FFAFF897-07D1-AC4B-9BA8-8E106866C9F1}" type="datetime1">
-              <a:t>1/30/2017</a:t>
-            </a:fld>
+            <a:r>
+              <a:rPr lang="en-US" smtClean="0"/>
+              <a:t>8/15/2017</a:t>
+            </a:r>
             <a:endParaRPr lang="de-DE"/>
           </a:p>
         </p:txBody>
@@ -16368,9 +18479,10 @@
           <a:lstStyle/>
           <a:p>
             <a:r>
-              <a:rPr lang="de-DE"/>
-              <a:t>Name Presentation</a:t>
-            </a:r>
+              <a:rPr lang="en-US" smtClean="0"/>
+              <a:t>Deep Learning in action - with DL4J</a:t>
+            </a:r>
+            <a:endParaRPr lang="de-DE"/>
           </a:p>
         </p:txBody>
       </p:sp>
@@ -16413,9 +18525,10 @@
           <a:bodyPr/>
           <a:lstStyle/>
           <a:p>
-            <a:fld id="{07BD24DC-6A10-3540-BA0C-B837ED322913}" type="datetime1">
-              <a:t>1/30/2017</a:t>
-            </a:fld>
+            <a:r>
+              <a:rPr lang="en-US" smtClean="0"/>
+              <a:t>8/15/2017</a:t>
+            </a:r>
             <a:endParaRPr lang="de-DE"/>
           </a:p>
         </p:txBody>
@@ -16777,9 +18890,10 @@
           </a:lstStyle>
           <a:p>
             <a:r>
-              <a:rPr lang="de-DE"/>
-              <a:t>Name Presentation</a:t>
-            </a:r>
+              <a:rPr lang="en-US" smtClean="0"/>
+              <a:t>Deep Learning in action - with DL4J</a:t>
+            </a:r>
+            <a:endParaRPr lang="de-DE"/>
           </a:p>
         </p:txBody>
       </p:sp>
@@ -16860,9 +18974,10 @@
             </a:lvl1pPr>
           </a:lstStyle>
           <a:p>
-            <a:fld id="{A0C36091-5FCB-0248-8A73-7FCC4DF1E60C}" type="datetime1">
-              <a:t>1/30/2017</a:t>
-            </a:fld>
+            <a:r>
+              <a:rPr lang="en-US" smtClean="0"/>
+              <a:t>8/15/2017</a:t>
+            </a:r>
             <a:endParaRPr lang="de-DE"/>
           </a:p>
         </p:txBody>
@@ -17503,8 +19618,8 @@
           <a:lstStyle/>
           <a:p>
             <a:r>
-              <a:rPr lang="de-DE" smtClean="0"/>
-              <a:t>Name Presentation</a:t>
+              <a:rPr lang="en-US" smtClean="0"/>
+              <a:t>Deep Learning in action - with DL4J</a:t>
             </a:r>
             <a:endParaRPr lang="de-DE"/>
           </a:p>
@@ -17549,10 +19664,10 @@
           <a:bodyPr/>
           <a:lstStyle/>
           <a:p>
-            <a:fld id="{D456EEBE-A7AF-E645-9889-AAA1CC8034EC}" type="datetime1">
+            <a:r>
               <a:rPr lang="en-US" smtClean="0"/>
-              <a:t>8/25/2017</a:t>
-            </a:fld>
+              <a:t>8/15/2017</a:t>
+            </a:r>
             <a:endParaRPr lang="en-US"/>
           </a:p>
         </p:txBody>
@@ -17651,8 +19766,8 @@
           <a:lstStyle/>
           <a:p>
             <a:r>
-              <a:rPr lang="de-DE" smtClean="0"/>
-              <a:t>Name Presentation</a:t>
+              <a:rPr lang="en-US" smtClean="0"/>
+              <a:t>Deep Learning in action - with DL4J</a:t>
             </a:r>
             <a:endParaRPr lang="de-DE"/>
           </a:p>
@@ -17697,10 +19812,10 @@
           <a:bodyPr/>
           <a:lstStyle/>
           <a:p>
-            <a:fld id="{D456EEBE-A7AF-E645-9889-AAA1CC8034EC}" type="datetime1">
+            <a:r>
               <a:rPr lang="en-US" smtClean="0"/>
-              <a:t>8/25/2017</a:t>
-            </a:fld>
+              <a:t>8/15/2017</a:t>
+            </a:r>
             <a:endParaRPr lang="en-US"/>
           </a:p>
         </p:txBody>
@@ -17822,8 +19937,8 @@
               <a:defRPr/>
             </a:pPr>
             <a:r>
-              <a:rPr lang="de-DE" smtClean="0"/>
-              <a:t>Name Presentation</a:t>
+              <a:rPr lang="en-US" smtClean="0"/>
+              <a:t>Deep Learning in action - with DL4J</a:t>
             </a:r>
             <a:endParaRPr lang="de-DE" dirty="0"/>
           </a:p>
@@ -17876,9 +19991,10 @@
             <a:pPr>
               <a:defRPr/>
             </a:pPr>
-            <a:fld id="{CCA3E12C-31CC-704D-AD02-590E309E5E99}" type="datetime1">
-              <a:t>1/30/2017</a:t>
-            </a:fld>
+            <a:r>
+              <a:rPr lang="en-US" smtClean="0"/>
+              <a:t>8/15/2017</a:t>
+            </a:r>
             <a:endParaRPr lang="de-DE" dirty="0"/>
           </a:p>
         </p:txBody>
@@ -18079,8 +20195,8 @@
           <a:lstStyle/>
           <a:p>
             <a:r>
-              <a:rPr lang="de-DE" smtClean="0"/>
-              <a:t>Name Presentation</a:t>
+              <a:rPr lang="en-US" smtClean="0"/>
+              <a:t>Deep Learning in action - with DL4J</a:t>
             </a:r>
             <a:endParaRPr lang="de-DE"/>
           </a:p>
@@ -18125,10 +20241,10 @@
           <a:bodyPr/>
           <a:lstStyle/>
           <a:p>
-            <a:fld id="{D456EEBE-A7AF-E645-9889-AAA1CC8034EC}" type="datetime1">
+            <a:r>
               <a:rPr lang="en-US" smtClean="0"/>
-              <a:t>8/25/2017</a:t>
-            </a:fld>
+              <a:t>8/15/2017</a:t>
+            </a:r>
             <a:endParaRPr lang="en-US"/>
           </a:p>
         </p:txBody>
@@ -18334,8 +20450,8 @@
           <a:lstStyle/>
           <a:p>
             <a:r>
-              <a:rPr lang="de-DE" smtClean="0"/>
-              <a:t>Name Presentation</a:t>
+              <a:rPr lang="en-US" smtClean="0"/>
+              <a:t>Deep Learning in action - with DL4J</a:t>
             </a:r>
             <a:endParaRPr lang="de-DE"/>
           </a:p>
@@ -18380,10 +20496,10 @@
           <a:bodyPr/>
           <a:lstStyle/>
           <a:p>
-            <a:fld id="{D456EEBE-A7AF-E645-9889-AAA1CC8034EC}" type="datetime1">
+            <a:r>
               <a:rPr lang="en-US" smtClean="0"/>
-              <a:t>8/25/2017</a:t>
-            </a:fld>
+              <a:t>8/15/2017</a:t>
+            </a:r>
             <a:endParaRPr lang="en-US"/>
           </a:p>
         </p:txBody>
@@ -18532,15 +20648,7 @@
           <a:p>
             <a:r>
               <a:rPr lang="en-US" dirty="0" smtClean="0"/>
-              <a:t>But first… let’s </a:t>
-            </a:r>
-            <a:r>
-              <a:rPr lang="en-US" dirty="0" smtClean="0"/>
-              <a:t>just see some code</a:t>
-            </a:r>
-            <a:r>
-              <a:rPr lang="en-US" dirty="0" smtClean="0"/>
-              <a:t>!</a:t>
+              <a:t>But first… let’s just see some code!</a:t>
             </a:r>
             <a:endParaRPr lang="en-US" dirty="0"/>
           </a:p>
@@ -18562,8 +20670,8 @@
           <a:lstStyle/>
           <a:p>
             <a:r>
-              <a:rPr lang="de-DE" smtClean="0"/>
-              <a:t>Name Presentation</a:t>
+              <a:rPr lang="en-US" smtClean="0"/>
+              <a:t>Deep Learning in action - with DL4J</a:t>
             </a:r>
             <a:endParaRPr lang="de-DE"/>
           </a:p>
@@ -18608,10 +20716,10 @@
           <a:bodyPr/>
           <a:lstStyle/>
           <a:p>
-            <a:fld id="{D456EEBE-A7AF-E645-9889-AAA1CC8034EC}" type="datetime1">
+            <a:r>
               <a:rPr lang="en-US" smtClean="0"/>
-              <a:t>8/25/2017</a:t>
-            </a:fld>
+              <a:t>8/15/2017</a:t>
+            </a:r>
             <a:endParaRPr lang="en-US"/>
           </a:p>
         </p:txBody>
@@ -19388,8 +21496,8 @@
               <a:defRPr/>
             </a:pPr>
             <a:r>
-              <a:rPr lang="de-DE" smtClean="0"/>
-              <a:t>Name Presentation</a:t>
+              <a:rPr lang="en-US" smtClean="0"/>
+              <a:t>Deep Learning in action - with DL4J</a:t>
             </a:r>
             <a:endParaRPr lang="de-DE" dirty="0"/>
           </a:p>
@@ -19442,9 +21550,10 @@
             <a:pPr>
               <a:defRPr/>
             </a:pPr>
-            <a:fld id="{CCA3E12C-31CC-704D-AD02-590E309E5E99}" type="datetime1">
-              <a:t>1/30/2017</a:t>
-            </a:fld>
+            <a:r>
+              <a:rPr lang="en-US" smtClean="0"/>
+              <a:t>8/15/2017</a:t>
+            </a:r>
             <a:endParaRPr lang="de-DE" dirty="0"/>
           </a:p>
         </p:txBody>
@@ -19649,8 +21758,8 @@
           <a:lstStyle/>
           <a:p>
             <a:r>
-              <a:rPr lang="de-DE" smtClean="0"/>
-              <a:t>Name Presentation</a:t>
+              <a:rPr lang="en-US" smtClean="0"/>
+              <a:t>Deep Learning in action - with DL4J</a:t>
             </a:r>
             <a:endParaRPr lang="de-DE"/>
           </a:p>
@@ -19695,10 +21804,10 @@
           <a:bodyPr/>
           <a:lstStyle/>
           <a:p>
-            <a:fld id="{D456EEBE-A7AF-E645-9889-AAA1CC8034EC}" type="datetime1">
+            <a:r>
               <a:rPr lang="en-US" smtClean="0"/>
-              <a:t>8/25/2017</a:t>
-            </a:fld>
+              <a:t>8/15/2017</a:t>
+            </a:r>
             <a:endParaRPr lang="en-US"/>
           </a:p>
         </p:txBody>
@@ -20152,8 +22261,8 @@
           <a:lstStyle/>
           <a:p>
             <a:r>
-              <a:rPr lang="de-DE" smtClean="0"/>
-              <a:t>Name Presentation</a:t>
+              <a:rPr lang="en-US" smtClean="0"/>
+              <a:t>Deep Learning in action - with DL4J</a:t>
             </a:r>
             <a:endParaRPr lang="de-DE"/>
           </a:p>
@@ -20198,10 +22307,10 @@
           <a:bodyPr/>
           <a:lstStyle/>
           <a:p>
-            <a:fld id="{D456EEBE-A7AF-E645-9889-AAA1CC8034EC}" type="datetime1">
+            <a:r>
               <a:rPr lang="en-US" smtClean="0"/>
-              <a:t>8/25/2017</a:t>
-            </a:fld>
+              <a:t>8/15/2017</a:t>
+            </a:r>
             <a:endParaRPr lang="en-US"/>
           </a:p>
         </p:txBody>
@@ -20693,8 +22802,8 @@
               <a:defRPr/>
             </a:pPr>
             <a:r>
-              <a:rPr lang="de-DE" smtClean="0"/>
-              <a:t>Name Presentation</a:t>
+              <a:rPr lang="en-US" smtClean="0"/>
+              <a:t>Deep Learning in action - with DL4J</a:t>
             </a:r>
             <a:endParaRPr lang="de-DE" dirty="0"/>
           </a:p>
@@ -20747,9 +22856,10 @@
             <a:pPr>
               <a:defRPr/>
             </a:pPr>
-            <a:fld id="{CCA3E12C-31CC-704D-AD02-590E309E5E99}" type="datetime1">
-              <a:t>1/30/2017</a:t>
-            </a:fld>
+            <a:r>
+              <a:rPr lang="en-US" smtClean="0"/>
+              <a:t>8/15/2017</a:t>
+            </a:r>
             <a:endParaRPr lang="de-DE" dirty="0"/>
           </a:p>
         </p:txBody>
@@ -20938,8 +23048,8 @@
               <a:defRPr/>
             </a:pPr>
             <a:r>
-              <a:rPr lang="de-DE" smtClean="0"/>
-              <a:t>Name Presentation</a:t>
+              <a:rPr lang="en-US" smtClean="0"/>
+              <a:t>Deep Learning in action - with DL4J</a:t>
             </a:r>
             <a:endParaRPr lang="de-DE" dirty="0"/>
           </a:p>
@@ -20992,9 +23102,10 @@
             <a:pPr>
               <a:defRPr/>
             </a:pPr>
-            <a:fld id="{CCA3E12C-31CC-704D-AD02-590E309E5E99}" type="datetime1">
-              <a:t>1/30/2017</a:t>
-            </a:fld>
+            <a:r>
+              <a:rPr lang="en-US" smtClean="0"/>
+              <a:t>8/15/2017</a:t>
+            </a:r>
             <a:endParaRPr lang="de-DE" dirty="0"/>
           </a:p>
         </p:txBody>
@@ -21199,8 +23310,8 @@
           <a:lstStyle/>
           <a:p>
             <a:r>
-              <a:rPr lang="de-DE" smtClean="0"/>
-              <a:t>Name Presentation</a:t>
+              <a:rPr lang="en-US" smtClean="0"/>
+              <a:t>Deep Learning in action - with DL4J</a:t>
             </a:r>
             <a:endParaRPr lang="de-DE"/>
           </a:p>
@@ -21245,10 +23356,10 @@
           <a:bodyPr/>
           <a:lstStyle/>
           <a:p>
-            <a:fld id="{D456EEBE-A7AF-E645-9889-AAA1CC8034EC}" type="datetime1">
+            <a:r>
               <a:rPr lang="en-US" smtClean="0"/>
-              <a:t>8/25/2017</a:t>
-            </a:fld>
+              <a:t>8/15/2017</a:t>
+            </a:r>
             <a:endParaRPr lang="en-US"/>
           </a:p>
         </p:txBody>
@@ -21762,8 +23873,8 @@
           <a:lstStyle/>
           <a:p>
             <a:r>
-              <a:rPr lang="de-DE" smtClean="0"/>
-              <a:t>Name Presentation</a:t>
+              <a:rPr lang="en-US" smtClean="0"/>
+              <a:t>Deep Learning in action - with DL4J</a:t>
             </a:r>
             <a:endParaRPr lang="de-DE"/>
           </a:p>
@@ -21808,10 +23919,10 @@
           <a:bodyPr/>
           <a:lstStyle/>
           <a:p>
-            <a:fld id="{D456EEBE-A7AF-E645-9889-AAA1CC8034EC}" type="datetime1">
+            <a:r>
               <a:rPr lang="en-US" smtClean="0"/>
-              <a:t>8/25/2017</a:t>
-            </a:fld>
+              <a:t>8/15/2017</a:t>
+            </a:r>
             <a:endParaRPr lang="en-US"/>
           </a:p>
         </p:txBody>
@@ -21924,6 +24035,66 @@
           </a:prstGeom>
         </p:spPr>
       </p:pic>
+      <p:sp>
+        <p:nvSpPr>
+          <p:cNvPr id="10" name="TextBox 9"/>
+          <p:cNvSpPr txBox="1"/>
+          <p:nvPr/>
+        </p:nvSpPr>
+        <p:spPr>
+          <a:xfrm>
+            <a:off x="1401651" y="4248217"/>
+            <a:ext cx="2983216" cy="246221"/>
+          </a:xfrm>
+          <a:prstGeom prst="rect">
+            <a:avLst/>
+          </a:prstGeom>
+          <a:noFill/>
+        </p:spPr>
+        <p:txBody>
+          <a:bodyPr wrap="square" lIns="0" tIns="0" rIns="0" bIns="0" rtlCol="0">
+            <a:spAutoFit/>
+          </a:bodyPr>
+          <a:lstStyle/>
+          <a:p>
+            <a:r>
+              <a:rPr lang="en-US" sz="800" dirty="0"/>
+              <a:t>Source: https://www.juggle.org/claude-shannon-mathematician-engineer-genius-juggler/</a:t>
+            </a:r>
+            <a:endParaRPr lang="en-US" sz="800" dirty="0" smtClean="0"/>
+          </a:p>
+        </p:txBody>
+      </p:sp>
+      <p:sp>
+        <p:nvSpPr>
+          <p:cNvPr id="12" name="TextBox 11"/>
+          <p:cNvSpPr txBox="1"/>
+          <p:nvPr/>
+        </p:nvSpPr>
+        <p:spPr>
+          <a:xfrm>
+            <a:off x="4289043" y="3814948"/>
+            <a:ext cx="2983216" cy="123111"/>
+          </a:xfrm>
+          <a:prstGeom prst="rect">
+            <a:avLst/>
+          </a:prstGeom>
+          <a:noFill/>
+        </p:spPr>
+        <p:txBody>
+          <a:bodyPr wrap="square" lIns="0" tIns="0" rIns="0" bIns="0" rtlCol="0">
+            <a:spAutoFit/>
+          </a:bodyPr>
+          <a:lstStyle/>
+          <a:p>
+            <a:r>
+              <a:rPr lang="en-US" sz="800" dirty="0"/>
+              <a:t>Source: http://krisholm.com/en/blog/Introducing-the-KH-27.5</a:t>
+            </a:r>
+            <a:endParaRPr lang="en-US" sz="800" dirty="0" smtClean="0"/>
+          </a:p>
+        </p:txBody>
+      </p:sp>
     </p:spTree>
     <p:extLst>
       <p:ext uri="{BB962C8B-B14F-4D97-AF65-F5344CB8AC3E}">
@@ -21973,8 +24144,8 @@
               <a:defRPr/>
             </a:pPr>
             <a:r>
-              <a:rPr lang="de-DE" smtClean="0"/>
-              <a:t>Name Presentation</a:t>
+              <a:rPr lang="en-US" smtClean="0"/>
+              <a:t>Deep Learning in action - with DL4J</a:t>
             </a:r>
             <a:endParaRPr lang="de-DE" dirty="0"/>
           </a:p>
@@ -22027,9 +24198,10 @@
             <a:pPr>
               <a:defRPr/>
             </a:pPr>
-            <a:fld id="{CCA3E12C-31CC-704D-AD02-590E309E5E99}" type="datetime1">
-              <a:t>1/30/2017</a:t>
-            </a:fld>
+            <a:r>
+              <a:rPr lang="en-US" smtClean="0"/>
+              <a:t>8/15/2017</a:t>
+            </a:r>
             <a:endParaRPr lang="de-DE" dirty="0"/>
           </a:p>
         </p:txBody>
@@ -22234,8 +24406,8 @@
           <a:lstStyle/>
           <a:p>
             <a:r>
-              <a:rPr lang="de-DE" smtClean="0"/>
-              <a:t>Name Presentation</a:t>
+              <a:rPr lang="en-US" smtClean="0"/>
+              <a:t>Deep Learning in action - with DL4J</a:t>
             </a:r>
             <a:endParaRPr lang="de-DE"/>
           </a:p>
@@ -22280,10 +24452,10 @@
           <a:bodyPr/>
           <a:lstStyle/>
           <a:p>
-            <a:fld id="{D456EEBE-A7AF-E645-9889-AAA1CC8034EC}" type="datetime1">
+            <a:r>
               <a:rPr lang="en-US" smtClean="0"/>
-              <a:t>8/25/2017</a:t>
-            </a:fld>
+              <a:t>8/15/2017</a:t>
+            </a:r>
             <a:endParaRPr lang="en-US"/>
           </a:p>
         </p:txBody>
@@ -22312,11 +24484,7 @@
             </a:pPr>
             <a:r>
               <a:rPr lang="en-US" dirty="0" smtClean="0"/>
-              <a:t>One s</a:t>
-            </a:r>
-            <a:r>
-              <a:rPr lang="en-US" dirty="0" smtClean="0"/>
-              <a:t>tate-of-the-art approach: </a:t>
+              <a:t>One state-of-the-art approach: </a:t>
             </a:r>
             <a:r>
               <a:rPr lang="en-US" dirty="0" err="1" smtClean="0"/>
@@ -22675,19 +24843,7 @@
               <a:rPr lang="en-US" sz="1000" dirty="0">
                 <a:latin typeface="Lucida Sans Typewriter" pitchFamily="49" charset="0"/>
               </a:rPr>
-              <a:t>.layer(</a:t>
-            </a:r>
-            <a:r>
-              <a:rPr lang="en-US" sz="1000" dirty="0">
-                <a:latin typeface="Lucida Sans Typewriter" pitchFamily="49" charset="0"/>
-              </a:rPr>
-              <a:t>0</a:t>
-            </a:r>
-            <a:r>
-              <a:rPr lang="en-US" sz="1000" dirty="0">
-                <a:latin typeface="Lucida Sans Typewriter" pitchFamily="49" charset="0"/>
-              </a:rPr>
-              <a:t>, </a:t>
+              <a:t>.layer(0, </a:t>
             </a:r>
             <a:r>
               <a:rPr lang="en-US" sz="1000" b="1" dirty="0">
@@ -23078,7 +25234,42 @@
       </p:grpSpPr>
       <p:sp>
         <p:nvSpPr>
-          <p:cNvPr id="7" name="Fußzeilenplatzhalter 6"/>
+          <p:cNvPr id="2" name="Title 1"/>
+          <p:cNvSpPr>
+            <a:spLocks noGrp="1"/>
+          </p:cNvSpPr>
+          <p:nvPr>
+            <p:ph type="title"/>
+          </p:nvPr>
+        </p:nvSpPr>
+        <p:spPr/>
+        <p:txBody>
+          <a:bodyPr/>
+          <a:lstStyle/>
+          <a:p>
+            <a:r>
+              <a:rPr lang="en-US" dirty="0" err="1" smtClean="0"/>
+              <a:t>Variational</a:t>
+            </a:r>
+            <a:r>
+              <a:rPr lang="en-US" dirty="0" smtClean="0"/>
+              <a:t> </a:t>
+            </a:r>
+            <a:r>
+              <a:rPr lang="en-US" dirty="0" err="1" smtClean="0"/>
+              <a:t>autoencoder</a:t>
+            </a:r>
+            <a:r>
+              <a:rPr lang="en-US" dirty="0" smtClean="0"/>
+              <a:t> demos</a:t>
+            </a:r>
+            <a:endParaRPr lang="en-US" dirty="0"/>
+          </a:p>
+        </p:txBody>
+      </p:sp>
+      <p:sp>
+        <p:nvSpPr>
+          <p:cNvPr id="3" name="Footer Placeholder 2"/>
           <p:cNvSpPr>
             <a:spLocks noGrp="1"/>
           </p:cNvSpPr>
@@ -23091,20 +25282,17 @@
           <a:bodyPr/>
           <a:lstStyle/>
           <a:p>
-            <a:pPr>
-              <a:defRPr/>
-            </a:pPr>
-            <a:r>
-              <a:rPr lang="de-CH" noProof="0" smtClean="0"/>
-              <a:t>Name Presentation</a:t>
-            </a:r>
-            <a:endParaRPr lang="de-CH" noProof="0"/>
+            <a:r>
+              <a:rPr lang="en-US" smtClean="0"/>
+              <a:t>Deep Learning in action - with DL4J</a:t>
+            </a:r>
+            <a:endParaRPr lang="de-DE" dirty="0"/>
           </a:p>
         </p:txBody>
       </p:sp>
       <p:sp>
         <p:nvSpPr>
-          <p:cNvPr id="8" name="Foliennummernplatzhalter 7"/>
+          <p:cNvPr id="4" name="Slide Number Placeholder 3"/>
           <p:cNvSpPr>
             <a:spLocks noGrp="1"/>
           </p:cNvSpPr>
@@ -23117,23 +25305,18 @@
           <a:bodyPr/>
           <a:lstStyle/>
           <a:p>
-            <a:pPr>
-              <a:defRPr/>
-            </a:pPr>
-            <a:fld id="{FCE25ADC-5079-4431-A310-223AEB4EF901}" type="slidenum">
-              <a:rPr lang="de-CH" noProof="0" smtClean="0"/>
-              <a:pPr>
-                <a:defRPr/>
-              </a:pPr>
+            <a:fld id="{CAA1D080-129B-CB43-9B9B-B053798F4C9F}" type="slidenum">
+              <a:rPr lang="de-DE" smtClean="0"/>
+              <a:pPr/>
               <a:t>24</a:t>
             </a:fld>
-            <a:endParaRPr lang="de-CH" noProof="0"/>
+            <a:endParaRPr lang="de-DE"/>
           </a:p>
         </p:txBody>
       </p:sp>
       <p:sp>
         <p:nvSpPr>
-          <p:cNvPr id="6" name="Datumsplatzhalter 5"/>
+          <p:cNvPr id="5" name="Date Placeholder 4"/>
           <p:cNvSpPr>
             <a:spLocks noGrp="1"/>
           </p:cNvSpPr>
@@ -23146,38 +25329,17 @@
           <a:bodyPr/>
           <a:lstStyle/>
           <a:p>
-            <a:pPr>
-              <a:defRPr/>
-            </a:pPr>
-            <a:fld id="{0D593974-72E7-EF40-8B33-95FA9FF8E76A}" type="datetime1">
-              <a:t>1/30/2017</a:t>
-            </a:fld>
-            <a:endParaRPr lang="de-CH" noProof="0"/>
+            <a:r>
+              <a:rPr lang="en-US" smtClean="0"/>
+              <a:t>8/15/2017</a:t>
+            </a:r>
+            <a:endParaRPr lang="en-US"/>
           </a:p>
         </p:txBody>
       </p:sp>
       <p:sp>
         <p:nvSpPr>
-          <p:cNvPr id="4" name="Titel 3"/>
-          <p:cNvSpPr>
-            <a:spLocks noGrp="1"/>
-          </p:cNvSpPr>
-          <p:nvPr>
-            <p:ph type="ctrTitle"/>
-          </p:nvPr>
-        </p:nvSpPr>
-        <p:spPr/>
-        <p:txBody>
-          <a:bodyPr/>
-          <a:lstStyle/>
-          <a:p>
-            <a:endParaRPr lang="de-DE"/>
-          </a:p>
-        </p:txBody>
-      </p:sp>
-      <p:sp>
-        <p:nvSpPr>
-          <p:cNvPr id="5" name="Inhaltsplatzhalter 4"/>
+          <p:cNvPr id="6" name="Content Placeholder 5"/>
           <p:cNvSpPr>
             <a:spLocks noGrp="1"/>
           </p:cNvSpPr>
@@ -23190,88 +25352,153 @@
           <a:bodyPr/>
           <a:lstStyle/>
           <a:p>
-            <a:endParaRPr lang="de-DE"/>
+            <a:endParaRPr lang="en-US" dirty="0"/>
+          </a:p>
+          <a:p>
+            <a:pPr marL="285750" indent="-285750">
+              <a:buFont typeface="Arial" pitchFamily="34" charset="0"/>
+              <a:buChar char="•"/>
+            </a:pPr>
+            <a:endParaRPr lang="en-US" dirty="0"/>
+          </a:p>
+        </p:txBody>
+      </p:sp>
+      <p:graphicFrame>
+        <p:nvGraphicFramePr>
+          <p:cNvPr id="14" name="Diagram 13"/>
+          <p:cNvGraphicFramePr/>
+          <p:nvPr>
+            <p:extLst>
+              <p:ext uri="{D42A27DB-BD31-4B8C-83A1-F6EECF244321}">
+                <p14:modId xmlns:p14="http://schemas.microsoft.com/office/powerpoint/2010/main" val="3230925829"/>
+              </p:ext>
+            </p:extLst>
+          </p:nvPr>
+        </p:nvGraphicFramePr>
+        <p:xfrm>
+          <a:off x="1082992" y="741482"/>
+          <a:ext cx="2733600" cy="2733600"/>
+        </p:xfrm>
+        <a:graphic>
+          <a:graphicData uri="http://schemas.openxmlformats.org/drawingml/2006/diagram">
+            <dgm:relIds xmlns:dgm="http://schemas.openxmlformats.org/drawingml/2006/diagram" xmlns:r="http://schemas.openxmlformats.org/officeDocument/2006/relationships" r:dm="rId2" r:lo="rId3" r:qs="rId4" r:cs="rId5"/>
+          </a:graphicData>
+        </a:graphic>
+      </p:graphicFrame>
+      <p:pic>
+        <p:nvPicPr>
+          <p:cNvPr id="9" name="Picture 8"/>
+          <p:cNvPicPr>
+            <a:picLocks noChangeAspect="1"/>
+          </p:cNvPicPr>
+          <p:nvPr/>
+        </p:nvPicPr>
+        <p:blipFill>
+          <a:blip r:embed="rId7">
+            <a:extLst>
+              <a:ext uri="{28A0092B-C50C-407E-A947-70E740481C1C}">
+                <a14:useLocalDpi xmlns:a14="http://schemas.microsoft.com/office/drawing/2010/main" val="0"/>
+              </a:ext>
+            </a:extLst>
+          </a:blip>
+          <a:stretch>
+            <a:fillRect/>
+          </a:stretch>
+        </p:blipFill>
+        <p:spPr>
+          <a:xfrm>
+            <a:off x="944629" y="1528880"/>
+            <a:ext cx="2981245" cy="2235934"/>
+          </a:xfrm>
+          <a:prstGeom prst="rect">
+            <a:avLst/>
+          </a:prstGeom>
+        </p:spPr>
+      </p:pic>
+      <p:pic>
+        <p:nvPicPr>
+          <p:cNvPr id="10" name="Picture 9"/>
+          <p:cNvPicPr>
+            <a:picLocks noChangeAspect="1"/>
+          </p:cNvPicPr>
+          <p:nvPr/>
+        </p:nvPicPr>
+        <p:blipFill>
+          <a:blip r:embed="rId8">
+            <a:extLst>
+              <a:ext uri="{28A0092B-C50C-407E-A947-70E740481C1C}">
+                <a14:useLocalDpi xmlns:a14="http://schemas.microsoft.com/office/drawing/2010/main" val="0"/>
+              </a:ext>
+            </a:extLst>
+          </a:blip>
+          <a:stretch>
+            <a:fillRect/>
+          </a:stretch>
+        </p:blipFill>
+        <p:spPr>
+          <a:xfrm>
+            <a:off x="4534215" y="1483472"/>
+            <a:ext cx="4263028" cy="2034858"/>
+          </a:xfrm>
+          <a:prstGeom prst="rect">
+            <a:avLst/>
+          </a:prstGeom>
+        </p:spPr>
+      </p:pic>
+      <p:sp>
+        <p:nvSpPr>
+          <p:cNvPr id="12" name="TextBox 11"/>
+          <p:cNvSpPr txBox="1"/>
+          <p:nvPr/>
+        </p:nvSpPr>
+        <p:spPr>
+          <a:xfrm>
+            <a:off x="4534214" y="982233"/>
+            <a:ext cx="4345290" cy="307777"/>
+          </a:xfrm>
+          <a:prstGeom prst="rect">
+            <a:avLst/>
+          </a:prstGeom>
+          <a:noFill/>
+        </p:spPr>
+        <p:txBody>
+          <a:bodyPr wrap="square" lIns="0" tIns="0" rIns="0" bIns="0" rtlCol="0">
+            <a:spAutoFit/>
+          </a:bodyPr>
+          <a:lstStyle/>
+          <a:p>
+            <a:r>
+              <a:rPr lang="en-US" sz="2000" dirty="0" smtClean="0"/>
+              <a:t>UNSW-NB15 intrusion detection</a:t>
+            </a:r>
           </a:p>
         </p:txBody>
       </p:sp>
       <p:sp>
         <p:nvSpPr>
-          <p:cNvPr id="9" name="Diagonal liegende Ecken des Rechtecks abrunden 8"/>
-          <p:cNvSpPr/>
+          <p:cNvPr id="13" name="TextBox 12"/>
+          <p:cNvSpPr txBox="1"/>
           <p:nvPr/>
         </p:nvSpPr>
-        <p:spPr bwMode="gray">
+        <p:spPr>
           <a:xfrm>
-            <a:off x="-3149600" y="1"/>
-            <a:ext cx="3067050" cy="1247912"/>
+            <a:off x="1096851" y="982232"/>
+            <a:ext cx="2983216" cy="307777"/>
           </a:xfrm>
-          <a:prstGeom prst="round2DiagRect">
-            <a:avLst>
-              <a:gd name="adj1" fmla="val 5144"/>
-              <a:gd name="adj2" fmla="val 0"/>
-            </a:avLst>
+          <a:prstGeom prst="rect">
+            <a:avLst/>
           </a:prstGeom>
-          <a:solidFill>
-            <a:schemeClr val="accent3"/>
-          </a:solidFill>
-          <a:ln w="9525">
-            <a:solidFill>
-              <a:schemeClr val="tx2"/>
-            </a:solidFill>
-          </a:ln>
+          <a:noFill/>
         </p:spPr>
-        <p:style>
-          <a:lnRef idx="2">
-            <a:schemeClr val="accent1">
-              <a:shade val="50000"/>
-            </a:schemeClr>
-          </a:lnRef>
-          <a:fillRef idx="1">
-            <a:schemeClr val="accent1"/>
-          </a:fillRef>
-          <a:effectRef idx="0">
-            <a:schemeClr val="accent1"/>
-          </a:effectRef>
-          <a:fontRef idx="minor">
-            <a:schemeClr val="lt1"/>
-          </a:fontRef>
-        </p:style>
         <p:txBody>
-          <a:bodyPr tIns="108000" rtlCol="0" anchor="t" anchorCtr="0"/>
+          <a:bodyPr wrap="square" lIns="0" tIns="0" rIns="0" bIns="0" rtlCol="0">
+            <a:spAutoFit/>
+          </a:bodyPr>
           <a:lstStyle/>
           <a:p>
             <a:r>
-              <a:rPr lang="en-US" sz="1100" b="1" dirty="0" smtClean="0">
-                <a:solidFill>
-                  <a:schemeClr val="bg1"/>
-                </a:solidFill>
-                <a:latin typeface="Arial"/>
-              </a:rPr>
-              <a:t>INFOBOX – Read and delete</a:t>
-            </a:r>
-          </a:p>
-          <a:p>
-            <a:endParaRPr lang="en-US" sz="1100" b="1" dirty="0">
-              <a:solidFill>
-                <a:schemeClr val="bg1"/>
-              </a:solidFill>
-              <a:latin typeface="Arial"/>
-              <a:cs typeface="Arial"/>
-            </a:endParaRPr>
-          </a:p>
-          <a:p>
-            <a:pPr marL="174625" indent="-174625">
-              <a:buFont typeface="Arial" pitchFamily="34" charset="0"/>
-              <a:buChar char="•"/>
-            </a:pPr>
-            <a:r>
-              <a:rPr lang="en-US" sz="1100" b="1" dirty="0" smtClean="0">
-                <a:solidFill>
-                  <a:schemeClr val="tx1"/>
-                </a:solidFill>
-                <a:latin typeface="Arial"/>
-              </a:rPr>
-              <a:t>Slide if reference to other information, e.g. books, websites, etc.</a:t>
+              <a:rPr lang="en-US" sz="2000" dirty="0" smtClean="0"/>
+              <a:t>MNIST handwritten digits</a:t>
             </a:r>
           </a:p>
         </p:txBody>
@@ -23279,24 +25506,369 @@
     </p:spTree>
     <p:extLst>
       <p:ext uri="{BB962C8B-B14F-4D97-AF65-F5344CB8AC3E}">
-        <p14:creationId xmlns:p14="http://schemas.microsoft.com/office/powerpoint/2010/main" val="3508329459"/>
+        <p14:creationId xmlns:p14="http://schemas.microsoft.com/office/powerpoint/2010/main" val="996322575"/>
       </p:ext>
     </p:extLst>
   </p:cSld>
   <p:clrMapOvr>
     <a:masterClrMapping/>
   </p:clrMapOvr>
-  <p:timing>
-    <p:tnLst>
-      <p:par>
-        <p:cTn id="1" dur="indefinite" restart="never" nodeType="tmRoot"/>
-      </p:par>
-    </p:tnLst>
-  </p:timing>
 </p:sld>
 </file>
 
 <file path=ppt/slides/slide25.xml><?xml version="1.0" encoding="utf-8"?>
+<p:sld xmlns:a="http://schemas.openxmlformats.org/drawingml/2006/main" xmlns:r="http://schemas.openxmlformats.org/officeDocument/2006/relationships" xmlns:p="http://schemas.openxmlformats.org/presentationml/2006/main">
+  <p:cSld>
+    <p:spTree>
+      <p:nvGrpSpPr>
+        <p:cNvPr id="1" name=""/>
+        <p:cNvGrpSpPr/>
+        <p:nvPr/>
+      </p:nvGrpSpPr>
+      <p:grpSpPr>
+        <a:xfrm>
+          <a:off x="0" y="0"/>
+          <a:ext cx="0" cy="0"/>
+          <a:chOff x="0" y="0"/>
+          <a:chExt cx="0" cy="0"/>
+        </a:xfrm>
+      </p:grpSpPr>
+      <p:sp>
+        <p:nvSpPr>
+          <p:cNvPr id="2" name="Title 1"/>
+          <p:cNvSpPr>
+            <a:spLocks noGrp="1"/>
+          </p:cNvSpPr>
+          <p:nvPr>
+            <p:ph type="title"/>
+          </p:nvPr>
+        </p:nvSpPr>
+        <p:spPr/>
+        <p:txBody>
+          <a:bodyPr/>
+          <a:lstStyle/>
+          <a:p>
+            <a:r>
+              <a:rPr lang="en-US" dirty="0" smtClean="0"/>
+              <a:t>Conclusion: DL4J</a:t>
+            </a:r>
+            <a:endParaRPr lang="en-US" dirty="0"/>
+          </a:p>
+        </p:txBody>
+      </p:sp>
+      <p:sp>
+        <p:nvSpPr>
+          <p:cNvPr id="3" name="Footer Placeholder 2"/>
+          <p:cNvSpPr>
+            <a:spLocks noGrp="1"/>
+          </p:cNvSpPr>
+          <p:nvPr>
+            <p:ph type="ftr" sz="quarter" idx="10"/>
+          </p:nvPr>
+        </p:nvSpPr>
+        <p:spPr/>
+        <p:txBody>
+          <a:bodyPr/>
+          <a:lstStyle/>
+          <a:p>
+            <a:r>
+              <a:rPr lang="en-US" smtClean="0"/>
+              <a:t>Deep Learning in action - with DL4J</a:t>
+            </a:r>
+            <a:endParaRPr lang="de-DE"/>
+          </a:p>
+        </p:txBody>
+      </p:sp>
+      <p:sp>
+        <p:nvSpPr>
+          <p:cNvPr id="4" name="Slide Number Placeholder 3"/>
+          <p:cNvSpPr>
+            <a:spLocks noGrp="1"/>
+          </p:cNvSpPr>
+          <p:nvPr>
+            <p:ph type="sldNum" sz="quarter" idx="11"/>
+          </p:nvPr>
+        </p:nvSpPr>
+        <p:spPr/>
+        <p:txBody>
+          <a:bodyPr/>
+          <a:lstStyle/>
+          <a:p>
+            <a:fld id="{CAA1D080-129B-CB43-9B9B-B053798F4C9F}" type="slidenum">
+              <a:rPr lang="de-DE" smtClean="0"/>
+              <a:pPr/>
+              <a:t>25</a:t>
+            </a:fld>
+            <a:endParaRPr lang="de-DE"/>
+          </a:p>
+        </p:txBody>
+      </p:sp>
+      <p:sp>
+        <p:nvSpPr>
+          <p:cNvPr id="5" name="Date Placeholder 4"/>
+          <p:cNvSpPr>
+            <a:spLocks noGrp="1"/>
+          </p:cNvSpPr>
+          <p:nvPr>
+            <p:ph type="dt" sz="half" idx="12"/>
+          </p:nvPr>
+        </p:nvSpPr>
+        <p:spPr/>
+        <p:txBody>
+          <a:bodyPr/>
+          <a:lstStyle/>
+          <a:p>
+            <a:r>
+              <a:rPr lang="en-US" smtClean="0"/>
+              <a:t>8/15/2017</a:t>
+            </a:r>
+            <a:endParaRPr lang="en-US"/>
+          </a:p>
+        </p:txBody>
+      </p:sp>
+      <mc:AlternateContent xmlns:mc="http://schemas.openxmlformats.org/markup-compatibility/2006" xmlns:a14="http://schemas.microsoft.com/office/drawing/2010/main">
+        <mc:Choice Requires="a14">
+          <p:sp>
+            <p:nvSpPr>
+              <p:cNvPr id="6" name="Content Placeholder 5"/>
+              <p:cNvSpPr>
+                <a:spLocks noGrp="1"/>
+              </p:cNvSpPr>
+              <p:nvPr>
+                <p:ph sz="quarter" idx="13"/>
+              </p:nvPr>
+            </p:nvSpPr>
+            <p:spPr/>
+            <p:txBody>
+              <a:bodyPr/>
+              <a:lstStyle/>
+              <a:p>
+                <a:endParaRPr lang="en-US" dirty="0" smtClean="0"/>
+              </a:p>
+              <a:p>
+                <a:pPr marL="285750" indent="-285750">
+                  <a:buFont typeface="Arial" pitchFamily="34" charset="0"/>
+                  <a:buChar char="•"/>
+                </a:pPr>
+                <a:r>
+                  <a:rPr lang="en-US" dirty="0" smtClean="0"/>
+                  <a:t>Nice, nicely documented, actively developed</a:t>
+                </a:r>
+              </a:p>
+              <a:p>
+                <a:pPr marL="285750" indent="-285750">
+                  <a:buFont typeface="Arial" pitchFamily="34" charset="0"/>
+                  <a:buChar char="•"/>
+                </a:pPr>
+                <a:endParaRPr lang="en-US" dirty="0" smtClean="0"/>
+              </a:p>
+              <a:p>
+                <a:pPr marL="285750" indent="-285750">
+                  <a:buFont typeface="Arial" pitchFamily="34" charset="0"/>
+                  <a:buChar char="•"/>
+                </a:pPr>
+                <a:r>
+                  <a:rPr lang="en-US" dirty="0" smtClean="0"/>
+                  <a:t>Many architectures</a:t>
+                </a:r>
+                <a:r>
+                  <a:rPr lang="en-US" dirty="0"/>
+                  <a:t> </a:t>
+                </a:r>
+                <a:r>
+                  <a:rPr lang="en-US" dirty="0" smtClean="0"/>
+                  <a:t>and </a:t>
+                </a:r>
+                <a:r>
+                  <a:rPr lang="en-US" dirty="0" err="1" smtClean="0"/>
+                  <a:t>pretrained</a:t>
+                </a:r>
+                <a:r>
+                  <a:rPr lang="en-US" dirty="0" smtClean="0"/>
+                  <a:t> models available </a:t>
+                </a:r>
+              </a:p>
+              <a:p>
+                <a:pPr marL="285750" indent="-285750">
+                  <a:buFont typeface="Arial" pitchFamily="34" charset="0"/>
+                  <a:buChar char="•"/>
+                </a:pPr>
+                <a:endParaRPr lang="en-US" dirty="0"/>
+              </a:p>
+              <a:p>
+                <a:pPr marL="285750" indent="-285750">
+                  <a:buFont typeface="Arial" pitchFamily="34" charset="0"/>
+                  <a:buChar char="•"/>
+                </a:pPr>
+                <a:r>
+                  <a:rPr lang="en-US" dirty="0" smtClean="0"/>
+                  <a:t>Instructive example code</a:t>
+                </a:r>
+              </a:p>
+              <a:p>
+                <a:endParaRPr lang="en-US" dirty="0" smtClean="0"/>
+              </a:p>
+              <a:p>
+                <a:endParaRPr lang="en-US" dirty="0" smtClean="0"/>
+              </a:p>
+              <a:p>
+                <a:pPr marL="285750" indent="-285750">
+                  <a:buFont typeface="Arial" pitchFamily="34" charset="0"/>
+                  <a:buChar char="•"/>
+                </a:pPr>
+                <a:endParaRPr lang="en-US" dirty="0"/>
+              </a:p>
+              <a:p>
+                <a:pPr/>
+                <a14:m>
+                  <m:oMathPara xmlns:m="http://schemas.openxmlformats.org/officeDocument/2006/math">
+                    <m:oMathParaPr>
+                      <m:jc m:val="centerGroup"/>
+                    </m:oMathParaPr>
+                    <m:oMath xmlns:m="http://schemas.openxmlformats.org/officeDocument/2006/math">
+                      <m:r>
+                        <a:rPr lang="en-US" sz="3600" b="0" i="1" smtClean="0">
+                          <a:latin typeface="Cambria Math"/>
+                        </a:rPr>
+                        <m:t>𝐷𝐿</m:t>
+                      </m:r>
+                      <m:r>
+                        <a:rPr lang="en-US" sz="3600" b="0" i="1" smtClean="0">
+                          <a:latin typeface="Cambria Math"/>
+                        </a:rPr>
+                        <m:t> !=</m:t>
+                      </m:r>
+                      <m:r>
+                        <a:rPr lang="en-US" sz="3600" b="0" i="1" smtClean="0">
+                          <a:latin typeface="Cambria Math"/>
+                        </a:rPr>
+                        <m:t>𝑃𝑦𝑡h𝑜𝑛</m:t>
+                      </m:r>
+                    </m:oMath>
+                  </m:oMathPara>
+                </a14:m>
+                <a:endParaRPr lang="en-US" sz="3600" dirty="0"/>
+              </a:p>
+            </p:txBody>
+          </p:sp>
+        </mc:Choice>
+        <mc:Fallback xmlns="">
+          <p:sp>
+            <p:nvSpPr>
+              <p:cNvPr id="6" name="Content Placeholder 5"/>
+              <p:cNvSpPr>
+                <a:spLocks noGrp="1" noRot="1" noChangeAspect="1" noMove="1" noResize="1" noEditPoints="1" noAdjustHandles="1" noChangeArrowheads="1" noChangeShapeType="1" noTextEdit="1"/>
+              </p:cNvSpPr>
+              <p:nvPr>
+                <p:ph sz="quarter" idx="13"/>
+              </p:nvPr>
+            </p:nvSpPr>
+            <p:spPr>
+              <a:blipFill rotWithShape="1">
+                <a:blip r:embed="rId2"/>
+                <a:stretch>
+                  <a:fillRect/>
+                </a:stretch>
+              </a:blipFill>
+            </p:spPr>
+            <p:txBody>
+              <a:bodyPr/>
+              <a:lstStyle/>
+              <a:p>
+                <a:r>
+                  <a:rPr lang="en-US">
+                    <a:noFill/>
+                  </a:rPr>
+                  <a:t> </a:t>
+                </a:r>
+              </a:p>
+            </p:txBody>
+          </p:sp>
+        </mc:Fallback>
+      </mc:AlternateContent>
+      <p:sp>
+        <p:nvSpPr>
+          <p:cNvPr id="9" name="AutoShape 2" descr="Bildergebnis für smiley"/>
+          <p:cNvSpPr>
+            <a:spLocks noChangeAspect="1" noChangeArrowheads="1"/>
+          </p:cNvSpPr>
+          <p:nvPr/>
+        </p:nvSpPr>
+        <p:spPr bwMode="auto">
+          <a:xfrm>
+            <a:off x="155575" y="-144463"/>
+            <a:ext cx="304800" cy="304801"/>
+          </a:xfrm>
+          <a:prstGeom prst="rect">
+            <a:avLst/>
+          </a:prstGeom>
+          <a:noFill/>
+          <a:extLst>
+            <a:ext uri="{909E8E84-426E-40DD-AFC4-6F175D3DCCD1}">
+              <a14:hiddenFill xmlns:a14="http://schemas.microsoft.com/office/drawing/2010/main">
+                <a:solidFill>
+                  <a:srgbClr val="FFFFFF"/>
+                </a:solidFill>
+              </a14:hiddenFill>
+            </a:ext>
+          </a:extLst>
+        </p:spPr>
+        <p:txBody>
+          <a:bodyPr vert="horz" wrap="square" lIns="91440" tIns="45720" rIns="91440" bIns="45720" numCol="1" anchor="t" anchorCtr="0" compatLnSpc="1">
+            <a:prstTxWarp prst="textNoShape">
+              <a:avLst/>
+            </a:prstTxWarp>
+          </a:bodyPr>
+          <a:lstStyle/>
+          <a:p>
+            <a:endParaRPr lang="en-US"/>
+          </a:p>
+        </p:txBody>
+      </p:sp>
+      <p:pic>
+        <p:nvPicPr>
+          <p:cNvPr id="10" name="Picture 9"/>
+          <p:cNvPicPr>
+            <a:picLocks noChangeAspect="1"/>
+          </p:cNvPicPr>
+          <p:nvPr/>
+        </p:nvPicPr>
+        <p:blipFill>
+          <a:blip r:embed="rId3" cstate="print">
+            <a:extLst>
+              <a:ext uri="{28A0092B-C50C-407E-A947-70E740481C1C}">
+                <a14:useLocalDpi xmlns:a14="http://schemas.microsoft.com/office/drawing/2010/main" val="0"/>
+              </a:ext>
+            </a:extLst>
+          </a:blip>
+          <a:stretch>
+            <a:fillRect/>
+          </a:stretch>
+        </p:blipFill>
+        <p:spPr>
+          <a:xfrm>
+            <a:off x="6282221" y="2996977"/>
+            <a:ext cx="448954" cy="448954"/>
+          </a:xfrm>
+          <a:prstGeom prst="rect">
+            <a:avLst/>
+          </a:prstGeom>
+        </p:spPr>
+      </p:pic>
+    </p:spTree>
+    <p:extLst>
+      <p:ext uri="{BB962C8B-B14F-4D97-AF65-F5344CB8AC3E}">
+        <p14:creationId xmlns:p14="http://schemas.microsoft.com/office/powerpoint/2010/main" val="3751260222"/>
+      </p:ext>
+    </p:extLst>
+  </p:cSld>
+  <p:clrMapOvr>
+    <a:masterClrMapping/>
+  </p:clrMapOvr>
+</p:sld>
+</file>
+
+<file path=ppt/slides/slide26.xml><?xml version="1.0" encoding="utf-8"?>
 <p:sld xmlns:a="http://schemas.openxmlformats.org/drawingml/2006/main" xmlns:r="http://schemas.openxmlformats.org/officeDocument/2006/relationships" xmlns:p="http://schemas.openxmlformats.org/presentationml/2006/main">
   <p:cSld>
     <p:spTree>
@@ -23323,68 +25895,21 @@
             <p:ph type="ctrTitle"/>
           </p:nvPr>
         </p:nvSpPr>
-        <p:spPr/>
+        <p:spPr>
+          <a:xfrm>
+            <a:off x="376752" y="1157048"/>
+            <a:ext cx="8435254" cy="438262"/>
+          </a:xfrm>
+        </p:spPr>
         <p:txBody>
           <a:bodyPr/>
           <a:lstStyle/>
           <a:p>
-            <a:endParaRPr lang="de-DE"/>
-          </a:p>
-        </p:txBody>
-      </p:sp>
-      <p:sp>
-        <p:nvSpPr>
-          <p:cNvPr id="10" name="Textplatzhalter 9"/>
-          <p:cNvSpPr>
-            <a:spLocks noGrp="1"/>
-          </p:cNvSpPr>
-          <p:nvPr>
-            <p:ph type="body" sz="quarter" idx="13"/>
-          </p:nvPr>
-        </p:nvSpPr>
-        <p:spPr/>
-        <p:txBody>
-          <a:bodyPr/>
-          <a:lstStyle/>
-          <a:p>
-            <a:r>
-              <a:rPr lang="de-DE"/>
-              <a:t>Name Referent</a:t>
-            </a:r>
-          </a:p>
-          <a:p>
-            <a:r>
-              <a:rPr lang="de-DE"/>
-              <a:t>Titel Referent</a:t>
-            </a:r>
-          </a:p>
-        </p:txBody>
-      </p:sp>
-      <p:sp>
-        <p:nvSpPr>
-          <p:cNvPr id="11" name="Textplatzhalter 10"/>
-          <p:cNvSpPr>
-            <a:spLocks noGrp="1"/>
-          </p:cNvSpPr>
-          <p:nvPr>
-            <p:ph type="body" sz="quarter" idx="15"/>
-          </p:nvPr>
-        </p:nvSpPr>
-        <p:spPr/>
-        <p:txBody>
-          <a:bodyPr/>
-          <a:lstStyle/>
-          <a:p>
-            <a:r>
-              <a:rPr lang="de-DE"/>
-              <a:t>Tel. +00 00 000 00 00</a:t>
-            </a:r>
-          </a:p>
-          <a:p>
-            <a:r>
-              <a:rPr lang="de-DE"/>
-              <a:t>vorname.name@trivadis.com</a:t>
-            </a:r>
+            <a:r>
+              <a:rPr lang="de-DE" sz="4800" dirty="0" smtClean="0"/>
+              <a:t>Questions? Thank you!</a:t>
+            </a:r>
+            <a:endParaRPr lang="de-DE" sz="4800" dirty="0"/>
           </a:p>
         </p:txBody>
       </p:sp>
@@ -23406,9 +25931,10 @@
             <a:pPr>
               <a:defRPr/>
             </a:pPr>
-            <a:fld id="{106465F8-EEFE-5549-969E-0BBABB940B05}" type="datetime1">
-              <a:t>1/30/2017</a:t>
-            </a:fld>
+            <a:r>
+              <a:rPr lang="en-US" smtClean="0"/>
+              <a:t>8/15/2017</a:t>
+            </a:r>
             <a:endParaRPr lang="de-DE" dirty="0"/>
           </a:p>
         </p:txBody>
@@ -23432,8 +25958,8 @@
               <a:defRPr/>
             </a:pPr>
             <a:r>
-              <a:rPr lang="de-DE" smtClean="0"/>
-              <a:t>Name Presentation</a:t>
+              <a:rPr lang="en-US" smtClean="0"/>
+              <a:t>Deep Learning in action - with DL4J</a:t>
             </a:r>
             <a:endParaRPr lang="de-DE" dirty="0"/>
           </a:p>
@@ -23462,7 +25988,7 @@
               <a:pPr>
                 <a:defRPr/>
               </a:pPr>
-              <a:t>25</a:t>
+              <a:t>26</a:t>
             </a:fld>
             <a:endParaRPr lang="de-CH" noProof="0" dirty="0"/>
           </a:p>
@@ -23682,8 +26208,8 @@
               <a:defRPr/>
             </a:pPr>
             <a:r>
-              <a:rPr lang="de-DE" smtClean="0"/>
-              <a:t>Name Presentation</a:t>
+              <a:rPr lang="en-US" smtClean="0"/>
+              <a:t>Deep Learning in action - with DL4J</a:t>
             </a:r>
             <a:endParaRPr lang="de-DE" dirty="0"/>
           </a:p>
@@ -23736,9 +26262,10 @@
             <a:pPr>
               <a:defRPr/>
             </a:pPr>
-            <a:fld id="{7D9F4F0A-DC62-2148-93AC-A5C4D2739513}" type="datetime1">
-              <a:t>1/30/2017</a:t>
-            </a:fld>
+            <a:r>
+              <a:rPr lang="en-US" smtClean="0"/>
+              <a:t>8/15/2017</a:t>
+            </a:r>
             <a:endParaRPr lang="de-DE"/>
           </a:p>
         </p:txBody>
@@ -25384,8 +27911,8 @@
               <a:defRPr/>
             </a:pPr>
             <a:r>
-              <a:rPr lang="de-DE" smtClean="0"/>
-              <a:t>Name Presentation</a:t>
+              <a:rPr lang="en-US" smtClean="0"/>
+              <a:t>Deep Learning in action - with DL4J</a:t>
             </a:r>
             <a:endParaRPr lang="de-DE" dirty="0"/>
           </a:p>
@@ -25438,9 +27965,10 @@
             <a:pPr>
               <a:defRPr/>
             </a:pPr>
-            <a:fld id="{727C6F92-8410-A14D-AD4E-D5E5D6780697}" type="datetime1">
-              <a:t>1/30/2017</a:t>
-            </a:fld>
+            <a:r>
+              <a:rPr lang="en-US" smtClean="0"/>
+              <a:t>8/15/2017</a:t>
+            </a:r>
             <a:endParaRPr lang="de-DE"/>
           </a:p>
         </p:txBody>
@@ -25594,8 +28122,8 @@
               <a:defRPr/>
             </a:pPr>
             <a:r>
-              <a:rPr lang="de-DE" smtClean="0"/>
-              <a:t>Name Presentation</a:t>
+              <a:rPr lang="en-US" smtClean="0"/>
+              <a:t>Deep Learning in action - with DL4J</a:t>
             </a:r>
             <a:endParaRPr lang="de-DE" dirty="0"/>
           </a:p>
@@ -25648,9 +28176,10 @@
             <a:pPr>
               <a:defRPr/>
             </a:pPr>
-            <a:fld id="{727C6F92-8410-A14D-AD4E-D5E5D6780697}" type="datetime1">
-              <a:t>1/30/2017</a:t>
-            </a:fld>
+            <a:r>
+              <a:rPr lang="en-US" smtClean="0"/>
+              <a:t>8/15/2017</a:t>
+            </a:r>
             <a:endParaRPr lang="de-DE"/>
           </a:p>
         </p:txBody>
@@ -25805,8 +28334,8 @@
           <a:lstStyle/>
           <a:p>
             <a:r>
-              <a:rPr lang="de-DE" smtClean="0"/>
-              <a:t>Name Presentation</a:t>
+              <a:rPr lang="en-US" smtClean="0"/>
+              <a:t>Deep Learning in action - with DL4J</a:t>
             </a:r>
             <a:endParaRPr lang="de-DE"/>
           </a:p>
@@ -25851,10 +28380,10 @@
           <a:bodyPr/>
           <a:lstStyle/>
           <a:p>
-            <a:fld id="{D456EEBE-A7AF-E645-9889-AAA1CC8034EC}" type="datetime1">
+            <a:r>
               <a:rPr lang="en-US" smtClean="0"/>
-              <a:t>8/25/2017</a:t>
-            </a:fld>
+              <a:t>8/15/2017</a:t>
+            </a:r>
             <a:endParaRPr lang="en-US"/>
           </a:p>
         </p:txBody>
@@ -26085,8 +28614,8 @@
           <a:lstStyle/>
           <a:p>
             <a:r>
-              <a:rPr lang="de-DE" smtClean="0"/>
-              <a:t>Name Presentation</a:t>
+              <a:rPr lang="en-US" smtClean="0"/>
+              <a:t>Deep Learning in action - with DL4J</a:t>
             </a:r>
             <a:endParaRPr lang="de-DE"/>
           </a:p>
@@ -26131,10 +28660,10 @@
           <a:bodyPr/>
           <a:lstStyle/>
           <a:p>
-            <a:fld id="{D456EEBE-A7AF-E645-9889-AAA1CC8034EC}" type="datetime1">
+            <a:r>
               <a:rPr lang="en-US" smtClean="0"/>
-              <a:t>8/25/2017</a:t>
-            </a:fld>
+              <a:t>8/15/2017</a:t>
+            </a:r>
             <a:endParaRPr lang="en-US"/>
           </a:p>
         </p:txBody>
@@ -26213,8 +28742,8 @@
               <a:defRPr/>
             </a:pPr>
             <a:r>
-              <a:rPr lang="de-DE" smtClean="0"/>
-              <a:t>Name Presentation</a:t>
+              <a:rPr lang="en-US" smtClean="0"/>
+              <a:t>Deep Learning in action - with DL4J</a:t>
             </a:r>
             <a:endParaRPr lang="de-DE" dirty="0"/>
           </a:p>
@@ -26267,9 +28796,10 @@
             <a:pPr>
               <a:defRPr/>
             </a:pPr>
-            <a:fld id="{CCA3E12C-31CC-704D-AD02-590E309E5E99}" type="datetime1">
-              <a:t>1/30/2017</a:t>
-            </a:fld>
+            <a:r>
+              <a:rPr lang="en-US" smtClean="0"/>
+              <a:t>8/15/2017</a:t>
+            </a:r>
             <a:endParaRPr lang="de-DE" dirty="0"/>
           </a:p>
         </p:txBody>
@@ -26470,8 +29000,8 @@
           <a:lstStyle/>
           <a:p>
             <a:r>
-              <a:rPr lang="de-DE" smtClean="0"/>
-              <a:t>Name Presentation</a:t>
+              <a:rPr lang="en-US" smtClean="0"/>
+              <a:t>Deep Learning in action - with DL4J</a:t>
             </a:r>
             <a:endParaRPr lang="de-DE"/>
           </a:p>
@@ -26516,10 +29046,10 @@
           <a:bodyPr/>
           <a:lstStyle/>
           <a:p>
-            <a:fld id="{D456EEBE-A7AF-E645-9889-AAA1CC8034EC}" type="datetime1">
+            <a:r>
               <a:rPr lang="en-US" smtClean="0"/>
-              <a:t>8/25/2017</a:t>
-            </a:fld>
+              <a:t>8/15/2017</a:t>
+            </a:r>
             <a:endParaRPr lang="en-US"/>
           </a:p>
         </p:txBody>

--- a/dl4j_in_action.pptx
+++ b/dl4j_in_action.pptx
@@ -137,7 +137,7 @@
   </p:defaultTextStyle>
   <p:extLst>
     <p:ext uri="{EFAFB233-063F-42B5-8137-9DF3F51BA10A}">
-      <p15:sldGuideLst xmlns="" xmlns:p15="http://schemas.microsoft.com/office/powerpoint/2012/main">
+      <p15:sldGuideLst xmlns:p15="http://schemas.microsoft.com/office/powerpoint/2012/main" xmlns="">
         <p15:guide id="1" orient="horz" pos="2723">
           <p15:clr>
             <a:srgbClr val="A4A3A4"/>
@@ -221,7 +221,7 @@
       </p15:sldGuideLst>
     </p:ext>
     <p:ext uri="{2D200454-40CA-4A62-9FC3-DE9A4176ACB9}">
-      <p15:notesGuideLst xmlns="" xmlns:p15="http://schemas.microsoft.com/office/powerpoint/2012/main">
+      <p15:notesGuideLst xmlns:p15="http://schemas.microsoft.com/office/powerpoint/2012/main" xmlns="">
         <p15:guide id="1" orient="horz" pos="3143">
           <p15:clr>
             <a:srgbClr val="A4A3A4"/>
@@ -4539,8 +4539,8 @@
         <a:lstStyle/>
         <a:p>
           <a:r>
-            <a:rPr lang="en-US" dirty="0" err="1" smtClean="0"/>
-            <a:t>Manfacturing</a:t>
+            <a:rPr lang="en-US" dirty="0" smtClean="0"/>
+            <a:t>Manufacturing</a:t>
           </a:r>
           <a:endParaRPr lang="en-US" dirty="0"/>
         </a:p>
@@ -5410,8 +5410,8 @@
     <dgm:cxn modelId="{36004114-8DC2-458F-AFF8-02973B1888BC}" type="presOf" srcId="{381F2165-177B-4A6F-9D1F-267ABFAC81CD}" destId="{730DFB9D-E765-4459-9AE2-125492F90C14}" srcOrd="0" destOrd="0" presId="urn:microsoft.com/office/officeart/2005/8/layout/gear1"/>
     <dgm:cxn modelId="{14F9AEFF-BA62-49E2-8921-4C85F862991E}" srcId="{381F2165-177B-4A6F-9D1F-267ABFAC81CD}" destId="{E4F155DD-E0A1-49E4-8536-8B8A6FA3FB37}" srcOrd="0" destOrd="0" parTransId="{F0EDF1AF-ABCD-4B8A-B325-C0B11F0A6A1A}" sibTransId="{03B7C7C4-125D-47EA-AA80-BF1606CC7DCD}"/>
     <dgm:cxn modelId="{22B84671-9503-4C8E-9A7E-8C9E339A8E4D}" type="presOf" srcId="{2C56868A-7A48-44A0-87FC-80D48F7A3BA5}" destId="{881714B5-75E8-403A-BE11-5480D8369BE2}" srcOrd="0" destOrd="0" presId="urn:microsoft.com/office/officeart/2005/8/layout/gear1"/>
+    <dgm:cxn modelId="{8FB838B9-18A5-4C4C-8E8A-23CD69A2F212}" type="presOf" srcId="{D0958AFD-668F-4D54-9865-AA8A4D729D33}" destId="{6D31428B-94FE-4CB5-96CC-9A441D8077FE}" srcOrd="0" destOrd="3" presId="urn:microsoft.com/office/officeart/2005/8/layout/gear1"/>
     <dgm:cxn modelId="{339E78DE-9ADF-491C-AA4C-A405E7D30FC7}" type="presOf" srcId="{5BD3AB99-E8CA-470A-8A56-BFE029B3DB6C}" destId="{6D31428B-94FE-4CB5-96CC-9A441D8077FE}" srcOrd="0" destOrd="7" presId="urn:microsoft.com/office/officeart/2005/8/layout/gear1"/>
-    <dgm:cxn modelId="{8FB838B9-18A5-4C4C-8E8A-23CD69A2F212}" type="presOf" srcId="{D0958AFD-668F-4D54-9865-AA8A4D729D33}" destId="{6D31428B-94FE-4CB5-96CC-9A441D8077FE}" srcOrd="0" destOrd="3" presId="urn:microsoft.com/office/officeart/2005/8/layout/gear1"/>
     <dgm:cxn modelId="{76BCDA39-C912-4B5A-BF82-1E5DB0B7DD75}" type="presOf" srcId="{6DFCC957-C840-47C9-9B5B-3B96AF811EFA}" destId="{6D31428B-94FE-4CB5-96CC-9A441D8077FE}" srcOrd="0" destOrd="8" presId="urn:microsoft.com/office/officeart/2005/8/layout/gear1"/>
     <dgm:cxn modelId="{BDD8C2B6-BEF7-4989-93E9-980B9E777F6C}" type="presParOf" srcId="{2BBB2A6C-B769-42FA-A380-E5D1E24B0C97}" destId="{18880182-689F-41CD-9623-B84C18DAEE1E}" srcOrd="0" destOrd="0" presId="urn:microsoft.com/office/officeart/2005/8/layout/gear1"/>
     <dgm:cxn modelId="{3DE68537-778B-4C05-A6FB-60A309C9B5DF}" type="presParOf" srcId="{2BBB2A6C-B769-42FA-A380-E5D1E24B0C97}" destId="{DFCCA574-4EAA-48D4-B9D0-4AC822B7E9EB}" srcOrd="1" destOrd="0" presId="urn:microsoft.com/office/officeart/2005/8/layout/gear1"/>
@@ -6547,8 +6547,8 @@
             <a:buChar char="••"/>
           </a:pPr>
           <a:r>
-            <a:rPr lang="en-US" sz="500" kern="1200" dirty="0" err="1" smtClean="0"/>
-            <a:t>Manfacturing</a:t>
+            <a:rPr lang="en-US" sz="500" kern="1200" dirty="0" smtClean="0"/>
+            <a:t>Manufacturing</a:t>
           </a:r>
           <a:endParaRPr lang="en-US" sz="500" kern="1200" dirty="0"/>
         </a:p>
@@ -14726,7 +14726,7 @@
           <a:p>
             <a:fld id="{9E158CDE-C114-442B-91BB-C02E4A897291}" type="datetimeFigureOut">
               <a:rPr lang="de-DE" smtClean="0"/>
-              <a:t>26.08.2017</a:t>
+              <a:t>14.09.2017</a:t>
             </a:fld>
             <a:endParaRPr lang="de-DE"/>
           </a:p>
@@ -15768,7 +15768,7 @@
           <a:p>
             <a:r>
               <a:rPr lang="en-US" smtClean="0"/>
-              <a:t>8/15/2017</a:t>
+              <a:t>2017/15/09</a:t>
             </a:r>
             <a:endParaRPr lang="de-DE"/>
           </a:p>
@@ -15868,7 +15868,7 @@
           <a:p>
             <a:r>
               <a:rPr lang="en-US" smtClean="0"/>
-              <a:t>8/15/2017</a:t>
+              <a:t>2017/15/09</a:t>
             </a:r>
             <a:endParaRPr lang="de-DE"/>
           </a:p>
@@ -16241,7 +16241,7 @@
           <a:p>
             <a:r>
               <a:rPr lang="en-US" smtClean="0"/>
-              <a:t>8/15/2017</a:t>
+              <a:t>2017/15/09</a:t>
             </a:r>
             <a:endParaRPr lang="de-DE"/>
           </a:p>
@@ -16524,7 +16524,7 @@
           <a:p>
             <a:r>
               <a:rPr lang="en-US" smtClean="0"/>
-              <a:t>8/15/2017</a:t>
+              <a:t>2017/15/09</a:t>
             </a:r>
             <a:endParaRPr lang="de-DE"/>
           </a:p>
@@ -16777,7 +16777,7 @@
           <a:p>
             <a:r>
               <a:rPr lang="en-US" smtClean="0"/>
-              <a:t>8/15/2017</a:t>
+              <a:t>2017/15/09</a:t>
             </a:r>
             <a:endParaRPr lang="de-DE"/>
           </a:p>
@@ -17017,7 +17017,7 @@
           <a:p>
             <a:r>
               <a:rPr lang="en-US" smtClean="0"/>
-              <a:t>8/15/2017</a:t>
+              <a:t>2017/15/09</a:t>
             </a:r>
             <a:endParaRPr lang="de-DE"/>
           </a:p>
@@ -17232,7 +17232,7 @@
           <a:p>
             <a:r>
               <a:rPr lang="en-US" smtClean="0"/>
-              <a:t>8/15/2017</a:t>
+              <a:t>2017/15/09</a:t>
             </a:r>
             <a:endParaRPr lang="de-DE"/>
           </a:p>
@@ -17355,7 +17355,7 @@
           <a:p>
             <a:r>
               <a:rPr lang="en-US" smtClean="0"/>
-              <a:t>8/15/2017</a:t>
+              <a:t>2017/15/09</a:t>
             </a:r>
             <a:endParaRPr lang="de-DE"/>
           </a:p>
@@ -17535,7 +17535,7 @@
           <a:p>
             <a:r>
               <a:rPr lang="en-US" smtClean="0"/>
-              <a:t>8/15/2017</a:t>
+              <a:t>2017/15/09</a:t>
             </a:r>
             <a:endParaRPr lang="de-DE"/>
           </a:p>
@@ -17772,7 +17772,7 @@
           <a:p>
             <a:r>
               <a:rPr lang="en-US" smtClean="0"/>
-              <a:t>8/15/2017</a:t>
+              <a:t>2017/15/09</a:t>
             </a:r>
             <a:endParaRPr lang="de-DE"/>
           </a:p>
@@ -18152,7 +18152,7 @@
           <a:p>
             <a:r>
               <a:rPr lang="en-US" smtClean="0"/>
-              <a:t>8/15/2017</a:t>
+              <a:t>2017/15/09</a:t>
             </a:r>
             <a:endParaRPr lang="de-DE"/>
           </a:p>
@@ -18527,7 +18527,7 @@
           <a:p>
             <a:r>
               <a:rPr lang="en-US" smtClean="0"/>
-              <a:t>8/15/2017</a:t>
+              <a:t>2017/15/09</a:t>
             </a:r>
             <a:endParaRPr lang="de-DE"/>
           </a:p>
@@ -18976,7 +18976,7 @@
           <a:p>
             <a:r>
               <a:rPr lang="en-US" smtClean="0"/>
-              <a:t>8/15/2017</a:t>
+              <a:t>2017/15/09</a:t>
             </a:r>
             <a:endParaRPr lang="de-DE"/>
           </a:p>
@@ -19666,7 +19666,7 @@
           <a:p>
             <a:r>
               <a:rPr lang="en-US" smtClean="0"/>
-              <a:t>8/15/2017</a:t>
+              <a:t>2017/15/09</a:t>
             </a:r>
             <a:endParaRPr lang="en-US"/>
           </a:p>
@@ -19707,6 +19707,13 @@
   <p:clrMapOvr>
     <a:masterClrMapping/>
   </p:clrMapOvr>
+  <p:timing>
+    <p:tnLst>
+      <p:par>
+        <p:cTn id="1" dur="indefinite" restart="never" nodeType="tmRoot"/>
+      </p:par>
+    </p:tnLst>
+  </p:timing>
 </p:sld>
 </file>
 
@@ -19814,7 +19821,7 @@
           <a:p>
             <a:r>
               <a:rPr lang="en-US" smtClean="0"/>
-              <a:t>8/15/2017</a:t>
+              <a:t>2017/15/09</a:t>
             </a:r>
             <a:endParaRPr lang="en-US"/>
           </a:p>
@@ -19993,7 +20000,7 @@
             </a:pPr>
             <a:r>
               <a:rPr lang="en-US" smtClean="0"/>
-              <a:t>8/15/2017</a:t>
+              <a:t>2017/15/09</a:t>
             </a:r>
             <a:endParaRPr lang="de-DE" dirty="0"/>
           </a:p>
@@ -20243,7 +20250,7 @@
           <a:p>
             <a:r>
               <a:rPr lang="en-US" smtClean="0"/>
-              <a:t>8/15/2017</a:t>
+              <a:t>2017/15/09</a:t>
             </a:r>
             <a:endParaRPr lang="en-US"/>
           </a:p>
@@ -20498,7 +20505,7 @@
           <a:p>
             <a:r>
               <a:rPr lang="en-US" smtClean="0"/>
-              <a:t>8/15/2017</a:t>
+              <a:t>2017/15/09</a:t>
             </a:r>
             <a:endParaRPr lang="en-US"/>
           </a:p>
@@ -20718,7 +20725,7 @@
           <a:p>
             <a:r>
               <a:rPr lang="en-US" smtClean="0"/>
-              <a:t>8/15/2017</a:t>
+              <a:t>2017/15/09</a:t>
             </a:r>
             <a:endParaRPr lang="en-US"/>
           </a:p>
@@ -21552,7 +21559,7 @@
             </a:pPr>
             <a:r>
               <a:rPr lang="en-US" smtClean="0"/>
-              <a:t>8/15/2017</a:t>
+              <a:t>2017/15/09</a:t>
             </a:r>
             <a:endParaRPr lang="de-DE" dirty="0"/>
           </a:p>
@@ -21806,7 +21813,7 @@
           <a:p>
             <a:r>
               <a:rPr lang="en-US" smtClean="0"/>
-              <a:t>8/15/2017</a:t>
+              <a:t>2017/15/09</a:t>
             </a:r>
             <a:endParaRPr lang="en-US"/>
           </a:p>
@@ -22309,7 +22316,7 @@
           <a:p>
             <a:r>
               <a:rPr lang="en-US" smtClean="0"/>
-              <a:t>8/15/2017</a:t>
+              <a:t>2017/15/09</a:t>
             </a:r>
             <a:endParaRPr lang="en-US"/>
           </a:p>
@@ -22858,7 +22865,7 @@
             </a:pPr>
             <a:r>
               <a:rPr lang="en-US" smtClean="0"/>
-              <a:t>8/15/2017</a:t>
+              <a:t>2017/15/09</a:t>
             </a:r>
             <a:endParaRPr lang="de-DE" dirty="0"/>
           </a:p>
@@ -23104,7 +23111,7 @@
             </a:pPr>
             <a:r>
               <a:rPr lang="en-US" smtClean="0"/>
-              <a:t>8/15/2017</a:t>
+              <a:t>2017/15/09</a:t>
             </a:r>
             <a:endParaRPr lang="de-DE" dirty="0"/>
           </a:p>
@@ -23358,7 +23365,7 @@
           <a:p>
             <a:r>
               <a:rPr lang="en-US" smtClean="0"/>
-              <a:t>8/15/2017</a:t>
+              <a:t>2017/15/09</a:t>
             </a:r>
             <a:endParaRPr lang="en-US"/>
           </a:p>
@@ -23921,7 +23928,7 @@
           <a:p>
             <a:r>
               <a:rPr lang="en-US" smtClean="0"/>
-              <a:t>8/15/2017</a:t>
+              <a:t>2017/15/09</a:t>
             </a:r>
             <a:endParaRPr lang="en-US"/>
           </a:p>
@@ -24200,7 +24207,7 @@
             </a:pPr>
             <a:r>
               <a:rPr lang="en-US" smtClean="0"/>
-              <a:t>8/15/2017</a:t>
+              <a:t>2017/15/09</a:t>
             </a:r>
             <a:endParaRPr lang="de-DE" dirty="0"/>
           </a:p>
@@ -24454,7 +24461,7 @@
           <a:p>
             <a:r>
               <a:rPr lang="en-US" smtClean="0"/>
-              <a:t>8/15/2017</a:t>
+              <a:t>2017/15/09</a:t>
             </a:r>
             <a:endParaRPr lang="en-US"/>
           </a:p>
@@ -25331,7 +25338,7 @@
           <a:p>
             <a:r>
               <a:rPr lang="en-US" smtClean="0"/>
-              <a:t>8/15/2017</a:t>
+              <a:t>2017/15/09</a:t>
             </a:r>
             <a:endParaRPr lang="en-US"/>
           </a:p>
@@ -25620,7 +25627,7 @@
           <a:p>
             <a:r>
               <a:rPr lang="en-US" smtClean="0"/>
-              <a:t>8/15/2017</a:t>
+              <a:t>2017/15/09</a:t>
             </a:r>
             <a:endParaRPr lang="en-US"/>
           </a:p>
@@ -25933,7 +25940,7 @@
             </a:pPr>
             <a:r>
               <a:rPr lang="en-US" smtClean="0"/>
-              <a:t>8/15/2017</a:t>
+              <a:t>2017/15/09</a:t>
             </a:r>
             <a:endParaRPr lang="de-DE" dirty="0"/>
           </a:p>
@@ -26264,7 +26271,7 @@
             </a:pPr>
             <a:r>
               <a:rPr lang="en-US" smtClean="0"/>
-              <a:t>8/15/2017</a:t>
+              <a:t>2017/15/09</a:t>
             </a:r>
             <a:endParaRPr lang="de-DE"/>
           </a:p>
@@ -27967,7 +27974,7 @@
             </a:pPr>
             <a:r>
               <a:rPr lang="en-US" smtClean="0"/>
-              <a:t>8/15/2017</a:t>
+              <a:t>2017/15/09</a:t>
             </a:r>
             <a:endParaRPr lang="de-DE"/>
           </a:p>
@@ -28178,7 +28185,7 @@
             </a:pPr>
             <a:r>
               <a:rPr lang="en-US" smtClean="0"/>
-              <a:t>8/15/2017</a:t>
+              <a:t>2017/15/09</a:t>
             </a:r>
             <a:endParaRPr lang="de-DE"/>
           </a:p>
@@ -28382,7 +28389,7 @@
           <a:p>
             <a:r>
               <a:rPr lang="en-US" smtClean="0"/>
-              <a:t>8/15/2017</a:t>
+              <a:t>2017/15/09</a:t>
             </a:r>
             <a:endParaRPr lang="en-US"/>
           </a:p>
@@ -28555,6 +28562,13 @@
   <p:clrMapOvr>
     <a:masterClrMapping/>
   </p:clrMapOvr>
+  <p:timing>
+    <p:tnLst>
+      <p:par>
+        <p:cTn id="1" dur="indefinite" restart="never" nodeType="tmRoot"/>
+      </p:par>
+    </p:tnLst>
+  </p:timing>
 </p:sld>
 </file>
 
@@ -28662,7 +28676,7 @@
           <a:p>
             <a:r>
               <a:rPr lang="en-US" smtClean="0"/>
-              <a:t>8/15/2017</a:t>
+              <a:t>2017/15/09</a:t>
             </a:r>
             <a:endParaRPr lang="en-US"/>
           </a:p>
@@ -28678,7 +28692,7 @@
             <p:ph sz="quarter" idx="13"/>
             <p:extLst>
               <p:ext uri="{D42A27DB-BD31-4B8C-83A1-F6EECF244321}">
-                <p14:modId xmlns:p14="http://schemas.microsoft.com/office/powerpoint/2010/main" val="539819497"/>
+                <p14:modId xmlns:p14="http://schemas.microsoft.com/office/powerpoint/2010/main" val="832962010"/>
               </p:ext>
             </p:extLst>
           </p:nvPr>
@@ -28703,6 +28717,13 @@
   <p:clrMapOvr>
     <a:masterClrMapping/>
   </p:clrMapOvr>
+  <p:timing>
+    <p:tnLst>
+      <p:par>
+        <p:cTn id="1" dur="indefinite" restart="never" nodeType="tmRoot"/>
+      </p:par>
+    </p:tnLst>
+  </p:timing>
 </p:sld>
 </file>
 
@@ -28798,7 +28819,7 @@
             </a:pPr>
             <a:r>
               <a:rPr lang="en-US" smtClean="0"/>
-              <a:t>8/15/2017</a:t>
+              <a:t>2017/15/09</a:t>
             </a:r>
             <a:endParaRPr lang="de-DE" dirty="0"/>
           </a:p>
@@ -29048,7 +29069,7 @@
           <a:p>
             <a:r>
               <a:rPr lang="en-US" smtClean="0"/>
-              <a:t>8/15/2017</a:t>
+              <a:t>2017/15/09</a:t>
             </a:r>
             <a:endParaRPr lang="en-US"/>
           </a:p>
@@ -29160,6 +29181,13 @@
   <p:clrMapOvr>
     <a:masterClrMapping/>
   </p:clrMapOvr>
+  <p:timing>
+    <p:tnLst>
+      <p:par>
+        <p:cTn id="1" dur="indefinite" restart="never" nodeType="tmRoot"/>
+      </p:par>
+    </p:tnLst>
+  </p:timing>
 </p:sld>
 </file>
 
@@ -29439,7 +29467,7 @@
   <a:extraClrSchemeLst/>
   <a:extLst>
     <a:ext uri="{05A4C25C-085E-4340-85A3-A5531E510DB2}">
-      <thm15:themeFamily xmlns="" xmlns:thm15="http://schemas.microsoft.com/office/thememl/2012/main" name="TVD_PPT_Template_2015_16zu9_EN" id="{F393887C-EAB3-4964-9CF9-B05264B499B8}" vid="{503BEFE1-278E-4A27-A22C-0466040C4085}"/>
+      <thm15:themeFamily xmlns:thm15="http://schemas.microsoft.com/office/thememl/2012/main" xmlns="" name="TVD_PPT_Template_2015_16zu9_EN" id="{F393887C-EAB3-4964-9CF9-B05264B499B8}" vid="{503BEFE1-278E-4A27-A22C-0466040C4085}"/>
     </a:ext>
   </a:extLst>
 </a:theme>
@@ -30016,6 +30044,20 @@
 </file>
 
 <file path=customXml/item1.xml><?xml version="1.0" encoding="utf-8"?>
+<?mso-contentType ?>
+<SharedContentType xmlns="Microsoft.SharePoint.Taxonomy.ContentTypeSync" SourceId="a65b2c18-bff2-4ef1-b402-d17a1d2fd91d" ContentTypeId="0x0101003E03BD88464FD44EBFDF5226D4636C49" PreviousValue="false"/>
+</file>
+
+<file path=customXml/item2.xml><?xml version="1.0" encoding="utf-8"?>
+<?mso-contentType ?>
+<FormTemplates xmlns="http://schemas.microsoft.com/sharepoint/v3/contenttype/forms">
+  <Display>DocumentLibraryForm</Display>
+  <Edit>DocumentLibraryForm</Edit>
+  <New>DocumentLibraryForm</New>
+</FormTemplates>
+</file>
+
+<file path=customXml/item3.xml><?xml version="1.0" encoding="utf-8"?>
 <p:properties xmlns:p="http://schemas.microsoft.com/office/2006/metadata/properties" xmlns:xsi="http://www.w3.org/2001/XMLSchema-instance" xmlns:pc="http://schemas.microsoft.com/office/infopath/2007/PartnerControls">
   <documentManagement>
     <Responsible xmlns="http://schemas.microsoft.com/sharepoint/v3">
@@ -30029,20 +30071,6 @@
     <ValidTo xmlns="http://schemas.microsoft.com/sharepoint/v3">2016-10-06T22:00:00+00:00</ValidTo>
   </documentManagement>
 </p:properties>
-</file>
-
-<file path=customXml/item2.xml><?xml version="1.0" encoding="utf-8"?>
-<?mso-contentType ?>
-<FormTemplates xmlns="http://schemas.microsoft.com/sharepoint/v3/contenttype/forms">
-  <Display>DocumentLibraryForm</Display>
-  <Edit>DocumentLibraryForm</Edit>
-  <New>DocumentLibraryForm</New>
-</FormTemplates>
-</file>
-
-<file path=customXml/item3.xml><?xml version="1.0" encoding="utf-8"?>
-<?mso-contentType ?>
-<SharedContentType xmlns="Microsoft.SharePoint.Taxonomy.ContentTypeSync" SourceId="a65b2c18-bff2-4ef1-b402-d17a1d2fd91d" ContentTypeId="0x0101003E03BD88464FD44EBFDF5226D4636C49" PreviousValue="false"/>
 </file>
 
 <file path=customXml/item4.xml><?xml version="1.0" encoding="utf-8"?>
@@ -30203,17 +30231,9 @@
 </file>
 
 <file path=customXml/itemProps1.xml><?xml version="1.0" encoding="utf-8"?>
-<ds:datastoreItem xmlns:ds="http://schemas.openxmlformats.org/officeDocument/2006/customXml" ds:itemID="{59B6694F-3729-4114-98C3-788E7B8B82D9}">
+<ds:datastoreItem xmlns:ds="http://schemas.openxmlformats.org/officeDocument/2006/customXml" ds:itemID="{6E7CD471-F64E-4411-BFA0-C30B2C654F2E}">
   <ds:schemaRefs>
-    <ds:schemaRef ds:uri="http://schemas.microsoft.com/office/2006/metadata/properties"/>
-    <ds:schemaRef ds:uri="http://schemas.microsoft.com/sharepoint/v3"/>
-    <ds:schemaRef ds:uri="http://purl.org/dc/terms/"/>
-    <ds:schemaRef ds:uri="http://schemas.openxmlformats.org/package/2006/metadata/core-properties"/>
-    <ds:schemaRef ds:uri="http://schemas.microsoft.com/office/2006/documentManagement/types"/>
-    <ds:schemaRef ds:uri="http://www.w3.org/XML/1998/namespace"/>
-    <ds:schemaRef ds:uri="http://schemas.microsoft.com/office/infopath/2007/PartnerControls"/>
-    <ds:schemaRef ds:uri="http://purl.org/dc/elements/1.1/"/>
-    <ds:schemaRef ds:uri="http://purl.org/dc/dcmitype/"/>
+    <ds:schemaRef ds:uri="Microsoft.SharePoint.Taxonomy.ContentTypeSync"/>
   </ds:schemaRefs>
 </ds:datastoreItem>
 </file>
@@ -30227,9 +30247,17 @@
 </file>
 
 <file path=customXml/itemProps3.xml><?xml version="1.0" encoding="utf-8"?>
-<ds:datastoreItem xmlns:ds="http://schemas.openxmlformats.org/officeDocument/2006/customXml" ds:itemID="{6E7CD471-F64E-4411-BFA0-C30B2C654F2E}">
+<ds:datastoreItem xmlns:ds="http://schemas.openxmlformats.org/officeDocument/2006/customXml" ds:itemID="{59B6694F-3729-4114-98C3-788E7B8B82D9}">
   <ds:schemaRefs>
-    <ds:schemaRef ds:uri="Microsoft.SharePoint.Taxonomy.ContentTypeSync"/>
+    <ds:schemaRef ds:uri="http://schemas.microsoft.com/office/2006/metadata/properties"/>
+    <ds:schemaRef ds:uri="http://schemas.microsoft.com/sharepoint/v3"/>
+    <ds:schemaRef ds:uri="http://purl.org/dc/terms/"/>
+    <ds:schemaRef ds:uri="http://schemas.openxmlformats.org/package/2006/metadata/core-properties"/>
+    <ds:schemaRef ds:uri="http://schemas.microsoft.com/office/2006/documentManagement/types"/>
+    <ds:schemaRef ds:uri="http://www.w3.org/XML/1998/namespace"/>
+    <ds:schemaRef ds:uri="http://schemas.microsoft.com/office/infopath/2007/PartnerControls"/>
+    <ds:schemaRef ds:uri="http://purl.org/dc/elements/1.1/"/>
+    <ds:schemaRef ds:uri="http://purl.org/dc/dcmitype/"/>
   </ds:schemaRefs>
 </ds:datastoreItem>
 </file>
